--- a/TheTitans.pptx
+++ b/TheTitans.pptx
@@ -1,25 +1,25 @@
 
 <file path=ppt/presentation.xml><?xml version="1.0" encoding="utf-8"?>
-<p:presentation xmlns:a="http://schemas.openxmlformats.org/drawingml/2006/main" xmlns:r="http://schemas.openxmlformats.org/officeDocument/2006/relationships" xmlns:mc="http://schemas.openxmlformats.org/markup-compatibility/2006" xmlns:mv="urn:schemas-microsoft-com:mac:vml" xmlns:p="http://schemas.openxmlformats.org/presentationml/2006/main" xmlns:c="http://schemas.openxmlformats.org/drawingml/2006/chart" xmlns:dgm="http://schemas.openxmlformats.org/drawingml/2006/diagram" xmlns:o="urn:schemas-microsoft-com:office:office" xmlns:v="urn:schemas-microsoft-com:vml" xmlns:pvml="urn:schemas-microsoft-com:office:powerpoint" xmlns:com="http://schemas.openxmlformats.org/drawingml/2006/compatibility" xmlns:p14="http://schemas.microsoft.com/office/powerpoint/2010/main" xmlns:p15="http://schemas.microsoft.com/office/powerpoint/2012/main" xmlns:ahyp="http://schemas.microsoft.com/office/drawing/2018/hyperlinkcolor" autoCompressPictures="0" strictFirstAndLastChars="0" saveSubsetFonts="1">
+<p:presentation xmlns:a="http://schemas.openxmlformats.org/drawingml/2006/main" xmlns:r="http://schemas.openxmlformats.org/officeDocument/2006/relationships" xmlns:p="http://schemas.openxmlformats.org/presentationml/2006/main" strictFirstAndLastChars="0" autoCompressPictures="0">
   <p:sldMasterIdLst>
-    <p:sldMasterId id="2147483659" r:id="rId4"/>
+    <p:sldMasterId id="2147483648" r:id="rId1"/>
   </p:sldMasterIdLst>
   <p:notesMasterIdLst>
-    <p:notesMasterId r:id="rId5"/>
+    <p:notesMasterId r:id="rId4"/>
   </p:notesMasterIdLst>
   <p:sldIdLst>
-    <p:sldId id="256" r:id="rId6"/>
-    <p:sldId id="257" r:id="rId7"/>
-    <p:sldId id="258" r:id="rId8"/>
-    <p:sldId id="259" r:id="rId9"/>
-    <p:sldId id="260" r:id="rId10"/>
-    <p:sldId id="261" r:id="rId11"/>
-    <p:sldId id="262" r:id="rId12"/>
+    <p:sldId id="256" r:id="rId3"/>
+    <p:sldId id="257" r:id="rId5"/>
+    <p:sldId id="258" r:id="rId6"/>
+    <p:sldId id="259" r:id="rId7"/>
+    <p:sldId id="260" r:id="rId8"/>
+    <p:sldId id="261" r:id="rId9"/>
+    <p:sldId id="262" r:id="rId10"/>
   </p:sldIdLst>
-  <p:sldSz cy="6858000" cx="9144000"/>
+  <p:sldSz cx="9144000" cy="6858000"/>
   <p:notesSz cx="6858000" cy="9144000"/>
   <p:defaultTextStyle>
-    <a:defPPr lvl="0" marR="0" rtl="0" algn="l">
+    <a:defPPr marR="0" lvl="0" algn="l" rtl="0">
       <a:lnSpc>
         <a:spcPct val="100000"/>
       </a:lnSpc>
@@ -30,7 +30,7 @@
         <a:spcPts val="0"/>
       </a:spcAft>
     </a:defPPr>
-    <a:lvl1pPr lvl="0" marR="0" rtl="0" algn="l">
+    <a:lvl1pPr marR="0" lvl="0" algn="l" rtl="0">
       <a:lnSpc>
         <a:spcPct val="100000"/>
       </a:lnSpc>
@@ -43,18 +43,18 @@
       <a:buClr>
         <a:srgbClr val="000000"/>
       </a:buClr>
-      <a:buFont typeface="Arial"/>
-      <a:defRPr b="0" i="0" sz="1400" u="none" cap="none" strike="noStrike">
+      <a:buFont typeface="Arial" panose="020B0604020202020204"/>
+      <a:defRPr sz="1400" b="0" i="0" u="none" strike="noStrike" cap="none">
         <a:solidFill>
           <a:srgbClr val="000000"/>
         </a:solidFill>
-        <a:latin typeface="Arial"/>
-        <a:ea typeface="Arial"/>
-        <a:cs typeface="Arial"/>
-        <a:sym typeface="Arial"/>
+        <a:latin typeface="Arial" panose="020B0604020202020204"/>
+        <a:ea typeface="Arial" panose="020B0604020202020204"/>
+        <a:cs typeface="Arial" panose="020B0604020202020204"/>
+        <a:sym typeface="Arial" panose="020B0604020202020204"/>
       </a:defRPr>
     </a:lvl1pPr>
-    <a:lvl2pPr lvl="1" marR="0" rtl="0" algn="l">
+    <a:lvl2pPr marR="0" lvl="1" algn="l" rtl="0">
       <a:lnSpc>
         <a:spcPct val="100000"/>
       </a:lnSpc>
@@ -67,18 +67,18 @@
       <a:buClr>
         <a:srgbClr val="000000"/>
       </a:buClr>
-      <a:buFont typeface="Arial"/>
-      <a:defRPr b="0" i="0" sz="1400" u="none" cap="none" strike="noStrike">
+      <a:buFont typeface="Arial" panose="020B0604020202020204"/>
+      <a:defRPr sz="1400" b="0" i="0" u="none" strike="noStrike" cap="none">
         <a:solidFill>
           <a:srgbClr val="000000"/>
         </a:solidFill>
-        <a:latin typeface="Arial"/>
-        <a:ea typeface="Arial"/>
-        <a:cs typeface="Arial"/>
-        <a:sym typeface="Arial"/>
+        <a:latin typeface="Arial" panose="020B0604020202020204"/>
+        <a:ea typeface="Arial" panose="020B0604020202020204"/>
+        <a:cs typeface="Arial" panose="020B0604020202020204"/>
+        <a:sym typeface="Arial" panose="020B0604020202020204"/>
       </a:defRPr>
     </a:lvl2pPr>
-    <a:lvl3pPr lvl="2" marR="0" rtl="0" algn="l">
+    <a:lvl3pPr marR="0" lvl="2" algn="l" rtl="0">
       <a:lnSpc>
         <a:spcPct val="100000"/>
       </a:lnSpc>
@@ -91,18 +91,18 @@
       <a:buClr>
         <a:srgbClr val="000000"/>
       </a:buClr>
-      <a:buFont typeface="Arial"/>
-      <a:defRPr b="0" i="0" sz="1400" u="none" cap="none" strike="noStrike">
+      <a:buFont typeface="Arial" panose="020B0604020202020204"/>
+      <a:defRPr sz="1400" b="0" i="0" u="none" strike="noStrike" cap="none">
         <a:solidFill>
           <a:srgbClr val="000000"/>
         </a:solidFill>
-        <a:latin typeface="Arial"/>
-        <a:ea typeface="Arial"/>
-        <a:cs typeface="Arial"/>
-        <a:sym typeface="Arial"/>
+        <a:latin typeface="Arial" panose="020B0604020202020204"/>
+        <a:ea typeface="Arial" panose="020B0604020202020204"/>
+        <a:cs typeface="Arial" panose="020B0604020202020204"/>
+        <a:sym typeface="Arial" panose="020B0604020202020204"/>
       </a:defRPr>
     </a:lvl3pPr>
-    <a:lvl4pPr lvl="3" marR="0" rtl="0" algn="l">
+    <a:lvl4pPr marR="0" lvl="3" algn="l" rtl="0">
       <a:lnSpc>
         <a:spcPct val="100000"/>
       </a:lnSpc>
@@ -115,18 +115,18 @@
       <a:buClr>
         <a:srgbClr val="000000"/>
       </a:buClr>
-      <a:buFont typeface="Arial"/>
-      <a:defRPr b="0" i="0" sz="1400" u="none" cap="none" strike="noStrike">
+      <a:buFont typeface="Arial" panose="020B0604020202020204"/>
+      <a:defRPr sz="1400" b="0" i="0" u="none" strike="noStrike" cap="none">
         <a:solidFill>
           <a:srgbClr val="000000"/>
         </a:solidFill>
-        <a:latin typeface="Arial"/>
-        <a:ea typeface="Arial"/>
-        <a:cs typeface="Arial"/>
-        <a:sym typeface="Arial"/>
+        <a:latin typeface="Arial" panose="020B0604020202020204"/>
+        <a:ea typeface="Arial" panose="020B0604020202020204"/>
+        <a:cs typeface="Arial" panose="020B0604020202020204"/>
+        <a:sym typeface="Arial" panose="020B0604020202020204"/>
       </a:defRPr>
     </a:lvl4pPr>
-    <a:lvl5pPr lvl="4" marR="0" rtl="0" algn="l">
+    <a:lvl5pPr marR="0" lvl="4" algn="l" rtl="0">
       <a:lnSpc>
         <a:spcPct val="100000"/>
       </a:lnSpc>
@@ -139,18 +139,18 @@
       <a:buClr>
         <a:srgbClr val="000000"/>
       </a:buClr>
-      <a:buFont typeface="Arial"/>
-      <a:defRPr b="0" i="0" sz="1400" u="none" cap="none" strike="noStrike">
+      <a:buFont typeface="Arial" panose="020B0604020202020204"/>
+      <a:defRPr sz="1400" b="0" i="0" u="none" strike="noStrike" cap="none">
         <a:solidFill>
           <a:srgbClr val="000000"/>
         </a:solidFill>
-        <a:latin typeface="Arial"/>
-        <a:ea typeface="Arial"/>
-        <a:cs typeface="Arial"/>
-        <a:sym typeface="Arial"/>
+        <a:latin typeface="Arial" panose="020B0604020202020204"/>
+        <a:ea typeface="Arial" panose="020B0604020202020204"/>
+        <a:cs typeface="Arial" panose="020B0604020202020204"/>
+        <a:sym typeface="Arial" panose="020B0604020202020204"/>
       </a:defRPr>
     </a:lvl5pPr>
-    <a:lvl6pPr lvl="5" marR="0" rtl="0" algn="l">
+    <a:lvl6pPr marR="0" lvl="5" algn="l" rtl="0">
       <a:lnSpc>
         <a:spcPct val="100000"/>
       </a:lnSpc>
@@ -163,18 +163,18 @@
       <a:buClr>
         <a:srgbClr val="000000"/>
       </a:buClr>
-      <a:buFont typeface="Arial"/>
-      <a:defRPr b="0" i="0" sz="1400" u="none" cap="none" strike="noStrike">
+      <a:buFont typeface="Arial" panose="020B0604020202020204"/>
+      <a:defRPr sz="1400" b="0" i="0" u="none" strike="noStrike" cap="none">
         <a:solidFill>
           <a:srgbClr val="000000"/>
         </a:solidFill>
-        <a:latin typeface="Arial"/>
-        <a:ea typeface="Arial"/>
-        <a:cs typeface="Arial"/>
-        <a:sym typeface="Arial"/>
+        <a:latin typeface="Arial" panose="020B0604020202020204"/>
+        <a:ea typeface="Arial" panose="020B0604020202020204"/>
+        <a:cs typeface="Arial" panose="020B0604020202020204"/>
+        <a:sym typeface="Arial" panose="020B0604020202020204"/>
       </a:defRPr>
     </a:lvl6pPr>
-    <a:lvl7pPr lvl="6" marR="0" rtl="0" algn="l">
+    <a:lvl7pPr marR="0" lvl="6" algn="l" rtl="0">
       <a:lnSpc>
         <a:spcPct val="100000"/>
       </a:lnSpc>
@@ -187,18 +187,18 @@
       <a:buClr>
         <a:srgbClr val="000000"/>
       </a:buClr>
-      <a:buFont typeface="Arial"/>
-      <a:defRPr b="0" i="0" sz="1400" u="none" cap="none" strike="noStrike">
+      <a:buFont typeface="Arial" panose="020B0604020202020204"/>
+      <a:defRPr sz="1400" b="0" i="0" u="none" strike="noStrike" cap="none">
         <a:solidFill>
           <a:srgbClr val="000000"/>
         </a:solidFill>
-        <a:latin typeface="Arial"/>
-        <a:ea typeface="Arial"/>
-        <a:cs typeface="Arial"/>
-        <a:sym typeface="Arial"/>
+        <a:latin typeface="Arial" panose="020B0604020202020204"/>
+        <a:ea typeface="Arial" panose="020B0604020202020204"/>
+        <a:cs typeface="Arial" panose="020B0604020202020204"/>
+        <a:sym typeface="Arial" panose="020B0604020202020204"/>
       </a:defRPr>
     </a:lvl7pPr>
-    <a:lvl8pPr lvl="7" marR="0" rtl="0" algn="l">
+    <a:lvl8pPr marR="0" lvl="7" algn="l" rtl="0">
       <a:lnSpc>
         <a:spcPct val="100000"/>
       </a:lnSpc>
@@ -211,18 +211,18 @@
       <a:buClr>
         <a:srgbClr val="000000"/>
       </a:buClr>
-      <a:buFont typeface="Arial"/>
-      <a:defRPr b="0" i="0" sz="1400" u="none" cap="none" strike="noStrike">
+      <a:buFont typeface="Arial" panose="020B0604020202020204"/>
+      <a:defRPr sz="1400" b="0" i="0" u="none" strike="noStrike" cap="none">
         <a:solidFill>
           <a:srgbClr val="000000"/>
         </a:solidFill>
-        <a:latin typeface="Arial"/>
-        <a:ea typeface="Arial"/>
-        <a:cs typeface="Arial"/>
-        <a:sym typeface="Arial"/>
+        <a:latin typeface="Arial" panose="020B0604020202020204"/>
+        <a:ea typeface="Arial" panose="020B0604020202020204"/>
+        <a:cs typeface="Arial" panose="020B0604020202020204"/>
+        <a:sym typeface="Arial" panose="020B0604020202020204"/>
       </a:defRPr>
     </a:lvl8pPr>
-    <a:lvl9pPr lvl="8" marR="0" rtl="0" algn="l">
+    <a:lvl9pPr marR="0" lvl="8" algn="l" rtl="0">
       <a:lnSpc>
         <a:spcPct val="100000"/>
       </a:lnSpc>
@@ -235,40 +235,29 @@
       <a:buClr>
         <a:srgbClr val="000000"/>
       </a:buClr>
-      <a:buFont typeface="Arial"/>
-      <a:defRPr b="0" i="0" sz="1400" u="none" cap="none" strike="noStrike">
+      <a:buFont typeface="Arial" panose="020B0604020202020204"/>
+      <a:defRPr sz="1400" b="0" i="0" u="none" strike="noStrike" cap="none">
         <a:solidFill>
           <a:srgbClr val="000000"/>
         </a:solidFill>
-        <a:latin typeface="Arial"/>
-        <a:ea typeface="Arial"/>
-        <a:cs typeface="Arial"/>
-        <a:sym typeface="Arial"/>
+        <a:latin typeface="Arial" panose="020B0604020202020204"/>
+        <a:ea typeface="Arial" panose="020B0604020202020204"/>
+        <a:cs typeface="Arial" panose="020B0604020202020204"/>
+        <a:sym typeface="Arial" panose="020B0604020202020204"/>
       </a:defRPr>
     </a:lvl9pPr>
   </p:defaultTextStyle>
-  <p:extLst>
-    <p:ext uri="{EFAFB233-063F-42B5-8137-9DF3F51BA10A}">
-      <p15:sldGuideLst>
-        <p15:guide id="1" orient="horz" pos="2160">
-          <p15:clr>
-            <a:srgbClr val="A4A3A4"/>
-          </p15:clr>
-        </p15:guide>
-        <p15:guide id="2" pos="2880">
-          <p15:clr>
-            <a:srgbClr val="A4A3A4"/>
-          </p15:clr>
-        </p15:guide>
-      </p15:sldGuideLst>
-    </p:ext>
-  </p:extLst>
 </p:presentation>
 </file>
 
 <file path=ppt/notesMasters/notesMaster1.xml><?xml version="1.0" encoding="utf-8"?>
-<p:notesMaster xmlns:a="http://schemas.openxmlformats.org/drawingml/2006/main" xmlns:r="http://schemas.openxmlformats.org/officeDocument/2006/relationships" xmlns:mc="http://schemas.openxmlformats.org/markup-compatibility/2006" xmlns:mv="urn:schemas-microsoft-com:mac:vml" xmlns:p="http://schemas.openxmlformats.org/presentationml/2006/main" xmlns:c="http://schemas.openxmlformats.org/drawingml/2006/chart" xmlns:dgm="http://schemas.openxmlformats.org/drawingml/2006/diagram" xmlns:o="urn:schemas-microsoft-com:office:office" xmlns:v="urn:schemas-microsoft-com:vml" xmlns:pvml="urn:schemas-microsoft-com:office:powerpoint" xmlns:com="http://schemas.openxmlformats.org/drawingml/2006/compatibility" xmlns:p14="http://schemas.microsoft.com/office/powerpoint/2010/main" xmlns:p15="http://schemas.microsoft.com/office/powerpoint/2012/main" xmlns:ahyp="http://schemas.microsoft.com/office/drawing/2018/hyperlinkcolor">
+<p:notesMaster xmlns:a="http://schemas.openxmlformats.org/drawingml/2006/main" xmlns:r="http://schemas.openxmlformats.org/officeDocument/2006/relationships" xmlns:p="http://schemas.openxmlformats.org/presentationml/2006/main">
   <p:cSld>
+    <p:bg>
+      <p:bgRef idx="1001">
+        <a:schemeClr val="bg1"/>
+      </p:bgRef>
+    </p:bg>
     <p:spTree>
       <p:nvGrpSpPr>
         <p:cNvPr id="2" name="Shape 2"/>
@@ -288,7 +277,7 @@
           <p:cNvPr id="3" name="Google Shape;3;n"/>
           <p:cNvSpPr/>
           <p:nvPr>
-            <p:ph idx="2" type="sldImg"/>
+            <p:ph type="sldImg" idx="2"/>
           </p:nvPr>
         </p:nvSpPr>
         <p:spPr>
@@ -297,9 +286,13 @@
             <a:ext cx="4572225" cy="3429000"/>
           </a:xfrm>
           <a:custGeom>
-            <a:rect b="b" l="l" r="r" t="t"/>
+            <a:avLst/>
+            <a:gdLst/>
+            <a:ahLst/>
+            <a:cxnLst/>
+            <a:rect l="l" t="t" r="r" b="b"/>
             <a:pathLst>
-              <a:path extrusionOk="0" h="120000" w="120000">
+              <a:path w="120000" h="120000" extrusionOk="0">
                 <a:moveTo>
                   <a:pt x="0" y="0"/>
                 </a:moveTo>
@@ -317,14 +310,14 @@
             </a:pathLst>
           </a:custGeom>
           <a:noFill/>
-          <a:ln cap="flat" cmpd="sng" w="9525">
+          <a:ln w="9525" cap="flat" cmpd="sng">
             <a:solidFill>
               <a:srgbClr val="000000"/>
             </a:solidFill>
             <a:prstDash val="solid"/>
             <a:round/>
-            <a:headEnd len="sm" w="sm" type="none"/>
-            <a:tailEnd len="sm" w="sm" type="none"/>
+            <a:headEnd type="none" w="sm" len="sm"/>
+            <a:tailEnd type="none" w="sm" len="sm"/>
           </a:ln>
         </p:spPr>
       </p:sp>
@@ -333,7 +326,7 @@
           <p:cNvPr id="4" name="Google Shape;4;n"/>
           <p:cNvSpPr txBox="1"/>
           <p:nvPr>
-            <p:ph idx="1" type="body"/>
+            <p:ph type="body" idx="1"/>
           </p:nvPr>
         </p:nvSpPr>
         <p:spPr>
@@ -350,11 +343,11 @@
           </a:ln>
         </p:spPr>
         <p:txBody>
-          <a:bodyPr anchorCtr="0" anchor="t" bIns="91425" lIns="91425" spcFirstLastPara="1" rIns="91425" wrap="square" tIns="91425">
+          <a:bodyPr spcFirstLastPara="1" wrap="square" lIns="91425" tIns="91425" rIns="91425" bIns="91425" anchor="t" anchorCtr="0">
             <a:noAutofit/>
           </a:bodyPr>
           <a:lstStyle>
-            <a:lvl1pPr indent="-298450" lvl="0" marL="457200">
+            <a:lvl1pPr marL="457200" lvl="0" indent="-298450">
               <a:spcBef>
                 <a:spcPts val="0"/>
               </a:spcBef>
@@ -365,7 +358,7 @@
               <a:buChar char="●"/>
               <a:defRPr sz="1100"/>
             </a:lvl1pPr>
-            <a:lvl2pPr indent="-298450" lvl="1" marL="914400">
+            <a:lvl2pPr marL="914400" lvl="1" indent="-298450">
               <a:spcBef>
                 <a:spcPts val="0"/>
               </a:spcBef>
@@ -376,7 +369,7 @@
               <a:buChar char="○"/>
               <a:defRPr sz="1100"/>
             </a:lvl2pPr>
-            <a:lvl3pPr indent="-298450" lvl="2" marL="1371600">
+            <a:lvl3pPr marL="1371600" lvl="2" indent="-298450">
               <a:spcBef>
                 <a:spcPts val="0"/>
               </a:spcBef>
@@ -387,7 +380,7 @@
               <a:buChar char="■"/>
               <a:defRPr sz="1100"/>
             </a:lvl3pPr>
-            <a:lvl4pPr indent="-298450" lvl="3" marL="1828800">
+            <a:lvl4pPr marL="1828800" lvl="3" indent="-298450">
               <a:spcBef>
                 <a:spcPts val="0"/>
               </a:spcBef>
@@ -398,7 +391,7 @@
               <a:buChar char="●"/>
               <a:defRPr sz="1100"/>
             </a:lvl4pPr>
-            <a:lvl5pPr indent="-298450" lvl="4" marL="2286000">
+            <a:lvl5pPr marL="2286000" lvl="4" indent="-298450">
               <a:spcBef>
                 <a:spcPts val="0"/>
               </a:spcBef>
@@ -409,7 +402,7 @@
               <a:buChar char="○"/>
               <a:defRPr sz="1100"/>
             </a:lvl5pPr>
-            <a:lvl6pPr indent="-298450" lvl="5" marL="2743200">
+            <a:lvl6pPr marL="2743200" lvl="5" indent="-298450">
               <a:spcBef>
                 <a:spcPts val="0"/>
               </a:spcBef>
@@ -420,7 +413,7 @@
               <a:buChar char="■"/>
               <a:defRPr sz="1100"/>
             </a:lvl6pPr>
-            <a:lvl7pPr indent="-298450" lvl="6" marL="3200400">
+            <a:lvl7pPr marL="3200400" lvl="6" indent="-298450">
               <a:spcBef>
                 <a:spcPts val="0"/>
               </a:spcBef>
@@ -431,7 +424,7 @@
               <a:buChar char="●"/>
               <a:defRPr sz="1100"/>
             </a:lvl7pPr>
-            <a:lvl8pPr indent="-298450" lvl="7" marL="3657600">
+            <a:lvl8pPr marL="3657600" lvl="7" indent="-298450">
               <a:spcBef>
                 <a:spcPts val="0"/>
               </a:spcBef>
@@ -442,7 +435,7 @@
               <a:buChar char="○"/>
               <a:defRPr sz="1100"/>
             </a:lvl8pPr>
-            <a:lvl9pPr indent="-298450" lvl="8" marL="4114800">
+            <a:lvl9pPr marL="4114800" lvl="8" indent="-298450">
               <a:spcBef>
                 <a:spcPts val="0"/>
               </a:spcBef>
@@ -459,9 +452,9 @@
       </p:sp>
     </p:spTree>
   </p:cSld>
-  <p:clrMap accent1="accent1" accent2="accent2" accent3="accent3" accent4="accent4" accent5="accent5" accent6="accent6" bg1="lt1" bg2="dk2" tx1="dk1" tx2="lt2" folHlink="folHlink" hlink="hlink"/>
+  <p:clrMap bg1="lt1" tx1="dk1" bg2="dk2" tx2="lt2" accent1="accent1" accent2="accent2" accent3="accent3" accent4="accent4" accent5="accent5" accent6="accent6" hlink="hlink" folHlink="folHlink"/>
   <p:notesStyle>
-    <a:defPPr lvl="0" marR="0" rtl="0" algn="l">
+    <a:defPPr marR="0" lvl="0" algn="l" rtl="0">
       <a:lnSpc>
         <a:spcPct val="100000"/>
       </a:lnSpc>
@@ -472,7 +465,7 @@
         <a:spcPts val="0"/>
       </a:spcAft>
     </a:defPPr>
-    <a:lvl1pPr lvl="0" marR="0" rtl="0" algn="l">
+    <a:lvl1pPr marR="0" lvl="0" algn="l" rtl="0">
       <a:lnSpc>
         <a:spcPct val="100000"/>
       </a:lnSpc>
@@ -485,18 +478,18 @@
       <a:buClr>
         <a:srgbClr val="000000"/>
       </a:buClr>
-      <a:buFont typeface="Arial"/>
-      <a:defRPr b="0" i="0" sz="1400" u="none" cap="none" strike="noStrike">
+      <a:buFont typeface="Arial" panose="020B0604020202020204"/>
+      <a:defRPr sz="1400" b="0" i="0" u="none" strike="noStrike" cap="none">
         <a:solidFill>
           <a:srgbClr val="000000"/>
         </a:solidFill>
-        <a:latin typeface="Arial"/>
-        <a:ea typeface="Arial"/>
-        <a:cs typeface="Arial"/>
-        <a:sym typeface="Arial"/>
+        <a:latin typeface="Arial" panose="020B0604020202020204"/>
+        <a:ea typeface="Arial" panose="020B0604020202020204"/>
+        <a:cs typeface="Arial" panose="020B0604020202020204"/>
+        <a:sym typeface="Arial" panose="020B0604020202020204"/>
       </a:defRPr>
     </a:lvl1pPr>
-    <a:lvl2pPr lvl="1" marR="0" rtl="0" algn="l">
+    <a:lvl2pPr marR="0" lvl="1" algn="l" rtl="0">
       <a:lnSpc>
         <a:spcPct val="100000"/>
       </a:lnSpc>
@@ -509,18 +502,18 @@
       <a:buClr>
         <a:srgbClr val="000000"/>
       </a:buClr>
-      <a:buFont typeface="Arial"/>
-      <a:defRPr b="0" i="0" sz="1400" u="none" cap="none" strike="noStrike">
+      <a:buFont typeface="Arial" panose="020B0604020202020204"/>
+      <a:defRPr sz="1400" b="0" i="0" u="none" strike="noStrike" cap="none">
         <a:solidFill>
           <a:srgbClr val="000000"/>
         </a:solidFill>
-        <a:latin typeface="Arial"/>
-        <a:ea typeface="Arial"/>
-        <a:cs typeface="Arial"/>
-        <a:sym typeface="Arial"/>
+        <a:latin typeface="Arial" panose="020B0604020202020204"/>
+        <a:ea typeface="Arial" panose="020B0604020202020204"/>
+        <a:cs typeface="Arial" panose="020B0604020202020204"/>
+        <a:sym typeface="Arial" panose="020B0604020202020204"/>
       </a:defRPr>
     </a:lvl2pPr>
-    <a:lvl3pPr lvl="2" marR="0" rtl="0" algn="l">
+    <a:lvl3pPr marR="0" lvl="2" algn="l" rtl="0">
       <a:lnSpc>
         <a:spcPct val="100000"/>
       </a:lnSpc>
@@ -533,18 +526,18 @@
       <a:buClr>
         <a:srgbClr val="000000"/>
       </a:buClr>
-      <a:buFont typeface="Arial"/>
-      <a:defRPr b="0" i="0" sz="1400" u="none" cap="none" strike="noStrike">
+      <a:buFont typeface="Arial" panose="020B0604020202020204"/>
+      <a:defRPr sz="1400" b="0" i="0" u="none" strike="noStrike" cap="none">
         <a:solidFill>
           <a:srgbClr val="000000"/>
         </a:solidFill>
-        <a:latin typeface="Arial"/>
-        <a:ea typeface="Arial"/>
-        <a:cs typeface="Arial"/>
-        <a:sym typeface="Arial"/>
+        <a:latin typeface="Arial" panose="020B0604020202020204"/>
+        <a:ea typeface="Arial" panose="020B0604020202020204"/>
+        <a:cs typeface="Arial" panose="020B0604020202020204"/>
+        <a:sym typeface="Arial" panose="020B0604020202020204"/>
       </a:defRPr>
     </a:lvl3pPr>
-    <a:lvl4pPr lvl="3" marR="0" rtl="0" algn="l">
+    <a:lvl4pPr marR="0" lvl="3" algn="l" rtl="0">
       <a:lnSpc>
         <a:spcPct val="100000"/>
       </a:lnSpc>
@@ -557,18 +550,18 @@
       <a:buClr>
         <a:srgbClr val="000000"/>
       </a:buClr>
-      <a:buFont typeface="Arial"/>
-      <a:defRPr b="0" i="0" sz="1400" u="none" cap="none" strike="noStrike">
+      <a:buFont typeface="Arial" panose="020B0604020202020204"/>
+      <a:defRPr sz="1400" b="0" i="0" u="none" strike="noStrike" cap="none">
         <a:solidFill>
           <a:srgbClr val="000000"/>
         </a:solidFill>
-        <a:latin typeface="Arial"/>
-        <a:ea typeface="Arial"/>
-        <a:cs typeface="Arial"/>
-        <a:sym typeface="Arial"/>
+        <a:latin typeface="Arial" panose="020B0604020202020204"/>
+        <a:ea typeface="Arial" panose="020B0604020202020204"/>
+        <a:cs typeface="Arial" panose="020B0604020202020204"/>
+        <a:sym typeface="Arial" panose="020B0604020202020204"/>
       </a:defRPr>
     </a:lvl4pPr>
-    <a:lvl5pPr lvl="4" marR="0" rtl="0" algn="l">
+    <a:lvl5pPr marR="0" lvl="4" algn="l" rtl="0">
       <a:lnSpc>
         <a:spcPct val="100000"/>
       </a:lnSpc>
@@ -581,18 +574,18 @@
       <a:buClr>
         <a:srgbClr val="000000"/>
       </a:buClr>
-      <a:buFont typeface="Arial"/>
-      <a:defRPr b="0" i="0" sz="1400" u="none" cap="none" strike="noStrike">
+      <a:buFont typeface="Arial" panose="020B0604020202020204"/>
+      <a:defRPr sz="1400" b="0" i="0" u="none" strike="noStrike" cap="none">
         <a:solidFill>
           <a:srgbClr val="000000"/>
         </a:solidFill>
-        <a:latin typeface="Arial"/>
-        <a:ea typeface="Arial"/>
-        <a:cs typeface="Arial"/>
-        <a:sym typeface="Arial"/>
+        <a:latin typeface="Arial" panose="020B0604020202020204"/>
+        <a:ea typeface="Arial" panose="020B0604020202020204"/>
+        <a:cs typeface="Arial" panose="020B0604020202020204"/>
+        <a:sym typeface="Arial" panose="020B0604020202020204"/>
       </a:defRPr>
     </a:lvl5pPr>
-    <a:lvl6pPr lvl="5" marR="0" rtl="0" algn="l">
+    <a:lvl6pPr marR="0" lvl="5" algn="l" rtl="0">
       <a:lnSpc>
         <a:spcPct val="100000"/>
       </a:lnSpc>
@@ -605,18 +598,18 @@
       <a:buClr>
         <a:srgbClr val="000000"/>
       </a:buClr>
-      <a:buFont typeface="Arial"/>
-      <a:defRPr b="0" i="0" sz="1400" u="none" cap="none" strike="noStrike">
+      <a:buFont typeface="Arial" panose="020B0604020202020204"/>
+      <a:defRPr sz="1400" b="0" i="0" u="none" strike="noStrike" cap="none">
         <a:solidFill>
           <a:srgbClr val="000000"/>
         </a:solidFill>
-        <a:latin typeface="Arial"/>
-        <a:ea typeface="Arial"/>
-        <a:cs typeface="Arial"/>
-        <a:sym typeface="Arial"/>
+        <a:latin typeface="Arial" panose="020B0604020202020204"/>
+        <a:ea typeface="Arial" panose="020B0604020202020204"/>
+        <a:cs typeface="Arial" panose="020B0604020202020204"/>
+        <a:sym typeface="Arial" panose="020B0604020202020204"/>
       </a:defRPr>
     </a:lvl6pPr>
-    <a:lvl7pPr lvl="6" marR="0" rtl="0" algn="l">
+    <a:lvl7pPr marR="0" lvl="6" algn="l" rtl="0">
       <a:lnSpc>
         <a:spcPct val="100000"/>
       </a:lnSpc>
@@ -629,18 +622,18 @@
       <a:buClr>
         <a:srgbClr val="000000"/>
       </a:buClr>
-      <a:buFont typeface="Arial"/>
-      <a:defRPr b="0" i="0" sz="1400" u="none" cap="none" strike="noStrike">
+      <a:buFont typeface="Arial" panose="020B0604020202020204"/>
+      <a:defRPr sz="1400" b="0" i="0" u="none" strike="noStrike" cap="none">
         <a:solidFill>
           <a:srgbClr val="000000"/>
         </a:solidFill>
-        <a:latin typeface="Arial"/>
-        <a:ea typeface="Arial"/>
-        <a:cs typeface="Arial"/>
-        <a:sym typeface="Arial"/>
+        <a:latin typeface="Arial" panose="020B0604020202020204"/>
+        <a:ea typeface="Arial" panose="020B0604020202020204"/>
+        <a:cs typeface="Arial" panose="020B0604020202020204"/>
+        <a:sym typeface="Arial" panose="020B0604020202020204"/>
       </a:defRPr>
     </a:lvl7pPr>
-    <a:lvl8pPr lvl="7" marR="0" rtl="0" algn="l">
+    <a:lvl8pPr marR="0" lvl="7" algn="l" rtl="0">
       <a:lnSpc>
         <a:spcPct val="100000"/>
       </a:lnSpc>
@@ -653,18 +646,18 @@
       <a:buClr>
         <a:srgbClr val="000000"/>
       </a:buClr>
-      <a:buFont typeface="Arial"/>
-      <a:defRPr b="0" i="0" sz="1400" u="none" cap="none" strike="noStrike">
+      <a:buFont typeface="Arial" panose="020B0604020202020204"/>
+      <a:defRPr sz="1400" b="0" i="0" u="none" strike="noStrike" cap="none">
         <a:solidFill>
           <a:srgbClr val="000000"/>
         </a:solidFill>
-        <a:latin typeface="Arial"/>
-        <a:ea typeface="Arial"/>
-        <a:cs typeface="Arial"/>
-        <a:sym typeface="Arial"/>
+        <a:latin typeface="Arial" panose="020B0604020202020204"/>
+        <a:ea typeface="Arial" panose="020B0604020202020204"/>
+        <a:cs typeface="Arial" panose="020B0604020202020204"/>
+        <a:sym typeface="Arial" panose="020B0604020202020204"/>
       </a:defRPr>
     </a:lvl8pPr>
-    <a:lvl9pPr lvl="8" marR="0" rtl="0" algn="l">
+    <a:lvl9pPr marR="0" lvl="8" algn="l" rtl="0">
       <a:lnSpc>
         <a:spcPct val="100000"/>
       </a:lnSpc>
@@ -677,15 +670,15 @@
       <a:buClr>
         <a:srgbClr val="000000"/>
       </a:buClr>
-      <a:buFont typeface="Arial"/>
-      <a:defRPr b="0" i="0" sz="1400" u="none" cap="none" strike="noStrike">
+      <a:buFont typeface="Arial" panose="020B0604020202020204"/>
+      <a:defRPr sz="1400" b="0" i="0" u="none" strike="noStrike" cap="none">
         <a:solidFill>
           <a:srgbClr val="000000"/>
         </a:solidFill>
-        <a:latin typeface="Arial"/>
-        <a:ea typeface="Arial"/>
-        <a:cs typeface="Arial"/>
-        <a:sym typeface="Arial"/>
+        <a:latin typeface="Arial" panose="020B0604020202020204"/>
+        <a:ea typeface="Arial" panose="020B0604020202020204"/>
+        <a:cs typeface="Arial" panose="020B0604020202020204"/>
+        <a:sym typeface="Arial" panose="020B0604020202020204"/>
       </a:defRPr>
     </a:lvl9pPr>
   </p:notesStyle>
@@ -693,7 +686,7 @@
 </file>
 
 <file path=ppt/notesSlides/notesSlide1.xml><?xml version="1.0" encoding="utf-8"?>
-<p:notes xmlns:a="http://schemas.openxmlformats.org/drawingml/2006/main" xmlns:r="http://schemas.openxmlformats.org/officeDocument/2006/relationships" xmlns:mc="http://schemas.openxmlformats.org/markup-compatibility/2006" xmlns:mv="urn:schemas-microsoft-com:mac:vml" xmlns:p="http://schemas.openxmlformats.org/presentationml/2006/main" xmlns:c="http://schemas.openxmlformats.org/drawingml/2006/chart" xmlns:dgm="http://schemas.openxmlformats.org/drawingml/2006/diagram" xmlns:o="urn:schemas-microsoft-com:office:office" xmlns:v="urn:schemas-microsoft-com:vml" xmlns:pvml="urn:schemas-microsoft-com:office:powerpoint" xmlns:com="http://schemas.openxmlformats.org/drawingml/2006/compatibility" xmlns:p14="http://schemas.microsoft.com/office/powerpoint/2010/main" xmlns:p15="http://schemas.microsoft.com/office/powerpoint/2012/main" xmlns:ahyp="http://schemas.microsoft.com/office/drawing/2018/hyperlinkcolor" showMasterPhAnim="0" showMasterSp="0">
+<p:notes xmlns:a="http://schemas.openxmlformats.org/drawingml/2006/main" xmlns:r="http://schemas.openxmlformats.org/officeDocument/2006/relationships" xmlns:p="http://schemas.openxmlformats.org/presentationml/2006/main" showMasterPhAnim="0" showMasterSp="0">
   <p:cSld>
     <p:spTree>
       <p:nvGrpSpPr>
@@ -714,7 +707,7 @@
           <p:cNvPr id="81" name="Google Shape;81;p1:notes"/>
           <p:cNvSpPr txBox="1"/>
           <p:nvPr>
-            <p:ph idx="1" type="body"/>
+            <p:ph type="body" idx="1"/>
           </p:nvPr>
         </p:nvSpPr>
         <p:spPr>
@@ -727,12 +720,12 @@
           </a:prstGeom>
         </p:spPr>
         <p:txBody>
-          <a:bodyPr anchorCtr="0" anchor="t" bIns="91425" lIns="91425" spcFirstLastPara="1" rIns="91425" wrap="square" tIns="91425">
+          <a:bodyPr spcFirstLastPara="1" wrap="square" lIns="91425" tIns="91425" rIns="91425" bIns="91425" anchor="t" anchorCtr="0">
             <a:noAutofit/>
           </a:bodyPr>
           <a:lstStyle/>
           <a:p>
-            <a:pPr indent="0" lvl="0" marL="0" rtl="0" algn="l">
+            <a:pPr marL="0" lvl="0" indent="0" algn="l" rtl="0">
               <a:spcBef>
                 <a:spcPts val="0"/>
               </a:spcBef>
@@ -741,10 +734,6 @@
               </a:spcAft>
               <a:buNone/>
             </a:pPr>
-            <a:r>
-              <a:t/>
-            </a:r>
-            <a:endParaRPr/>
           </a:p>
         </p:txBody>
       </p:sp>
@@ -753,7 +742,7 @@
           <p:cNvPr id="82" name="Google Shape;82;p1:notes"/>
           <p:cNvSpPr/>
           <p:nvPr>
-            <p:ph idx="2" type="sldImg"/>
+            <p:ph type="sldImg" idx="2"/>
           </p:nvPr>
         </p:nvSpPr>
         <p:spPr>
@@ -762,9 +751,13 @@
             <a:ext cx="4572225" cy="3429000"/>
           </a:xfrm>
           <a:custGeom>
-            <a:rect b="b" l="l" r="r" t="t"/>
+            <a:avLst/>
+            <a:gdLst/>
+            <a:ahLst/>
+            <a:cxnLst/>
+            <a:rect l="l" t="t" r="r" b="b"/>
             <a:pathLst>
-              <a:path extrusionOk="0" h="120000" w="120000">
+              <a:path w="120000" h="120000" extrusionOk="0">
                 <a:moveTo>
                   <a:pt x="0" y="0"/>
                 </a:moveTo>
@@ -792,7 +785,7 @@
 </file>
 
 <file path=ppt/notesSlides/notesSlide2.xml><?xml version="1.0" encoding="utf-8"?>
-<p:notes xmlns:a="http://schemas.openxmlformats.org/drawingml/2006/main" xmlns:r="http://schemas.openxmlformats.org/officeDocument/2006/relationships" xmlns:mc="http://schemas.openxmlformats.org/markup-compatibility/2006" xmlns:mv="urn:schemas-microsoft-com:mac:vml" xmlns:p="http://schemas.openxmlformats.org/presentationml/2006/main" xmlns:c="http://schemas.openxmlformats.org/drawingml/2006/chart" xmlns:dgm="http://schemas.openxmlformats.org/drawingml/2006/diagram" xmlns:o="urn:schemas-microsoft-com:office:office" xmlns:v="urn:schemas-microsoft-com:vml" xmlns:pvml="urn:schemas-microsoft-com:office:powerpoint" xmlns:com="http://schemas.openxmlformats.org/drawingml/2006/compatibility" xmlns:p14="http://schemas.microsoft.com/office/powerpoint/2010/main" xmlns:p15="http://schemas.microsoft.com/office/powerpoint/2012/main" xmlns:ahyp="http://schemas.microsoft.com/office/drawing/2018/hyperlinkcolor" showMasterPhAnim="0" showMasterSp="0">
+<p:notes xmlns:a="http://schemas.openxmlformats.org/drawingml/2006/main" xmlns:r="http://schemas.openxmlformats.org/officeDocument/2006/relationships" xmlns:p="http://schemas.openxmlformats.org/presentationml/2006/main" showMasterPhAnim="0" showMasterSp="0">
   <p:cSld>
     <p:spTree>
       <p:nvGrpSpPr>
@@ -813,7 +806,7 @@
           <p:cNvPr id="86" name="Google Shape;86;p2:notes"/>
           <p:cNvSpPr txBox="1"/>
           <p:nvPr>
-            <p:ph idx="1" type="body"/>
+            <p:ph type="body" idx="1"/>
           </p:nvPr>
         </p:nvSpPr>
         <p:spPr>
@@ -826,12 +819,12 @@
           </a:prstGeom>
         </p:spPr>
         <p:txBody>
-          <a:bodyPr anchorCtr="0" anchor="t" bIns="91425" lIns="91425" spcFirstLastPara="1" rIns="91425" wrap="square" tIns="91425">
+          <a:bodyPr spcFirstLastPara="1" wrap="square" lIns="91425" tIns="91425" rIns="91425" bIns="91425" anchor="t" anchorCtr="0">
             <a:noAutofit/>
           </a:bodyPr>
           <a:lstStyle/>
           <a:p>
-            <a:pPr indent="0" lvl="0" marL="0" rtl="0" algn="l">
+            <a:pPr marL="0" lvl="0" indent="0" algn="l" rtl="0">
               <a:spcBef>
                 <a:spcPts val="0"/>
               </a:spcBef>
@@ -840,10 +833,6 @@
               </a:spcAft>
               <a:buNone/>
             </a:pPr>
-            <a:r>
-              <a:t/>
-            </a:r>
-            <a:endParaRPr/>
           </a:p>
         </p:txBody>
       </p:sp>
@@ -852,7 +841,7 @@
           <p:cNvPr id="87" name="Google Shape;87;p2:notes"/>
           <p:cNvSpPr/>
           <p:nvPr>
-            <p:ph idx="2" type="sldImg"/>
+            <p:ph type="sldImg" idx="2"/>
           </p:nvPr>
         </p:nvSpPr>
         <p:spPr>
@@ -861,9 +850,13 @@
             <a:ext cx="4572225" cy="3429000"/>
           </a:xfrm>
           <a:custGeom>
-            <a:rect b="b" l="l" r="r" t="t"/>
+            <a:avLst/>
+            <a:gdLst/>
+            <a:ahLst/>
+            <a:cxnLst/>
+            <a:rect l="l" t="t" r="r" b="b"/>
             <a:pathLst>
-              <a:path extrusionOk="0" h="120000" w="120000">
+              <a:path w="120000" h="120000" extrusionOk="0">
                 <a:moveTo>
                   <a:pt x="0" y="0"/>
                 </a:moveTo>
@@ -891,7 +884,7 @@
 </file>
 
 <file path=ppt/notesSlides/notesSlide3.xml><?xml version="1.0" encoding="utf-8"?>
-<p:notes xmlns:a="http://schemas.openxmlformats.org/drawingml/2006/main" xmlns:r="http://schemas.openxmlformats.org/officeDocument/2006/relationships" xmlns:mc="http://schemas.openxmlformats.org/markup-compatibility/2006" xmlns:mv="urn:schemas-microsoft-com:mac:vml" xmlns:p="http://schemas.openxmlformats.org/presentationml/2006/main" xmlns:c="http://schemas.openxmlformats.org/drawingml/2006/chart" xmlns:dgm="http://schemas.openxmlformats.org/drawingml/2006/diagram" xmlns:o="urn:schemas-microsoft-com:office:office" xmlns:v="urn:schemas-microsoft-com:vml" xmlns:pvml="urn:schemas-microsoft-com:office:powerpoint" xmlns:com="http://schemas.openxmlformats.org/drawingml/2006/compatibility" xmlns:p14="http://schemas.microsoft.com/office/powerpoint/2010/main" xmlns:p15="http://schemas.microsoft.com/office/powerpoint/2012/main" xmlns:ahyp="http://schemas.microsoft.com/office/drawing/2018/hyperlinkcolor" showMasterPhAnim="0" showMasterSp="0">
+<p:notes xmlns:a="http://schemas.openxmlformats.org/drawingml/2006/main" xmlns:r="http://schemas.openxmlformats.org/officeDocument/2006/relationships" xmlns:p="http://schemas.openxmlformats.org/presentationml/2006/main" showMasterPhAnim="0" showMasterSp="0">
   <p:cSld>
     <p:spTree>
       <p:nvGrpSpPr>
@@ -912,7 +905,7 @@
           <p:cNvPr id="92" name="Google Shape;92;p3:notes"/>
           <p:cNvSpPr txBox="1"/>
           <p:nvPr>
-            <p:ph idx="1" type="body"/>
+            <p:ph type="body" idx="1"/>
           </p:nvPr>
         </p:nvSpPr>
         <p:spPr>
@@ -925,12 +918,12 @@
           </a:prstGeom>
         </p:spPr>
         <p:txBody>
-          <a:bodyPr anchorCtr="0" anchor="t" bIns="91425" lIns="91425" spcFirstLastPara="1" rIns="91425" wrap="square" tIns="91425">
+          <a:bodyPr spcFirstLastPara="1" wrap="square" lIns="91425" tIns="91425" rIns="91425" bIns="91425" anchor="t" anchorCtr="0">
             <a:noAutofit/>
           </a:bodyPr>
           <a:lstStyle/>
           <a:p>
-            <a:pPr indent="0" lvl="0" marL="0" rtl="0" algn="l">
+            <a:pPr marL="0" lvl="0" indent="0" algn="l" rtl="0">
               <a:spcBef>
                 <a:spcPts val="0"/>
               </a:spcBef>
@@ -939,10 +932,6 @@
               </a:spcAft>
               <a:buNone/>
             </a:pPr>
-            <a:r>
-              <a:t/>
-            </a:r>
-            <a:endParaRPr/>
           </a:p>
         </p:txBody>
       </p:sp>
@@ -951,7 +940,7 @@
           <p:cNvPr id="93" name="Google Shape;93;p3:notes"/>
           <p:cNvSpPr/>
           <p:nvPr>
-            <p:ph idx="2" type="sldImg"/>
+            <p:ph type="sldImg" idx="2"/>
           </p:nvPr>
         </p:nvSpPr>
         <p:spPr>
@@ -960,9 +949,13 @@
             <a:ext cx="4572225" cy="3429000"/>
           </a:xfrm>
           <a:custGeom>
-            <a:rect b="b" l="l" r="r" t="t"/>
+            <a:avLst/>
+            <a:gdLst/>
+            <a:ahLst/>
+            <a:cxnLst/>
+            <a:rect l="l" t="t" r="r" b="b"/>
             <a:pathLst>
-              <a:path extrusionOk="0" h="120000" w="120000">
+              <a:path w="120000" h="120000" extrusionOk="0">
                 <a:moveTo>
                   <a:pt x="0" y="0"/>
                 </a:moveTo>
@@ -990,7 +983,7 @@
 </file>
 
 <file path=ppt/notesSlides/notesSlide4.xml><?xml version="1.0" encoding="utf-8"?>
-<p:notes xmlns:a="http://schemas.openxmlformats.org/drawingml/2006/main" xmlns:r="http://schemas.openxmlformats.org/officeDocument/2006/relationships" xmlns:mc="http://schemas.openxmlformats.org/markup-compatibility/2006" xmlns:mv="urn:schemas-microsoft-com:mac:vml" xmlns:p="http://schemas.openxmlformats.org/presentationml/2006/main" xmlns:c="http://schemas.openxmlformats.org/drawingml/2006/chart" xmlns:dgm="http://schemas.openxmlformats.org/drawingml/2006/diagram" xmlns:o="urn:schemas-microsoft-com:office:office" xmlns:v="urn:schemas-microsoft-com:vml" xmlns:pvml="urn:schemas-microsoft-com:office:powerpoint" xmlns:com="http://schemas.openxmlformats.org/drawingml/2006/compatibility" xmlns:p14="http://schemas.microsoft.com/office/powerpoint/2010/main" xmlns:p15="http://schemas.microsoft.com/office/powerpoint/2012/main" xmlns:ahyp="http://schemas.microsoft.com/office/drawing/2018/hyperlinkcolor" showMasterPhAnim="0" showMasterSp="0">
+<p:notes xmlns:a="http://schemas.openxmlformats.org/drawingml/2006/main" xmlns:r="http://schemas.openxmlformats.org/officeDocument/2006/relationships" xmlns:p="http://schemas.openxmlformats.org/presentationml/2006/main" showMasterPhAnim="0" showMasterSp="0">
   <p:cSld>
     <p:spTree>
       <p:nvGrpSpPr>
@@ -1011,7 +1004,7 @@
           <p:cNvPr id="98" name="Google Shape;98;gf6d6ebc7a8_1_10:notes"/>
           <p:cNvSpPr/>
           <p:nvPr>
-            <p:ph idx="2" type="sldImg"/>
+            <p:ph type="sldImg" idx="2"/>
           </p:nvPr>
         </p:nvSpPr>
         <p:spPr>
@@ -1020,9 +1013,13 @@
             <a:ext cx="4572300" cy="3429000"/>
           </a:xfrm>
           <a:custGeom>
-            <a:rect b="b" l="l" r="r" t="t"/>
+            <a:avLst/>
+            <a:gdLst/>
+            <a:ahLst/>
+            <a:cxnLst/>
+            <a:rect l="l" t="t" r="r" b="b"/>
             <a:pathLst>
-              <a:path extrusionOk="0" h="120000" w="120000">
+              <a:path w="120000" h="120000" extrusionOk="0">
                 <a:moveTo>
                   <a:pt x="0" y="0"/>
                 </a:moveTo>
@@ -1046,7 +1043,7 @@
           <p:cNvPr id="99" name="Google Shape;99;gf6d6ebc7a8_1_10:notes"/>
           <p:cNvSpPr txBox="1"/>
           <p:nvPr>
-            <p:ph idx="1" type="body"/>
+            <p:ph type="body" idx="1"/>
           </p:nvPr>
         </p:nvSpPr>
         <p:spPr>
@@ -1059,12 +1056,12 @@
           </a:prstGeom>
         </p:spPr>
         <p:txBody>
-          <a:bodyPr anchorCtr="0" anchor="t" bIns="91425" lIns="91425" spcFirstLastPara="1" rIns="91425" wrap="square" tIns="91425">
+          <a:bodyPr spcFirstLastPara="1" wrap="square" lIns="91425" tIns="91425" rIns="91425" bIns="91425" anchor="t" anchorCtr="0">
             <a:noAutofit/>
           </a:bodyPr>
           <a:lstStyle/>
           <a:p>
-            <a:pPr indent="0" lvl="0" marL="0" rtl="0" algn="l">
+            <a:pPr marL="0" lvl="0" indent="0" algn="l" rtl="0">
               <a:spcBef>
                 <a:spcPts val="0"/>
               </a:spcBef>
@@ -1073,10 +1070,6 @@
               </a:spcAft>
               <a:buNone/>
             </a:pPr>
-            <a:r>
-              <a:t/>
-            </a:r>
-            <a:endParaRPr/>
           </a:p>
         </p:txBody>
       </p:sp>
@@ -1089,7 +1082,7 @@
 </file>
 
 <file path=ppt/notesSlides/notesSlide5.xml><?xml version="1.0" encoding="utf-8"?>
-<p:notes xmlns:a="http://schemas.openxmlformats.org/drawingml/2006/main" xmlns:r="http://schemas.openxmlformats.org/officeDocument/2006/relationships" xmlns:mc="http://schemas.openxmlformats.org/markup-compatibility/2006" xmlns:mv="urn:schemas-microsoft-com:mac:vml" xmlns:p="http://schemas.openxmlformats.org/presentationml/2006/main" xmlns:c="http://schemas.openxmlformats.org/drawingml/2006/chart" xmlns:dgm="http://schemas.openxmlformats.org/drawingml/2006/diagram" xmlns:o="urn:schemas-microsoft-com:office:office" xmlns:v="urn:schemas-microsoft-com:vml" xmlns:pvml="urn:schemas-microsoft-com:office:powerpoint" xmlns:com="http://schemas.openxmlformats.org/drawingml/2006/compatibility" xmlns:p14="http://schemas.microsoft.com/office/powerpoint/2010/main" xmlns:p15="http://schemas.microsoft.com/office/powerpoint/2012/main" xmlns:ahyp="http://schemas.microsoft.com/office/drawing/2018/hyperlinkcolor" showMasterPhAnim="0" showMasterSp="0">
+<p:notes xmlns:a="http://schemas.openxmlformats.org/drawingml/2006/main" xmlns:r="http://schemas.openxmlformats.org/officeDocument/2006/relationships" xmlns:p="http://schemas.openxmlformats.org/presentationml/2006/main" showMasterPhAnim="0" showMasterSp="0">
   <p:cSld>
     <p:spTree>
       <p:nvGrpSpPr>
@@ -1110,7 +1103,7 @@
           <p:cNvPr id="103" name="Google Shape;103;gf6d6ebc7a8_1_14:notes"/>
           <p:cNvSpPr/>
           <p:nvPr>
-            <p:ph idx="2" type="sldImg"/>
+            <p:ph type="sldImg" idx="2"/>
           </p:nvPr>
         </p:nvSpPr>
         <p:spPr>
@@ -1119,9 +1112,13 @@
             <a:ext cx="4572300" cy="3429000"/>
           </a:xfrm>
           <a:custGeom>
-            <a:rect b="b" l="l" r="r" t="t"/>
+            <a:avLst/>
+            <a:gdLst/>
+            <a:ahLst/>
+            <a:cxnLst/>
+            <a:rect l="l" t="t" r="r" b="b"/>
             <a:pathLst>
-              <a:path extrusionOk="0" h="120000" w="120000">
+              <a:path w="120000" h="120000" extrusionOk="0">
                 <a:moveTo>
                   <a:pt x="0" y="0"/>
                 </a:moveTo>
@@ -1145,7 +1142,7 @@
           <p:cNvPr id="104" name="Google Shape;104;gf6d6ebc7a8_1_14:notes"/>
           <p:cNvSpPr txBox="1"/>
           <p:nvPr>
-            <p:ph idx="1" type="body"/>
+            <p:ph type="body" idx="1"/>
           </p:nvPr>
         </p:nvSpPr>
         <p:spPr>
@@ -1158,12 +1155,12 @@
           </a:prstGeom>
         </p:spPr>
         <p:txBody>
-          <a:bodyPr anchorCtr="0" anchor="t" bIns="91425" lIns="91425" spcFirstLastPara="1" rIns="91425" wrap="square" tIns="91425">
+          <a:bodyPr spcFirstLastPara="1" wrap="square" lIns="91425" tIns="91425" rIns="91425" bIns="91425" anchor="t" anchorCtr="0">
             <a:noAutofit/>
           </a:bodyPr>
           <a:lstStyle/>
           <a:p>
-            <a:pPr indent="0" lvl="0" marL="0" rtl="0" algn="l">
+            <a:pPr marL="0" lvl="0" indent="0" algn="l" rtl="0">
               <a:spcBef>
                 <a:spcPts val="0"/>
               </a:spcBef>
@@ -1172,10 +1169,6 @@
               </a:spcAft>
               <a:buNone/>
             </a:pPr>
-            <a:r>
-              <a:t/>
-            </a:r>
-            <a:endParaRPr/>
           </a:p>
         </p:txBody>
       </p:sp>
@@ -1188,7 +1181,7 @@
 </file>
 
 <file path=ppt/notesSlides/notesSlide6.xml><?xml version="1.0" encoding="utf-8"?>
-<p:notes xmlns:a="http://schemas.openxmlformats.org/drawingml/2006/main" xmlns:r="http://schemas.openxmlformats.org/officeDocument/2006/relationships" xmlns:mc="http://schemas.openxmlformats.org/markup-compatibility/2006" xmlns:mv="urn:schemas-microsoft-com:mac:vml" xmlns:p="http://schemas.openxmlformats.org/presentationml/2006/main" xmlns:c="http://schemas.openxmlformats.org/drawingml/2006/chart" xmlns:dgm="http://schemas.openxmlformats.org/drawingml/2006/diagram" xmlns:o="urn:schemas-microsoft-com:office:office" xmlns:v="urn:schemas-microsoft-com:vml" xmlns:pvml="urn:schemas-microsoft-com:office:powerpoint" xmlns:com="http://schemas.openxmlformats.org/drawingml/2006/compatibility" xmlns:p14="http://schemas.microsoft.com/office/powerpoint/2010/main" xmlns:p15="http://schemas.microsoft.com/office/powerpoint/2012/main" xmlns:ahyp="http://schemas.microsoft.com/office/drawing/2018/hyperlinkcolor" showMasterPhAnim="0" showMasterSp="0">
+<p:notes xmlns:a="http://schemas.openxmlformats.org/drawingml/2006/main" xmlns:r="http://schemas.openxmlformats.org/officeDocument/2006/relationships" xmlns:p="http://schemas.openxmlformats.org/presentationml/2006/main" showMasterPhAnim="0" showMasterSp="0">
   <p:cSld>
     <p:spTree>
       <p:nvGrpSpPr>
@@ -1209,7 +1202,7 @@
           <p:cNvPr id="108" name="Google Shape;108;p4:notes"/>
           <p:cNvSpPr txBox="1"/>
           <p:nvPr>
-            <p:ph idx="1" type="body"/>
+            <p:ph type="body" idx="1"/>
           </p:nvPr>
         </p:nvSpPr>
         <p:spPr>
@@ -1222,12 +1215,12 @@
           </a:prstGeom>
         </p:spPr>
         <p:txBody>
-          <a:bodyPr anchorCtr="0" anchor="t" bIns="91425" lIns="91425" spcFirstLastPara="1" rIns="91425" wrap="square" tIns="91425">
+          <a:bodyPr spcFirstLastPara="1" wrap="square" lIns="91425" tIns="91425" rIns="91425" bIns="91425" anchor="t" anchorCtr="0">
             <a:noAutofit/>
           </a:bodyPr>
           <a:lstStyle/>
           <a:p>
-            <a:pPr indent="0" lvl="0" marL="0" rtl="0" algn="l">
+            <a:pPr marL="0" lvl="0" indent="0" algn="l" rtl="0">
               <a:spcBef>
                 <a:spcPts val="0"/>
               </a:spcBef>
@@ -1236,10 +1229,6 @@
               </a:spcAft>
               <a:buNone/>
             </a:pPr>
-            <a:r>
-              <a:t/>
-            </a:r>
-            <a:endParaRPr/>
           </a:p>
         </p:txBody>
       </p:sp>
@@ -1248,7 +1237,7 @@
           <p:cNvPr id="109" name="Google Shape;109;p4:notes"/>
           <p:cNvSpPr/>
           <p:nvPr>
-            <p:ph idx="2" type="sldImg"/>
+            <p:ph type="sldImg" idx="2"/>
           </p:nvPr>
         </p:nvSpPr>
         <p:spPr>
@@ -1257,9 +1246,13 @@
             <a:ext cx="4572225" cy="3429000"/>
           </a:xfrm>
           <a:custGeom>
-            <a:rect b="b" l="l" r="r" t="t"/>
+            <a:avLst/>
+            <a:gdLst/>
+            <a:ahLst/>
+            <a:cxnLst/>
+            <a:rect l="l" t="t" r="r" b="b"/>
             <a:pathLst>
-              <a:path extrusionOk="0" h="120000" w="120000">
+              <a:path w="120000" h="120000" extrusionOk="0">
                 <a:moveTo>
                   <a:pt x="0" y="0"/>
                 </a:moveTo>
@@ -1287,7 +1280,7 @@
 </file>
 
 <file path=ppt/notesSlides/notesSlide7.xml><?xml version="1.0" encoding="utf-8"?>
-<p:notes xmlns:a="http://schemas.openxmlformats.org/drawingml/2006/main" xmlns:r="http://schemas.openxmlformats.org/officeDocument/2006/relationships" xmlns:mc="http://schemas.openxmlformats.org/markup-compatibility/2006" xmlns:mv="urn:schemas-microsoft-com:mac:vml" xmlns:p="http://schemas.openxmlformats.org/presentationml/2006/main" xmlns:c="http://schemas.openxmlformats.org/drawingml/2006/chart" xmlns:dgm="http://schemas.openxmlformats.org/drawingml/2006/diagram" xmlns:o="urn:schemas-microsoft-com:office:office" xmlns:v="urn:schemas-microsoft-com:vml" xmlns:pvml="urn:schemas-microsoft-com:office:powerpoint" xmlns:com="http://schemas.openxmlformats.org/drawingml/2006/compatibility" xmlns:p14="http://schemas.microsoft.com/office/powerpoint/2010/main" xmlns:p15="http://schemas.microsoft.com/office/powerpoint/2012/main" xmlns:ahyp="http://schemas.microsoft.com/office/drawing/2018/hyperlinkcolor" showMasterPhAnim="0" showMasterSp="0">
+<p:notes xmlns:a="http://schemas.openxmlformats.org/drawingml/2006/main" xmlns:r="http://schemas.openxmlformats.org/officeDocument/2006/relationships" xmlns:p="http://schemas.openxmlformats.org/presentationml/2006/main" showMasterPhAnim="0" showMasterSp="0">
   <p:cSld>
     <p:spTree>
       <p:nvGrpSpPr>
@@ -1308,7 +1301,7 @@
           <p:cNvPr id="114" name="Google Shape;114;p5:notes"/>
           <p:cNvSpPr txBox="1"/>
           <p:nvPr>
-            <p:ph idx="1" type="body"/>
+            <p:ph type="body" idx="1"/>
           </p:nvPr>
         </p:nvSpPr>
         <p:spPr>
@@ -1321,12 +1314,12 @@
           </a:prstGeom>
         </p:spPr>
         <p:txBody>
-          <a:bodyPr anchorCtr="0" anchor="t" bIns="91425" lIns="91425" spcFirstLastPara="1" rIns="91425" wrap="square" tIns="91425">
+          <a:bodyPr spcFirstLastPara="1" wrap="square" lIns="91425" tIns="91425" rIns="91425" bIns="91425" anchor="t" anchorCtr="0">
             <a:noAutofit/>
           </a:bodyPr>
           <a:lstStyle/>
           <a:p>
-            <a:pPr indent="0" lvl="0" marL="0" rtl="0" algn="l">
+            <a:pPr marL="0" lvl="0" indent="0" algn="l" rtl="0">
               <a:spcBef>
                 <a:spcPts val="0"/>
               </a:spcBef>
@@ -1335,10 +1328,6 @@
               </a:spcAft>
               <a:buNone/>
             </a:pPr>
-            <a:r>
-              <a:t/>
-            </a:r>
-            <a:endParaRPr/>
           </a:p>
         </p:txBody>
       </p:sp>
@@ -1347,7 +1336,7 @@
           <p:cNvPr id="115" name="Google Shape;115;p5:notes"/>
           <p:cNvSpPr/>
           <p:nvPr>
-            <p:ph idx="2" type="sldImg"/>
+            <p:ph type="sldImg" idx="2"/>
           </p:nvPr>
         </p:nvSpPr>
         <p:spPr>
@@ -1356,9 +1345,13 @@
             <a:ext cx="4572225" cy="3429000"/>
           </a:xfrm>
           <a:custGeom>
-            <a:rect b="b" l="l" r="r" t="t"/>
+            <a:avLst/>
+            <a:gdLst/>
+            <a:ahLst/>
+            <a:cxnLst/>
+            <a:rect l="l" t="t" r="r" b="b"/>
             <a:pathLst>
-              <a:path extrusionOk="0" h="120000" w="120000">
+              <a:path w="120000" h="120000" extrusionOk="0">
                 <a:moveTo>
                   <a:pt x="0" y="0"/>
                 </a:moveTo>
@@ -1386,7 +1379,7 @@
 </file>
 
 <file path=ppt/slideLayouts/slideLayout1.xml><?xml version="1.0" encoding="utf-8"?>
-<p:sldLayout xmlns:a="http://schemas.openxmlformats.org/drawingml/2006/main" xmlns:r="http://schemas.openxmlformats.org/officeDocument/2006/relationships" xmlns:mc="http://schemas.openxmlformats.org/markup-compatibility/2006" xmlns:mv="urn:schemas-microsoft-com:mac:vml" xmlns:p="http://schemas.openxmlformats.org/presentationml/2006/main" xmlns:c="http://schemas.openxmlformats.org/drawingml/2006/chart" xmlns:dgm="http://schemas.openxmlformats.org/drawingml/2006/diagram" xmlns:o="urn:schemas-microsoft-com:office:office" xmlns:v="urn:schemas-microsoft-com:vml" xmlns:pvml="urn:schemas-microsoft-com:office:powerpoint" xmlns:com="http://schemas.openxmlformats.org/drawingml/2006/compatibility" xmlns:p14="http://schemas.microsoft.com/office/powerpoint/2010/main" xmlns:p15="http://schemas.microsoft.com/office/powerpoint/2012/main" xmlns:ahyp="http://schemas.microsoft.com/office/drawing/2018/hyperlinkcolor" matchingName="Title Slide" type="title">
+<p:sldLayout xmlns:a="http://schemas.openxmlformats.org/drawingml/2006/main" xmlns:r="http://schemas.openxmlformats.org/officeDocument/2006/relationships" xmlns:p="http://schemas.openxmlformats.org/presentationml/2006/main" type="title" matchingName="Title Slide">
   <p:cSld name="TITLE">
     <p:spTree>
       <p:nvGrpSpPr>
@@ -1424,7 +1417,7 @@
           </a:ln>
         </p:spPr>
         <p:txBody>
-          <a:bodyPr anchorCtr="0" anchor="ctr" bIns="45700" lIns="91425" spcFirstLastPara="1" rIns="91425" wrap="square" tIns="45700">
+          <a:bodyPr spcFirstLastPara="1" wrap="square" lIns="91425" tIns="45700" rIns="91425" bIns="45700" anchor="ctr" anchorCtr="0">
             <a:normAutofit/>
           </a:bodyPr>
           <a:lstStyle>
@@ -1539,7 +1532,7 @@
           <p:cNvPr id="13" name="Google Shape;13;p2"/>
           <p:cNvSpPr txBox="1"/>
           <p:nvPr>
-            <p:ph idx="1" type="subTitle"/>
+            <p:ph type="subTitle" idx="1"/>
           </p:nvPr>
         </p:nvSpPr>
         <p:spPr>
@@ -1556,7 +1549,7 @@
           </a:ln>
         </p:spPr>
         <p:txBody>
-          <a:bodyPr anchorCtr="0" anchor="t" bIns="45700" lIns="91425" spcFirstLastPara="1" rIns="91425" wrap="square" tIns="45700">
+          <a:bodyPr spcFirstLastPara="1" wrap="square" lIns="91425" tIns="45700" rIns="91425" bIns="45700" anchor="t" anchorCtr="0">
             <a:normAutofit/>
           </a:bodyPr>
           <a:lstStyle>
@@ -1731,7 +1724,7 @@
           <p:cNvPr id="14" name="Google Shape;14;p2"/>
           <p:cNvSpPr txBox="1"/>
           <p:nvPr>
-            <p:ph idx="10" type="dt"/>
+            <p:ph type="dt" idx="10"/>
           </p:nvPr>
         </p:nvSpPr>
         <p:spPr>
@@ -1748,7 +1741,7 @@
           </a:ln>
         </p:spPr>
         <p:txBody>
-          <a:bodyPr anchorCtr="0" anchor="ctr" bIns="45700" lIns="91425" spcFirstLastPara="1" rIns="91425" wrap="square" tIns="45700">
+          <a:bodyPr spcFirstLastPara="1" wrap="square" lIns="91425" tIns="45700" rIns="91425" bIns="45700" anchor="ctr" anchorCtr="0">
             <a:noAutofit/>
           </a:bodyPr>
           <a:lstStyle>
@@ -1860,7 +1853,7 @@
           <p:cNvPr id="15" name="Google Shape;15;p2"/>
           <p:cNvSpPr txBox="1"/>
           <p:nvPr>
-            <p:ph idx="11" type="ftr"/>
+            <p:ph type="ftr" idx="11"/>
           </p:nvPr>
         </p:nvSpPr>
         <p:spPr>
@@ -1877,7 +1870,7 @@
           </a:ln>
         </p:spPr>
         <p:txBody>
-          <a:bodyPr anchorCtr="0" anchor="ctr" bIns="45700" lIns="91425" spcFirstLastPara="1" rIns="91425" wrap="square" tIns="45700">
+          <a:bodyPr spcFirstLastPara="1" wrap="square" lIns="91425" tIns="45700" rIns="91425" bIns="45700" anchor="ctr" anchorCtr="0">
             <a:noAutofit/>
           </a:bodyPr>
           <a:lstStyle>
@@ -1989,7 +1982,7 @@
           <p:cNvPr id="16" name="Google Shape;16;p2"/>
           <p:cNvSpPr txBox="1"/>
           <p:nvPr>
-            <p:ph idx="12" type="sldNum"/>
+            <p:ph type="sldNum" idx="12"/>
           </p:nvPr>
         </p:nvSpPr>
         <p:spPr>
@@ -2006,67 +1999,67 @@
           </a:ln>
         </p:spPr>
         <p:txBody>
-          <a:bodyPr anchorCtr="0" anchor="ctr" bIns="45700" lIns="91425" spcFirstLastPara="1" rIns="91425" wrap="square" tIns="45700">
+          <a:bodyPr spcFirstLastPara="1" wrap="square" lIns="91425" tIns="45700" rIns="91425" bIns="45700" anchor="ctr" anchorCtr="0">
             <a:noAutofit/>
           </a:bodyPr>
           <a:lstStyle>
-            <a:lvl1pPr indent="0" lvl="0" marL="0" algn="r">
+            <a:lvl1pPr marL="0" lvl="0" indent="0" algn="r">
               <a:spcBef>
                 <a:spcPts val="0"/>
               </a:spcBef>
               <a:buNone/>
               <a:defRPr/>
             </a:lvl1pPr>
-            <a:lvl2pPr indent="0" lvl="1" marL="0" algn="r">
+            <a:lvl2pPr marL="0" lvl="1" indent="0" algn="r">
               <a:spcBef>
                 <a:spcPts val="0"/>
               </a:spcBef>
               <a:buNone/>
               <a:defRPr/>
             </a:lvl2pPr>
-            <a:lvl3pPr indent="0" lvl="2" marL="0" algn="r">
+            <a:lvl3pPr marL="0" lvl="2" indent="0" algn="r">
               <a:spcBef>
                 <a:spcPts val="0"/>
               </a:spcBef>
               <a:buNone/>
               <a:defRPr/>
             </a:lvl3pPr>
-            <a:lvl4pPr indent="0" lvl="3" marL="0" algn="r">
+            <a:lvl4pPr marL="0" lvl="3" indent="0" algn="r">
               <a:spcBef>
                 <a:spcPts val="0"/>
               </a:spcBef>
               <a:buNone/>
               <a:defRPr/>
             </a:lvl4pPr>
-            <a:lvl5pPr indent="0" lvl="4" marL="0" algn="r">
+            <a:lvl5pPr marL="0" lvl="4" indent="0" algn="r">
               <a:spcBef>
                 <a:spcPts val="0"/>
               </a:spcBef>
               <a:buNone/>
               <a:defRPr/>
             </a:lvl5pPr>
-            <a:lvl6pPr indent="0" lvl="5" marL="0" algn="r">
+            <a:lvl6pPr marL="0" lvl="5" indent="0" algn="r">
               <a:spcBef>
                 <a:spcPts val="0"/>
               </a:spcBef>
               <a:buNone/>
               <a:defRPr/>
             </a:lvl6pPr>
-            <a:lvl7pPr indent="0" lvl="6" marL="0" algn="r">
+            <a:lvl7pPr marL="0" lvl="6" indent="0" algn="r">
               <a:spcBef>
                 <a:spcPts val="0"/>
               </a:spcBef>
               <a:buNone/>
               <a:defRPr/>
             </a:lvl7pPr>
-            <a:lvl8pPr indent="0" lvl="7" marL="0" algn="r">
+            <a:lvl8pPr marL="0" lvl="7" indent="0" algn="r">
               <a:spcBef>
                 <a:spcPts val="0"/>
               </a:spcBef>
               <a:buNone/>
               <a:defRPr/>
             </a:lvl8pPr>
-            <a:lvl9pPr indent="0" lvl="8" marL="0" algn="r">
+            <a:lvl9pPr marL="0" lvl="8" indent="0" algn="r">
               <a:spcBef>
                 <a:spcPts val="0"/>
               </a:spcBef>
@@ -2075,7 +2068,7 @@
             </a:lvl9pPr>
           </a:lstStyle>
           <a:p>
-            <a:pPr indent="0" lvl="0" marL="0" rtl="0" algn="r">
+            <a:pPr marL="0" lvl="0" indent="0" algn="r" rtl="0">
               <a:spcBef>
                 <a:spcPts val="0"/>
               </a:spcBef>
@@ -2086,9 +2079,8 @@
             </a:pPr>
             <a:fld id="{00000000-1234-1234-1234-123412341234}" type="slidenum">
               <a:rPr lang="en-US"/>
-              <a:t>‹#›</a:t>
             </a:fld>
-            <a:endParaRPr/>
+            <a:endParaRPr lang="en-US"/>
           </a:p>
         </p:txBody>
       </p:sp>
@@ -2097,11 +2089,23 @@
   <p:clrMapOvr>
     <a:masterClrMapping/>
   </p:clrMapOvr>
+  <mc:AlternateContent xmlns:mc="http://schemas.openxmlformats.org/markup-compatibility/2006">
+    <mc:Choice xmlns:p14="http://schemas.microsoft.com/office/powerpoint/2010/main" Requires="p14">
+      <p:transition spd="slow" p14:dur="700">
+        <p:push/>
+      </p:transition>
+    </mc:Choice>
+    <mc:Fallback>
+      <p:transition spd="slow">
+        <p:push/>
+      </p:transition>
+    </mc:Fallback>
+  </mc:AlternateContent>
 </p:sldLayout>
 </file>
 
 <file path=ppt/slideLayouts/slideLayout10.xml><?xml version="1.0" encoding="utf-8"?>
-<p:sldLayout xmlns:a="http://schemas.openxmlformats.org/drawingml/2006/main" xmlns:r="http://schemas.openxmlformats.org/officeDocument/2006/relationships" xmlns:mc="http://schemas.openxmlformats.org/markup-compatibility/2006" xmlns:mv="urn:schemas-microsoft-com:mac:vml" xmlns:p="http://schemas.openxmlformats.org/presentationml/2006/main" xmlns:c="http://schemas.openxmlformats.org/drawingml/2006/chart" xmlns:dgm="http://schemas.openxmlformats.org/drawingml/2006/diagram" xmlns:o="urn:schemas-microsoft-com:office:office" xmlns:v="urn:schemas-microsoft-com:vml" xmlns:pvml="urn:schemas-microsoft-com:office:powerpoint" xmlns:com="http://schemas.openxmlformats.org/drawingml/2006/compatibility" xmlns:p14="http://schemas.microsoft.com/office/powerpoint/2010/main" xmlns:p15="http://schemas.microsoft.com/office/powerpoint/2012/main" xmlns:ahyp="http://schemas.microsoft.com/office/drawing/2018/hyperlinkcolor" matchingName="Title and Vertical Text" type="vertTx">
+<p:sldLayout xmlns:a="http://schemas.openxmlformats.org/drawingml/2006/main" xmlns:r="http://schemas.openxmlformats.org/officeDocument/2006/relationships" xmlns:p="http://schemas.openxmlformats.org/presentationml/2006/main" type="vertTx" matchingName="Title and Vertical Text">
   <p:cSld name="VERTICAL_TEXT">
     <p:spTree>
       <p:nvGrpSpPr>
@@ -2139,7 +2143,7 @@
           </a:ln>
         </p:spPr>
         <p:txBody>
-          <a:bodyPr anchorCtr="0" anchor="ctr" bIns="45700" lIns="91425" spcFirstLastPara="1" rIns="91425" wrap="square" tIns="45700">
+          <a:bodyPr spcFirstLastPara="1" wrap="square" lIns="91425" tIns="45700" rIns="91425" bIns="45700" anchor="ctr" anchorCtr="0">
             <a:normAutofit/>
           </a:bodyPr>
           <a:lstStyle>
@@ -2254,7 +2258,7 @@
           <p:cNvPr id="70" name="Google Shape;70;p11"/>
           <p:cNvSpPr txBox="1"/>
           <p:nvPr>
-            <p:ph idx="1" type="body"/>
+            <p:ph type="body" idx="1"/>
           </p:nvPr>
         </p:nvSpPr>
         <p:spPr>
@@ -2271,11 +2275,11 @@
           </a:ln>
         </p:spPr>
         <p:txBody>
-          <a:bodyPr anchorCtr="0" anchor="t" bIns="45700" lIns="91425" spcFirstLastPara="1" rIns="91425" wrap="square" tIns="45700">
+          <a:bodyPr spcFirstLastPara="1" wrap="square" lIns="91425" tIns="45700" rIns="91425" bIns="45700" anchor="t" anchorCtr="0">
             <a:normAutofit/>
           </a:bodyPr>
           <a:lstStyle>
-            <a:lvl1pPr indent="-342900" lvl="0" marL="457200" algn="l">
+            <a:lvl1pPr marL="457200" lvl="0" indent="-342900" algn="l">
               <a:spcBef>
                 <a:spcPts val="360"/>
               </a:spcBef>
@@ -2289,7 +2293,7 @@
               <a:buChar char="•"/>
               <a:defRPr/>
             </a:lvl1pPr>
-            <a:lvl2pPr indent="-342900" lvl="1" marL="914400" algn="l">
+            <a:lvl2pPr marL="914400" lvl="1" indent="-342900" algn="l">
               <a:spcBef>
                 <a:spcPts val="360"/>
               </a:spcBef>
@@ -2303,7 +2307,7 @@
               <a:buChar char="–"/>
               <a:defRPr/>
             </a:lvl2pPr>
-            <a:lvl3pPr indent="-342900" lvl="2" marL="1371600" algn="l">
+            <a:lvl3pPr marL="1371600" lvl="2" indent="-342900" algn="l">
               <a:spcBef>
                 <a:spcPts val="360"/>
               </a:spcBef>
@@ -2317,7 +2321,7 @@
               <a:buChar char="•"/>
               <a:defRPr/>
             </a:lvl3pPr>
-            <a:lvl4pPr indent="-342900" lvl="3" marL="1828800" algn="l">
+            <a:lvl4pPr marL="1828800" lvl="3" indent="-342900" algn="l">
               <a:spcBef>
                 <a:spcPts val="360"/>
               </a:spcBef>
@@ -2331,7 +2335,7 @@
               <a:buChar char="–"/>
               <a:defRPr/>
             </a:lvl4pPr>
-            <a:lvl5pPr indent="-342900" lvl="4" marL="2286000" algn="l">
+            <a:lvl5pPr marL="2286000" lvl="4" indent="-342900" algn="l">
               <a:spcBef>
                 <a:spcPts val="360"/>
               </a:spcBef>
@@ -2345,7 +2349,7 @@
               <a:buChar char="»"/>
               <a:defRPr/>
             </a:lvl5pPr>
-            <a:lvl6pPr indent="-342900" lvl="5" marL="2743200" algn="l">
+            <a:lvl6pPr marL="2743200" lvl="5" indent="-342900" algn="l">
               <a:spcBef>
                 <a:spcPts val="360"/>
               </a:spcBef>
@@ -2359,7 +2363,7 @@
               <a:buChar char="•"/>
               <a:defRPr/>
             </a:lvl6pPr>
-            <a:lvl7pPr indent="-342900" lvl="6" marL="3200400" algn="l">
+            <a:lvl7pPr marL="3200400" lvl="6" indent="-342900" algn="l">
               <a:spcBef>
                 <a:spcPts val="360"/>
               </a:spcBef>
@@ -2373,7 +2377,7 @@
               <a:buChar char="•"/>
               <a:defRPr/>
             </a:lvl7pPr>
-            <a:lvl8pPr indent="-342900" lvl="7" marL="3657600" algn="l">
+            <a:lvl8pPr marL="3657600" lvl="7" indent="-342900" algn="l">
               <a:spcBef>
                 <a:spcPts val="360"/>
               </a:spcBef>
@@ -2387,7 +2391,7 @@
               <a:buChar char="•"/>
               <a:defRPr/>
             </a:lvl8pPr>
-            <a:lvl9pPr indent="-342900" lvl="8" marL="4114800" algn="l">
+            <a:lvl9pPr marL="4114800" lvl="8" indent="-342900" algn="l">
               <a:spcBef>
                 <a:spcPts val="360"/>
               </a:spcBef>
@@ -2410,7 +2414,7 @@
           <p:cNvPr id="71" name="Google Shape;71;p11"/>
           <p:cNvSpPr txBox="1"/>
           <p:nvPr>
-            <p:ph idx="10" type="dt"/>
+            <p:ph type="dt" idx="10"/>
           </p:nvPr>
         </p:nvSpPr>
         <p:spPr>
@@ -2427,7 +2431,7 @@
           </a:ln>
         </p:spPr>
         <p:txBody>
-          <a:bodyPr anchorCtr="0" anchor="ctr" bIns="45700" lIns="91425" spcFirstLastPara="1" rIns="91425" wrap="square" tIns="45700">
+          <a:bodyPr spcFirstLastPara="1" wrap="square" lIns="91425" tIns="45700" rIns="91425" bIns="45700" anchor="ctr" anchorCtr="0">
             <a:noAutofit/>
           </a:bodyPr>
           <a:lstStyle>
@@ -2539,7 +2543,7 @@
           <p:cNvPr id="72" name="Google Shape;72;p11"/>
           <p:cNvSpPr txBox="1"/>
           <p:nvPr>
-            <p:ph idx="11" type="ftr"/>
+            <p:ph type="ftr" idx="11"/>
           </p:nvPr>
         </p:nvSpPr>
         <p:spPr>
@@ -2556,7 +2560,7 @@
           </a:ln>
         </p:spPr>
         <p:txBody>
-          <a:bodyPr anchorCtr="0" anchor="ctr" bIns="45700" lIns="91425" spcFirstLastPara="1" rIns="91425" wrap="square" tIns="45700">
+          <a:bodyPr spcFirstLastPara="1" wrap="square" lIns="91425" tIns="45700" rIns="91425" bIns="45700" anchor="ctr" anchorCtr="0">
             <a:noAutofit/>
           </a:bodyPr>
           <a:lstStyle>
@@ -2668,7 +2672,7 @@
           <p:cNvPr id="73" name="Google Shape;73;p11"/>
           <p:cNvSpPr txBox="1"/>
           <p:nvPr>
-            <p:ph idx="12" type="sldNum"/>
+            <p:ph type="sldNum" idx="12"/>
           </p:nvPr>
         </p:nvSpPr>
         <p:spPr>
@@ -2685,67 +2689,67 @@
           </a:ln>
         </p:spPr>
         <p:txBody>
-          <a:bodyPr anchorCtr="0" anchor="ctr" bIns="45700" lIns="91425" spcFirstLastPara="1" rIns="91425" wrap="square" tIns="45700">
+          <a:bodyPr spcFirstLastPara="1" wrap="square" lIns="91425" tIns="45700" rIns="91425" bIns="45700" anchor="ctr" anchorCtr="0">
             <a:noAutofit/>
           </a:bodyPr>
           <a:lstStyle>
-            <a:lvl1pPr indent="0" lvl="0" marL="0" algn="r">
+            <a:lvl1pPr marL="0" lvl="0" indent="0" algn="r">
               <a:spcBef>
                 <a:spcPts val="0"/>
               </a:spcBef>
               <a:buNone/>
               <a:defRPr/>
             </a:lvl1pPr>
-            <a:lvl2pPr indent="0" lvl="1" marL="0" algn="r">
+            <a:lvl2pPr marL="0" lvl="1" indent="0" algn="r">
               <a:spcBef>
                 <a:spcPts val="0"/>
               </a:spcBef>
               <a:buNone/>
               <a:defRPr/>
             </a:lvl2pPr>
-            <a:lvl3pPr indent="0" lvl="2" marL="0" algn="r">
+            <a:lvl3pPr marL="0" lvl="2" indent="0" algn="r">
               <a:spcBef>
                 <a:spcPts val="0"/>
               </a:spcBef>
               <a:buNone/>
               <a:defRPr/>
             </a:lvl3pPr>
-            <a:lvl4pPr indent="0" lvl="3" marL="0" algn="r">
+            <a:lvl4pPr marL="0" lvl="3" indent="0" algn="r">
               <a:spcBef>
                 <a:spcPts val="0"/>
               </a:spcBef>
               <a:buNone/>
               <a:defRPr/>
             </a:lvl4pPr>
-            <a:lvl5pPr indent="0" lvl="4" marL="0" algn="r">
+            <a:lvl5pPr marL="0" lvl="4" indent="0" algn="r">
               <a:spcBef>
                 <a:spcPts val="0"/>
               </a:spcBef>
               <a:buNone/>
               <a:defRPr/>
             </a:lvl5pPr>
-            <a:lvl6pPr indent="0" lvl="5" marL="0" algn="r">
+            <a:lvl6pPr marL="0" lvl="5" indent="0" algn="r">
               <a:spcBef>
                 <a:spcPts val="0"/>
               </a:spcBef>
               <a:buNone/>
               <a:defRPr/>
             </a:lvl6pPr>
-            <a:lvl7pPr indent="0" lvl="6" marL="0" algn="r">
+            <a:lvl7pPr marL="0" lvl="6" indent="0" algn="r">
               <a:spcBef>
                 <a:spcPts val="0"/>
               </a:spcBef>
               <a:buNone/>
               <a:defRPr/>
             </a:lvl7pPr>
-            <a:lvl8pPr indent="0" lvl="7" marL="0" algn="r">
+            <a:lvl8pPr marL="0" lvl="7" indent="0" algn="r">
               <a:spcBef>
                 <a:spcPts val="0"/>
               </a:spcBef>
               <a:buNone/>
               <a:defRPr/>
             </a:lvl8pPr>
-            <a:lvl9pPr indent="0" lvl="8" marL="0" algn="r">
+            <a:lvl9pPr marL="0" lvl="8" indent="0" algn="r">
               <a:spcBef>
                 <a:spcPts val="0"/>
               </a:spcBef>
@@ -2754,7 +2758,7 @@
             </a:lvl9pPr>
           </a:lstStyle>
           <a:p>
-            <a:pPr indent="0" lvl="0" marL="0" rtl="0" algn="r">
+            <a:pPr marL="0" lvl="0" indent="0" algn="r" rtl="0">
               <a:spcBef>
                 <a:spcPts val="0"/>
               </a:spcBef>
@@ -2765,9 +2769,8 @@
             </a:pPr>
             <a:fld id="{00000000-1234-1234-1234-123412341234}" type="slidenum">
               <a:rPr lang="en-US"/>
-              <a:t>‹#›</a:t>
             </a:fld>
-            <a:endParaRPr/>
+            <a:endParaRPr lang="en-US"/>
           </a:p>
         </p:txBody>
       </p:sp>
@@ -2776,11 +2779,23 @@
   <p:clrMapOvr>
     <a:masterClrMapping/>
   </p:clrMapOvr>
+  <mc:AlternateContent xmlns:mc="http://schemas.openxmlformats.org/markup-compatibility/2006">
+    <mc:Choice xmlns:p14="http://schemas.microsoft.com/office/powerpoint/2010/main" Requires="p14">
+      <p:transition spd="slow" p14:dur="700">
+        <p:push/>
+      </p:transition>
+    </mc:Choice>
+    <mc:Fallback>
+      <p:transition spd="slow">
+        <p:push/>
+      </p:transition>
+    </mc:Fallback>
+  </mc:AlternateContent>
 </p:sldLayout>
 </file>
 
 <file path=ppt/slideLayouts/slideLayout11.xml><?xml version="1.0" encoding="utf-8"?>
-<p:sldLayout xmlns:a="http://schemas.openxmlformats.org/drawingml/2006/main" xmlns:r="http://schemas.openxmlformats.org/officeDocument/2006/relationships" xmlns:mc="http://schemas.openxmlformats.org/markup-compatibility/2006" xmlns:mv="urn:schemas-microsoft-com:mac:vml" xmlns:p="http://schemas.openxmlformats.org/presentationml/2006/main" xmlns:c="http://schemas.openxmlformats.org/drawingml/2006/chart" xmlns:dgm="http://schemas.openxmlformats.org/drawingml/2006/diagram" xmlns:o="urn:schemas-microsoft-com:office:office" xmlns:v="urn:schemas-microsoft-com:vml" xmlns:pvml="urn:schemas-microsoft-com:office:powerpoint" xmlns:com="http://schemas.openxmlformats.org/drawingml/2006/compatibility" xmlns:p14="http://schemas.microsoft.com/office/powerpoint/2010/main" xmlns:p15="http://schemas.microsoft.com/office/powerpoint/2012/main" xmlns:ahyp="http://schemas.microsoft.com/office/drawing/2018/hyperlinkcolor" matchingName="Vertical Title and Text" type="vertTitleAndTx">
+<p:sldLayout xmlns:a="http://schemas.openxmlformats.org/drawingml/2006/main" xmlns:r="http://schemas.openxmlformats.org/officeDocument/2006/relationships" xmlns:p="http://schemas.openxmlformats.org/presentationml/2006/main" type="vertTitleAndTx" matchingName="Vertical Title and Text">
   <p:cSld name="VERTICAL_TITLE_AND_VERTICAL_TEXT">
     <p:spTree>
       <p:nvGrpSpPr>
@@ -2818,7 +2833,7 @@
           </a:ln>
         </p:spPr>
         <p:txBody>
-          <a:bodyPr anchorCtr="0" anchor="ctr" bIns="45700" lIns="91425" spcFirstLastPara="1" rIns="91425" wrap="square" tIns="45700">
+          <a:bodyPr spcFirstLastPara="1" wrap="square" lIns="91425" tIns="45700" rIns="91425" bIns="45700" anchor="ctr" anchorCtr="0">
             <a:normAutofit/>
           </a:bodyPr>
           <a:lstStyle>
@@ -2933,7 +2948,7 @@
           <p:cNvPr id="76" name="Google Shape;76;p12"/>
           <p:cNvSpPr txBox="1"/>
           <p:nvPr>
-            <p:ph idx="1" type="body"/>
+            <p:ph type="body" idx="1"/>
           </p:nvPr>
         </p:nvSpPr>
         <p:spPr>
@@ -2950,11 +2965,11 @@
           </a:ln>
         </p:spPr>
         <p:txBody>
-          <a:bodyPr anchorCtr="0" anchor="t" bIns="45700" lIns="91425" spcFirstLastPara="1" rIns="91425" wrap="square" tIns="45700">
+          <a:bodyPr spcFirstLastPara="1" wrap="square" lIns="91425" tIns="45700" rIns="91425" bIns="45700" anchor="t" anchorCtr="0">
             <a:normAutofit/>
           </a:bodyPr>
           <a:lstStyle>
-            <a:lvl1pPr indent="-342900" lvl="0" marL="457200" algn="l">
+            <a:lvl1pPr marL="457200" lvl="0" indent="-342900" algn="l">
               <a:spcBef>
                 <a:spcPts val="360"/>
               </a:spcBef>
@@ -2968,7 +2983,7 @@
               <a:buChar char="•"/>
               <a:defRPr/>
             </a:lvl1pPr>
-            <a:lvl2pPr indent="-342900" lvl="1" marL="914400" algn="l">
+            <a:lvl2pPr marL="914400" lvl="1" indent="-342900" algn="l">
               <a:spcBef>
                 <a:spcPts val="360"/>
               </a:spcBef>
@@ -2982,7 +2997,7 @@
               <a:buChar char="–"/>
               <a:defRPr/>
             </a:lvl2pPr>
-            <a:lvl3pPr indent="-342900" lvl="2" marL="1371600" algn="l">
+            <a:lvl3pPr marL="1371600" lvl="2" indent="-342900" algn="l">
               <a:spcBef>
                 <a:spcPts val="360"/>
               </a:spcBef>
@@ -2996,7 +3011,7 @@
               <a:buChar char="•"/>
               <a:defRPr/>
             </a:lvl3pPr>
-            <a:lvl4pPr indent="-342900" lvl="3" marL="1828800" algn="l">
+            <a:lvl4pPr marL="1828800" lvl="3" indent="-342900" algn="l">
               <a:spcBef>
                 <a:spcPts val="360"/>
               </a:spcBef>
@@ -3010,7 +3025,7 @@
               <a:buChar char="–"/>
               <a:defRPr/>
             </a:lvl4pPr>
-            <a:lvl5pPr indent="-342900" lvl="4" marL="2286000" algn="l">
+            <a:lvl5pPr marL="2286000" lvl="4" indent="-342900" algn="l">
               <a:spcBef>
                 <a:spcPts val="360"/>
               </a:spcBef>
@@ -3024,7 +3039,7 @@
               <a:buChar char="»"/>
               <a:defRPr/>
             </a:lvl5pPr>
-            <a:lvl6pPr indent="-342900" lvl="5" marL="2743200" algn="l">
+            <a:lvl6pPr marL="2743200" lvl="5" indent="-342900" algn="l">
               <a:spcBef>
                 <a:spcPts val="360"/>
               </a:spcBef>
@@ -3038,7 +3053,7 @@
               <a:buChar char="•"/>
               <a:defRPr/>
             </a:lvl6pPr>
-            <a:lvl7pPr indent="-342900" lvl="6" marL="3200400" algn="l">
+            <a:lvl7pPr marL="3200400" lvl="6" indent="-342900" algn="l">
               <a:spcBef>
                 <a:spcPts val="360"/>
               </a:spcBef>
@@ -3052,7 +3067,7 @@
               <a:buChar char="•"/>
               <a:defRPr/>
             </a:lvl7pPr>
-            <a:lvl8pPr indent="-342900" lvl="7" marL="3657600" algn="l">
+            <a:lvl8pPr marL="3657600" lvl="7" indent="-342900" algn="l">
               <a:spcBef>
                 <a:spcPts val="360"/>
               </a:spcBef>
@@ -3066,7 +3081,7 @@
               <a:buChar char="•"/>
               <a:defRPr/>
             </a:lvl8pPr>
-            <a:lvl9pPr indent="-342900" lvl="8" marL="4114800" algn="l">
+            <a:lvl9pPr marL="4114800" lvl="8" indent="-342900" algn="l">
               <a:spcBef>
                 <a:spcPts val="360"/>
               </a:spcBef>
@@ -3089,7 +3104,7 @@
           <p:cNvPr id="77" name="Google Shape;77;p12"/>
           <p:cNvSpPr txBox="1"/>
           <p:nvPr>
-            <p:ph idx="10" type="dt"/>
+            <p:ph type="dt" idx="10"/>
           </p:nvPr>
         </p:nvSpPr>
         <p:spPr>
@@ -3106,7 +3121,7 @@
           </a:ln>
         </p:spPr>
         <p:txBody>
-          <a:bodyPr anchorCtr="0" anchor="ctr" bIns="45700" lIns="91425" spcFirstLastPara="1" rIns="91425" wrap="square" tIns="45700">
+          <a:bodyPr spcFirstLastPara="1" wrap="square" lIns="91425" tIns="45700" rIns="91425" bIns="45700" anchor="ctr" anchorCtr="0">
             <a:noAutofit/>
           </a:bodyPr>
           <a:lstStyle>
@@ -3218,7 +3233,7 @@
           <p:cNvPr id="78" name="Google Shape;78;p12"/>
           <p:cNvSpPr txBox="1"/>
           <p:nvPr>
-            <p:ph idx="11" type="ftr"/>
+            <p:ph type="ftr" idx="11"/>
           </p:nvPr>
         </p:nvSpPr>
         <p:spPr>
@@ -3235,7 +3250,7 @@
           </a:ln>
         </p:spPr>
         <p:txBody>
-          <a:bodyPr anchorCtr="0" anchor="ctr" bIns="45700" lIns="91425" spcFirstLastPara="1" rIns="91425" wrap="square" tIns="45700">
+          <a:bodyPr spcFirstLastPara="1" wrap="square" lIns="91425" tIns="45700" rIns="91425" bIns="45700" anchor="ctr" anchorCtr="0">
             <a:noAutofit/>
           </a:bodyPr>
           <a:lstStyle>
@@ -3347,7 +3362,7 @@
           <p:cNvPr id="79" name="Google Shape;79;p12"/>
           <p:cNvSpPr txBox="1"/>
           <p:nvPr>
-            <p:ph idx="12" type="sldNum"/>
+            <p:ph type="sldNum" idx="12"/>
           </p:nvPr>
         </p:nvSpPr>
         <p:spPr>
@@ -3364,67 +3379,67 @@
           </a:ln>
         </p:spPr>
         <p:txBody>
-          <a:bodyPr anchorCtr="0" anchor="ctr" bIns="45700" lIns="91425" spcFirstLastPara="1" rIns="91425" wrap="square" tIns="45700">
+          <a:bodyPr spcFirstLastPara="1" wrap="square" lIns="91425" tIns="45700" rIns="91425" bIns="45700" anchor="ctr" anchorCtr="0">
             <a:noAutofit/>
           </a:bodyPr>
           <a:lstStyle>
-            <a:lvl1pPr indent="0" lvl="0" marL="0" algn="r">
+            <a:lvl1pPr marL="0" lvl="0" indent="0" algn="r">
               <a:spcBef>
                 <a:spcPts val="0"/>
               </a:spcBef>
               <a:buNone/>
               <a:defRPr/>
             </a:lvl1pPr>
-            <a:lvl2pPr indent="0" lvl="1" marL="0" algn="r">
+            <a:lvl2pPr marL="0" lvl="1" indent="0" algn="r">
               <a:spcBef>
                 <a:spcPts val="0"/>
               </a:spcBef>
               <a:buNone/>
               <a:defRPr/>
             </a:lvl2pPr>
-            <a:lvl3pPr indent="0" lvl="2" marL="0" algn="r">
+            <a:lvl3pPr marL="0" lvl="2" indent="0" algn="r">
               <a:spcBef>
                 <a:spcPts val="0"/>
               </a:spcBef>
               <a:buNone/>
               <a:defRPr/>
             </a:lvl3pPr>
-            <a:lvl4pPr indent="0" lvl="3" marL="0" algn="r">
+            <a:lvl4pPr marL="0" lvl="3" indent="0" algn="r">
               <a:spcBef>
                 <a:spcPts val="0"/>
               </a:spcBef>
               <a:buNone/>
               <a:defRPr/>
             </a:lvl4pPr>
-            <a:lvl5pPr indent="0" lvl="4" marL="0" algn="r">
+            <a:lvl5pPr marL="0" lvl="4" indent="0" algn="r">
               <a:spcBef>
                 <a:spcPts val="0"/>
               </a:spcBef>
               <a:buNone/>
               <a:defRPr/>
             </a:lvl5pPr>
-            <a:lvl6pPr indent="0" lvl="5" marL="0" algn="r">
+            <a:lvl6pPr marL="0" lvl="5" indent="0" algn="r">
               <a:spcBef>
                 <a:spcPts val="0"/>
               </a:spcBef>
               <a:buNone/>
               <a:defRPr/>
             </a:lvl6pPr>
-            <a:lvl7pPr indent="0" lvl="6" marL="0" algn="r">
+            <a:lvl7pPr marL="0" lvl="6" indent="0" algn="r">
               <a:spcBef>
                 <a:spcPts val="0"/>
               </a:spcBef>
               <a:buNone/>
               <a:defRPr/>
             </a:lvl7pPr>
-            <a:lvl8pPr indent="0" lvl="7" marL="0" algn="r">
+            <a:lvl8pPr marL="0" lvl="7" indent="0" algn="r">
               <a:spcBef>
                 <a:spcPts val="0"/>
               </a:spcBef>
               <a:buNone/>
               <a:defRPr/>
             </a:lvl8pPr>
-            <a:lvl9pPr indent="0" lvl="8" marL="0" algn="r">
+            <a:lvl9pPr marL="0" lvl="8" indent="0" algn="r">
               <a:spcBef>
                 <a:spcPts val="0"/>
               </a:spcBef>
@@ -3433,7 +3448,7 @@
             </a:lvl9pPr>
           </a:lstStyle>
           <a:p>
-            <a:pPr indent="0" lvl="0" marL="0" rtl="0" algn="r">
+            <a:pPr marL="0" lvl="0" indent="0" algn="r" rtl="0">
               <a:spcBef>
                 <a:spcPts val="0"/>
               </a:spcBef>
@@ -3444,9 +3459,8 @@
             </a:pPr>
             <a:fld id="{00000000-1234-1234-1234-123412341234}" type="slidenum">
               <a:rPr lang="en-US"/>
-              <a:t>‹#›</a:t>
             </a:fld>
-            <a:endParaRPr/>
+            <a:endParaRPr lang="en-US"/>
           </a:p>
         </p:txBody>
       </p:sp>
@@ -3455,11 +3469,23 @@
   <p:clrMapOvr>
     <a:masterClrMapping/>
   </p:clrMapOvr>
+  <mc:AlternateContent xmlns:mc="http://schemas.openxmlformats.org/markup-compatibility/2006">
+    <mc:Choice xmlns:p14="http://schemas.microsoft.com/office/powerpoint/2010/main" Requires="p14">
+      <p:transition spd="slow" p14:dur="700">
+        <p:push/>
+      </p:transition>
+    </mc:Choice>
+    <mc:Fallback>
+      <p:transition spd="slow">
+        <p:push/>
+      </p:transition>
+    </mc:Fallback>
+  </mc:AlternateContent>
 </p:sldLayout>
 </file>
 
 <file path=ppt/slideLayouts/slideLayout2.xml><?xml version="1.0" encoding="utf-8"?>
-<p:sldLayout xmlns:a="http://schemas.openxmlformats.org/drawingml/2006/main" xmlns:r="http://schemas.openxmlformats.org/officeDocument/2006/relationships" xmlns:mc="http://schemas.openxmlformats.org/markup-compatibility/2006" xmlns:mv="urn:schemas-microsoft-com:mac:vml" xmlns:p="http://schemas.openxmlformats.org/presentationml/2006/main" xmlns:c="http://schemas.openxmlformats.org/drawingml/2006/chart" xmlns:dgm="http://schemas.openxmlformats.org/drawingml/2006/diagram" xmlns:o="urn:schemas-microsoft-com:office:office" xmlns:v="urn:schemas-microsoft-com:vml" xmlns:pvml="urn:schemas-microsoft-com:office:powerpoint" xmlns:com="http://schemas.openxmlformats.org/drawingml/2006/compatibility" xmlns:p14="http://schemas.microsoft.com/office/powerpoint/2010/main" xmlns:p15="http://schemas.microsoft.com/office/powerpoint/2012/main" xmlns:ahyp="http://schemas.microsoft.com/office/drawing/2018/hyperlinkcolor" matchingName="Title and Content" type="obj">
+<p:sldLayout xmlns:a="http://schemas.openxmlformats.org/drawingml/2006/main" xmlns:r="http://schemas.openxmlformats.org/officeDocument/2006/relationships" xmlns:p="http://schemas.openxmlformats.org/presentationml/2006/main" type="obj" matchingName="Title and Content">
   <p:cSld name="OBJECT">
     <p:spTree>
       <p:nvGrpSpPr>
@@ -3497,7 +3523,7 @@
           </a:ln>
         </p:spPr>
         <p:txBody>
-          <a:bodyPr anchorCtr="0" anchor="ctr" bIns="45700" lIns="91425" spcFirstLastPara="1" rIns="91425" wrap="square" tIns="45700">
+          <a:bodyPr spcFirstLastPara="1" wrap="square" lIns="91425" tIns="45700" rIns="91425" bIns="45700" anchor="ctr" anchorCtr="0">
             <a:normAutofit/>
           </a:bodyPr>
           <a:lstStyle>
@@ -3612,7 +3638,7 @@
           <p:cNvPr id="19" name="Google Shape;19;p3"/>
           <p:cNvSpPr txBox="1"/>
           <p:nvPr>
-            <p:ph idx="1" type="body"/>
+            <p:ph type="body" idx="1"/>
           </p:nvPr>
         </p:nvSpPr>
         <p:spPr>
@@ -3629,11 +3655,11 @@
           </a:ln>
         </p:spPr>
         <p:txBody>
-          <a:bodyPr anchorCtr="0" anchor="t" bIns="45700" lIns="91425" spcFirstLastPara="1" rIns="91425" wrap="square" tIns="45700">
+          <a:bodyPr spcFirstLastPara="1" wrap="square" lIns="91425" tIns="45700" rIns="91425" bIns="45700" anchor="t" anchorCtr="0">
             <a:normAutofit/>
           </a:bodyPr>
           <a:lstStyle>
-            <a:lvl1pPr indent="-342900" lvl="0" marL="457200" algn="l">
+            <a:lvl1pPr marL="457200" lvl="0" indent="-342900" algn="l">
               <a:spcBef>
                 <a:spcPts val="360"/>
               </a:spcBef>
@@ -3647,7 +3673,7 @@
               <a:buChar char="•"/>
               <a:defRPr/>
             </a:lvl1pPr>
-            <a:lvl2pPr indent="-342900" lvl="1" marL="914400" algn="l">
+            <a:lvl2pPr marL="914400" lvl="1" indent="-342900" algn="l">
               <a:spcBef>
                 <a:spcPts val="360"/>
               </a:spcBef>
@@ -3661,7 +3687,7 @@
               <a:buChar char="–"/>
               <a:defRPr/>
             </a:lvl2pPr>
-            <a:lvl3pPr indent="-342900" lvl="2" marL="1371600" algn="l">
+            <a:lvl3pPr marL="1371600" lvl="2" indent="-342900" algn="l">
               <a:spcBef>
                 <a:spcPts val="360"/>
               </a:spcBef>
@@ -3675,7 +3701,7 @@
               <a:buChar char="•"/>
               <a:defRPr/>
             </a:lvl3pPr>
-            <a:lvl4pPr indent="-342900" lvl="3" marL="1828800" algn="l">
+            <a:lvl4pPr marL="1828800" lvl="3" indent="-342900" algn="l">
               <a:spcBef>
                 <a:spcPts val="360"/>
               </a:spcBef>
@@ -3689,7 +3715,7 @@
               <a:buChar char="–"/>
               <a:defRPr/>
             </a:lvl4pPr>
-            <a:lvl5pPr indent="-342900" lvl="4" marL="2286000" algn="l">
+            <a:lvl5pPr marL="2286000" lvl="4" indent="-342900" algn="l">
               <a:spcBef>
                 <a:spcPts val="360"/>
               </a:spcBef>
@@ -3703,7 +3729,7 @@
               <a:buChar char="»"/>
               <a:defRPr/>
             </a:lvl5pPr>
-            <a:lvl6pPr indent="-342900" lvl="5" marL="2743200" algn="l">
+            <a:lvl6pPr marL="2743200" lvl="5" indent="-342900" algn="l">
               <a:spcBef>
                 <a:spcPts val="360"/>
               </a:spcBef>
@@ -3717,7 +3743,7 @@
               <a:buChar char="•"/>
               <a:defRPr/>
             </a:lvl6pPr>
-            <a:lvl7pPr indent="-342900" lvl="6" marL="3200400" algn="l">
+            <a:lvl7pPr marL="3200400" lvl="6" indent="-342900" algn="l">
               <a:spcBef>
                 <a:spcPts val="360"/>
               </a:spcBef>
@@ -3731,7 +3757,7 @@
               <a:buChar char="•"/>
               <a:defRPr/>
             </a:lvl7pPr>
-            <a:lvl8pPr indent="-342900" lvl="7" marL="3657600" algn="l">
+            <a:lvl8pPr marL="3657600" lvl="7" indent="-342900" algn="l">
               <a:spcBef>
                 <a:spcPts val="360"/>
               </a:spcBef>
@@ -3745,7 +3771,7 @@
               <a:buChar char="•"/>
               <a:defRPr/>
             </a:lvl8pPr>
-            <a:lvl9pPr indent="-342900" lvl="8" marL="4114800" algn="l">
+            <a:lvl9pPr marL="4114800" lvl="8" indent="-342900" algn="l">
               <a:spcBef>
                 <a:spcPts val="360"/>
               </a:spcBef>
@@ -3768,7 +3794,7 @@
           <p:cNvPr id="20" name="Google Shape;20;p3"/>
           <p:cNvSpPr txBox="1"/>
           <p:nvPr>
-            <p:ph idx="10" type="dt"/>
+            <p:ph type="dt" idx="10"/>
           </p:nvPr>
         </p:nvSpPr>
         <p:spPr>
@@ -3785,7 +3811,7 @@
           </a:ln>
         </p:spPr>
         <p:txBody>
-          <a:bodyPr anchorCtr="0" anchor="ctr" bIns="45700" lIns="91425" spcFirstLastPara="1" rIns="91425" wrap="square" tIns="45700">
+          <a:bodyPr spcFirstLastPara="1" wrap="square" lIns="91425" tIns="45700" rIns="91425" bIns="45700" anchor="ctr" anchorCtr="0">
             <a:noAutofit/>
           </a:bodyPr>
           <a:lstStyle>
@@ -3897,7 +3923,7 @@
           <p:cNvPr id="21" name="Google Shape;21;p3"/>
           <p:cNvSpPr txBox="1"/>
           <p:nvPr>
-            <p:ph idx="11" type="ftr"/>
+            <p:ph type="ftr" idx="11"/>
           </p:nvPr>
         </p:nvSpPr>
         <p:spPr>
@@ -3914,7 +3940,7 @@
           </a:ln>
         </p:spPr>
         <p:txBody>
-          <a:bodyPr anchorCtr="0" anchor="ctr" bIns="45700" lIns="91425" spcFirstLastPara="1" rIns="91425" wrap="square" tIns="45700">
+          <a:bodyPr spcFirstLastPara="1" wrap="square" lIns="91425" tIns="45700" rIns="91425" bIns="45700" anchor="ctr" anchorCtr="0">
             <a:noAutofit/>
           </a:bodyPr>
           <a:lstStyle>
@@ -4026,7 +4052,7 @@
           <p:cNvPr id="22" name="Google Shape;22;p3"/>
           <p:cNvSpPr txBox="1"/>
           <p:nvPr>
-            <p:ph idx="12" type="sldNum"/>
+            <p:ph type="sldNum" idx="12"/>
           </p:nvPr>
         </p:nvSpPr>
         <p:spPr>
@@ -4043,67 +4069,67 @@
           </a:ln>
         </p:spPr>
         <p:txBody>
-          <a:bodyPr anchorCtr="0" anchor="ctr" bIns="45700" lIns="91425" spcFirstLastPara="1" rIns="91425" wrap="square" tIns="45700">
+          <a:bodyPr spcFirstLastPara="1" wrap="square" lIns="91425" tIns="45700" rIns="91425" bIns="45700" anchor="ctr" anchorCtr="0">
             <a:noAutofit/>
           </a:bodyPr>
           <a:lstStyle>
-            <a:lvl1pPr indent="0" lvl="0" marL="0" algn="r">
+            <a:lvl1pPr marL="0" lvl="0" indent="0" algn="r">
               <a:spcBef>
                 <a:spcPts val="0"/>
               </a:spcBef>
               <a:buNone/>
               <a:defRPr/>
             </a:lvl1pPr>
-            <a:lvl2pPr indent="0" lvl="1" marL="0" algn="r">
+            <a:lvl2pPr marL="0" lvl="1" indent="0" algn="r">
               <a:spcBef>
                 <a:spcPts val="0"/>
               </a:spcBef>
               <a:buNone/>
               <a:defRPr/>
             </a:lvl2pPr>
-            <a:lvl3pPr indent="0" lvl="2" marL="0" algn="r">
+            <a:lvl3pPr marL="0" lvl="2" indent="0" algn="r">
               <a:spcBef>
                 <a:spcPts val="0"/>
               </a:spcBef>
               <a:buNone/>
               <a:defRPr/>
             </a:lvl3pPr>
-            <a:lvl4pPr indent="0" lvl="3" marL="0" algn="r">
+            <a:lvl4pPr marL="0" lvl="3" indent="0" algn="r">
               <a:spcBef>
                 <a:spcPts val="0"/>
               </a:spcBef>
               <a:buNone/>
               <a:defRPr/>
             </a:lvl4pPr>
-            <a:lvl5pPr indent="0" lvl="4" marL="0" algn="r">
+            <a:lvl5pPr marL="0" lvl="4" indent="0" algn="r">
               <a:spcBef>
                 <a:spcPts val="0"/>
               </a:spcBef>
               <a:buNone/>
               <a:defRPr/>
             </a:lvl5pPr>
-            <a:lvl6pPr indent="0" lvl="5" marL="0" algn="r">
+            <a:lvl6pPr marL="0" lvl="5" indent="0" algn="r">
               <a:spcBef>
                 <a:spcPts val="0"/>
               </a:spcBef>
               <a:buNone/>
               <a:defRPr/>
             </a:lvl6pPr>
-            <a:lvl7pPr indent="0" lvl="6" marL="0" algn="r">
+            <a:lvl7pPr marL="0" lvl="6" indent="0" algn="r">
               <a:spcBef>
                 <a:spcPts val="0"/>
               </a:spcBef>
               <a:buNone/>
               <a:defRPr/>
             </a:lvl7pPr>
-            <a:lvl8pPr indent="0" lvl="7" marL="0" algn="r">
+            <a:lvl8pPr marL="0" lvl="7" indent="0" algn="r">
               <a:spcBef>
                 <a:spcPts val="0"/>
               </a:spcBef>
               <a:buNone/>
               <a:defRPr/>
             </a:lvl8pPr>
-            <a:lvl9pPr indent="0" lvl="8" marL="0" algn="r">
+            <a:lvl9pPr marL="0" lvl="8" indent="0" algn="r">
               <a:spcBef>
                 <a:spcPts val="0"/>
               </a:spcBef>
@@ -4112,7 +4138,7 @@
             </a:lvl9pPr>
           </a:lstStyle>
           <a:p>
-            <a:pPr indent="0" lvl="0" marL="0" rtl="0" algn="r">
+            <a:pPr marL="0" lvl="0" indent="0" algn="r" rtl="0">
               <a:spcBef>
                 <a:spcPts val="0"/>
               </a:spcBef>
@@ -4123,9 +4149,8 @@
             </a:pPr>
             <a:fld id="{00000000-1234-1234-1234-123412341234}" type="slidenum">
               <a:rPr lang="en-US"/>
-              <a:t>‹#›</a:t>
             </a:fld>
-            <a:endParaRPr/>
+            <a:endParaRPr lang="en-US"/>
           </a:p>
         </p:txBody>
       </p:sp>
@@ -4134,11 +4159,23 @@
   <p:clrMapOvr>
     <a:masterClrMapping/>
   </p:clrMapOvr>
+  <mc:AlternateContent xmlns:mc="http://schemas.openxmlformats.org/markup-compatibility/2006">
+    <mc:Choice xmlns:p14="http://schemas.microsoft.com/office/powerpoint/2010/main" Requires="p14">
+      <p:transition spd="slow" p14:dur="700">
+        <p:push/>
+      </p:transition>
+    </mc:Choice>
+    <mc:Fallback>
+      <p:transition spd="slow">
+        <p:push/>
+      </p:transition>
+    </mc:Fallback>
+  </mc:AlternateContent>
 </p:sldLayout>
 </file>
 
 <file path=ppt/slideLayouts/slideLayout3.xml><?xml version="1.0" encoding="utf-8"?>
-<p:sldLayout xmlns:a="http://schemas.openxmlformats.org/drawingml/2006/main" xmlns:r="http://schemas.openxmlformats.org/officeDocument/2006/relationships" xmlns:mc="http://schemas.openxmlformats.org/markup-compatibility/2006" xmlns:mv="urn:schemas-microsoft-com:mac:vml" xmlns:p="http://schemas.openxmlformats.org/presentationml/2006/main" xmlns:c="http://schemas.openxmlformats.org/drawingml/2006/chart" xmlns:dgm="http://schemas.openxmlformats.org/drawingml/2006/diagram" xmlns:o="urn:schemas-microsoft-com:office:office" xmlns:v="urn:schemas-microsoft-com:vml" xmlns:pvml="urn:schemas-microsoft-com:office:powerpoint" xmlns:com="http://schemas.openxmlformats.org/drawingml/2006/compatibility" xmlns:p14="http://schemas.microsoft.com/office/powerpoint/2010/main" xmlns:p15="http://schemas.microsoft.com/office/powerpoint/2012/main" xmlns:ahyp="http://schemas.microsoft.com/office/drawing/2018/hyperlinkcolor" matchingName="Section Header" type="secHead">
+<p:sldLayout xmlns:a="http://schemas.openxmlformats.org/drawingml/2006/main" xmlns:r="http://schemas.openxmlformats.org/officeDocument/2006/relationships" xmlns:p="http://schemas.openxmlformats.org/presentationml/2006/main" type="secHead" matchingName="Section Header">
   <p:cSld name="SECTION_HEADER">
     <p:spTree>
       <p:nvGrpSpPr>
@@ -4176,7 +4213,7 @@
           </a:ln>
         </p:spPr>
         <p:txBody>
-          <a:bodyPr anchorCtr="0" anchor="t" bIns="45700" lIns="91425" spcFirstLastPara="1" rIns="91425" wrap="square" tIns="45700">
+          <a:bodyPr spcFirstLastPara="1" wrap="square" lIns="91425" tIns="45700" rIns="91425" bIns="45700" anchor="t" anchorCtr="0">
             <a:normAutofit/>
           </a:bodyPr>
           <a:lstStyle>
@@ -4191,9 +4228,9 @@
                 <a:schemeClr val="dk1"/>
               </a:buClr>
               <a:buSzPts val="4000"/>
-              <a:buFont typeface="Calibri"/>
-              <a:buNone/>
-              <a:defRPr b="1" sz="4000" cap="none"/>
+              <a:buFont typeface="Calibri" panose="020F0502020204030204"/>
+              <a:buNone/>
+              <a:defRPr sz="4000" b="1" cap="none"/>
             </a:lvl1pPr>
             <a:lvl2pPr lvl="1">
               <a:spcBef>
@@ -4292,7 +4329,7 @@
           <p:cNvPr id="25" name="Google Shape;25;p4"/>
           <p:cNvSpPr txBox="1"/>
           <p:nvPr>
-            <p:ph idx="1" type="body"/>
+            <p:ph type="body" idx="1"/>
           </p:nvPr>
         </p:nvSpPr>
         <p:spPr>
@@ -4309,11 +4346,11 @@
           </a:ln>
         </p:spPr>
         <p:txBody>
-          <a:bodyPr anchorCtr="0" anchor="b" bIns="45700" lIns="91425" spcFirstLastPara="1" rIns="91425" wrap="square" tIns="45700">
+          <a:bodyPr spcFirstLastPara="1" wrap="square" lIns="91425" tIns="45700" rIns="91425" bIns="45700" anchor="b" anchorCtr="0">
             <a:normAutofit/>
           </a:bodyPr>
           <a:lstStyle>
-            <a:lvl1pPr indent="-228600" lvl="0" marL="457200" algn="l">
+            <a:lvl1pPr marL="457200" lvl="0" indent="-228600" algn="l">
               <a:spcBef>
                 <a:spcPts val="400"/>
               </a:spcBef>
@@ -4331,7 +4368,7 @@
                 </a:solidFill>
               </a:defRPr>
             </a:lvl1pPr>
-            <a:lvl2pPr indent="-228600" lvl="1" marL="914400" algn="l">
+            <a:lvl2pPr marL="914400" lvl="1" indent="-228600" algn="l">
               <a:spcBef>
                 <a:spcPts val="360"/>
               </a:spcBef>
@@ -4349,7 +4386,7 @@
                 </a:solidFill>
               </a:defRPr>
             </a:lvl2pPr>
-            <a:lvl3pPr indent="-228600" lvl="2" marL="1371600" algn="l">
+            <a:lvl3pPr marL="1371600" lvl="2" indent="-228600" algn="l">
               <a:spcBef>
                 <a:spcPts val="320"/>
               </a:spcBef>
@@ -4367,7 +4404,7 @@
                 </a:solidFill>
               </a:defRPr>
             </a:lvl3pPr>
-            <a:lvl4pPr indent="-228600" lvl="3" marL="1828800" algn="l">
+            <a:lvl4pPr marL="1828800" lvl="3" indent="-228600" algn="l">
               <a:spcBef>
                 <a:spcPts val="280"/>
               </a:spcBef>
@@ -4385,7 +4422,7 @@
                 </a:solidFill>
               </a:defRPr>
             </a:lvl4pPr>
-            <a:lvl5pPr indent="-228600" lvl="4" marL="2286000" algn="l">
+            <a:lvl5pPr marL="2286000" lvl="4" indent="-228600" algn="l">
               <a:spcBef>
                 <a:spcPts val="280"/>
               </a:spcBef>
@@ -4403,7 +4440,7 @@
                 </a:solidFill>
               </a:defRPr>
             </a:lvl5pPr>
-            <a:lvl6pPr indent="-228600" lvl="5" marL="2743200" algn="l">
+            <a:lvl6pPr marL="2743200" lvl="5" indent="-228600" algn="l">
               <a:spcBef>
                 <a:spcPts val="280"/>
               </a:spcBef>
@@ -4421,7 +4458,7 @@
                 </a:solidFill>
               </a:defRPr>
             </a:lvl6pPr>
-            <a:lvl7pPr indent="-228600" lvl="6" marL="3200400" algn="l">
+            <a:lvl7pPr marL="3200400" lvl="6" indent="-228600" algn="l">
               <a:spcBef>
                 <a:spcPts val="280"/>
               </a:spcBef>
@@ -4439,7 +4476,7 @@
                 </a:solidFill>
               </a:defRPr>
             </a:lvl7pPr>
-            <a:lvl8pPr indent="-228600" lvl="7" marL="3657600" algn="l">
+            <a:lvl8pPr marL="3657600" lvl="7" indent="-228600" algn="l">
               <a:spcBef>
                 <a:spcPts val="280"/>
               </a:spcBef>
@@ -4457,7 +4494,7 @@
                 </a:solidFill>
               </a:defRPr>
             </a:lvl8pPr>
-            <a:lvl9pPr indent="-228600" lvl="8" marL="4114800" algn="l">
+            <a:lvl9pPr marL="4114800" lvl="8" indent="-228600" algn="l">
               <a:spcBef>
                 <a:spcPts val="280"/>
               </a:spcBef>
@@ -4484,7 +4521,7 @@
           <p:cNvPr id="26" name="Google Shape;26;p4"/>
           <p:cNvSpPr txBox="1"/>
           <p:nvPr>
-            <p:ph idx="10" type="dt"/>
+            <p:ph type="dt" idx="10"/>
           </p:nvPr>
         </p:nvSpPr>
         <p:spPr>
@@ -4501,7 +4538,7 @@
           </a:ln>
         </p:spPr>
         <p:txBody>
-          <a:bodyPr anchorCtr="0" anchor="ctr" bIns="45700" lIns="91425" spcFirstLastPara="1" rIns="91425" wrap="square" tIns="45700">
+          <a:bodyPr spcFirstLastPara="1" wrap="square" lIns="91425" tIns="45700" rIns="91425" bIns="45700" anchor="ctr" anchorCtr="0">
             <a:noAutofit/>
           </a:bodyPr>
           <a:lstStyle>
@@ -4613,7 +4650,7 @@
           <p:cNvPr id="27" name="Google Shape;27;p4"/>
           <p:cNvSpPr txBox="1"/>
           <p:nvPr>
-            <p:ph idx="11" type="ftr"/>
+            <p:ph type="ftr" idx="11"/>
           </p:nvPr>
         </p:nvSpPr>
         <p:spPr>
@@ -4630,7 +4667,7 @@
           </a:ln>
         </p:spPr>
         <p:txBody>
-          <a:bodyPr anchorCtr="0" anchor="ctr" bIns="45700" lIns="91425" spcFirstLastPara="1" rIns="91425" wrap="square" tIns="45700">
+          <a:bodyPr spcFirstLastPara="1" wrap="square" lIns="91425" tIns="45700" rIns="91425" bIns="45700" anchor="ctr" anchorCtr="0">
             <a:noAutofit/>
           </a:bodyPr>
           <a:lstStyle>
@@ -4742,7 +4779,7 @@
           <p:cNvPr id="28" name="Google Shape;28;p4"/>
           <p:cNvSpPr txBox="1"/>
           <p:nvPr>
-            <p:ph idx="12" type="sldNum"/>
+            <p:ph type="sldNum" idx="12"/>
           </p:nvPr>
         </p:nvSpPr>
         <p:spPr>
@@ -4759,67 +4796,67 @@
           </a:ln>
         </p:spPr>
         <p:txBody>
-          <a:bodyPr anchorCtr="0" anchor="ctr" bIns="45700" lIns="91425" spcFirstLastPara="1" rIns="91425" wrap="square" tIns="45700">
+          <a:bodyPr spcFirstLastPara="1" wrap="square" lIns="91425" tIns="45700" rIns="91425" bIns="45700" anchor="ctr" anchorCtr="0">
             <a:noAutofit/>
           </a:bodyPr>
           <a:lstStyle>
-            <a:lvl1pPr indent="0" lvl="0" marL="0" algn="r">
+            <a:lvl1pPr marL="0" lvl="0" indent="0" algn="r">
               <a:spcBef>
                 <a:spcPts val="0"/>
               </a:spcBef>
               <a:buNone/>
               <a:defRPr/>
             </a:lvl1pPr>
-            <a:lvl2pPr indent="0" lvl="1" marL="0" algn="r">
+            <a:lvl2pPr marL="0" lvl="1" indent="0" algn="r">
               <a:spcBef>
                 <a:spcPts val="0"/>
               </a:spcBef>
               <a:buNone/>
               <a:defRPr/>
             </a:lvl2pPr>
-            <a:lvl3pPr indent="0" lvl="2" marL="0" algn="r">
+            <a:lvl3pPr marL="0" lvl="2" indent="0" algn="r">
               <a:spcBef>
                 <a:spcPts val="0"/>
               </a:spcBef>
               <a:buNone/>
               <a:defRPr/>
             </a:lvl3pPr>
-            <a:lvl4pPr indent="0" lvl="3" marL="0" algn="r">
+            <a:lvl4pPr marL="0" lvl="3" indent="0" algn="r">
               <a:spcBef>
                 <a:spcPts val="0"/>
               </a:spcBef>
               <a:buNone/>
               <a:defRPr/>
             </a:lvl4pPr>
-            <a:lvl5pPr indent="0" lvl="4" marL="0" algn="r">
+            <a:lvl5pPr marL="0" lvl="4" indent="0" algn="r">
               <a:spcBef>
                 <a:spcPts val="0"/>
               </a:spcBef>
               <a:buNone/>
               <a:defRPr/>
             </a:lvl5pPr>
-            <a:lvl6pPr indent="0" lvl="5" marL="0" algn="r">
+            <a:lvl6pPr marL="0" lvl="5" indent="0" algn="r">
               <a:spcBef>
                 <a:spcPts val="0"/>
               </a:spcBef>
               <a:buNone/>
               <a:defRPr/>
             </a:lvl6pPr>
-            <a:lvl7pPr indent="0" lvl="6" marL="0" algn="r">
+            <a:lvl7pPr marL="0" lvl="6" indent="0" algn="r">
               <a:spcBef>
                 <a:spcPts val="0"/>
               </a:spcBef>
               <a:buNone/>
               <a:defRPr/>
             </a:lvl7pPr>
-            <a:lvl8pPr indent="0" lvl="7" marL="0" algn="r">
+            <a:lvl8pPr marL="0" lvl="7" indent="0" algn="r">
               <a:spcBef>
                 <a:spcPts val="0"/>
               </a:spcBef>
               <a:buNone/>
               <a:defRPr/>
             </a:lvl8pPr>
-            <a:lvl9pPr indent="0" lvl="8" marL="0" algn="r">
+            <a:lvl9pPr marL="0" lvl="8" indent="0" algn="r">
               <a:spcBef>
                 <a:spcPts val="0"/>
               </a:spcBef>
@@ -4828,7 +4865,7 @@
             </a:lvl9pPr>
           </a:lstStyle>
           <a:p>
-            <a:pPr indent="0" lvl="0" marL="0" rtl="0" algn="r">
+            <a:pPr marL="0" lvl="0" indent="0" algn="r" rtl="0">
               <a:spcBef>
                 <a:spcPts val="0"/>
               </a:spcBef>
@@ -4839,9 +4876,8 @@
             </a:pPr>
             <a:fld id="{00000000-1234-1234-1234-123412341234}" type="slidenum">
               <a:rPr lang="en-US"/>
-              <a:t>‹#›</a:t>
             </a:fld>
-            <a:endParaRPr/>
+            <a:endParaRPr lang="en-US"/>
           </a:p>
         </p:txBody>
       </p:sp>
@@ -4850,11 +4886,23 @@
   <p:clrMapOvr>
     <a:masterClrMapping/>
   </p:clrMapOvr>
+  <mc:AlternateContent xmlns:mc="http://schemas.openxmlformats.org/markup-compatibility/2006">
+    <mc:Choice xmlns:p14="http://schemas.microsoft.com/office/powerpoint/2010/main" Requires="p14">
+      <p:transition spd="slow" p14:dur="700">
+        <p:push/>
+      </p:transition>
+    </mc:Choice>
+    <mc:Fallback>
+      <p:transition spd="slow">
+        <p:push/>
+      </p:transition>
+    </mc:Fallback>
+  </mc:AlternateContent>
 </p:sldLayout>
 </file>
 
 <file path=ppt/slideLayouts/slideLayout4.xml><?xml version="1.0" encoding="utf-8"?>
-<p:sldLayout xmlns:a="http://schemas.openxmlformats.org/drawingml/2006/main" xmlns:r="http://schemas.openxmlformats.org/officeDocument/2006/relationships" xmlns:mc="http://schemas.openxmlformats.org/markup-compatibility/2006" xmlns:mv="urn:schemas-microsoft-com:mac:vml" xmlns:p="http://schemas.openxmlformats.org/presentationml/2006/main" xmlns:c="http://schemas.openxmlformats.org/drawingml/2006/chart" xmlns:dgm="http://schemas.openxmlformats.org/drawingml/2006/diagram" xmlns:o="urn:schemas-microsoft-com:office:office" xmlns:v="urn:schemas-microsoft-com:vml" xmlns:pvml="urn:schemas-microsoft-com:office:powerpoint" xmlns:com="http://schemas.openxmlformats.org/drawingml/2006/compatibility" xmlns:p14="http://schemas.microsoft.com/office/powerpoint/2010/main" xmlns:p15="http://schemas.microsoft.com/office/powerpoint/2012/main" xmlns:ahyp="http://schemas.microsoft.com/office/drawing/2018/hyperlinkcolor" matchingName="Two Content" type="twoObj">
+<p:sldLayout xmlns:a="http://schemas.openxmlformats.org/drawingml/2006/main" xmlns:r="http://schemas.openxmlformats.org/officeDocument/2006/relationships" xmlns:p="http://schemas.openxmlformats.org/presentationml/2006/main" type="twoObj" matchingName="Two Content">
   <p:cSld name="TWO_OBJECTS">
     <p:spTree>
       <p:nvGrpSpPr>
@@ -4892,7 +4940,7 @@
           </a:ln>
         </p:spPr>
         <p:txBody>
-          <a:bodyPr anchorCtr="0" anchor="ctr" bIns="45700" lIns="91425" spcFirstLastPara="1" rIns="91425" wrap="square" tIns="45700">
+          <a:bodyPr spcFirstLastPara="1" wrap="square" lIns="91425" tIns="45700" rIns="91425" bIns="45700" anchor="ctr" anchorCtr="0">
             <a:normAutofit/>
           </a:bodyPr>
           <a:lstStyle>
@@ -5007,7 +5055,7 @@
           <p:cNvPr id="31" name="Google Shape;31;p5"/>
           <p:cNvSpPr txBox="1"/>
           <p:nvPr>
-            <p:ph idx="1" type="body"/>
+            <p:ph type="body" idx="1"/>
           </p:nvPr>
         </p:nvSpPr>
         <p:spPr>
@@ -5024,11 +5072,11 @@
           </a:ln>
         </p:spPr>
         <p:txBody>
-          <a:bodyPr anchorCtr="0" anchor="t" bIns="45700" lIns="91425" spcFirstLastPara="1" rIns="91425" wrap="square" tIns="45700">
+          <a:bodyPr spcFirstLastPara="1" wrap="square" lIns="91425" tIns="45700" rIns="91425" bIns="45700" anchor="t" anchorCtr="0">
             <a:normAutofit/>
           </a:bodyPr>
           <a:lstStyle>
-            <a:lvl1pPr indent="-406400" lvl="0" marL="457200" algn="l">
+            <a:lvl1pPr marL="457200" lvl="0" indent="-406400" algn="l">
               <a:spcBef>
                 <a:spcPts val="560"/>
               </a:spcBef>
@@ -5042,7 +5090,7 @@
               <a:buChar char="•"/>
               <a:defRPr sz="2800"/>
             </a:lvl1pPr>
-            <a:lvl2pPr indent="-381000" lvl="1" marL="914400" algn="l">
+            <a:lvl2pPr marL="914400" lvl="1" indent="-381000" algn="l">
               <a:spcBef>
                 <a:spcPts val="480"/>
               </a:spcBef>
@@ -5056,7 +5104,7 @@
               <a:buChar char="–"/>
               <a:defRPr sz="2400"/>
             </a:lvl2pPr>
-            <a:lvl3pPr indent="-355600" lvl="2" marL="1371600" algn="l">
+            <a:lvl3pPr marL="1371600" lvl="2" indent="-355600" algn="l">
               <a:spcBef>
                 <a:spcPts val="400"/>
               </a:spcBef>
@@ -5070,7 +5118,7 @@
               <a:buChar char="•"/>
               <a:defRPr sz="2000"/>
             </a:lvl3pPr>
-            <a:lvl4pPr indent="-342900" lvl="3" marL="1828800" algn="l">
+            <a:lvl4pPr marL="1828800" lvl="3" indent="-342900" algn="l">
               <a:spcBef>
                 <a:spcPts val="360"/>
               </a:spcBef>
@@ -5084,7 +5132,7 @@
               <a:buChar char="–"/>
               <a:defRPr sz="1800"/>
             </a:lvl4pPr>
-            <a:lvl5pPr indent="-342900" lvl="4" marL="2286000" algn="l">
+            <a:lvl5pPr marL="2286000" lvl="4" indent="-342900" algn="l">
               <a:spcBef>
                 <a:spcPts val="360"/>
               </a:spcBef>
@@ -5098,7 +5146,7 @@
               <a:buChar char="»"/>
               <a:defRPr sz="1800"/>
             </a:lvl5pPr>
-            <a:lvl6pPr indent="-342900" lvl="5" marL="2743200" algn="l">
+            <a:lvl6pPr marL="2743200" lvl="5" indent="-342900" algn="l">
               <a:spcBef>
                 <a:spcPts val="360"/>
               </a:spcBef>
@@ -5112,7 +5160,7 @@
               <a:buChar char="•"/>
               <a:defRPr sz="1800"/>
             </a:lvl6pPr>
-            <a:lvl7pPr indent="-342900" lvl="6" marL="3200400" algn="l">
+            <a:lvl7pPr marL="3200400" lvl="6" indent="-342900" algn="l">
               <a:spcBef>
                 <a:spcPts val="360"/>
               </a:spcBef>
@@ -5126,7 +5174,7 @@
               <a:buChar char="•"/>
               <a:defRPr sz="1800"/>
             </a:lvl7pPr>
-            <a:lvl8pPr indent="-342900" lvl="7" marL="3657600" algn="l">
+            <a:lvl8pPr marL="3657600" lvl="7" indent="-342900" algn="l">
               <a:spcBef>
                 <a:spcPts val="360"/>
               </a:spcBef>
@@ -5140,7 +5188,7 @@
               <a:buChar char="•"/>
               <a:defRPr sz="1800"/>
             </a:lvl8pPr>
-            <a:lvl9pPr indent="-342900" lvl="8" marL="4114800" algn="l">
+            <a:lvl9pPr marL="4114800" lvl="8" indent="-342900" algn="l">
               <a:spcBef>
                 <a:spcPts val="360"/>
               </a:spcBef>
@@ -5163,7 +5211,7 @@
           <p:cNvPr id="32" name="Google Shape;32;p5"/>
           <p:cNvSpPr txBox="1"/>
           <p:nvPr>
-            <p:ph idx="2" type="body"/>
+            <p:ph type="body" idx="2"/>
           </p:nvPr>
         </p:nvSpPr>
         <p:spPr>
@@ -5180,11 +5228,11 @@
           </a:ln>
         </p:spPr>
         <p:txBody>
-          <a:bodyPr anchorCtr="0" anchor="t" bIns="45700" lIns="91425" spcFirstLastPara="1" rIns="91425" wrap="square" tIns="45700">
+          <a:bodyPr spcFirstLastPara="1" wrap="square" lIns="91425" tIns="45700" rIns="91425" bIns="45700" anchor="t" anchorCtr="0">
             <a:normAutofit/>
           </a:bodyPr>
           <a:lstStyle>
-            <a:lvl1pPr indent="-406400" lvl="0" marL="457200" algn="l">
+            <a:lvl1pPr marL="457200" lvl="0" indent="-406400" algn="l">
               <a:spcBef>
                 <a:spcPts val="560"/>
               </a:spcBef>
@@ -5198,7 +5246,7 @@
               <a:buChar char="•"/>
               <a:defRPr sz="2800"/>
             </a:lvl1pPr>
-            <a:lvl2pPr indent="-381000" lvl="1" marL="914400" algn="l">
+            <a:lvl2pPr marL="914400" lvl="1" indent="-381000" algn="l">
               <a:spcBef>
                 <a:spcPts val="480"/>
               </a:spcBef>
@@ -5212,7 +5260,7 @@
               <a:buChar char="–"/>
               <a:defRPr sz="2400"/>
             </a:lvl2pPr>
-            <a:lvl3pPr indent="-355600" lvl="2" marL="1371600" algn="l">
+            <a:lvl3pPr marL="1371600" lvl="2" indent="-355600" algn="l">
               <a:spcBef>
                 <a:spcPts val="400"/>
               </a:spcBef>
@@ -5226,7 +5274,7 @@
               <a:buChar char="•"/>
               <a:defRPr sz="2000"/>
             </a:lvl3pPr>
-            <a:lvl4pPr indent="-342900" lvl="3" marL="1828800" algn="l">
+            <a:lvl4pPr marL="1828800" lvl="3" indent="-342900" algn="l">
               <a:spcBef>
                 <a:spcPts val="360"/>
               </a:spcBef>
@@ -5240,7 +5288,7 @@
               <a:buChar char="–"/>
               <a:defRPr sz="1800"/>
             </a:lvl4pPr>
-            <a:lvl5pPr indent="-342900" lvl="4" marL="2286000" algn="l">
+            <a:lvl5pPr marL="2286000" lvl="4" indent="-342900" algn="l">
               <a:spcBef>
                 <a:spcPts val="360"/>
               </a:spcBef>
@@ -5254,7 +5302,7 @@
               <a:buChar char="»"/>
               <a:defRPr sz="1800"/>
             </a:lvl5pPr>
-            <a:lvl6pPr indent="-342900" lvl="5" marL="2743200" algn="l">
+            <a:lvl6pPr marL="2743200" lvl="5" indent="-342900" algn="l">
               <a:spcBef>
                 <a:spcPts val="360"/>
               </a:spcBef>
@@ -5268,7 +5316,7 @@
               <a:buChar char="•"/>
               <a:defRPr sz="1800"/>
             </a:lvl6pPr>
-            <a:lvl7pPr indent="-342900" lvl="6" marL="3200400" algn="l">
+            <a:lvl7pPr marL="3200400" lvl="6" indent="-342900" algn="l">
               <a:spcBef>
                 <a:spcPts val="360"/>
               </a:spcBef>
@@ -5282,7 +5330,7 @@
               <a:buChar char="•"/>
               <a:defRPr sz="1800"/>
             </a:lvl7pPr>
-            <a:lvl8pPr indent="-342900" lvl="7" marL="3657600" algn="l">
+            <a:lvl8pPr marL="3657600" lvl="7" indent="-342900" algn="l">
               <a:spcBef>
                 <a:spcPts val="360"/>
               </a:spcBef>
@@ -5296,7 +5344,7 @@
               <a:buChar char="•"/>
               <a:defRPr sz="1800"/>
             </a:lvl8pPr>
-            <a:lvl9pPr indent="-342900" lvl="8" marL="4114800" algn="l">
+            <a:lvl9pPr marL="4114800" lvl="8" indent="-342900" algn="l">
               <a:spcBef>
                 <a:spcPts val="360"/>
               </a:spcBef>
@@ -5319,7 +5367,7 @@
           <p:cNvPr id="33" name="Google Shape;33;p5"/>
           <p:cNvSpPr txBox="1"/>
           <p:nvPr>
-            <p:ph idx="10" type="dt"/>
+            <p:ph type="dt" idx="10"/>
           </p:nvPr>
         </p:nvSpPr>
         <p:spPr>
@@ -5336,7 +5384,7 @@
           </a:ln>
         </p:spPr>
         <p:txBody>
-          <a:bodyPr anchorCtr="0" anchor="ctr" bIns="45700" lIns="91425" spcFirstLastPara="1" rIns="91425" wrap="square" tIns="45700">
+          <a:bodyPr spcFirstLastPara="1" wrap="square" lIns="91425" tIns="45700" rIns="91425" bIns="45700" anchor="ctr" anchorCtr="0">
             <a:noAutofit/>
           </a:bodyPr>
           <a:lstStyle>
@@ -5448,7 +5496,7 @@
           <p:cNvPr id="34" name="Google Shape;34;p5"/>
           <p:cNvSpPr txBox="1"/>
           <p:nvPr>
-            <p:ph idx="11" type="ftr"/>
+            <p:ph type="ftr" idx="11"/>
           </p:nvPr>
         </p:nvSpPr>
         <p:spPr>
@@ -5465,7 +5513,7 @@
           </a:ln>
         </p:spPr>
         <p:txBody>
-          <a:bodyPr anchorCtr="0" anchor="ctr" bIns="45700" lIns="91425" spcFirstLastPara="1" rIns="91425" wrap="square" tIns="45700">
+          <a:bodyPr spcFirstLastPara="1" wrap="square" lIns="91425" tIns="45700" rIns="91425" bIns="45700" anchor="ctr" anchorCtr="0">
             <a:noAutofit/>
           </a:bodyPr>
           <a:lstStyle>
@@ -5577,7 +5625,7 @@
           <p:cNvPr id="35" name="Google Shape;35;p5"/>
           <p:cNvSpPr txBox="1"/>
           <p:nvPr>
-            <p:ph idx="12" type="sldNum"/>
+            <p:ph type="sldNum" idx="12"/>
           </p:nvPr>
         </p:nvSpPr>
         <p:spPr>
@@ -5594,67 +5642,67 @@
           </a:ln>
         </p:spPr>
         <p:txBody>
-          <a:bodyPr anchorCtr="0" anchor="ctr" bIns="45700" lIns="91425" spcFirstLastPara="1" rIns="91425" wrap="square" tIns="45700">
+          <a:bodyPr spcFirstLastPara="1" wrap="square" lIns="91425" tIns="45700" rIns="91425" bIns="45700" anchor="ctr" anchorCtr="0">
             <a:noAutofit/>
           </a:bodyPr>
           <a:lstStyle>
-            <a:lvl1pPr indent="0" lvl="0" marL="0" algn="r">
+            <a:lvl1pPr marL="0" lvl="0" indent="0" algn="r">
               <a:spcBef>
                 <a:spcPts val="0"/>
               </a:spcBef>
               <a:buNone/>
               <a:defRPr/>
             </a:lvl1pPr>
-            <a:lvl2pPr indent="0" lvl="1" marL="0" algn="r">
+            <a:lvl2pPr marL="0" lvl="1" indent="0" algn="r">
               <a:spcBef>
                 <a:spcPts val="0"/>
               </a:spcBef>
               <a:buNone/>
               <a:defRPr/>
             </a:lvl2pPr>
-            <a:lvl3pPr indent="0" lvl="2" marL="0" algn="r">
+            <a:lvl3pPr marL="0" lvl="2" indent="0" algn="r">
               <a:spcBef>
                 <a:spcPts val="0"/>
               </a:spcBef>
               <a:buNone/>
               <a:defRPr/>
             </a:lvl3pPr>
-            <a:lvl4pPr indent="0" lvl="3" marL="0" algn="r">
+            <a:lvl4pPr marL="0" lvl="3" indent="0" algn="r">
               <a:spcBef>
                 <a:spcPts val="0"/>
               </a:spcBef>
               <a:buNone/>
               <a:defRPr/>
             </a:lvl4pPr>
-            <a:lvl5pPr indent="0" lvl="4" marL="0" algn="r">
+            <a:lvl5pPr marL="0" lvl="4" indent="0" algn="r">
               <a:spcBef>
                 <a:spcPts val="0"/>
               </a:spcBef>
               <a:buNone/>
               <a:defRPr/>
             </a:lvl5pPr>
-            <a:lvl6pPr indent="0" lvl="5" marL="0" algn="r">
+            <a:lvl6pPr marL="0" lvl="5" indent="0" algn="r">
               <a:spcBef>
                 <a:spcPts val="0"/>
               </a:spcBef>
               <a:buNone/>
               <a:defRPr/>
             </a:lvl6pPr>
-            <a:lvl7pPr indent="0" lvl="6" marL="0" algn="r">
+            <a:lvl7pPr marL="0" lvl="6" indent="0" algn="r">
               <a:spcBef>
                 <a:spcPts val="0"/>
               </a:spcBef>
               <a:buNone/>
               <a:defRPr/>
             </a:lvl7pPr>
-            <a:lvl8pPr indent="0" lvl="7" marL="0" algn="r">
+            <a:lvl8pPr marL="0" lvl="7" indent="0" algn="r">
               <a:spcBef>
                 <a:spcPts val="0"/>
               </a:spcBef>
               <a:buNone/>
               <a:defRPr/>
             </a:lvl8pPr>
-            <a:lvl9pPr indent="0" lvl="8" marL="0" algn="r">
+            <a:lvl9pPr marL="0" lvl="8" indent="0" algn="r">
               <a:spcBef>
                 <a:spcPts val="0"/>
               </a:spcBef>
@@ -5663,7 +5711,7 @@
             </a:lvl9pPr>
           </a:lstStyle>
           <a:p>
-            <a:pPr indent="0" lvl="0" marL="0" rtl="0" algn="r">
+            <a:pPr marL="0" lvl="0" indent="0" algn="r" rtl="0">
               <a:spcBef>
                 <a:spcPts val="0"/>
               </a:spcBef>
@@ -5674,9 +5722,8 @@
             </a:pPr>
             <a:fld id="{00000000-1234-1234-1234-123412341234}" type="slidenum">
               <a:rPr lang="en-US"/>
-              <a:t>‹#›</a:t>
             </a:fld>
-            <a:endParaRPr/>
+            <a:endParaRPr lang="en-US"/>
           </a:p>
         </p:txBody>
       </p:sp>
@@ -5685,11 +5732,23 @@
   <p:clrMapOvr>
     <a:masterClrMapping/>
   </p:clrMapOvr>
+  <mc:AlternateContent xmlns:mc="http://schemas.openxmlformats.org/markup-compatibility/2006">
+    <mc:Choice xmlns:p14="http://schemas.microsoft.com/office/powerpoint/2010/main" Requires="p14">
+      <p:transition spd="slow" p14:dur="700">
+        <p:push/>
+      </p:transition>
+    </mc:Choice>
+    <mc:Fallback>
+      <p:transition spd="slow">
+        <p:push/>
+      </p:transition>
+    </mc:Fallback>
+  </mc:AlternateContent>
 </p:sldLayout>
 </file>
 
 <file path=ppt/slideLayouts/slideLayout5.xml><?xml version="1.0" encoding="utf-8"?>
-<p:sldLayout xmlns:a="http://schemas.openxmlformats.org/drawingml/2006/main" xmlns:r="http://schemas.openxmlformats.org/officeDocument/2006/relationships" xmlns:mc="http://schemas.openxmlformats.org/markup-compatibility/2006" xmlns:mv="urn:schemas-microsoft-com:mac:vml" xmlns:p="http://schemas.openxmlformats.org/presentationml/2006/main" xmlns:c="http://schemas.openxmlformats.org/drawingml/2006/chart" xmlns:dgm="http://schemas.openxmlformats.org/drawingml/2006/diagram" xmlns:o="urn:schemas-microsoft-com:office:office" xmlns:v="urn:schemas-microsoft-com:vml" xmlns:pvml="urn:schemas-microsoft-com:office:powerpoint" xmlns:com="http://schemas.openxmlformats.org/drawingml/2006/compatibility" xmlns:p14="http://schemas.microsoft.com/office/powerpoint/2010/main" xmlns:p15="http://schemas.microsoft.com/office/powerpoint/2012/main" xmlns:ahyp="http://schemas.microsoft.com/office/drawing/2018/hyperlinkcolor" matchingName="Comparison" type="twoTxTwoObj">
+<p:sldLayout xmlns:a="http://schemas.openxmlformats.org/drawingml/2006/main" xmlns:r="http://schemas.openxmlformats.org/officeDocument/2006/relationships" xmlns:p="http://schemas.openxmlformats.org/presentationml/2006/main" type="twoTxTwoObj" matchingName="Comparison">
   <p:cSld name="TWO_OBJECTS_WITH_TEXT">
     <p:spTree>
       <p:nvGrpSpPr>
@@ -5727,7 +5786,7 @@
           </a:ln>
         </p:spPr>
         <p:txBody>
-          <a:bodyPr anchorCtr="0" anchor="ctr" bIns="45700" lIns="91425" spcFirstLastPara="1" rIns="91425" wrap="square" tIns="45700">
+          <a:bodyPr spcFirstLastPara="1" wrap="square" lIns="91425" tIns="45700" rIns="91425" bIns="45700" anchor="ctr" anchorCtr="0">
             <a:normAutofit/>
           </a:bodyPr>
           <a:lstStyle>
@@ -5742,7 +5801,7 @@
                 <a:schemeClr val="dk1"/>
               </a:buClr>
               <a:buSzPts val="4400"/>
-              <a:buFont typeface="Calibri"/>
+              <a:buFont typeface="Calibri" panose="020F0502020204030204"/>
               <a:buNone/>
               <a:defRPr/>
             </a:lvl1pPr>
@@ -5843,7 +5902,7 @@
           <p:cNvPr id="38" name="Google Shape;38;p6"/>
           <p:cNvSpPr txBox="1"/>
           <p:nvPr>
-            <p:ph idx="1" type="body"/>
+            <p:ph type="body" idx="1"/>
           </p:nvPr>
         </p:nvSpPr>
         <p:spPr>
@@ -5860,11 +5919,11 @@
           </a:ln>
         </p:spPr>
         <p:txBody>
-          <a:bodyPr anchorCtr="0" anchor="b" bIns="45700" lIns="91425" spcFirstLastPara="1" rIns="91425" wrap="square" tIns="45700">
+          <a:bodyPr spcFirstLastPara="1" wrap="square" lIns="91425" tIns="45700" rIns="91425" bIns="45700" anchor="b" anchorCtr="0">
             <a:normAutofit/>
           </a:bodyPr>
           <a:lstStyle>
-            <a:lvl1pPr indent="-228600" lvl="0" marL="457200" algn="l">
+            <a:lvl1pPr marL="457200" lvl="0" indent="-228600" algn="l">
               <a:spcBef>
                 <a:spcPts val="480"/>
               </a:spcBef>
@@ -5876,9 +5935,9 @@
               </a:buClr>
               <a:buSzPts val="2400"/>
               <a:buNone/>
-              <a:defRPr b="1" sz="2400"/>
+              <a:defRPr sz="2400" b="1"/>
             </a:lvl1pPr>
-            <a:lvl2pPr indent="-228600" lvl="1" marL="914400" algn="l">
+            <a:lvl2pPr marL="914400" lvl="1" indent="-228600" algn="l">
               <a:spcBef>
                 <a:spcPts val="400"/>
               </a:spcBef>
@@ -5890,9 +5949,9 @@
               </a:buClr>
               <a:buSzPts val="2000"/>
               <a:buNone/>
-              <a:defRPr b="1" sz="2000"/>
+              <a:defRPr sz="2000" b="1"/>
             </a:lvl2pPr>
-            <a:lvl3pPr indent="-228600" lvl="2" marL="1371600" algn="l">
+            <a:lvl3pPr marL="1371600" lvl="2" indent="-228600" algn="l">
               <a:spcBef>
                 <a:spcPts val="360"/>
               </a:spcBef>
@@ -5904,9 +5963,9 @@
               </a:buClr>
               <a:buSzPts val="1800"/>
               <a:buNone/>
-              <a:defRPr b="1" sz="1800"/>
+              <a:defRPr sz="1800" b="1"/>
             </a:lvl3pPr>
-            <a:lvl4pPr indent="-228600" lvl="3" marL="1828800" algn="l">
+            <a:lvl4pPr marL="1828800" lvl="3" indent="-228600" algn="l">
               <a:spcBef>
                 <a:spcPts val="320"/>
               </a:spcBef>
@@ -5918,9 +5977,9 @@
               </a:buClr>
               <a:buSzPts val="1600"/>
               <a:buNone/>
-              <a:defRPr b="1" sz="1600"/>
+              <a:defRPr sz="1600" b="1"/>
             </a:lvl4pPr>
-            <a:lvl5pPr indent="-228600" lvl="4" marL="2286000" algn="l">
+            <a:lvl5pPr marL="2286000" lvl="4" indent="-228600" algn="l">
               <a:spcBef>
                 <a:spcPts val="320"/>
               </a:spcBef>
@@ -5932,9 +5991,9 @@
               </a:buClr>
               <a:buSzPts val="1600"/>
               <a:buNone/>
-              <a:defRPr b="1" sz="1600"/>
+              <a:defRPr sz="1600" b="1"/>
             </a:lvl5pPr>
-            <a:lvl6pPr indent="-228600" lvl="5" marL="2743200" algn="l">
+            <a:lvl6pPr marL="2743200" lvl="5" indent="-228600" algn="l">
               <a:spcBef>
                 <a:spcPts val="320"/>
               </a:spcBef>
@@ -5946,9 +6005,9 @@
               </a:buClr>
               <a:buSzPts val="1600"/>
               <a:buNone/>
-              <a:defRPr b="1" sz="1600"/>
+              <a:defRPr sz="1600" b="1"/>
             </a:lvl6pPr>
-            <a:lvl7pPr indent="-228600" lvl="6" marL="3200400" algn="l">
+            <a:lvl7pPr marL="3200400" lvl="6" indent="-228600" algn="l">
               <a:spcBef>
                 <a:spcPts val="320"/>
               </a:spcBef>
@@ -5960,9 +6019,9 @@
               </a:buClr>
               <a:buSzPts val="1600"/>
               <a:buNone/>
-              <a:defRPr b="1" sz="1600"/>
+              <a:defRPr sz="1600" b="1"/>
             </a:lvl7pPr>
-            <a:lvl8pPr indent="-228600" lvl="7" marL="3657600" algn="l">
+            <a:lvl8pPr marL="3657600" lvl="7" indent="-228600" algn="l">
               <a:spcBef>
                 <a:spcPts val="320"/>
               </a:spcBef>
@@ -5974,9 +6033,9 @@
               </a:buClr>
               <a:buSzPts val="1600"/>
               <a:buNone/>
-              <a:defRPr b="1" sz="1600"/>
+              <a:defRPr sz="1600" b="1"/>
             </a:lvl8pPr>
-            <a:lvl9pPr indent="-228600" lvl="8" marL="4114800" algn="l">
+            <a:lvl9pPr marL="4114800" lvl="8" indent="-228600" algn="l">
               <a:spcBef>
                 <a:spcPts val="320"/>
               </a:spcBef>
@@ -5988,7 +6047,7 @@
               </a:buClr>
               <a:buSzPts val="1600"/>
               <a:buNone/>
-              <a:defRPr b="1" sz="1600"/>
+              <a:defRPr sz="1600" b="1"/>
             </a:lvl9pPr>
           </a:lstStyle>
           <a:p/>
@@ -5999,7 +6058,7 @@
           <p:cNvPr id="39" name="Google Shape;39;p6"/>
           <p:cNvSpPr txBox="1"/>
           <p:nvPr>
-            <p:ph idx="2" type="body"/>
+            <p:ph type="body" idx="2"/>
           </p:nvPr>
         </p:nvSpPr>
         <p:spPr>
@@ -6016,11 +6075,11 @@
           </a:ln>
         </p:spPr>
         <p:txBody>
-          <a:bodyPr anchorCtr="0" anchor="t" bIns="45700" lIns="91425" spcFirstLastPara="1" rIns="91425" wrap="square" tIns="45700">
+          <a:bodyPr spcFirstLastPara="1" wrap="square" lIns="91425" tIns="45700" rIns="91425" bIns="45700" anchor="t" anchorCtr="0">
             <a:normAutofit/>
           </a:bodyPr>
           <a:lstStyle>
-            <a:lvl1pPr indent="-381000" lvl="0" marL="457200" algn="l">
+            <a:lvl1pPr marL="457200" lvl="0" indent="-381000" algn="l">
               <a:spcBef>
                 <a:spcPts val="480"/>
               </a:spcBef>
@@ -6034,7 +6093,7 @@
               <a:buChar char="•"/>
               <a:defRPr sz="2400"/>
             </a:lvl1pPr>
-            <a:lvl2pPr indent="-355600" lvl="1" marL="914400" algn="l">
+            <a:lvl2pPr marL="914400" lvl="1" indent="-355600" algn="l">
               <a:spcBef>
                 <a:spcPts val="400"/>
               </a:spcBef>
@@ -6048,7 +6107,7 @@
               <a:buChar char="–"/>
               <a:defRPr sz="2000"/>
             </a:lvl2pPr>
-            <a:lvl3pPr indent="-342900" lvl="2" marL="1371600" algn="l">
+            <a:lvl3pPr marL="1371600" lvl="2" indent="-342900" algn="l">
               <a:spcBef>
                 <a:spcPts val="360"/>
               </a:spcBef>
@@ -6062,7 +6121,7 @@
               <a:buChar char="•"/>
               <a:defRPr sz="1800"/>
             </a:lvl3pPr>
-            <a:lvl4pPr indent="-330200" lvl="3" marL="1828800" algn="l">
+            <a:lvl4pPr marL="1828800" lvl="3" indent="-330200" algn="l">
               <a:spcBef>
                 <a:spcPts val="320"/>
               </a:spcBef>
@@ -6076,7 +6135,7 @@
               <a:buChar char="–"/>
               <a:defRPr sz="1600"/>
             </a:lvl4pPr>
-            <a:lvl5pPr indent="-330200" lvl="4" marL="2286000" algn="l">
+            <a:lvl5pPr marL="2286000" lvl="4" indent="-330200" algn="l">
               <a:spcBef>
                 <a:spcPts val="320"/>
               </a:spcBef>
@@ -6090,7 +6149,7 @@
               <a:buChar char="»"/>
               <a:defRPr sz="1600"/>
             </a:lvl5pPr>
-            <a:lvl6pPr indent="-330200" lvl="5" marL="2743200" algn="l">
+            <a:lvl6pPr marL="2743200" lvl="5" indent="-330200" algn="l">
               <a:spcBef>
                 <a:spcPts val="320"/>
               </a:spcBef>
@@ -6104,7 +6163,7 @@
               <a:buChar char="•"/>
               <a:defRPr sz="1600"/>
             </a:lvl6pPr>
-            <a:lvl7pPr indent="-330200" lvl="6" marL="3200400" algn="l">
+            <a:lvl7pPr marL="3200400" lvl="6" indent="-330200" algn="l">
               <a:spcBef>
                 <a:spcPts val="320"/>
               </a:spcBef>
@@ -6118,7 +6177,7 @@
               <a:buChar char="•"/>
               <a:defRPr sz="1600"/>
             </a:lvl7pPr>
-            <a:lvl8pPr indent="-330200" lvl="7" marL="3657600" algn="l">
+            <a:lvl8pPr marL="3657600" lvl="7" indent="-330200" algn="l">
               <a:spcBef>
                 <a:spcPts val="320"/>
               </a:spcBef>
@@ -6132,7 +6191,7 @@
               <a:buChar char="•"/>
               <a:defRPr sz="1600"/>
             </a:lvl8pPr>
-            <a:lvl9pPr indent="-330200" lvl="8" marL="4114800" algn="l">
+            <a:lvl9pPr marL="4114800" lvl="8" indent="-330200" algn="l">
               <a:spcBef>
                 <a:spcPts val="320"/>
               </a:spcBef>
@@ -6155,7 +6214,7 @@
           <p:cNvPr id="40" name="Google Shape;40;p6"/>
           <p:cNvSpPr txBox="1"/>
           <p:nvPr>
-            <p:ph idx="3" type="body"/>
+            <p:ph type="body" idx="3"/>
           </p:nvPr>
         </p:nvSpPr>
         <p:spPr>
@@ -6172,11 +6231,11 @@
           </a:ln>
         </p:spPr>
         <p:txBody>
-          <a:bodyPr anchorCtr="0" anchor="b" bIns="45700" lIns="91425" spcFirstLastPara="1" rIns="91425" wrap="square" tIns="45700">
+          <a:bodyPr spcFirstLastPara="1" wrap="square" lIns="91425" tIns="45700" rIns="91425" bIns="45700" anchor="b" anchorCtr="0">
             <a:normAutofit/>
           </a:bodyPr>
           <a:lstStyle>
-            <a:lvl1pPr indent="-228600" lvl="0" marL="457200" algn="l">
+            <a:lvl1pPr marL="457200" lvl="0" indent="-228600" algn="l">
               <a:spcBef>
                 <a:spcPts val="480"/>
               </a:spcBef>
@@ -6188,9 +6247,9 @@
               </a:buClr>
               <a:buSzPts val="2400"/>
               <a:buNone/>
-              <a:defRPr b="1" sz="2400"/>
+              <a:defRPr sz="2400" b="1"/>
             </a:lvl1pPr>
-            <a:lvl2pPr indent="-228600" lvl="1" marL="914400" algn="l">
+            <a:lvl2pPr marL="914400" lvl="1" indent="-228600" algn="l">
               <a:spcBef>
                 <a:spcPts val="400"/>
               </a:spcBef>
@@ -6202,9 +6261,9 @@
               </a:buClr>
               <a:buSzPts val="2000"/>
               <a:buNone/>
-              <a:defRPr b="1" sz="2000"/>
+              <a:defRPr sz="2000" b="1"/>
             </a:lvl2pPr>
-            <a:lvl3pPr indent="-228600" lvl="2" marL="1371600" algn="l">
+            <a:lvl3pPr marL="1371600" lvl="2" indent="-228600" algn="l">
               <a:spcBef>
                 <a:spcPts val="360"/>
               </a:spcBef>
@@ -6216,9 +6275,9 @@
               </a:buClr>
               <a:buSzPts val="1800"/>
               <a:buNone/>
-              <a:defRPr b="1" sz="1800"/>
+              <a:defRPr sz="1800" b="1"/>
             </a:lvl3pPr>
-            <a:lvl4pPr indent="-228600" lvl="3" marL="1828800" algn="l">
+            <a:lvl4pPr marL="1828800" lvl="3" indent="-228600" algn="l">
               <a:spcBef>
                 <a:spcPts val="320"/>
               </a:spcBef>
@@ -6230,9 +6289,9 @@
               </a:buClr>
               <a:buSzPts val="1600"/>
               <a:buNone/>
-              <a:defRPr b="1" sz="1600"/>
+              <a:defRPr sz="1600" b="1"/>
             </a:lvl4pPr>
-            <a:lvl5pPr indent="-228600" lvl="4" marL="2286000" algn="l">
+            <a:lvl5pPr marL="2286000" lvl="4" indent="-228600" algn="l">
               <a:spcBef>
                 <a:spcPts val="320"/>
               </a:spcBef>
@@ -6244,9 +6303,9 @@
               </a:buClr>
               <a:buSzPts val="1600"/>
               <a:buNone/>
-              <a:defRPr b="1" sz="1600"/>
+              <a:defRPr sz="1600" b="1"/>
             </a:lvl5pPr>
-            <a:lvl6pPr indent="-228600" lvl="5" marL="2743200" algn="l">
+            <a:lvl6pPr marL="2743200" lvl="5" indent="-228600" algn="l">
               <a:spcBef>
                 <a:spcPts val="320"/>
               </a:spcBef>
@@ -6258,9 +6317,9 @@
               </a:buClr>
               <a:buSzPts val="1600"/>
               <a:buNone/>
-              <a:defRPr b="1" sz="1600"/>
+              <a:defRPr sz="1600" b="1"/>
             </a:lvl6pPr>
-            <a:lvl7pPr indent="-228600" lvl="6" marL="3200400" algn="l">
+            <a:lvl7pPr marL="3200400" lvl="6" indent="-228600" algn="l">
               <a:spcBef>
                 <a:spcPts val="320"/>
               </a:spcBef>
@@ -6272,9 +6331,9 @@
               </a:buClr>
               <a:buSzPts val="1600"/>
               <a:buNone/>
-              <a:defRPr b="1" sz="1600"/>
+              <a:defRPr sz="1600" b="1"/>
             </a:lvl7pPr>
-            <a:lvl8pPr indent="-228600" lvl="7" marL="3657600" algn="l">
+            <a:lvl8pPr marL="3657600" lvl="7" indent="-228600" algn="l">
               <a:spcBef>
                 <a:spcPts val="320"/>
               </a:spcBef>
@@ -6286,9 +6345,9 @@
               </a:buClr>
               <a:buSzPts val="1600"/>
               <a:buNone/>
-              <a:defRPr b="1" sz="1600"/>
+              <a:defRPr sz="1600" b="1"/>
             </a:lvl8pPr>
-            <a:lvl9pPr indent="-228600" lvl="8" marL="4114800" algn="l">
+            <a:lvl9pPr marL="4114800" lvl="8" indent="-228600" algn="l">
               <a:spcBef>
                 <a:spcPts val="320"/>
               </a:spcBef>
@@ -6300,7 +6359,7 @@
               </a:buClr>
               <a:buSzPts val="1600"/>
               <a:buNone/>
-              <a:defRPr b="1" sz="1600"/>
+              <a:defRPr sz="1600" b="1"/>
             </a:lvl9pPr>
           </a:lstStyle>
           <a:p/>
@@ -6311,7 +6370,7 @@
           <p:cNvPr id="41" name="Google Shape;41;p6"/>
           <p:cNvSpPr txBox="1"/>
           <p:nvPr>
-            <p:ph idx="4" type="body"/>
+            <p:ph type="body" idx="4"/>
           </p:nvPr>
         </p:nvSpPr>
         <p:spPr>
@@ -6328,11 +6387,11 @@
           </a:ln>
         </p:spPr>
         <p:txBody>
-          <a:bodyPr anchorCtr="0" anchor="t" bIns="45700" lIns="91425" spcFirstLastPara="1" rIns="91425" wrap="square" tIns="45700">
+          <a:bodyPr spcFirstLastPara="1" wrap="square" lIns="91425" tIns="45700" rIns="91425" bIns="45700" anchor="t" anchorCtr="0">
             <a:normAutofit/>
           </a:bodyPr>
           <a:lstStyle>
-            <a:lvl1pPr indent="-381000" lvl="0" marL="457200" algn="l">
+            <a:lvl1pPr marL="457200" lvl="0" indent="-381000" algn="l">
               <a:spcBef>
                 <a:spcPts val="480"/>
               </a:spcBef>
@@ -6346,7 +6405,7 @@
               <a:buChar char="•"/>
               <a:defRPr sz="2400"/>
             </a:lvl1pPr>
-            <a:lvl2pPr indent="-355600" lvl="1" marL="914400" algn="l">
+            <a:lvl2pPr marL="914400" lvl="1" indent="-355600" algn="l">
               <a:spcBef>
                 <a:spcPts val="400"/>
               </a:spcBef>
@@ -6360,7 +6419,7 @@
               <a:buChar char="–"/>
               <a:defRPr sz="2000"/>
             </a:lvl2pPr>
-            <a:lvl3pPr indent="-342900" lvl="2" marL="1371600" algn="l">
+            <a:lvl3pPr marL="1371600" lvl="2" indent="-342900" algn="l">
               <a:spcBef>
                 <a:spcPts val="360"/>
               </a:spcBef>
@@ -6374,7 +6433,7 @@
               <a:buChar char="•"/>
               <a:defRPr sz="1800"/>
             </a:lvl3pPr>
-            <a:lvl4pPr indent="-330200" lvl="3" marL="1828800" algn="l">
+            <a:lvl4pPr marL="1828800" lvl="3" indent="-330200" algn="l">
               <a:spcBef>
                 <a:spcPts val="320"/>
               </a:spcBef>
@@ -6388,7 +6447,7 @@
               <a:buChar char="–"/>
               <a:defRPr sz="1600"/>
             </a:lvl4pPr>
-            <a:lvl5pPr indent="-330200" lvl="4" marL="2286000" algn="l">
+            <a:lvl5pPr marL="2286000" lvl="4" indent="-330200" algn="l">
               <a:spcBef>
                 <a:spcPts val="320"/>
               </a:spcBef>
@@ -6402,7 +6461,7 @@
               <a:buChar char="»"/>
               <a:defRPr sz="1600"/>
             </a:lvl5pPr>
-            <a:lvl6pPr indent="-330200" lvl="5" marL="2743200" algn="l">
+            <a:lvl6pPr marL="2743200" lvl="5" indent="-330200" algn="l">
               <a:spcBef>
                 <a:spcPts val="320"/>
               </a:spcBef>
@@ -6416,7 +6475,7 @@
               <a:buChar char="•"/>
               <a:defRPr sz="1600"/>
             </a:lvl6pPr>
-            <a:lvl7pPr indent="-330200" lvl="6" marL="3200400" algn="l">
+            <a:lvl7pPr marL="3200400" lvl="6" indent="-330200" algn="l">
               <a:spcBef>
                 <a:spcPts val="320"/>
               </a:spcBef>
@@ -6430,7 +6489,7 @@
               <a:buChar char="•"/>
               <a:defRPr sz="1600"/>
             </a:lvl7pPr>
-            <a:lvl8pPr indent="-330200" lvl="7" marL="3657600" algn="l">
+            <a:lvl8pPr marL="3657600" lvl="7" indent="-330200" algn="l">
               <a:spcBef>
                 <a:spcPts val="320"/>
               </a:spcBef>
@@ -6444,7 +6503,7 @@
               <a:buChar char="•"/>
               <a:defRPr sz="1600"/>
             </a:lvl8pPr>
-            <a:lvl9pPr indent="-330200" lvl="8" marL="4114800" algn="l">
+            <a:lvl9pPr marL="4114800" lvl="8" indent="-330200" algn="l">
               <a:spcBef>
                 <a:spcPts val="320"/>
               </a:spcBef>
@@ -6467,7 +6526,7 @@
           <p:cNvPr id="42" name="Google Shape;42;p6"/>
           <p:cNvSpPr txBox="1"/>
           <p:nvPr>
-            <p:ph idx="10" type="dt"/>
+            <p:ph type="dt" idx="10"/>
           </p:nvPr>
         </p:nvSpPr>
         <p:spPr>
@@ -6484,7 +6543,7 @@
           </a:ln>
         </p:spPr>
         <p:txBody>
-          <a:bodyPr anchorCtr="0" anchor="ctr" bIns="45700" lIns="91425" spcFirstLastPara="1" rIns="91425" wrap="square" tIns="45700">
+          <a:bodyPr spcFirstLastPara="1" wrap="square" lIns="91425" tIns="45700" rIns="91425" bIns="45700" anchor="ctr" anchorCtr="0">
             <a:noAutofit/>
           </a:bodyPr>
           <a:lstStyle>
@@ -6596,7 +6655,7 @@
           <p:cNvPr id="43" name="Google Shape;43;p6"/>
           <p:cNvSpPr txBox="1"/>
           <p:nvPr>
-            <p:ph idx="11" type="ftr"/>
+            <p:ph type="ftr" idx="11"/>
           </p:nvPr>
         </p:nvSpPr>
         <p:spPr>
@@ -6613,7 +6672,7 @@
           </a:ln>
         </p:spPr>
         <p:txBody>
-          <a:bodyPr anchorCtr="0" anchor="ctr" bIns="45700" lIns="91425" spcFirstLastPara="1" rIns="91425" wrap="square" tIns="45700">
+          <a:bodyPr spcFirstLastPara="1" wrap="square" lIns="91425" tIns="45700" rIns="91425" bIns="45700" anchor="ctr" anchorCtr="0">
             <a:noAutofit/>
           </a:bodyPr>
           <a:lstStyle>
@@ -6725,7 +6784,7 @@
           <p:cNvPr id="44" name="Google Shape;44;p6"/>
           <p:cNvSpPr txBox="1"/>
           <p:nvPr>
-            <p:ph idx="12" type="sldNum"/>
+            <p:ph type="sldNum" idx="12"/>
           </p:nvPr>
         </p:nvSpPr>
         <p:spPr>
@@ -6742,67 +6801,67 @@
           </a:ln>
         </p:spPr>
         <p:txBody>
-          <a:bodyPr anchorCtr="0" anchor="ctr" bIns="45700" lIns="91425" spcFirstLastPara="1" rIns="91425" wrap="square" tIns="45700">
+          <a:bodyPr spcFirstLastPara="1" wrap="square" lIns="91425" tIns="45700" rIns="91425" bIns="45700" anchor="ctr" anchorCtr="0">
             <a:noAutofit/>
           </a:bodyPr>
           <a:lstStyle>
-            <a:lvl1pPr indent="0" lvl="0" marL="0" algn="r">
+            <a:lvl1pPr marL="0" lvl="0" indent="0" algn="r">
               <a:spcBef>
                 <a:spcPts val="0"/>
               </a:spcBef>
               <a:buNone/>
               <a:defRPr/>
             </a:lvl1pPr>
-            <a:lvl2pPr indent="0" lvl="1" marL="0" algn="r">
+            <a:lvl2pPr marL="0" lvl="1" indent="0" algn="r">
               <a:spcBef>
                 <a:spcPts val="0"/>
               </a:spcBef>
               <a:buNone/>
               <a:defRPr/>
             </a:lvl2pPr>
-            <a:lvl3pPr indent="0" lvl="2" marL="0" algn="r">
+            <a:lvl3pPr marL="0" lvl="2" indent="0" algn="r">
               <a:spcBef>
                 <a:spcPts val="0"/>
               </a:spcBef>
               <a:buNone/>
               <a:defRPr/>
             </a:lvl3pPr>
-            <a:lvl4pPr indent="0" lvl="3" marL="0" algn="r">
+            <a:lvl4pPr marL="0" lvl="3" indent="0" algn="r">
               <a:spcBef>
                 <a:spcPts val="0"/>
               </a:spcBef>
               <a:buNone/>
               <a:defRPr/>
             </a:lvl4pPr>
-            <a:lvl5pPr indent="0" lvl="4" marL="0" algn="r">
+            <a:lvl5pPr marL="0" lvl="4" indent="0" algn="r">
               <a:spcBef>
                 <a:spcPts val="0"/>
               </a:spcBef>
               <a:buNone/>
               <a:defRPr/>
             </a:lvl5pPr>
-            <a:lvl6pPr indent="0" lvl="5" marL="0" algn="r">
+            <a:lvl6pPr marL="0" lvl="5" indent="0" algn="r">
               <a:spcBef>
                 <a:spcPts val="0"/>
               </a:spcBef>
               <a:buNone/>
               <a:defRPr/>
             </a:lvl6pPr>
-            <a:lvl7pPr indent="0" lvl="6" marL="0" algn="r">
+            <a:lvl7pPr marL="0" lvl="6" indent="0" algn="r">
               <a:spcBef>
                 <a:spcPts val="0"/>
               </a:spcBef>
               <a:buNone/>
               <a:defRPr/>
             </a:lvl7pPr>
-            <a:lvl8pPr indent="0" lvl="7" marL="0" algn="r">
+            <a:lvl8pPr marL="0" lvl="7" indent="0" algn="r">
               <a:spcBef>
                 <a:spcPts val="0"/>
               </a:spcBef>
               <a:buNone/>
               <a:defRPr/>
             </a:lvl8pPr>
-            <a:lvl9pPr indent="0" lvl="8" marL="0" algn="r">
+            <a:lvl9pPr marL="0" lvl="8" indent="0" algn="r">
               <a:spcBef>
                 <a:spcPts val="0"/>
               </a:spcBef>
@@ -6811,7 +6870,7 @@
             </a:lvl9pPr>
           </a:lstStyle>
           <a:p>
-            <a:pPr indent="0" lvl="0" marL="0" rtl="0" algn="r">
+            <a:pPr marL="0" lvl="0" indent="0" algn="r" rtl="0">
               <a:spcBef>
                 <a:spcPts val="0"/>
               </a:spcBef>
@@ -6822,9 +6881,8 @@
             </a:pPr>
             <a:fld id="{00000000-1234-1234-1234-123412341234}" type="slidenum">
               <a:rPr lang="en-US"/>
-              <a:t>‹#›</a:t>
             </a:fld>
-            <a:endParaRPr/>
+            <a:endParaRPr lang="en-US"/>
           </a:p>
         </p:txBody>
       </p:sp>
@@ -6833,11 +6891,23 @@
   <p:clrMapOvr>
     <a:masterClrMapping/>
   </p:clrMapOvr>
+  <mc:AlternateContent xmlns:mc="http://schemas.openxmlformats.org/markup-compatibility/2006">
+    <mc:Choice xmlns:p14="http://schemas.microsoft.com/office/powerpoint/2010/main" Requires="p14">
+      <p:transition spd="slow" p14:dur="700">
+        <p:push/>
+      </p:transition>
+    </mc:Choice>
+    <mc:Fallback>
+      <p:transition spd="slow">
+        <p:push/>
+      </p:transition>
+    </mc:Fallback>
+  </mc:AlternateContent>
 </p:sldLayout>
 </file>
 
 <file path=ppt/slideLayouts/slideLayout6.xml><?xml version="1.0" encoding="utf-8"?>
-<p:sldLayout xmlns:a="http://schemas.openxmlformats.org/drawingml/2006/main" xmlns:r="http://schemas.openxmlformats.org/officeDocument/2006/relationships" xmlns:mc="http://schemas.openxmlformats.org/markup-compatibility/2006" xmlns:mv="urn:schemas-microsoft-com:mac:vml" xmlns:p="http://schemas.openxmlformats.org/presentationml/2006/main" xmlns:c="http://schemas.openxmlformats.org/drawingml/2006/chart" xmlns:dgm="http://schemas.openxmlformats.org/drawingml/2006/diagram" xmlns:o="urn:schemas-microsoft-com:office:office" xmlns:v="urn:schemas-microsoft-com:vml" xmlns:pvml="urn:schemas-microsoft-com:office:powerpoint" xmlns:com="http://schemas.openxmlformats.org/drawingml/2006/compatibility" xmlns:p14="http://schemas.microsoft.com/office/powerpoint/2010/main" xmlns:p15="http://schemas.microsoft.com/office/powerpoint/2012/main" xmlns:ahyp="http://schemas.microsoft.com/office/drawing/2018/hyperlinkcolor" matchingName="Title Only" type="titleOnly">
+<p:sldLayout xmlns:a="http://schemas.openxmlformats.org/drawingml/2006/main" xmlns:r="http://schemas.openxmlformats.org/officeDocument/2006/relationships" xmlns:p="http://schemas.openxmlformats.org/presentationml/2006/main" type="titleOnly" matchingName="Title Only">
   <p:cSld name="TITLE_ONLY">
     <p:spTree>
       <p:nvGrpSpPr>
@@ -6875,7 +6945,7 @@
           </a:ln>
         </p:spPr>
         <p:txBody>
-          <a:bodyPr anchorCtr="0" anchor="ctr" bIns="45700" lIns="91425" spcFirstLastPara="1" rIns="91425" wrap="square" tIns="45700">
+          <a:bodyPr spcFirstLastPara="1" wrap="square" lIns="91425" tIns="45700" rIns="91425" bIns="45700" anchor="ctr" anchorCtr="0">
             <a:normAutofit/>
           </a:bodyPr>
           <a:lstStyle>
@@ -6990,7 +7060,7 @@
           <p:cNvPr id="47" name="Google Shape;47;p7"/>
           <p:cNvSpPr txBox="1"/>
           <p:nvPr>
-            <p:ph idx="10" type="dt"/>
+            <p:ph type="dt" idx="10"/>
           </p:nvPr>
         </p:nvSpPr>
         <p:spPr>
@@ -7007,7 +7077,7 @@
           </a:ln>
         </p:spPr>
         <p:txBody>
-          <a:bodyPr anchorCtr="0" anchor="ctr" bIns="45700" lIns="91425" spcFirstLastPara="1" rIns="91425" wrap="square" tIns="45700">
+          <a:bodyPr spcFirstLastPara="1" wrap="square" lIns="91425" tIns="45700" rIns="91425" bIns="45700" anchor="ctr" anchorCtr="0">
             <a:noAutofit/>
           </a:bodyPr>
           <a:lstStyle>
@@ -7119,7 +7189,7 @@
           <p:cNvPr id="48" name="Google Shape;48;p7"/>
           <p:cNvSpPr txBox="1"/>
           <p:nvPr>
-            <p:ph idx="11" type="ftr"/>
+            <p:ph type="ftr" idx="11"/>
           </p:nvPr>
         </p:nvSpPr>
         <p:spPr>
@@ -7136,7 +7206,7 @@
           </a:ln>
         </p:spPr>
         <p:txBody>
-          <a:bodyPr anchorCtr="0" anchor="ctr" bIns="45700" lIns="91425" spcFirstLastPara="1" rIns="91425" wrap="square" tIns="45700">
+          <a:bodyPr spcFirstLastPara="1" wrap="square" lIns="91425" tIns="45700" rIns="91425" bIns="45700" anchor="ctr" anchorCtr="0">
             <a:noAutofit/>
           </a:bodyPr>
           <a:lstStyle>
@@ -7248,7 +7318,7 @@
           <p:cNvPr id="49" name="Google Shape;49;p7"/>
           <p:cNvSpPr txBox="1"/>
           <p:nvPr>
-            <p:ph idx="12" type="sldNum"/>
+            <p:ph type="sldNum" idx="12"/>
           </p:nvPr>
         </p:nvSpPr>
         <p:spPr>
@@ -7265,67 +7335,67 @@
           </a:ln>
         </p:spPr>
         <p:txBody>
-          <a:bodyPr anchorCtr="0" anchor="ctr" bIns="45700" lIns="91425" spcFirstLastPara="1" rIns="91425" wrap="square" tIns="45700">
+          <a:bodyPr spcFirstLastPara="1" wrap="square" lIns="91425" tIns="45700" rIns="91425" bIns="45700" anchor="ctr" anchorCtr="0">
             <a:noAutofit/>
           </a:bodyPr>
           <a:lstStyle>
-            <a:lvl1pPr indent="0" lvl="0" marL="0" algn="r">
+            <a:lvl1pPr marL="0" lvl="0" indent="0" algn="r">
               <a:spcBef>
                 <a:spcPts val="0"/>
               </a:spcBef>
               <a:buNone/>
               <a:defRPr/>
             </a:lvl1pPr>
-            <a:lvl2pPr indent="0" lvl="1" marL="0" algn="r">
+            <a:lvl2pPr marL="0" lvl="1" indent="0" algn="r">
               <a:spcBef>
                 <a:spcPts val="0"/>
               </a:spcBef>
               <a:buNone/>
               <a:defRPr/>
             </a:lvl2pPr>
-            <a:lvl3pPr indent="0" lvl="2" marL="0" algn="r">
+            <a:lvl3pPr marL="0" lvl="2" indent="0" algn="r">
               <a:spcBef>
                 <a:spcPts val="0"/>
               </a:spcBef>
               <a:buNone/>
               <a:defRPr/>
             </a:lvl3pPr>
-            <a:lvl4pPr indent="0" lvl="3" marL="0" algn="r">
+            <a:lvl4pPr marL="0" lvl="3" indent="0" algn="r">
               <a:spcBef>
                 <a:spcPts val="0"/>
               </a:spcBef>
               <a:buNone/>
               <a:defRPr/>
             </a:lvl4pPr>
-            <a:lvl5pPr indent="0" lvl="4" marL="0" algn="r">
+            <a:lvl5pPr marL="0" lvl="4" indent="0" algn="r">
               <a:spcBef>
                 <a:spcPts val="0"/>
               </a:spcBef>
               <a:buNone/>
               <a:defRPr/>
             </a:lvl5pPr>
-            <a:lvl6pPr indent="0" lvl="5" marL="0" algn="r">
+            <a:lvl6pPr marL="0" lvl="5" indent="0" algn="r">
               <a:spcBef>
                 <a:spcPts val="0"/>
               </a:spcBef>
               <a:buNone/>
               <a:defRPr/>
             </a:lvl6pPr>
-            <a:lvl7pPr indent="0" lvl="6" marL="0" algn="r">
+            <a:lvl7pPr marL="0" lvl="6" indent="0" algn="r">
               <a:spcBef>
                 <a:spcPts val="0"/>
               </a:spcBef>
               <a:buNone/>
               <a:defRPr/>
             </a:lvl7pPr>
-            <a:lvl8pPr indent="0" lvl="7" marL="0" algn="r">
+            <a:lvl8pPr marL="0" lvl="7" indent="0" algn="r">
               <a:spcBef>
                 <a:spcPts val="0"/>
               </a:spcBef>
               <a:buNone/>
               <a:defRPr/>
             </a:lvl8pPr>
-            <a:lvl9pPr indent="0" lvl="8" marL="0" algn="r">
+            <a:lvl9pPr marL="0" lvl="8" indent="0" algn="r">
               <a:spcBef>
                 <a:spcPts val="0"/>
               </a:spcBef>
@@ -7334,7 +7404,7 @@
             </a:lvl9pPr>
           </a:lstStyle>
           <a:p>
-            <a:pPr indent="0" lvl="0" marL="0" rtl="0" algn="r">
+            <a:pPr marL="0" lvl="0" indent="0" algn="r" rtl="0">
               <a:spcBef>
                 <a:spcPts val="0"/>
               </a:spcBef>
@@ -7345,9 +7415,8 @@
             </a:pPr>
             <a:fld id="{00000000-1234-1234-1234-123412341234}" type="slidenum">
               <a:rPr lang="en-US"/>
-              <a:t>‹#›</a:t>
             </a:fld>
-            <a:endParaRPr/>
+            <a:endParaRPr lang="en-US"/>
           </a:p>
         </p:txBody>
       </p:sp>
@@ -7356,11 +7425,23 @@
   <p:clrMapOvr>
     <a:masterClrMapping/>
   </p:clrMapOvr>
+  <mc:AlternateContent xmlns:mc="http://schemas.openxmlformats.org/markup-compatibility/2006">
+    <mc:Choice xmlns:p14="http://schemas.microsoft.com/office/powerpoint/2010/main" Requires="p14">
+      <p:transition spd="slow" p14:dur="700">
+        <p:push/>
+      </p:transition>
+    </mc:Choice>
+    <mc:Fallback>
+      <p:transition spd="slow">
+        <p:push/>
+      </p:transition>
+    </mc:Fallback>
+  </mc:AlternateContent>
 </p:sldLayout>
 </file>
 
 <file path=ppt/slideLayouts/slideLayout7.xml><?xml version="1.0" encoding="utf-8"?>
-<p:sldLayout xmlns:a="http://schemas.openxmlformats.org/drawingml/2006/main" xmlns:r="http://schemas.openxmlformats.org/officeDocument/2006/relationships" xmlns:mc="http://schemas.openxmlformats.org/markup-compatibility/2006" xmlns:mv="urn:schemas-microsoft-com:mac:vml" xmlns:p="http://schemas.openxmlformats.org/presentationml/2006/main" xmlns:c="http://schemas.openxmlformats.org/drawingml/2006/chart" xmlns:dgm="http://schemas.openxmlformats.org/drawingml/2006/diagram" xmlns:o="urn:schemas-microsoft-com:office:office" xmlns:v="urn:schemas-microsoft-com:vml" xmlns:pvml="urn:schemas-microsoft-com:office:powerpoint" xmlns:com="http://schemas.openxmlformats.org/drawingml/2006/compatibility" xmlns:p14="http://schemas.microsoft.com/office/powerpoint/2010/main" xmlns:p15="http://schemas.microsoft.com/office/powerpoint/2012/main" xmlns:ahyp="http://schemas.microsoft.com/office/drawing/2018/hyperlinkcolor" matchingName="Blank" type="blank">
+<p:sldLayout xmlns:a="http://schemas.openxmlformats.org/drawingml/2006/main" xmlns:r="http://schemas.openxmlformats.org/officeDocument/2006/relationships" xmlns:p="http://schemas.openxmlformats.org/presentationml/2006/main" type="blank" matchingName="Blank">
   <p:cSld name="BLANK">
     <p:spTree>
       <p:nvGrpSpPr>
@@ -7381,7 +7462,7 @@
           <p:cNvPr id="51" name="Google Shape;51;p8"/>
           <p:cNvSpPr txBox="1"/>
           <p:nvPr>
-            <p:ph idx="10" type="dt"/>
+            <p:ph type="dt" idx="10"/>
           </p:nvPr>
         </p:nvSpPr>
         <p:spPr>
@@ -7398,7 +7479,7 @@
           </a:ln>
         </p:spPr>
         <p:txBody>
-          <a:bodyPr anchorCtr="0" anchor="ctr" bIns="45700" lIns="91425" spcFirstLastPara="1" rIns="91425" wrap="square" tIns="45700">
+          <a:bodyPr spcFirstLastPara="1" wrap="square" lIns="91425" tIns="45700" rIns="91425" bIns="45700" anchor="ctr" anchorCtr="0">
             <a:noAutofit/>
           </a:bodyPr>
           <a:lstStyle>
@@ -7510,7 +7591,7 @@
           <p:cNvPr id="52" name="Google Shape;52;p8"/>
           <p:cNvSpPr txBox="1"/>
           <p:nvPr>
-            <p:ph idx="11" type="ftr"/>
+            <p:ph type="ftr" idx="11"/>
           </p:nvPr>
         </p:nvSpPr>
         <p:spPr>
@@ -7527,7 +7608,7 @@
           </a:ln>
         </p:spPr>
         <p:txBody>
-          <a:bodyPr anchorCtr="0" anchor="ctr" bIns="45700" lIns="91425" spcFirstLastPara="1" rIns="91425" wrap="square" tIns="45700">
+          <a:bodyPr spcFirstLastPara="1" wrap="square" lIns="91425" tIns="45700" rIns="91425" bIns="45700" anchor="ctr" anchorCtr="0">
             <a:noAutofit/>
           </a:bodyPr>
           <a:lstStyle>
@@ -7639,7 +7720,7 @@
           <p:cNvPr id="53" name="Google Shape;53;p8"/>
           <p:cNvSpPr txBox="1"/>
           <p:nvPr>
-            <p:ph idx="12" type="sldNum"/>
+            <p:ph type="sldNum" idx="12"/>
           </p:nvPr>
         </p:nvSpPr>
         <p:spPr>
@@ -7656,67 +7737,67 @@
           </a:ln>
         </p:spPr>
         <p:txBody>
-          <a:bodyPr anchorCtr="0" anchor="ctr" bIns="45700" lIns="91425" spcFirstLastPara="1" rIns="91425" wrap="square" tIns="45700">
+          <a:bodyPr spcFirstLastPara="1" wrap="square" lIns="91425" tIns="45700" rIns="91425" bIns="45700" anchor="ctr" anchorCtr="0">
             <a:noAutofit/>
           </a:bodyPr>
           <a:lstStyle>
-            <a:lvl1pPr indent="0" lvl="0" marL="0" algn="r">
+            <a:lvl1pPr marL="0" lvl="0" indent="0" algn="r">
               <a:spcBef>
                 <a:spcPts val="0"/>
               </a:spcBef>
               <a:buNone/>
               <a:defRPr/>
             </a:lvl1pPr>
-            <a:lvl2pPr indent="0" lvl="1" marL="0" algn="r">
+            <a:lvl2pPr marL="0" lvl="1" indent="0" algn="r">
               <a:spcBef>
                 <a:spcPts val="0"/>
               </a:spcBef>
               <a:buNone/>
               <a:defRPr/>
             </a:lvl2pPr>
-            <a:lvl3pPr indent="0" lvl="2" marL="0" algn="r">
+            <a:lvl3pPr marL="0" lvl="2" indent="0" algn="r">
               <a:spcBef>
                 <a:spcPts val="0"/>
               </a:spcBef>
               <a:buNone/>
               <a:defRPr/>
             </a:lvl3pPr>
-            <a:lvl4pPr indent="0" lvl="3" marL="0" algn="r">
+            <a:lvl4pPr marL="0" lvl="3" indent="0" algn="r">
               <a:spcBef>
                 <a:spcPts val="0"/>
               </a:spcBef>
               <a:buNone/>
               <a:defRPr/>
             </a:lvl4pPr>
-            <a:lvl5pPr indent="0" lvl="4" marL="0" algn="r">
+            <a:lvl5pPr marL="0" lvl="4" indent="0" algn="r">
               <a:spcBef>
                 <a:spcPts val="0"/>
               </a:spcBef>
               <a:buNone/>
               <a:defRPr/>
             </a:lvl5pPr>
-            <a:lvl6pPr indent="0" lvl="5" marL="0" algn="r">
+            <a:lvl6pPr marL="0" lvl="5" indent="0" algn="r">
               <a:spcBef>
                 <a:spcPts val="0"/>
               </a:spcBef>
               <a:buNone/>
               <a:defRPr/>
             </a:lvl6pPr>
-            <a:lvl7pPr indent="0" lvl="6" marL="0" algn="r">
+            <a:lvl7pPr marL="0" lvl="6" indent="0" algn="r">
               <a:spcBef>
                 <a:spcPts val="0"/>
               </a:spcBef>
               <a:buNone/>
               <a:defRPr/>
             </a:lvl7pPr>
-            <a:lvl8pPr indent="0" lvl="7" marL="0" algn="r">
+            <a:lvl8pPr marL="0" lvl="7" indent="0" algn="r">
               <a:spcBef>
                 <a:spcPts val="0"/>
               </a:spcBef>
               <a:buNone/>
               <a:defRPr/>
             </a:lvl8pPr>
-            <a:lvl9pPr indent="0" lvl="8" marL="0" algn="r">
+            <a:lvl9pPr marL="0" lvl="8" indent="0" algn="r">
               <a:spcBef>
                 <a:spcPts val="0"/>
               </a:spcBef>
@@ -7725,7 +7806,7 @@
             </a:lvl9pPr>
           </a:lstStyle>
           <a:p>
-            <a:pPr indent="0" lvl="0" marL="0" rtl="0" algn="r">
+            <a:pPr marL="0" lvl="0" indent="0" algn="r" rtl="0">
               <a:spcBef>
                 <a:spcPts val="0"/>
               </a:spcBef>
@@ -7736,9 +7817,8 @@
             </a:pPr>
             <a:fld id="{00000000-1234-1234-1234-123412341234}" type="slidenum">
               <a:rPr lang="en-US"/>
-              <a:t>‹#›</a:t>
             </a:fld>
-            <a:endParaRPr/>
+            <a:endParaRPr lang="en-US"/>
           </a:p>
         </p:txBody>
       </p:sp>
@@ -7747,11 +7827,23 @@
   <p:clrMapOvr>
     <a:masterClrMapping/>
   </p:clrMapOvr>
+  <mc:AlternateContent xmlns:mc="http://schemas.openxmlformats.org/markup-compatibility/2006">
+    <mc:Choice xmlns:p14="http://schemas.microsoft.com/office/powerpoint/2010/main" Requires="p14">
+      <p:transition spd="slow" p14:dur="700">
+        <p:push/>
+      </p:transition>
+    </mc:Choice>
+    <mc:Fallback>
+      <p:transition spd="slow">
+        <p:push/>
+      </p:transition>
+    </mc:Fallback>
+  </mc:AlternateContent>
 </p:sldLayout>
 </file>
 
 <file path=ppt/slideLayouts/slideLayout8.xml><?xml version="1.0" encoding="utf-8"?>
-<p:sldLayout xmlns:a="http://schemas.openxmlformats.org/drawingml/2006/main" xmlns:r="http://schemas.openxmlformats.org/officeDocument/2006/relationships" xmlns:mc="http://schemas.openxmlformats.org/markup-compatibility/2006" xmlns:mv="urn:schemas-microsoft-com:mac:vml" xmlns:p="http://schemas.openxmlformats.org/presentationml/2006/main" xmlns:c="http://schemas.openxmlformats.org/drawingml/2006/chart" xmlns:dgm="http://schemas.openxmlformats.org/drawingml/2006/diagram" xmlns:o="urn:schemas-microsoft-com:office:office" xmlns:v="urn:schemas-microsoft-com:vml" xmlns:pvml="urn:schemas-microsoft-com:office:powerpoint" xmlns:com="http://schemas.openxmlformats.org/drawingml/2006/compatibility" xmlns:p14="http://schemas.microsoft.com/office/powerpoint/2010/main" xmlns:p15="http://schemas.microsoft.com/office/powerpoint/2012/main" xmlns:ahyp="http://schemas.microsoft.com/office/drawing/2018/hyperlinkcolor" matchingName="Content with Caption" type="objTx">
+<p:sldLayout xmlns:a="http://schemas.openxmlformats.org/drawingml/2006/main" xmlns:r="http://schemas.openxmlformats.org/officeDocument/2006/relationships" xmlns:p="http://schemas.openxmlformats.org/presentationml/2006/main" type="objTx" matchingName="Content with Caption">
   <p:cSld name="OBJECT_WITH_CAPTION_TEXT">
     <p:spTree>
       <p:nvGrpSpPr>
@@ -7789,7 +7881,7 @@
           </a:ln>
         </p:spPr>
         <p:txBody>
-          <a:bodyPr anchorCtr="0" anchor="b" bIns="45700" lIns="91425" spcFirstLastPara="1" rIns="91425" wrap="square" tIns="45700">
+          <a:bodyPr spcFirstLastPara="1" wrap="square" lIns="91425" tIns="45700" rIns="91425" bIns="45700" anchor="b" anchorCtr="0">
             <a:normAutofit/>
           </a:bodyPr>
           <a:lstStyle>
@@ -7804,9 +7896,9 @@
                 <a:schemeClr val="dk1"/>
               </a:buClr>
               <a:buSzPts val="2000"/>
-              <a:buFont typeface="Calibri"/>
-              <a:buNone/>
-              <a:defRPr b="1" sz="2000"/>
+              <a:buFont typeface="Calibri" panose="020F0502020204030204"/>
+              <a:buNone/>
+              <a:defRPr sz="2000" b="1"/>
             </a:lvl1pPr>
             <a:lvl2pPr lvl="1">
               <a:spcBef>
@@ -7905,7 +7997,7 @@
           <p:cNvPr id="56" name="Google Shape;56;p9"/>
           <p:cNvSpPr txBox="1"/>
           <p:nvPr>
-            <p:ph idx="1" type="body"/>
+            <p:ph type="body" idx="1"/>
           </p:nvPr>
         </p:nvSpPr>
         <p:spPr>
@@ -7922,11 +8014,11 @@
           </a:ln>
         </p:spPr>
         <p:txBody>
-          <a:bodyPr anchorCtr="0" anchor="t" bIns="45700" lIns="91425" spcFirstLastPara="1" rIns="91425" wrap="square" tIns="45700">
+          <a:bodyPr spcFirstLastPara="1" wrap="square" lIns="91425" tIns="45700" rIns="91425" bIns="45700" anchor="t" anchorCtr="0">
             <a:normAutofit/>
           </a:bodyPr>
           <a:lstStyle>
-            <a:lvl1pPr indent="-431800" lvl="0" marL="457200" algn="l">
+            <a:lvl1pPr marL="457200" lvl="0" indent="-431800" algn="l">
               <a:spcBef>
                 <a:spcPts val="640"/>
               </a:spcBef>
@@ -7940,7 +8032,7 @@
               <a:buChar char="•"/>
               <a:defRPr sz="3200"/>
             </a:lvl1pPr>
-            <a:lvl2pPr indent="-406400" lvl="1" marL="914400" algn="l">
+            <a:lvl2pPr marL="914400" lvl="1" indent="-406400" algn="l">
               <a:spcBef>
                 <a:spcPts val="560"/>
               </a:spcBef>
@@ -7954,7 +8046,7 @@
               <a:buChar char="–"/>
               <a:defRPr sz="2800"/>
             </a:lvl2pPr>
-            <a:lvl3pPr indent="-381000" lvl="2" marL="1371600" algn="l">
+            <a:lvl3pPr marL="1371600" lvl="2" indent="-381000" algn="l">
               <a:spcBef>
                 <a:spcPts val="480"/>
               </a:spcBef>
@@ -7968,7 +8060,7 @@
               <a:buChar char="•"/>
               <a:defRPr sz="2400"/>
             </a:lvl3pPr>
-            <a:lvl4pPr indent="-355600" lvl="3" marL="1828800" algn="l">
+            <a:lvl4pPr marL="1828800" lvl="3" indent="-355600" algn="l">
               <a:spcBef>
                 <a:spcPts val="400"/>
               </a:spcBef>
@@ -7982,7 +8074,7 @@
               <a:buChar char="–"/>
               <a:defRPr sz="2000"/>
             </a:lvl4pPr>
-            <a:lvl5pPr indent="-355600" lvl="4" marL="2286000" algn="l">
+            <a:lvl5pPr marL="2286000" lvl="4" indent="-355600" algn="l">
               <a:spcBef>
                 <a:spcPts val="400"/>
               </a:spcBef>
@@ -7996,7 +8088,7 @@
               <a:buChar char="»"/>
               <a:defRPr sz="2000"/>
             </a:lvl5pPr>
-            <a:lvl6pPr indent="-355600" lvl="5" marL="2743200" algn="l">
+            <a:lvl6pPr marL="2743200" lvl="5" indent="-355600" algn="l">
               <a:spcBef>
                 <a:spcPts val="400"/>
               </a:spcBef>
@@ -8010,7 +8102,7 @@
               <a:buChar char="•"/>
               <a:defRPr sz="2000"/>
             </a:lvl6pPr>
-            <a:lvl7pPr indent="-355600" lvl="6" marL="3200400" algn="l">
+            <a:lvl7pPr marL="3200400" lvl="6" indent="-355600" algn="l">
               <a:spcBef>
                 <a:spcPts val="400"/>
               </a:spcBef>
@@ -8024,7 +8116,7 @@
               <a:buChar char="•"/>
               <a:defRPr sz="2000"/>
             </a:lvl7pPr>
-            <a:lvl8pPr indent="-355600" lvl="7" marL="3657600" algn="l">
+            <a:lvl8pPr marL="3657600" lvl="7" indent="-355600" algn="l">
               <a:spcBef>
                 <a:spcPts val="400"/>
               </a:spcBef>
@@ -8038,7 +8130,7 @@
               <a:buChar char="•"/>
               <a:defRPr sz="2000"/>
             </a:lvl8pPr>
-            <a:lvl9pPr indent="-355600" lvl="8" marL="4114800" algn="l">
+            <a:lvl9pPr marL="4114800" lvl="8" indent="-355600" algn="l">
               <a:spcBef>
                 <a:spcPts val="400"/>
               </a:spcBef>
@@ -8061,7 +8153,7 @@
           <p:cNvPr id="57" name="Google Shape;57;p9"/>
           <p:cNvSpPr txBox="1"/>
           <p:nvPr>
-            <p:ph idx="2" type="body"/>
+            <p:ph type="body" idx="2"/>
           </p:nvPr>
         </p:nvSpPr>
         <p:spPr>
@@ -8078,11 +8170,11 @@
           </a:ln>
         </p:spPr>
         <p:txBody>
-          <a:bodyPr anchorCtr="0" anchor="t" bIns="45700" lIns="91425" spcFirstLastPara="1" rIns="91425" wrap="square" tIns="45700">
+          <a:bodyPr spcFirstLastPara="1" wrap="square" lIns="91425" tIns="45700" rIns="91425" bIns="45700" anchor="t" anchorCtr="0">
             <a:normAutofit/>
           </a:bodyPr>
           <a:lstStyle>
-            <a:lvl1pPr indent="-228600" lvl="0" marL="457200" algn="l">
+            <a:lvl1pPr marL="457200" lvl="0" indent="-228600" algn="l">
               <a:spcBef>
                 <a:spcPts val="280"/>
               </a:spcBef>
@@ -8096,7 +8188,7 @@
               <a:buNone/>
               <a:defRPr sz="1400"/>
             </a:lvl1pPr>
-            <a:lvl2pPr indent="-228600" lvl="1" marL="914400" algn="l">
+            <a:lvl2pPr marL="914400" lvl="1" indent="-228600" algn="l">
               <a:spcBef>
                 <a:spcPts val="240"/>
               </a:spcBef>
@@ -8110,7 +8202,7 @@
               <a:buNone/>
               <a:defRPr sz="1200"/>
             </a:lvl2pPr>
-            <a:lvl3pPr indent="-228600" lvl="2" marL="1371600" algn="l">
+            <a:lvl3pPr marL="1371600" lvl="2" indent="-228600" algn="l">
               <a:spcBef>
                 <a:spcPts val="200"/>
               </a:spcBef>
@@ -8124,7 +8216,7 @@
               <a:buNone/>
               <a:defRPr sz="1000"/>
             </a:lvl3pPr>
-            <a:lvl4pPr indent="-228600" lvl="3" marL="1828800" algn="l">
+            <a:lvl4pPr marL="1828800" lvl="3" indent="-228600" algn="l">
               <a:spcBef>
                 <a:spcPts val="180"/>
               </a:spcBef>
@@ -8138,7 +8230,7 @@
               <a:buNone/>
               <a:defRPr sz="900"/>
             </a:lvl4pPr>
-            <a:lvl5pPr indent="-228600" lvl="4" marL="2286000" algn="l">
+            <a:lvl5pPr marL="2286000" lvl="4" indent="-228600" algn="l">
               <a:spcBef>
                 <a:spcPts val="180"/>
               </a:spcBef>
@@ -8152,7 +8244,7 @@
               <a:buNone/>
               <a:defRPr sz="900"/>
             </a:lvl5pPr>
-            <a:lvl6pPr indent="-228600" lvl="5" marL="2743200" algn="l">
+            <a:lvl6pPr marL="2743200" lvl="5" indent="-228600" algn="l">
               <a:spcBef>
                 <a:spcPts val="180"/>
               </a:spcBef>
@@ -8166,7 +8258,7 @@
               <a:buNone/>
               <a:defRPr sz="900"/>
             </a:lvl6pPr>
-            <a:lvl7pPr indent="-228600" lvl="6" marL="3200400" algn="l">
+            <a:lvl7pPr marL="3200400" lvl="6" indent="-228600" algn="l">
               <a:spcBef>
                 <a:spcPts val="180"/>
               </a:spcBef>
@@ -8180,7 +8272,7 @@
               <a:buNone/>
               <a:defRPr sz="900"/>
             </a:lvl7pPr>
-            <a:lvl8pPr indent="-228600" lvl="7" marL="3657600" algn="l">
+            <a:lvl8pPr marL="3657600" lvl="7" indent="-228600" algn="l">
               <a:spcBef>
                 <a:spcPts val="180"/>
               </a:spcBef>
@@ -8194,7 +8286,7 @@
               <a:buNone/>
               <a:defRPr sz="900"/>
             </a:lvl8pPr>
-            <a:lvl9pPr indent="-228600" lvl="8" marL="4114800" algn="l">
+            <a:lvl9pPr marL="4114800" lvl="8" indent="-228600" algn="l">
               <a:spcBef>
                 <a:spcPts val="180"/>
               </a:spcBef>
@@ -8217,7 +8309,7 @@
           <p:cNvPr id="58" name="Google Shape;58;p9"/>
           <p:cNvSpPr txBox="1"/>
           <p:nvPr>
-            <p:ph idx="10" type="dt"/>
+            <p:ph type="dt" idx="10"/>
           </p:nvPr>
         </p:nvSpPr>
         <p:spPr>
@@ -8234,7 +8326,7 @@
           </a:ln>
         </p:spPr>
         <p:txBody>
-          <a:bodyPr anchorCtr="0" anchor="ctr" bIns="45700" lIns="91425" spcFirstLastPara="1" rIns="91425" wrap="square" tIns="45700">
+          <a:bodyPr spcFirstLastPara="1" wrap="square" lIns="91425" tIns="45700" rIns="91425" bIns="45700" anchor="ctr" anchorCtr="0">
             <a:noAutofit/>
           </a:bodyPr>
           <a:lstStyle>
@@ -8346,7 +8438,7 @@
           <p:cNvPr id="59" name="Google Shape;59;p9"/>
           <p:cNvSpPr txBox="1"/>
           <p:nvPr>
-            <p:ph idx="11" type="ftr"/>
+            <p:ph type="ftr" idx="11"/>
           </p:nvPr>
         </p:nvSpPr>
         <p:spPr>
@@ -8363,7 +8455,7 @@
           </a:ln>
         </p:spPr>
         <p:txBody>
-          <a:bodyPr anchorCtr="0" anchor="ctr" bIns="45700" lIns="91425" spcFirstLastPara="1" rIns="91425" wrap="square" tIns="45700">
+          <a:bodyPr spcFirstLastPara="1" wrap="square" lIns="91425" tIns="45700" rIns="91425" bIns="45700" anchor="ctr" anchorCtr="0">
             <a:noAutofit/>
           </a:bodyPr>
           <a:lstStyle>
@@ -8475,7 +8567,7 @@
           <p:cNvPr id="60" name="Google Shape;60;p9"/>
           <p:cNvSpPr txBox="1"/>
           <p:nvPr>
-            <p:ph idx="12" type="sldNum"/>
+            <p:ph type="sldNum" idx="12"/>
           </p:nvPr>
         </p:nvSpPr>
         <p:spPr>
@@ -8492,67 +8584,67 @@
           </a:ln>
         </p:spPr>
         <p:txBody>
-          <a:bodyPr anchorCtr="0" anchor="ctr" bIns="45700" lIns="91425" spcFirstLastPara="1" rIns="91425" wrap="square" tIns="45700">
+          <a:bodyPr spcFirstLastPara="1" wrap="square" lIns="91425" tIns="45700" rIns="91425" bIns="45700" anchor="ctr" anchorCtr="0">
             <a:noAutofit/>
           </a:bodyPr>
           <a:lstStyle>
-            <a:lvl1pPr indent="0" lvl="0" marL="0" algn="r">
+            <a:lvl1pPr marL="0" lvl="0" indent="0" algn="r">
               <a:spcBef>
                 <a:spcPts val="0"/>
               </a:spcBef>
               <a:buNone/>
               <a:defRPr/>
             </a:lvl1pPr>
-            <a:lvl2pPr indent="0" lvl="1" marL="0" algn="r">
+            <a:lvl2pPr marL="0" lvl="1" indent="0" algn="r">
               <a:spcBef>
                 <a:spcPts val="0"/>
               </a:spcBef>
               <a:buNone/>
               <a:defRPr/>
             </a:lvl2pPr>
-            <a:lvl3pPr indent="0" lvl="2" marL="0" algn="r">
+            <a:lvl3pPr marL="0" lvl="2" indent="0" algn="r">
               <a:spcBef>
                 <a:spcPts val="0"/>
               </a:spcBef>
               <a:buNone/>
               <a:defRPr/>
             </a:lvl3pPr>
-            <a:lvl4pPr indent="0" lvl="3" marL="0" algn="r">
+            <a:lvl4pPr marL="0" lvl="3" indent="0" algn="r">
               <a:spcBef>
                 <a:spcPts val="0"/>
               </a:spcBef>
               <a:buNone/>
               <a:defRPr/>
             </a:lvl4pPr>
-            <a:lvl5pPr indent="0" lvl="4" marL="0" algn="r">
+            <a:lvl5pPr marL="0" lvl="4" indent="0" algn="r">
               <a:spcBef>
                 <a:spcPts val="0"/>
               </a:spcBef>
               <a:buNone/>
               <a:defRPr/>
             </a:lvl5pPr>
-            <a:lvl6pPr indent="0" lvl="5" marL="0" algn="r">
+            <a:lvl6pPr marL="0" lvl="5" indent="0" algn="r">
               <a:spcBef>
                 <a:spcPts val="0"/>
               </a:spcBef>
               <a:buNone/>
               <a:defRPr/>
             </a:lvl6pPr>
-            <a:lvl7pPr indent="0" lvl="6" marL="0" algn="r">
+            <a:lvl7pPr marL="0" lvl="6" indent="0" algn="r">
               <a:spcBef>
                 <a:spcPts val="0"/>
               </a:spcBef>
               <a:buNone/>
               <a:defRPr/>
             </a:lvl7pPr>
-            <a:lvl8pPr indent="0" lvl="7" marL="0" algn="r">
+            <a:lvl8pPr marL="0" lvl="7" indent="0" algn="r">
               <a:spcBef>
                 <a:spcPts val="0"/>
               </a:spcBef>
               <a:buNone/>
               <a:defRPr/>
             </a:lvl8pPr>
-            <a:lvl9pPr indent="0" lvl="8" marL="0" algn="r">
+            <a:lvl9pPr marL="0" lvl="8" indent="0" algn="r">
               <a:spcBef>
                 <a:spcPts val="0"/>
               </a:spcBef>
@@ -8561,7 +8653,7 @@
             </a:lvl9pPr>
           </a:lstStyle>
           <a:p>
-            <a:pPr indent="0" lvl="0" marL="0" rtl="0" algn="r">
+            <a:pPr marL="0" lvl="0" indent="0" algn="r" rtl="0">
               <a:spcBef>
                 <a:spcPts val="0"/>
               </a:spcBef>
@@ -8572,9 +8664,8 @@
             </a:pPr>
             <a:fld id="{00000000-1234-1234-1234-123412341234}" type="slidenum">
               <a:rPr lang="en-US"/>
-              <a:t>‹#›</a:t>
             </a:fld>
-            <a:endParaRPr/>
+            <a:endParaRPr lang="en-US"/>
           </a:p>
         </p:txBody>
       </p:sp>
@@ -8583,11 +8674,23 @@
   <p:clrMapOvr>
     <a:masterClrMapping/>
   </p:clrMapOvr>
+  <mc:AlternateContent xmlns:mc="http://schemas.openxmlformats.org/markup-compatibility/2006">
+    <mc:Choice xmlns:p14="http://schemas.microsoft.com/office/powerpoint/2010/main" Requires="p14">
+      <p:transition spd="slow" p14:dur="700">
+        <p:push/>
+      </p:transition>
+    </mc:Choice>
+    <mc:Fallback>
+      <p:transition spd="slow">
+        <p:push/>
+      </p:transition>
+    </mc:Fallback>
+  </mc:AlternateContent>
 </p:sldLayout>
 </file>
 
 <file path=ppt/slideLayouts/slideLayout9.xml><?xml version="1.0" encoding="utf-8"?>
-<p:sldLayout xmlns:a="http://schemas.openxmlformats.org/drawingml/2006/main" xmlns:r="http://schemas.openxmlformats.org/officeDocument/2006/relationships" xmlns:mc="http://schemas.openxmlformats.org/markup-compatibility/2006" xmlns:mv="urn:schemas-microsoft-com:mac:vml" xmlns:p="http://schemas.openxmlformats.org/presentationml/2006/main" xmlns:c="http://schemas.openxmlformats.org/drawingml/2006/chart" xmlns:dgm="http://schemas.openxmlformats.org/drawingml/2006/diagram" xmlns:o="urn:schemas-microsoft-com:office:office" xmlns:v="urn:schemas-microsoft-com:vml" xmlns:pvml="urn:schemas-microsoft-com:office:powerpoint" xmlns:com="http://schemas.openxmlformats.org/drawingml/2006/compatibility" xmlns:p14="http://schemas.microsoft.com/office/powerpoint/2010/main" xmlns:p15="http://schemas.microsoft.com/office/powerpoint/2012/main" xmlns:ahyp="http://schemas.microsoft.com/office/drawing/2018/hyperlinkcolor" matchingName="Picture with Caption" type="picTx">
+<p:sldLayout xmlns:a="http://schemas.openxmlformats.org/drawingml/2006/main" xmlns:r="http://schemas.openxmlformats.org/officeDocument/2006/relationships" xmlns:p="http://schemas.openxmlformats.org/presentationml/2006/main" type="picTx" matchingName="Picture with Caption">
   <p:cSld name="PICTURE_WITH_CAPTION_TEXT">
     <p:spTree>
       <p:nvGrpSpPr>
@@ -8625,7 +8728,7 @@
           </a:ln>
         </p:spPr>
         <p:txBody>
-          <a:bodyPr anchorCtr="0" anchor="b" bIns="45700" lIns="91425" spcFirstLastPara="1" rIns="91425" wrap="square" tIns="45700">
+          <a:bodyPr spcFirstLastPara="1" wrap="square" lIns="91425" tIns="45700" rIns="91425" bIns="45700" anchor="b" anchorCtr="0">
             <a:normAutofit/>
           </a:bodyPr>
           <a:lstStyle>
@@ -8640,9 +8743,9 @@
                 <a:schemeClr val="dk1"/>
               </a:buClr>
               <a:buSzPts val="2000"/>
-              <a:buFont typeface="Calibri"/>
-              <a:buNone/>
-              <a:defRPr b="1" sz="2000"/>
+              <a:buFont typeface="Calibri" panose="020F0502020204030204"/>
+              <a:buNone/>
+              <a:defRPr sz="2000" b="1"/>
             </a:lvl1pPr>
             <a:lvl2pPr lvl="1">
               <a:spcBef>
@@ -8741,7 +8844,7 @@
           <p:cNvPr id="63" name="Google Shape;63;p10"/>
           <p:cNvSpPr/>
           <p:nvPr>
-            <p:ph idx="2" type="pic"/>
+            <p:ph type="pic" idx="2"/>
           </p:nvPr>
         </p:nvSpPr>
         <p:spPr>
@@ -8763,7 +8866,7 @@
           <p:cNvPr id="64" name="Google Shape;64;p10"/>
           <p:cNvSpPr txBox="1"/>
           <p:nvPr>
-            <p:ph idx="1" type="body"/>
+            <p:ph type="body" idx="1"/>
           </p:nvPr>
         </p:nvSpPr>
         <p:spPr>
@@ -8780,11 +8883,11 @@
           </a:ln>
         </p:spPr>
         <p:txBody>
-          <a:bodyPr anchorCtr="0" anchor="t" bIns="45700" lIns="91425" spcFirstLastPara="1" rIns="91425" wrap="square" tIns="45700">
+          <a:bodyPr spcFirstLastPara="1" wrap="square" lIns="91425" tIns="45700" rIns="91425" bIns="45700" anchor="t" anchorCtr="0">
             <a:normAutofit/>
           </a:bodyPr>
           <a:lstStyle>
-            <a:lvl1pPr indent="-228600" lvl="0" marL="457200" algn="l">
+            <a:lvl1pPr marL="457200" lvl="0" indent="-228600" algn="l">
               <a:spcBef>
                 <a:spcPts val="280"/>
               </a:spcBef>
@@ -8798,7 +8901,7 @@
               <a:buNone/>
               <a:defRPr sz="1400"/>
             </a:lvl1pPr>
-            <a:lvl2pPr indent="-228600" lvl="1" marL="914400" algn="l">
+            <a:lvl2pPr marL="914400" lvl="1" indent="-228600" algn="l">
               <a:spcBef>
                 <a:spcPts val="240"/>
               </a:spcBef>
@@ -8812,7 +8915,7 @@
               <a:buNone/>
               <a:defRPr sz="1200"/>
             </a:lvl2pPr>
-            <a:lvl3pPr indent="-228600" lvl="2" marL="1371600" algn="l">
+            <a:lvl3pPr marL="1371600" lvl="2" indent="-228600" algn="l">
               <a:spcBef>
                 <a:spcPts val="200"/>
               </a:spcBef>
@@ -8826,7 +8929,7 @@
               <a:buNone/>
               <a:defRPr sz="1000"/>
             </a:lvl3pPr>
-            <a:lvl4pPr indent="-228600" lvl="3" marL="1828800" algn="l">
+            <a:lvl4pPr marL="1828800" lvl="3" indent="-228600" algn="l">
               <a:spcBef>
                 <a:spcPts val="180"/>
               </a:spcBef>
@@ -8840,7 +8943,7 @@
               <a:buNone/>
               <a:defRPr sz="900"/>
             </a:lvl4pPr>
-            <a:lvl5pPr indent="-228600" lvl="4" marL="2286000" algn="l">
+            <a:lvl5pPr marL="2286000" lvl="4" indent="-228600" algn="l">
               <a:spcBef>
                 <a:spcPts val="180"/>
               </a:spcBef>
@@ -8854,7 +8957,7 @@
               <a:buNone/>
               <a:defRPr sz="900"/>
             </a:lvl5pPr>
-            <a:lvl6pPr indent="-228600" lvl="5" marL="2743200" algn="l">
+            <a:lvl6pPr marL="2743200" lvl="5" indent="-228600" algn="l">
               <a:spcBef>
                 <a:spcPts val="180"/>
               </a:spcBef>
@@ -8868,7 +8971,7 @@
               <a:buNone/>
               <a:defRPr sz="900"/>
             </a:lvl6pPr>
-            <a:lvl7pPr indent="-228600" lvl="6" marL="3200400" algn="l">
+            <a:lvl7pPr marL="3200400" lvl="6" indent="-228600" algn="l">
               <a:spcBef>
                 <a:spcPts val="180"/>
               </a:spcBef>
@@ -8882,7 +8985,7 @@
               <a:buNone/>
               <a:defRPr sz="900"/>
             </a:lvl7pPr>
-            <a:lvl8pPr indent="-228600" lvl="7" marL="3657600" algn="l">
+            <a:lvl8pPr marL="3657600" lvl="7" indent="-228600" algn="l">
               <a:spcBef>
                 <a:spcPts val="180"/>
               </a:spcBef>
@@ -8896,7 +8999,7 @@
               <a:buNone/>
               <a:defRPr sz="900"/>
             </a:lvl8pPr>
-            <a:lvl9pPr indent="-228600" lvl="8" marL="4114800" algn="l">
+            <a:lvl9pPr marL="4114800" lvl="8" indent="-228600" algn="l">
               <a:spcBef>
                 <a:spcPts val="180"/>
               </a:spcBef>
@@ -8919,7 +9022,7 @@
           <p:cNvPr id="65" name="Google Shape;65;p10"/>
           <p:cNvSpPr txBox="1"/>
           <p:nvPr>
-            <p:ph idx="10" type="dt"/>
+            <p:ph type="dt" idx="10"/>
           </p:nvPr>
         </p:nvSpPr>
         <p:spPr>
@@ -8936,7 +9039,7 @@
           </a:ln>
         </p:spPr>
         <p:txBody>
-          <a:bodyPr anchorCtr="0" anchor="ctr" bIns="45700" lIns="91425" spcFirstLastPara="1" rIns="91425" wrap="square" tIns="45700">
+          <a:bodyPr spcFirstLastPara="1" wrap="square" lIns="91425" tIns="45700" rIns="91425" bIns="45700" anchor="ctr" anchorCtr="0">
             <a:noAutofit/>
           </a:bodyPr>
           <a:lstStyle>
@@ -9048,7 +9151,7 @@
           <p:cNvPr id="66" name="Google Shape;66;p10"/>
           <p:cNvSpPr txBox="1"/>
           <p:nvPr>
-            <p:ph idx="11" type="ftr"/>
+            <p:ph type="ftr" idx="11"/>
           </p:nvPr>
         </p:nvSpPr>
         <p:spPr>
@@ -9065,7 +9168,7 @@
           </a:ln>
         </p:spPr>
         <p:txBody>
-          <a:bodyPr anchorCtr="0" anchor="ctr" bIns="45700" lIns="91425" spcFirstLastPara="1" rIns="91425" wrap="square" tIns="45700">
+          <a:bodyPr spcFirstLastPara="1" wrap="square" lIns="91425" tIns="45700" rIns="91425" bIns="45700" anchor="ctr" anchorCtr="0">
             <a:noAutofit/>
           </a:bodyPr>
           <a:lstStyle>
@@ -9177,7 +9280,7 @@
           <p:cNvPr id="67" name="Google Shape;67;p10"/>
           <p:cNvSpPr txBox="1"/>
           <p:nvPr>
-            <p:ph idx="12" type="sldNum"/>
+            <p:ph type="sldNum" idx="12"/>
           </p:nvPr>
         </p:nvSpPr>
         <p:spPr>
@@ -9194,67 +9297,67 @@
           </a:ln>
         </p:spPr>
         <p:txBody>
-          <a:bodyPr anchorCtr="0" anchor="ctr" bIns="45700" lIns="91425" spcFirstLastPara="1" rIns="91425" wrap="square" tIns="45700">
+          <a:bodyPr spcFirstLastPara="1" wrap="square" lIns="91425" tIns="45700" rIns="91425" bIns="45700" anchor="ctr" anchorCtr="0">
             <a:noAutofit/>
           </a:bodyPr>
           <a:lstStyle>
-            <a:lvl1pPr indent="0" lvl="0" marL="0" algn="r">
+            <a:lvl1pPr marL="0" lvl="0" indent="0" algn="r">
               <a:spcBef>
                 <a:spcPts val="0"/>
               </a:spcBef>
               <a:buNone/>
               <a:defRPr/>
             </a:lvl1pPr>
-            <a:lvl2pPr indent="0" lvl="1" marL="0" algn="r">
+            <a:lvl2pPr marL="0" lvl="1" indent="0" algn="r">
               <a:spcBef>
                 <a:spcPts val="0"/>
               </a:spcBef>
               <a:buNone/>
               <a:defRPr/>
             </a:lvl2pPr>
-            <a:lvl3pPr indent="0" lvl="2" marL="0" algn="r">
+            <a:lvl3pPr marL="0" lvl="2" indent="0" algn="r">
               <a:spcBef>
                 <a:spcPts val="0"/>
               </a:spcBef>
               <a:buNone/>
               <a:defRPr/>
             </a:lvl3pPr>
-            <a:lvl4pPr indent="0" lvl="3" marL="0" algn="r">
+            <a:lvl4pPr marL="0" lvl="3" indent="0" algn="r">
               <a:spcBef>
                 <a:spcPts val="0"/>
               </a:spcBef>
               <a:buNone/>
               <a:defRPr/>
             </a:lvl4pPr>
-            <a:lvl5pPr indent="0" lvl="4" marL="0" algn="r">
+            <a:lvl5pPr marL="0" lvl="4" indent="0" algn="r">
               <a:spcBef>
                 <a:spcPts val="0"/>
               </a:spcBef>
               <a:buNone/>
               <a:defRPr/>
             </a:lvl5pPr>
-            <a:lvl6pPr indent="0" lvl="5" marL="0" algn="r">
+            <a:lvl6pPr marL="0" lvl="5" indent="0" algn="r">
               <a:spcBef>
                 <a:spcPts val="0"/>
               </a:spcBef>
               <a:buNone/>
               <a:defRPr/>
             </a:lvl6pPr>
-            <a:lvl7pPr indent="0" lvl="6" marL="0" algn="r">
+            <a:lvl7pPr marL="0" lvl="6" indent="0" algn="r">
               <a:spcBef>
                 <a:spcPts val="0"/>
               </a:spcBef>
               <a:buNone/>
               <a:defRPr/>
             </a:lvl7pPr>
-            <a:lvl8pPr indent="0" lvl="7" marL="0" algn="r">
+            <a:lvl8pPr marL="0" lvl="7" indent="0" algn="r">
               <a:spcBef>
                 <a:spcPts val="0"/>
               </a:spcBef>
               <a:buNone/>
               <a:defRPr/>
             </a:lvl8pPr>
-            <a:lvl9pPr indent="0" lvl="8" marL="0" algn="r">
+            <a:lvl9pPr marL="0" lvl="8" indent="0" algn="r">
               <a:spcBef>
                 <a:spcPts val="0"/>
               </a:spcBef>
@@ -9263,7 +9366,7 @@
             </a:lvl9pPr>
           </a:lstStyle>
           <a:p>
-            <a:pPr indent="0" lvl="0" marL="0" rtl="0" algn="r">
+            <a:pPr marL="0" lvl="0" indent="0" algn="r" rtl="0">
               <a:spcBef>
                 <a:spcPts val="0"/>
               </a:spcBef>
@@ -9274,9 +9377,8 @@
             </a:pPr>
             <a:fld id="{00000000-1234-1234-1234-123412341234}" type="slidenum">
               <a:rPr lang="en-US"/>
-              <a:t>‹#›</a:t>
             </a:fld>
-            <a:endParaRPr/>
+            <a:endParaRPr lang="en-US"/>
           </a:p>
         </p:txBody>
       </p:sp>
@@ -9285,17 +9387,30 @@
   <p:clrMapOvr>
     <a:masterClrMapping/>
   </p:clrMapOvr>
+  <mc:AlternateContent xmlns:mc="http://schemas.openxmlformats.org/markup-compatibility/2006">
+    <mc:Choice xmlns:p14="http://schemas.microsoft.com/office/powerpoint/2010/main" Requires="p14">
+      <p:transition spd="slow" p14:dur="700">
+        <p:push/>
+      </p:transition>
+    </mc:Choice>
+    <mc:Fallback>
+      <p:transition spd="slow">
+        <p:push/>
+      </p:transition>
+    </mc:Fallback>
+  </mc:AlternateContent>
 </p:sldLayout>
 </file>
 
 <file path=ppt/slideMasters/slideMaster1.xml><?xml version="1.0" encoding="utf-8"?>
-<p:sldMaster xmlns:a="http://schemas.openxmlformats.org/drawingml/2006/main" xmlns:r="http://schemas.openxmlformats.org/officeDocument/2006/relationships" xmlns:mc="http://schemas.openxmlformats.org/markup-compatibility/2006" xmlns:mv="urn:schemas-microsoft-com:mac:vml" xmlns:p="http://schemas.openxmlformats.org/presentationml/2006/main" xmlns:c="http://schemas.openxmlformats.org/drawingml/2006/chart" xmlns:dgm="http://schemas.openxmlformats.org/drawingml/2006/diagram" xmlns:o="urn:schemas-microsoft-com:office:office" xmlns:v="urn:schemas-microsoft-com:vml" xmlns:pvml="urn:schemas-microsoft-com:office:powerpoint" xmlns:com="http://schemas.openxmlformats.org/drawingml/2006/compatibility" xmlns:p14="http://schemas.microsoft.com/office/powerpoint/2010/main" xmlns:p15="http://schemas.microsoft.com/office/powerpoint/2012/main" xmlns:ahyp="http://schemas.microsoft.com/office/drawing/2018/hyperlinkcolor">
+<p:sldMaster xmlns:a="http://schemas.openxmlformats.org/drawingml/2006/main" xmlns:r="http://schemas.openxmlformats.org/officeDocument/2006/relationships" xmlns:p="http://schemas.openxmlformats.org/presentationml/2006/main">
   <p:cSld>
     <p:bg>
       <p:bgPr>
         <a:solidFill>
           <a:schemeClr val="lt1"/>
         </a:solidFill>
+        <a:effectLst/>
       </p:bgPr>
     </p:bg>
     <p:spTree>
@@ -9334,11 +9449,11 @@
           </a:ln>
         </p:spPr>
         <p:txBody>
-          <a:bodyPr anchorCtr="0" anchor="ctr" bIns="45700" lIns="91425" spcFirstLastPara="1" rIns="91425" wrap="square" tIns="45700">
+          <a:bodyPr spcFirstLastPara="1" wrap="square" lIns="91425" tIns="45700" rIns="91425" bIns="45700" anchor="ctr" anchorCtr="0">
             <a:normAutofit/>
           </a:bodyPr>
           <a:lstStyle>
-            <a:lvl1pPr lvl="0" marR="0" rtl="0" algn="ctr">
+            <a:lvl1pPr marR="0" lvl="0" algn="ctr" rtl="0">
               <a:spcBef>
                 <a:spcPts val="0"/>
               </a:spcBef>
@@ -9349,16 +9464,16 @@
                 <a:schemeClr val="dk1"/>
               </a:buClr>
               <a:buSzPts val="4400"/>
-              <a:buFont typeface="Calibri"/>
-              <a:buNone/>
-              <a:defRPr b="0" i="0" sz="4400" u="none" cap="none" strike="noStrike">
+              <a:buFont typeface="Calibri" panose="020F0502020204030204"/>
+              <a:buNone/>
+              <a:defRPr sz="4400" b="0" i="0" u="none" strike="noStrike" cap="none">
                 <a:solidFill>
                   <a:schemeClr val="dk1"/>
                 </a:solidFill>
-                <a:latin typeface="Calibri"/>
-                <a:ea typeface="Calibri"/>
-                <a:cs typeface="Calibri"/>
-                <a:sym typeface="Calibri"/>
+                <a:latin typeface="Calibri" panose="020F0502020204030204"/>
+                <a:ea typeface="Calibri" panose="020F0502020204030204"/>
+                <a:cs typeface="Calibri" panose="020F0502020204030204"/>
+                <a:sym typeface="Calibri" panose="020F0502020204030204"/>
               </a:defRPr>
             </a:lvl1pPr>
             <a:lvl2pPr lvl="1">
@@ -9458,7 +9573,7 @@
           <p:cNvPr id="7" name="Google Shape;7;p1"/>
           <p:cNvSpPr txBox="1"/>
           <p:nvPr>
-            <p:ph idx="1" type="body"/>
+            <p:ph type="body" idx="1"/>
           </p:nvPr>
         </p:nvSpPr>
         <p:spPr>
@@ -9475,11 +9590,11 @@
           </a:ln>
         </p:spPr>
         <p:txBody>
-          <a:bodyPr anchorCtr="0" anchor="t" bIns="45700" lIns="91425" spcFirstLastPara="1" rIns="91425" wrap="square" tIns="45700">
+          <a:bodyPr spcFirstLastPara="1" wrap="square" lIns="91425" tIns="45700" rIns="91425" bIns="45700" anchor="t" anchorCtr="0">
             <a:normAutofit/>
           </a:bodyPr>
           <a:lstStyle>
-            <a:lvl1pPr indent="-431800" lvl="0" marL="457200" marR="0" rtl="0" algn="l">
+            <a:lvl1pPr marL="457200" marR="0" lvl="0" indent="-431800" algn="l" rtl="0">
               <a:spcBef>
                 <a:spcPts val="640"/>
               </a:spcBef>
@@ -9490,19 +9605,19 @@
                 <a:schemeClr val="dk1"/>
               </a:buClr>
               <a:buSzPts val="3200"/>
-              <a:buFont typeface="Arial"/>
+              <a:buFont typeface="Arial" panose="020B0604020202020204"/>
               <a:buChar char="•"/>
-              <a:defRPr b="0" i="0" sz="3200" u="none" cap="none" strike="noStrike">
+              <a:defRPr sz="3200" b="0" i="0" u="none" strike="noStrike" cap="none">
                 <a:solidFill>
                   <a:schemeClr val="dk1"/>
                 </a:solidFill>
-                <a:latin typeface="Calibri"/>
-                <a:ea typeface="Calibri"/>
-                <a:cs typeface="Calibri"/>
-                <a:sym typeface="Calibri"/>
+                <a:latin typeface="Calibri" panose="020F0502020204030204"/>
+                <a:ea typeface="Calibri" panose="020F0502020204030204"/>
+                <a:cs typeface="Calibri" panose="020F0502020204030204"/>
+                <a:sym typeface="Calibri" panose="020F0502020204030204"/>
               </a:defRPr>
             </a:lvl1pPr>
-            <a:lvl2pPr indent="-406400" lvl="1" marL="914400" marR="0" rtl="0" algn="l">
+            <a:lvl2pPr marL="914400" marR="0" lvl="1" indent="-406400" algn="l" rtl="0">
               <a:spcBef>
                 <a:spcPts val="560"/>
               </a:spcBef>
@@ -9513,19 +9628,19 @@
                 <a:schemeClr val="dk1"/>
               </a:buClr>
               <a:buSzPts val="2800"/>
-              <a:buFont typeface="Arial"/>
+              <a:buFont typeface="Arial" panose="020B0604020202020204"/>
               <a:buChar char="–"/>
-              <a:defRPr b="0" i="0" sz="2800" u="none" cap="none" strike="noStrike">
+              <a:defRPr sz="2800" b="0" i="0" u="none" strike="noStrike" cap="none">
                 <a:solidFill>
                   <a:schemeClr val="dk1"/>
                 </a:solidFill>
-                <a:latin typeface="Calibri"/>
-                <a:ea typeface="Calibri"/>
-                <a:cs typeface="Calibri"/>
-                <a:sym typeface="Calibri"/>
+                <a:latin typeface="Calibri" panose="020F0502020204030204"/>
+                <a:ea typeface="Calibri" panose="020F0502020204030204"/>
+                <a:cs typeface="Calibri" panose="020F0502020204030204"/>
+                <a:sym typeface="Calibri" panose="020F0502020204030204"/>
               </a:defRPr>
             </a:lvl2pPr>
-            <a:lvl3pPr indent="-381000" lvl="2" marL="1371600" marR="0" rtl="0" algn="l">
+            <a:lvl3pPr marL="1371600" marR="0" lvl="2" indent="-381000" algn="l" rtl="0">
               <a:spcBef>
                 <a:spcPts val="480"/>
               </a:spcBef>
@@ -9536,19 +9651,19 @@
                 <a:schemeClr val="dk1"/>
               </a:buClr>
               <a:buSzPts val="2400"/>
-              <a:buFont typeface="Arial"/>
+              <a:buFont typeface="Arial" panose="020B0604020202020204"/>
               <a:buChar char="•"/>
-              <a:defRPr b="0" i="0" sz="2400" u="none" cap="none" strike="noStrike">
+              <a:defRPr sz="2400" b="0" i="0" u="none" strike="noStrike" cap="none">
                 <a:solidFill>
                   <a:schemeClr val="dk1"/>
                 </a:solidFill>
-                <a:latin typeface="Calibri"/>
-                <a:ea typeface="Calibri"/>
-                <a:cs typeface="Calibri"/>
-                <a:sym typeface="Calibri"/>
+                <a:latin typeface="Calibri" panose="020F0502020204030204"/>
+                <a:ea typeface="Calibri" panose="020F0502020204030204"/>
+                <a:cs typeface="Calibri" panose="020F0502020204030204"/>
+                <a:sym typeface="Calibri" panose="020F0502020204030204"/>
               </a:defRPr>
             </a:lvl3pPr>
-            <a:lvl4pPr indent="-355600" lvl="3" marL="1828800" marR="0" rtl="0" algn="l">
+            <a:lvl4pPr marL="1828800" marR="0" lvl="3" indent="-355600" algn="l" rtl="0">
               <a:spcBef>
                 <a:spcPts val="400"/>
               </a:spcBef>
@@ -9559,19 +9674,19 @@
                 <a:schemeClr val="dk1"/>
               </a:buClr>
               <a:buSzPts val="2000"/>
-              <a:buFont typeface="Arial"/>
+              <a:buFont typeface="Arial" panose="020B0604020202020204"/>
               <a:buChar char="–"/>
-              <a:defRPr b="0" i="0" sz="2000" u="none" cap="none" strike="noStrike">
+              <a:defRPr sz="2000" b="0" i="0" u="none" strike="noStrike" cap="none">
                 <a:solidFill>
                   <a:schemeClr val="dk1"/>
                 </a:solidFill>
-                <a:latin typeface="Calibri"/>
-                <a:ea typeface="Calibri"/>
-                <a:cs typeface="Calibri"/>
-                <a:sym typeface="Calibri"/>
+                <a:latin typeface="Calibri" panose="020F0502020204030204"/>
+                <a:ea typeface="Calibri" panose="020F0502020204030204"/>
+                <a:cs typeface="Calibri" panose="020F0502020204030204"/>
+                <a:sym typeface="Calibri" panose="020F0502020204030204"/>
               </a:defRPr>
             </a:lvl4pPr>
-            <a:lvl5pPr indent="-355600" lvl="4" marL="2286000" marR="0" rtl="0" algn="l">
+            <a:lvl5pPr marL="2286000" marR="0" lvl="4" indent="-355600" algn="l" rtl="0">
               <a:spcBef>
                 <a:spcPts val="400"/>
               </a:spcBef>
@@ -9582,19 +9697,19 @@
                 <a:schemeClr val="dk1"/>
               </a:buClr>
               <a:buSzPts val="2000"/>
-              <a:buFont typeface="Arial"/>
+              <a:buFont typeface="Arial" panose="020B0604020202020204"/>
               <a:buChar char="»"/>
-              <a:defRPr b="0" i="0" sz="2000" u="none" cap="none" strike="noStrike">
+              <a:defRPr sz="2000" b="0" i="0" u="none" strike="noStrike" cap="none">
                 <a:solidFill>
                   <a:schemeClr val="dk1"/>
                 </a:solidFill>
-                <a:latin typeface="Calibri"/>
-                <a:ea typeface="Calibri"/>
-                <a:cs typeface="Calibri"/>
-                <a:sym typeface="Calibri"/>
+                <a:latin typeface="Calibri" panose="020F0502020204030204"/>
+                <a:ea typeface="Calibri" panose="020F0502020204030204"/>
+                <a:cs typeface="Calibri" panose="020F0502020204030204"/>
+                <a:sym typeface="Calibri" panose="020F0502020204030204"/>
               </a:defRPr>
             </a:lvl5pPr>
-            <a:lvl6pPr indent="-355600" lvl="5" marL="2743200" marR="0" rtl="0" algn="l">
+            <a:lvl6pPr marL="2743200" marR="0" lvl="5" indent="-355600" algn="l" rtl="0">
               <a:spcBef>
                 <a:spcPts val="400"/>
               </a:spcBef>
@@ -9605,19 +9720,19 @@
                 <a:schemeClr val="dk1"/>
               </a:buClr>
               <a:buSzPts val="2000"/>
-              <a:buFont typeface="Arial"/>
+              <a:buFont typeface="Arial" panose="020B0604020202020204"/>
               <a:buChar char="•"/>
-              <a:defRPr b="0" i="0" sz="2000" u="none" cap="none" strike="noStrike">
+              <a:defRPr sz="2000" b="0" i="0" u="none" strike="noStrike" cap="none">
                 <a:solidFill>
                   <a:schemeClr val="dk1"/>
                 </a:solidFill>
-                <a:latin typeface="Calibri"/>
-                <a:ea typeface="Calibri"/>
-                <a:cs typeface="Calibri"/>
-                <a:sym typeface="Calibri"/>
+                <a:latin typeface="Calibri" panose="020F0502020204030204"/>
+                <a:ea typeface="Calibri" panose="020F0502020204030204"/>
+                <a:cs typeface="Calibri" panose="020F0502020204030204"/>
+                <a:sym typeface="Calibri" panose="020F0502020204030204"/>
               </a:defRPr>
             </a:lvl6pPr>
-            <a:lvl7pPr indent="-355600" lvl="6" marL="3200400" marR="0" rtl="0" algn="l">
+            <a:lvl7pPr marL="3200400" marR="0" lvl="6" indent="-355600" algn="l" rtl="0">
               <a:spcBef>
                 <a:spcPts val="400"/>
               </a:spcBef>
@@ -9628,19 +9743,19 @@
                 <a:schemeClr val="dk1"/>
               </a:buClr>
               <a:buSzPts val="2000"/>
-              <a:buFont typeface="Arial"/>
+              <a:buFont typeface="Arial" panose="020B0604020202020204"/>
               <a:buChar char="•"/>
-              <a:defRPr b="0" i="0" sz="2000" u="none" cap="none" strike="noStrike">
+              <a:defRPr sz="2000" b="0" i="0" u="none" strike="noStrike" cap="none">
                 <a:solidFill>
                   <a:schemeClr val="dk1"/>
                 </a:solidFill>
-                <a:latin typeface="Calibri"/>
-                <a:ea typeface="Calibri"/>
-                <a:cs typeface="Calibri"/>
-                <a:sym typeface="Calibri"/>
+                <a:latin typeface="Calibri" panose="020F0502020204030204"/>
+                <a:ea typeface="Calibri" panose="020F0502020204030204"/>
+                <a:cs typeface="Calibri" panose="020F0502020204030204"/>
+                <a:sym typeface="Calibri" panose="020F0502020204030204"/>
               </a:defRPr>
             </a:lvl7pPr>
-            <a:lvl8pPr indent="-355600" lvl="7" marL="3657600" marR="0" rtl="0" algn="l">
+            <a:lvl8pPr marL="3657600" marR="0" lvl="7" indent="-355600" algn="l" rtl="0">
               <a:spcBef>
                 <a:spcPts val="400"/>
               </a:spcBef>
@@ -9651,19 +9766,19 @@
                 <a:schemeClr val="dk1"/>
               </a:buClr>
               <a:buSzPts val="2000"/>
-              <a:buFont typeface="Arial"/>
+              <a:buFont typeface="Arial" panose="020B0604020202020204"/>
               <a:buChar char="•"/>
-              <a:defRPr b="0" i="0" sz="2000" u="none" cap="none" strike="noStrike">
+              <a:defRPr sz="2000" b="0" i="0" u="none" strike="noStrike" cap="none">
                 <a:solidFill>
                   <a:schemeClr val="dk1"/>
                 </a:solidFill>
-                <a:latin typeface="Calibri"/>
-                <a:ea typeface="Calibri"/>
-                <a:cs typeface="Calibri"/>
-                <a:sym typeface="Calibri"/>
+                <a:latin typeface="Calibri" panose="020F0502020204030204"/>
+                <a:ea typeface="Calibri" panose="020F0502020204030204"/>
+                <a:cs typeface="Calibri" panose="020F0502020204030204"/>
+                <a:sym typeface="Calibri" panose="020F0502020204030204"/>
               </a:defRPr>
             </a:lvl8pPr>
-            <a:lvl9pPr indent="-355600" lvl="8" marL="4114800" marR="0" rtl="0" algn="l">
+            <a:lvl9pPr marL="4114800" marR="0" lvl="8" indent="-355600" algn="l" rtl="0">
               <a:spcBef>
                 <a:spcPts val="400"/>
               </a:spcBef>
@@ -9674,16 +9789,16 @@
                 <a:schemeClr val="dk1"/>
               </a:buClr>
               <a:buSzPts val="2000"/>
-              <a:buFont typeface="Arial"/>
+              <a:buFont typeface="Arial" panose="020B0604020202020204"/>
               <a:buChar char="•"/>
-              <a:defRPr b="0" i="0" sz="2000" u="none" cap="none" strike="noStrike">
+              <a:defRPr sz="2000" b="0" i="0" u="none" strike="noStrike" cap="none">
                 <a:solidFill>
                   <a:schemeClr val="dk1"/>
                 </a:solidFill>
-                <a:latin typeface="Calibri"/>
-                <a:ea typeface="Calibri"/>
-                <a:cs typeface="Calibri"/>
-                <a:sym typeface="Calibri"/>
+                <a:latin typeface="Calibri" panose="020F0502020204030204"/>
+                <a:ea typeface="Calibri" panose="020F0502020204030204"/>
+                <a:cs typeface="Calibri" panose="020F0502020204030204"/>
+                <a:sym typeface="Calibri" panose="020F0502020204030204"/>
               </a:defRPr>
             </a:lvl9pPr>
           </a:lstStyle>
@@ -9695,7 +9810,7 @@
           <p:cNvPr id="8" name="Google Shape;8;p1"/>
           <p:cNvSpPr txBox="1"/>
           <p:nvPr>
-            <p:ph idx="10" type="dt"/>
+            <p:ph type="dt" idx="10"/>
           </p:nvPr>
         </p:nvSpPr>
         <p:spPr>
@@ -9712,179 +9827,179 @@
           </a:ln>
         </p:spPr>
         <p:txBody>
-          <a:bodyPr anchorCtr="0" anchor="ctr" bIns="45700" lIns="91425" spcFirstLastPara="1" rIns="91425" wrap="square" tIns="45700">
+          <a:bodyPr spcFirstLastPara="1" wrap="square" lIns="91425" tIns="45700" rIns="91425" bIns="45700" anchor="ctr" anchorCtr="0">
             <a:noAutofit/>
           </a:bodyPr>
           <a:lstStyle>
-            <a:lvl1pPr lvl="0" marR="0" rtl="0" algn="l">
-              <a:spcBef>
-                <a:spcPts val="0"/>
-              </a:spcBef>
-              <a:spcAft>
-                <a:spcPts val="0"/>
-              </a:spcAft>
-              <a:buSzPts val="1400"/>
-              <a:buNone/>
-              <a:defRPr b="0" i="0" sz="1200" u="none" cap="none" strike="noStrike">
+            <a:lvl1pPr marR="0" lvl="0" algn="l" rtl="0">
+              <a:spcBef>
+                <a:spcPts val="0"/>
+              </a:spcBef>
+              <a:spcAft>
+                <a:spcPts val="0"/>
+              </a:spcAft>
+              <a:buSzPts val="1400"/>
+              <a:buNone/>
+              <a:defRPr sz="1200" b="0" i="0" u="none" strike="noStrike" cap="none">
                 <a:solidFill>
                   <a:srgbClr val="888888"/>
                 </a:solidFill>
-                <a:latin typeface="Calibri"/>
-                <a:ea typeface="Calibri"/>
-                <a:cs typeface="Calibri"/>
-                <a:sym typeface="Calibri"/>
+                <a:latin typeface="Calibri" panose="020F0502020204030204"/>
+                <a:ea typeface="Calibri" panose="020F0502020204030204"/>
+                <a:cs typeface="Calibri" panose="020F0502020204030204"/>
+                <a:sym typeface="Calibri" panose="020F0502020204030204"/>
               </a:defRPr>
             </a:lvl1pPr>
-            <a:lvl2pPr lvl="1" marR="0" rtl="0" algn="l">
-              <a:spcBef>
-                <a:spcPts val="0"/>
-              </a:spcBef>
-              <a:spcAft>
-                <a:spcPts val="0"/>
-              </a:spcAft>
-              <a:buSzPts val="1400"/>
-              <a:buNone/>
-              <a:defRPr b="0" i="0" sz="1800" u="none" cap="none" strike="noStrike">
+            <a:lvl2pPr marR="0" lvl="1" algn="l" rtl="0">
+              <a:spcBef>
+                <a:spcPts val="0"/>
+              </a:spcBef>
+              <a:spcAft>
+                <a:spcPts val="0"/>
+              </a:spcAft>
+              <a:buSzPts val="1400"/>
+              <a:buNone/>
+              <a:defRPr sz="1800" b="0" i="0" u="none" strike="noStrike" cap="none">
                 <a:solidFill>
                   <a:schemeClr val="dk1"/>
                 </a:solidFill>
-                <a:latin typeface="Calibri"/>
-                <a:ea typeface="Calibri"/>
-                <a:cs typeface="Calibri"/>
-                <a:sym typeface="Calibri"/>
+                <a:latin typeface="Calibri" panose="020F0502020204030204"/>
+                <a:ea typeface="Calibri" panose="020F0502020204030204"/>
+                <a:cs typeface="Calibri" panose="020F0502020204030204"/>
+                <a:sym typeface="Calibri" panose="020F0502020204030204"/>
               </a:defRPr>
             </a:lvl2pPr>
-            <a:lvl3pPr lvl="2" marR="0" rtl="0" algn="l">
-              <a:spcBef>
-                <a:spcPts val="0"/>
-              </a:spcBef>
-              <a:spcAft>
-                <a:spcPts val="0"/>
-              </a:spcAft>
-              <a:buSzPts val="1400"/>
-              <a:buNone/>
-              <a:defRPr b="0" i="0" sz="1800" u="none" cap="none" strike="noStrike">
+            <a:lvl3pPr marR="0" lvl="2" algn="l" rtl="0">
+              <a:spcBef>
+                <a:spcPts val="0"/>
+              </a:spcBef>
+              <a:spcAft>
+                <a:spcPts val="0"/>
+              </a:spcAft>
+              <a:buSzPts val="1400"/>
+              <a:buNone/>
+              <a:defRPr sz="1800" b="0" i="0" u="none" strike="noStrike" cap="none">
                 <a:solidFill>
                   <a:schemeClr val="dk1"/>
                 </a:solidFill>
-                <a:latin typeface="Calibri"/>
-                <a:ea typeface="Calibri"/>
-                <a:cs typeface="Calibri"/>
-                <a:sym typeface="Calibri"/>
+                <a:latin typeface="Calibri" panose="020F0502020204030204"/>
+                <a:ea typeface="Calibri" panose="020F0502020204030204"/>
+                <a:cs typeface="Calibri" panose="020F0502020204030204"/>
+                <a:sym typeface="Calibri" panose="020F0502020204030204"/>
               </a:defRPr>
             </a:lvl3pPr>
-            <a:lvl4pPr lvl="3" marR="0" rtl="0" algn="l">
-              <a:spcBef>
-                <a:spcPts val="0"/>
-              </a:spcBef>
-              <a:spcAft>
-                <a:spcPts val="0"/>
-              </a:spcAft>
-              <a:buSzPts val="1400"/>
-              <a:buNone/>
-              <a:defRPr b="0" i="0" sz="1800" u="none" cap="none" strike="noStrike">
+            <a:lvl4pPr marR="0" lvl="3" algn="l" rtl="0">
+              <a:spcBef>
+                <a:spcPts val="0"/>
+              </a:spcBef>
+              <a:spcAft>
+                <a:spcPts val="0"/>
+              </a:spcAft>
+              <a:buSzPts val="1400"/>
+              <a:buNone/>
+              <a:defRPr sz="1800" b="0" i="0" u="none" strike="noStrike" cap="none">
                 <a:solidFill>
                   <a:schemeClr val="dk1"/>
                 </a:solidFill>
-                <a:latin typeface="Calibri"/>
-                <a:ea typeface="Calibri"/>
-                <a:cs typeface="Calibri"/>
-                <a:sym typeface="Calibri"/>
+                <a:latin typeface="Calibri" panose="020F0502020204030204"/>
+                <a:ea typeface="Calibri" panose="020F0502020204030204"/>
+                <a:cs typeface="Calibri" panose="020F0502020204030204"/>
+                <a:sym typeface="Calibri" panose="020F0502020204030204"/>
               </a:defRPr>
             </a:lvl4pPr>
-            <a:lvl5pPr lvl="4" marR="0" rtl="0" algn="l">
-              <a:spcBef>
-                <a:spcPts val="0"/>
-              </a:spcBef>
-              <a:spcAft>
-                <a:spcPts val="0"/>
-              </a:spcAft>
-              <a:buSzPts val="1400"/>
-              <a:buNone/>
-              <a:defRPr b="0" i="0" sz="1800" u="none" cap="none" strike="noStrike">
+            <a:lvl5pPr marR="0" lvl="4" algn="l" rtl="0">
+              <a:spcBef>
+                <a:spcPts val="0"/>
+              </a:spcBef>
+              <a:spcAft>
+                <a:spcPts val="0"/>
+              </a:spcAft>
+              <a:buSzPts val="1400"/>
+              <a:buNone/>
+              <a:defRPr sz="1800" b="0" i="0" u="none" strike="noStrike" cap="none">
                 <a:solidFill>
                   <a:schemeClr val="dk1"/>
                 </a:solidFill>
-                <a:latin typeface="Calibri"/>
-                <a:ea typeface="Calibri"/>
-                <a:cs typeface="Calibri"/>
-                <a:sym typeface="Calibri"/>
+                <a:latin typeface="Calibri" panose="020F0502020204030204"/>
+                <a:ea typeface="Calibri" panose="020F0502020204030204"/>
+                <a:cs typeface="Calibri" panose="020F0502020204030204"/>
+                <a:sym typeface="Calibri" panose="020F0502020204030204"/>
               </a:defRPr>
             </a:lvl5pPr>
-            <a:lvl6pPr lvl="5" marR="0" rtl="0" algn="l">
-              <a:spcBef>
-                <a:spcPts val="0"/>
-              </a:spcBef>
-              <a:spcAft>
-                <a:spcPts val="0"/>
-              </a:spcAft>
-              <a:buSzPts val="1400"/>
-              <a:buNone/>
-              <a:defRPr b="0" i="0" sz="1800" u="none" cap="none" strike="noStrike">
+            <a:lvl6pPr marR="0" lvl="5" algn="l" rtl="0">
+              <a:spcBef>
+                <a:spcPts val="0"/>
+              </a:spcBef>
+              <a:spcAft>
+                <a:spcPts val="0"/>
+              </a:spcAft>
+              <a:buSzPts val="1400"/>
+              <a:buNone/>
+              <a:defRPr sz="1800" b="0" i="0" u="none" strike="noStrike" cap="none">
                 <a:solidFill>
                   <a:schemeClr val="dk1"/>
                 </a:solidFill>
-                <a:latin typeface="Calibri"/>
-                <a:ea typeface="Calibri"/>
-                <a:cs typeface="Calibri"/>
-                <a:sym typeface="Calibri"/>
+                <a:latin typeface="Calibri" panose="020F0502020204030204"/>
+                <a:ea typeface="Calibri" panose="020F0502020204030204"/>
+                <a:cs typeface="Calibri" panose="020F0502020204030204"/>
+                <a:sym typeface="Calibri" panose="020F0502020204030204"/>
               </a:defRPr>
             </a:lvl6pPr>
-            <a:lvl7pPr lvl="6" marR="0" rtl="0" algn="l">
-              <a:spcBef>
-                <a:spcPts val="0"/>
-              </a:spcBef>
-              <a:spcAft>
-                <a:spcPts val="0"/>
-              </a:spcAft>
-              <a:buSzPts val="1400"/>
-              <a:buNone/>
-              <a:defRPr b="0" i="0" sz="1800" u="none" cap="none" strike="noStrike">
+            <a:lvl7pPr marR="0" lvl="6" algn="l" rtl="0">
+              <a:spcBef>
+                <a:spcPts val="0"/>
+              </a:spcBef>
+              <a:spcAft>
+                <a:spcPts val="0"/>
+              </a:spcAft>
+              <a:buSzPts val="1400"/>
+              <a:buNone/>
+              <a:defRPr sz="1800" b="0" i="0" u="none" strike="noStrike" cap="none">
                 <a:solidFill>
                   <a:schemeClr val="dk1"/>
                 </a:solidFill>
-                <a:latin typeface="Calibri"/>
-                <a:ea typeface="Calibri"/>
-                <a:cs typeface="Calibri"/>
-                <a:sym typeface="Calibri"/>
+                <a:latin typeface="Calibri" panose="020F0502020204030204"/>
+                <a:ea typeface="Calibri" panose="020F0502020204030204"/>
+                <a:cs typeface="Calibri" panose="020F0502020204030204"/>
+                <a:sym typeface="Calibri" panose="020F0502020204030204"/>
               </a:defRPr>
             </a:lvl7pPr>
-            <a:lvl8pPr lvl="7" marR="0" rtl="0" algn="l">
-              <a:spcBef>
-                <a:spcPts val="0"/>
-              </a:spcBef>
-              <a:spcAft>
-                <a:spcPts val="0"/>
-              </a:spcAft>
-              <a:buSzPts val="1400"/>
-              <a:buNone/>
-              <a:defRPr b="0" i="0" sz="1800" u="none" cap="none" strike="noStrike">
+            <a:lvl8pPr marR="0" lvl="7" algn="l" rtl="0">
+              <a:spcBef>
+                <a:spcPts val="0"/>
+              </a:spcBef>
+              <a:spcAft>
+                <a:spcPts val="0"/>
+              </a:spcAft>
+              <a:buSzPts val="1400"/>
+              <a:buNone/>
+              <a:defRPr sz="1800" b="0" i="0" u="none" strike="noStrike" cap="none">
                 <a:solidFill>
                   <a:schemeClr val="dk1"/>
                 </a:solidFill>
-                <a:latin typeface="Calibri"/>
-                <a:ea typeface="Calibri"/>
-                <a:cs typeface="Calibri"/>
-                <a:sym typeface="Calibri"/>
+                <a:latin typeface="Calibri" panose="020F0502020204030204"/>
+                <a:ea typeface="Calibri" panose="020F0502020204030204"/>
+                <a:cs typeface="Calibri" panose="020F0502020204030204"/>
+                <a:sym typeface="Calibri" panose="020F0502020204030204"/>
               </a:defRPr>
             </a:lvl8pPr>
-            <a:lvl9pPr lvl="8" marR="0" rtl="0" algn="l">
-              <a:spcBef>
-                <a:spcPts val="0"/>
-              </a:spcBef>
-              <a:spcAft>
-                <a:spcPts val="0"/>
-              </a:spcAft>
-              <a:buSzPts val="1400"/>
-              <a:buNone/>
-              <a:defRPr b="0" i="0" sz="1800" u="none" cap="none" strike="noStrike">
+            <a:lvl9pPr marR="0" lvl="8" algn="l" rtl="0">
+              <a:spcBef>
+                <a:spcPts val="0"/>
+              </a:spcBef>
+              <a:spcAft>
+                <a:spcPts val="0"/>
+              </a:spcAft>
+              <a:buSzPts val="1400"/>
+              <a:buNone/>
+              <a:defRPr sz="1800" b="0" i="0" u="none" strike="noStrike" cap="none">
                 <a:solidFill>
                   <a:schemeClr val="dk1"/>
                 </a:solidFill>
-                <a:latin typeface="Calibri"/>
-                <a:ea typeface="Calibri"/>
-                <a:cs typeface="Calibri"/>
-                <a:sym typeface="Calibri"/>
+                <a:latin typeface="Calibri" panose="020F0502020204030204"/>
+                <a:ea typeface="Calibri" panose="020F0502020204030204"/>
+                <a:cs typeface="Calibri" panose="020F0502020204030204"/>
+                <a:sym typeface="Calibri" panose="020F0502020204030204"/>
               </a:defRPr>
             </a:lvl9pPr>
           </a:lstStyle>
@@ -9896,7 +10011,7 @@
           <p:cNvPr id="9" name="Google Shape;9;p1"/>
           <p:cNvSpPr txBox="1"/>
           <p:nvPr>
-            <p:ph idx="11" type="ftr"/>
+            <p:ph type="ftr" idx="11"/>
           </p:nvPr>
         </p:nvSpPr>
         <p:spPr>
@@ -9913,179 +10028,179 @@
           </a:ln>
         </p:spPr>
         <p:txBody>
-          <a:bodyPr anchorCtr="0" anchor="ctr" bIns="45700" lIns="91425" spcFirstLastPara="1" rIns="91425" wrap="square" tIns="45700">
+          <a:bodyPr spcFirstLastPara="1" wrap="square" lIns="91425" tIns="45700" rIns="91425" bIns="45700" anchor="ctr" anchorCtr="0">
             <a:noAutofit/>
           </a:bodyPr>
           <a:lstStyle>
-            <a:lvl1pPr lvl="0" marR="0" rtl="0" algn="ctr">
-              <a:spcBef>
-                <a:spcPts val="0"/>
-              </a:spcBef>
-              <a:spcAft>
-                <a:spcPts val="0"/>
-              </a:spcAft>
-              <a:buSzPts val="1400"/>
-              <a:buNone/>
-              <a:defRPr b="0" i="0" sz="1200" u="none" cap="none" strike="noStrike">
+            <a:lvl1pPr marR="0" lvl="0" algn="ctr" rtl="0">
+              <a:spcBef>
+                <a:spcPts val="0"/>
+              </a:spcBef>
+              <a:spcAft>
+                <a:spcPts val="0"/>
+              </a:spcAft>
+              <a:buSzPts val="1400"/>
+              <a:buNone/>
+              <a:defRPr sz="1200" b="0" i="0" u="none" strike="noStrike" cap="none">
                 <a:solidFill>
                   <a:srgbClr val="888888"/>
                 </a:solidFill>
-                <a:latin typeface="Calibri"/>
-                <a:ea typeface="Calibri"/>
-                <a:cs typeface="Calibri"/>
-                <a:sym typeface="Calibri"/>
+                <a:latin typeface="Calibri" panose="020F0502020204030204"/>
+                <a:ea typeface="Calibri" panose="020F0502020204030204"/>
+                <a:cs typeface="Calibri" panose="020F0502020204030204"/>
+                <a:sym typeface="Calibri" panose="020F0502020204030204"/>
               </a:defRPr>
             </a:lvl1pPr>
-            <a:lvl2pPr lvl="1" marR="0" rtl="0" algn="l">
-              <a:spcBef>
-                <a:spcPts val="0"/>
-              </a:spcBef>
-              <a:spcAft>
-                <a:spcPts val="0"/>
-              </a:spcAft>
-              <a:buSzPts val="1400"/>
-              <a:buNone/>
-              <a:defRPr b="0" i="0" sz="1800" u="none" cap="none" strike="noStrike">
+            <a:lvl2pPr marR="0" lvl="1" algn="l" rtl="0">
+              <a:spcBef>
+                <a:spcPts val="0"/>
+              </a:spcBef>
+              <a:spcAft>
+                <a:spcPts val="0"/>
+              </a:spcAft>
+              <a:buSzPts val="1400"/>
+              <a:buNone/>
+              <a:defRPr sz="1800" b="0" i="0" u="none" strike="noStrike" cap="none">
                 <a:solidFill>
                   <a:schemeClr val="dk1"/>
                 </a:solidFill>
-                <a:latin typeface="Calibri"/>
-                <a:ea typeface="Calibri"/>
-                <a:cs typeface="Calibri"/>
-                <a:sym typeface="Calibri"/>
+                <a:latin typeface="Calibri" panose="020F0502020204030204"/>
+                <a:ea typeface="Calibri" panose="020F0502020204030204"/>
+                <a:cs typeface="Calibri" panose="020F0502020204030204"/>
+                <a:sym typeface="Calibri" panose="020F0502020204030204"/>
               </a:defRPr>
             </a:lvl2pPr>
-            <a:lvl3pPr lvl="2" marR="0" rtl="0" algn="l">
-              <a:spcBef>
-                <a:spcPts val="0"/>
-              </a:spcBef>
-              <a:spcAft>
-                <a:spcPts val="0"/>
-              </a:spcAft>
-              <a:buSzPts val="1400"/>
-              <a:buNone/>
-              <a:defRPr b="0" i="0" sz="1800" u="none" cap="none" strike="noStrike">
+            <a:lvl3pPr marR="0" lvl="2" algn="l" rtl="0">
+              <a:spcBef>
+                <a:spcPts val="0"/>
+              </a:spcBef>
+              <a:spcAft>
+                <a:spcPts val="0"/>
+              </a:spcAft>
+              <a:buSzPts val="1400"/>
+              <a:buNone/>
+              <a:defRPr sz="1800" b="0" i="0" u="none" strike="noStrike" cap="none">
                 <a:solidFill>
                   <a:schemeClr val="dk1"/>
                 </a:solidFill>
-                <a:latin typeface="Calibri"/>
-                <a:ea typeface="Calibri"/>
-                <a:cs typeface="Calibri"/>
-                <a:sym typeface="Calibri"/>
+                <a:latin typeface="Calibri" panose="020F0502020204030204"/>
+                <a:ea typeface="Calibri" panose="020F0502020204030204"/>
+                <a:cs typeface="Calibri" panose="020F0502020204030204"/>
+                <a:sym typeface="Calibri" panose="020F0502020204030204"/>
               </a:defRPr>
             </a:lvl3pPr>
-            <a:lvl4pPr lvl="3" marR="0" rtl="0" algn="l">
-              <a:spcBef>
-                <a:spcPts val="0"/>
-              </a:spcBef>
-              <a:spcAft>
-                <a:spcPts val="0"/>
-              </a:spcAft>
-              <a:buSzPts val="1400"/>
-              <a:buNone/>
-              <a:defRPr b="0" i="0" sz="1800" u="none" cap="none" strike="noStrike">
+            <a:lvl4pPr marR="0" lvl="3" algn="l" rtl="0">
+              <a:spcBef>
+                <a:spcPts val="0"/>
+              </a:spcBef>
+              <a:spcAft>
+                <a:spcPts val="0"/>
+              </a:spcAft>
+              <a:buSzPts val="1400"/>
+              <a:buNone/>
+              <a:defRPr sz="1800" b="0" i="0" u="none" strike="noStrike" cap="none">
                 <a:solidFill>
                   <a:schemeClr val="dk1"/>
                 </a:solidFill>
-                <a:latin typeface="Calibri"/>
-                <a:ea typeface="Calibri"/>
-                <a:cs typeface="Calibri"/>
-                <a:sym typeface="Calibri"/>
+                <a:latin typeface="Calibri" panose="020F0502020204030204"/>
+                <a:ea typeface="Calibri" panose="020F0502020204030204"/>
+                <a:cs typeface="Calibri" panose="020F0502020204030204"/>
+                <a:sym typeface="Calibri" panose="020F0502020204030204"/>
               </a:defRPr>
             </a:lvl4pPr>
-            <a:lvl5pPr lvl="4" marR="0" rtl="0" algn="l">
-              <a:spcBef>
-                <a:spcPts val="0"/>
-              </a:spcBef>
-              <a:spcAft>
-                <a:spcPts val="0"/>
-              </a:spcAft>
-              <a:buSzPts val="1400"/>
-              <a:buNone/>
-              <a:defRPr b="0" i="0" sz="1800" u="none" cap="none" strike="noStrike">
+            <a:lvl5pPr marR="0" lvl="4" algn="l" rtl="0">
+              <a:spcBef>
+                <a:spcPts val="0"/>
+              </a:spcBef>
+              <a:spcAft>
+                <a:spcPts val="0"/>
+              </a:spcAft>
+              <a:buSzPts val="1400"/>
+              <a:buNone/>
+              <a:defRPr sz="1800" b="0" i="0" u="none" strike="noStrike" cap="none">
                 <a:solidFill>
                   <a:schemeClr val="dk1"/>
                 </a:solidFill>
-                <a:latin typeface="Calibri"/>
-                <a:ea typeface="Calibri"/>
-                <a:cs typeface="Calibri"/>
-                <a:sym typeface="Calibri"/>
+                <a:latin typeface="Calibri" panose="020F0502020204030204"/>
+                <a:ea typeface="Calibri" panose="020F0502020204030204"/>
+                <a:cs typeface="Calibri" panose="020F0502020204030204"/>
+                <a:sym typeface="Calibri" panose="020F0502020204030204"/>
               </a:defRPr>
             </a:lvl5pPr>
-            <a:lvl6pPr lvl="5" marR="0" rtl="0" algn="l">
-              <a:spcBef>
-                <a:spcPts val="0"/>
-              </a:spcBef>
-              <a:spcAft>
-                <a:spcPts val="0"/>
-              </a:spcAft>
-              <a:buSzPts val="1400"/>
-              <a:buNone/>
-              <a:defRPr b="0" i="0" sz="1800" u="none" cap="none" strike="noStrike">
+            <a:lvl6pPr marR="0" lvl="5" algn="l" rtl="0">
+              <a:spcBef>
+                <a:spcPts val="0"/>
+              </a:spcBef>
+              <a:spcAft>
+                <a:spcPts val="0"/>
+              </a:spcAft>
+              <a:buSzPts val="1400"/>
+              <a:buNone/>
+              <a:defRPr sz="1800" b="0" i="0" u="none" strike="noStrike" cap="none">
                 <a:solidFill>
                   <a:schemeClr val="dk1"/>
                 </a:solidFill>
-                <a:latin typeface="Calibri"/>
-                <a:ea typeface="Calibri"/>
-                <a:cs typeface="Calibri"/>
-                <a:sym typeface="Calibri"/>
+                <a:latin typeface="Calibri" panose="020F0502020204030204"/>
+                <a:ea typeface="Calibri" panose="020F0502020204030204"/>
+                <a:cs typeface="Calibri" panose="020F0502020204030204"/>
+                <a:sym typeface="Calibri" panose="020F0502020204030204"/>
               </a:defRPr>
             </a:lvl6pPr>
-            <a:lvl7pPr lvl="6" marR="0" rtl="0" algn="l">
-              <a:spcBef>
-                <a:spcPts val="0"/>
-              </a:spcBef>
-              <a:spcAft>
-                <a:spcPts val="0"/>
-              </a:spcAft>
-              <a:buSzPts val="1400"/>
-              <a:buNone/>
-              <a:defRPr b="0" i="0" sz="1800" u="none" cap="none" strike="noStrike">
+            <a:lvl7pPr marR="0" lvl="6" algn="l" rtl="0">
+              <a:spcBef>
+                <a:spcPts val="0"/>
+              </a:spcBef>
+              <a:spcAft>
+                <a:spcPts val="0"/>
+              </a:spcAft>
+              <a:buSzPts val="1400"/>
+              <a:buNone/>
+              <a:defRPr sz="1800" b="0" i="0" u="none" strike="noStrike" cap="none">
                 <a:solidFill>
                   <a:schemeClr val="dk1"/>
                 </a:solidFill>
-                <a:latin typeface="Calibri"/>
-                <a:ea typeface="Calibri"/>
-                <a:cs typeface="Calibri"/>
-                <a:sym typeface="Calibri"/>
+                <a:latin typeface="Calibri" panose="020F0502020204030204"/>
+                <a:ea typeface="Calibri" panose="020F0502020204030204"/>
+                <a:cs typeface="Calibri" panose="020F0502020204030204"/>
+                <a:sym typeface="Calibri" panose="020F0502020204030204"/>
               </a:defRPr>
             </a:lvl7pPr>
-            <a:lvl8pPr lvl="7" marR="0" rtl="0" algn="l">
-              <a:spcBef>
-                <a:spcPts val="0"/>
-              </a:spcBef>
-              <a:spcAft>
-                <a:spcPts val="0"/>
-              </a:spcAft>
-              <a:buSzPts val="1400"/>
-              <a:buNone/>
-              <a:defRPr b="0" i="0" sz="1800" u="none" cap="none" strike="noStrike">
+            <a:lvl8pPr marR="0" lvl="7" algn="l" rtl="0">
+              <a:spcBef>
+                <a:spcPts val="0"/>
+              </a:spcBef>
+              <a:spcAft>
+                <a:spcPts val="0"/>
+              </a:spcAft>
+              <a:buSzPts val="1400"/>
+              <a:buNone/>
+              <a:defRPr sz="1800" b="0" i="0" u="none" strike="noStrike" cap="none">
                 <a:solidFill>
                   <a:schemeClr val="dk1"/>
                 </a:solidFill>
-                <a:latin typeface="Calibri"/>
-                <a:ea typeface="Calibri"/>
-                <a:cs typeface="Calibri"/>
-                <a:sym typeface="Calibri"/>
+                <a:latin typeface="Calibri" panose="020F0502020204030204"/>
+                <a:ea typeface="Calibri" panose="020F0502020204030204"/>
+                <a:cs typeface="Calibri" panose="020F0502020204030204"/>
+                <a:sym typeface="Calibri" panose="020F0502020204030204"/>
               </a:defRPr>
             </a:lvl8pPr>
-            <a:lvl9pPr lvl="8" marR="0" rtl="0" algn="l">
-              <a:spcBef>
-                <a:spcPts val="0"/>
-              </a:spcBef>
-              <a:spcAft>
-                <a:spcPts val="0"/>
-              </a:spcAft>
-              <a:buSzPts val="1400"/>
-              <a:buNone/>
-              <a:defRPr b="0" i="0" sz="1800" u="none" cap="none" strike="noStrike">
+            <a:lvl9pPr marR="0" lvl="8" algn="l" rtl="0">
+              <a:spcBef>
+                <a:spcPts val="0"/>
+              </a:spcBef>
+              <a:spcAft>
+                <a:spcPts val="0"/>
+              </a:spcAft>
+              <a:buSzPts val="1400"/>
+              <a:buNone/>
+              <a:defRPr sz="1800" b="0" i="0" u="none" strike="noStrike" cap="none">
                 <a:solidFill>
                   <a:schemeClr val="dk1"/>
                 </a:solidFill>
-                <a:latin typeface="Calibri"/>
-                <a:ea typeface="Calibri"/>
-                <a:cs typeface="Calibri"/>
-                <a:sym typeface="Calibri"/>
+                <a:latin typeface="Calibri" panose="020F0502020204030204"/>
+                <a:ea typeface="Calibri" panose="020F0502020204030204"/>
+                <a:cs typeface="Calibri" panose="020F0502020204030204"/>
+                <a:sym typeface="Calibri" panose="020F0502020204030204"/>
               </a:defRPr>
             </a:lvl9pPr>
           </a:lstStyle>
@@ -10097,7 +10212,7 @@
           <p:cNvPr id="10" name="Google Shape;10;p1"/>
           <p:cNvSpPr txBox="1"/>
           <p:nvPr>
-            <p:ph idx="12" type="sldNum"/>
+            <p:ph type="sldNum" idx="12"/>
           </p:nvPr>
         </p:nvSpPr>
         <p:spPr>
@@ -10114,148 +10229,148 @@
           </a:ln>
         </p:spPr>
         <p:txBody>
-          <a:bodyPr anchorCtr="0" anchor="ctr" bIns="45700" lIns="91425" spcFirstLastPara="1" rIns="91425" wrap="square" tIns="45700">
+          <a:bodyPr spcFirstLastPara="1" wrap="square" lIns="91425" tIns="45700" rIns="91425" bIns="45700" anchor="ctr" anchorCtr="0">
             <a:noAutofit/>
           </a:bodyPr>
           <a:lstStyle>
-            <a:lvl1pPr indent="0" lvl="0" marL="0" marR="0" rtl="0" algn="r">
-              <a:spcBef>
-                <a:spcPts val="0"/>
-              </a:spcBef>
-              <a:buNone/>
-              <a:defRPr b="0" i="0" sz="1200" u="none" cap="none" strike="noStrike">
+            <a:lvl1pPr marL="0" marR="0" lvl="0" indent="0" algn="r" rtl="0">
+              <a:spcBef>
+                <a:spcPts val="0"/>
+              </a:spcBef>
+              <a:buNone/>
+              <a:defRPr sz="1200" b="0" i="0" u="none" strike="noStrike" cap="none">
                 <a:solidFill>
                   <a:srgbClr val="888888"/>
                 </a:solidFill>
-                <a:latin typeface="Calibri"/>
-                <a:ea typeface="Calibri"/>
-                <a:cs typeface="Calibri"/>
-                <a:sym typeface="Calibri"/>
+                <a:latin typeface="Calibri" panose="020F0502020204030204"/>
+                <a:ea typeface="Calibri" panose="020F0502020204030204"/>
+                <a:cs typeface="Calibri" panose="020F0502020204030204"/>
+                <a:sym typeface="Calibri" panose="020F0502020204030204"/>
               </a:defRPr>
             </a:lvl1pPr>
-            <a:lvl2pPr indent="0" lvl="1" marL="0" marR="0" rtl="0" algn="r">
-              <a:spcBef>
-                <a:spcPts val="0"/>
-              </a:spcBef>
-              <a:buNone/>
-              <a:defRPr b="0" i="0" sz="1200" u="none" cap="none" strike="noStrike">
+            <a:lvl2pPr marL="0" marR="0" lvl="1" indent="0" algn="r" rtl="0">
+              <a:spcBef>
+                <a:spcPts val="0"/>
+              </a:spcBef>
+              <a:buNone/>
+              <a:defRPr sz="1200" b="0" i="0" u="none" strike="noStrike" cap="none">
                 <a:solidFill>
                   <a:srgbClr val="888888"/>
                 </a:solidFill>
-                <a:latin typeface="Calibri"/>
-                <a:ea typeface="Calibri"/>
-                <a:cs typeface="Calibri"/>
-                <a:sym typeface="Calibri"/>
+                <a:latin typeface="Calibri" panose="020F0502020204030204"/>
+                <a:ea typeface="Calibri" panose="020F0502020204030204"/>
+                <a:cs typeface="Calibri" panose="020F0502020204030204"/>
+                <a:sym typeface="Calibri" panose="020F0502020204030204"/>
               </a:defRPr>
             </a:lvl2pPr>
-            <a:lvl3pPr indent="0" lvl="2" marL="0" marR="0" rtl="0" algn="r">
-              <a:spcBef>
-                <a:spcPts val="0"/>
-              </a:spcBef>
-              <a:buNone/>
-              <a:defRPr b="0" i="0" sz="1200" u="none" cap="none" strike="noStrike">
+            <a:lvl3pPr marL="0" marR="0" lvl="2" indent="0" algn="r" rtl="0">
+              <a:spcBef>
+                <a:spcPts val="0"/>
+              </a:spcBef>
+              <a:buNone/>
+              <a:defRPr sz="1200" b="0" i="0" u="none" strike="noStrike" cap="none">
                 <a:solidFill>
                   <a:srgbClr val="888888"/>
                 </a:solidFill>
-                <a:latin typeface="Calibri"/>
-                <a:ea typeface="Calibri"/>
-                <a:cs typeface="Calibri"/>
-                <a:sym typeface="Calibri"/>
+                <a:latin typeface="Calibri" panose="020F0502020204030204"/>
+                <a:ea typeface="Calibri" panose="020F0502020204030204"/>
+                <a:cs typeface="Calibri" panose="020F0502020204030204"/>
+                <a:sym typeface="Calibri" panose="020F0502020204030204"/>
               </a:defRPr>
             </a:lvl3pPr>
-            <a:lvl4pPr indent="0" lvl="3" marL="0" marR="0" rtl="0" algn="r">
-              <a:spcBef>
-                <a:spcPts val="0"/>
-              </a:spcBef>
-              <a:buNone/>
-              <a:defRPr b="0" i="0" sz="1200" u="none" cap="none" strike="noStrike">
+            <a:lvl4pPr marL="0" marR="0" lvl="3" indent="0" algn="r" rtl="0">
+              <a:spcBef>
+                <a:spcPts val="0"/>
+              </a:spcBef>
+              <a:buNone/>
+              <a:defRPr sz="1200" b="0" i="0" u="none" strike="noStrike" cap="none">
                 <a:solidFill>
                   <a:srgbClr val="888888"/>
                 </a:solidFill>
-                <a:latin typeface="Calibri"/>
-                <a:ea typeface="Calibri"/>
-                <a:cs typeface="Calibri"/>
-                <a:sym typeface="Calibri"/>
+                <a:latin typeface="Calibri" panose="020F0502020204030204"/>
+                <a:ea typeface="Calibri" panose="020F0502020204030204"/>
+                <a:cs typeface="Calibri" panose="020F0502020204030204"/>
+                <a:sym typeface="Calibri" panose="020F0502020204030204"/>
               </a:defRPr>
             </a:lvl4pPr>
-            <a:lvl5pPr indent="0" lvl="4" marL="0" marR="0" rtl="0" algn="r">
-              <a:spcBef>
-                <a:spcPts val="0"/>
-              </a:spcBef>
-              <a:buNone/>
-              <a:defRPr b="0" i="0" sz="1200" u="none" cap="none" strike="noStrike">
+            <a:lvl5pPr marL="0" marR="0" lvl="4" indent="0" algn="r" rtl="0">
+              <a:spcBef>
+                <a:spcPts val="0"/>
+              </a:spcBef>
+              <a:buNone/>
+              <a:defRPr sz="1200" b="0" i="0" u="none" strike="noStrike" cap="none">
                 <a:solidFill>
                   <a:srgbClr val="888888"/>
                 </a:solidFill>
-                <a:latin typeface="Calibri"/>
-                <a:ea typeface="Calibri"/>
-                <a:cs typeface="Calibri"/>
-                <a:sym typeface="Calibri"/>
+                <a:latin typeface="Calibri" panose="020F0502020204030204"/>
+                <a:ea typeface="Calibri" panose="020F0502020204030204"/>
+                <a:cs typeface="Calibri" panose="020F0502020204030204"/>
+                <a:sym typeface="Calibri" panose="020F0502020204030204"/>
               </a:defRPr>
             </a:lvl5pPr>
-            <a:lvl6pPr indent="0" lvl="5" marL="0" marR="0" rtl="0" algn="r">
-              <a:spcBef>
-                <a:spcPts val="0"/>
-              </a:spcBef>
-              <a:buNone/>
-              <a:defRPr b="0" i="0" sz="1200" u="none" cap="none" strike="noStrike">
+            <a:lvl6pPr marL="0" marR="0" lvl="5" indent="0" algn="r" rtl="0">
+              <a:spcBef>
+                <a:spcPts val="0"/>
+              </a:spcBef>
+              <a:buNone/>
+              <a:defRPr sz="1200" b="0" i="0" u="none" strike="noStrike" cap="none">
                 <a:solidFill>
                   <a:srgbClr val="888888"/>
                 </a:solidFill>
-                <a:latin typeface="Calibri"/>
-                <a:ea typeface="Calibri"/>
-                <a:cs typeface="Calibri"/>
-                <a:sym typeface="Calibri"/>
+                <a:latin typeface="Calibri" panose="020F0502020204030204"/>
+                <a:ea typeface="Calibri" panose="020F0502020204030204"/>
+                <a:cs typeface="Calibri" panose="020F0502020204030204"/>
+                <a:sym typeface="Calibri" panose="020F0502020204030204"/>
               </a:defRPr>
             </a:lvl6pPr>
-            <a:lvl7pPr indent="0" lvl="6" marL="0" marR="0" rtl="0" algn="r">
-              <a:spcBef>
-                <a:spcPts val="0"/>
-              </a:spcBef>
-              <a:buNone/>
-              <a:defRPr b="0" i="0" sz="1200" u="none" cap="none" strike="noStrike">
+            <a:lvl7pPr marL="0" marR="0" lvl="6" indent="0" algn="r" rtl="0">
+              <a:spcBef>
+                <a:spcPts val="0"/>
+              </a:spcBef>
+              <a:buNone/>
+              <a:defRPr sz="1200" b="0" i="0" u="none" strike="noStrike" cap="none">
                 <a:solidFill>
                   <a:srgbClr val="888888"/>
                 </a:solidFill>
-                <a:latin typeface="Calibri"/>
-                <a:ea typeface="Calibri"/>
-                <a:cs typeface="Calibri"/>
-                <a:sym typeface="Calibri"/>
+                <a:latin typeface="Calibri" panose="020F0502020204030204"/>
+                <a:ea typeface="Calibri" panose="020F0502020204030204"/>
+                <a:cs typeface="Calibri" panose="020F0502020204030204"/>
+                <a:sym typeface="Calibri" panose="020F0502020204030204"/>
               </a:defRPr>
             </a:lvl7pPr>
-            <a:lvl8pPr indent="0" lvl="7" marL="0" marR="0" rtl="0" algn="r">
-              <a:spcBef>
-                <a:spcPts val="0"/>
-              </a:spcBef>
-              <a:buNone/>
-              <a:defRPr b="0" i="0" sz="1200" u="none" cap="none" strike="noStrike">
+            <a:lvl8pPr marL="0" marR="0" lvl="7" indent="0" algn="r" rtl="0">
+              <a:spcBef>
+                <a:spcPts val="0"/>
+              </a:spcBef>
+              <a:buNone/>
+              <a:defRPr sz="1200" b="0" i="0" u="none" strike="noStrike" cap="none">
                 <a:solidFill>
                   <a:srgbClr val="888888"/>
                 </a:solidFill>
-                <a:latin typeface="Calibri"/>
-                <a:ea typeface="Calibri"/>
-                <a:cs typeface="Calibri"/>
-                <a:sym typeface="Calibri"/>
+                <a:latin typeface="Calibri" panose="020F0502020204030204"/>
+                <a:ea typeface="Calibri" panose="020F0502020204030204"/>
+                <a:cs typeface="Calibri" panose="020F0502020204030204"/>
+                <a:sym typeface="Calibri" panose="020F0502020204030204"/>
               </a:defRPr>
             </a:lvl8pPr>
-            <a:lvl9pPr indent="0" lvl="8" marL="0" marR="0" rtl="0" algn="r">
-              <a:spcBef>
-                <a:spcPts val="0"/>
-              </a:spcBef>
-              <a:buNone/>
-              <a:defRPr b="0" i="0" sz="1200" u="none" cap="none" strike="noStrike">
+            <a:lvl9pPr marL="0" marR="0" lvl="8" indent="0" algn="r" rtl="0">
+              <a:spcBef>
+                <a:spcPts val="0"/>
+              </a:spcBef>
+              <a:buNone/>
+              <a:defRPr sz="1200" b="0" i="0" u="none" strike="noStrike" cap="none">
                 <a:solidFill>
                   <a:srgbClr val="888888"/>
                 </a:solidFill>
-                <a:latin typeface="Calibri"/>
-                <a:ea typeface="Calibri"/>
-                <a:cs typeface="Calibri"/>
-                <a:sym typeface="Calibri"/>
+                <a:latin typeface="Calibri" panose="020F0502020204030204"/>
+                <a:ea typeface="Calibri" panose="020F0502020204030204"/>
+                <a:cs typeface="Calibri" panose="020F0502020204030204"/>
+                <a:sym typeface="Calibri" panose="020F0502020204030204"/>
               </a:defRPr>
             </a:lvl9pPr>
           </a:lstStyle>
           <a:p>
-            <a:pPr indent="0" lvl="0" marL="0" rtl="0" algn="r">
+            <a:pPr marL="0" lvl="0" indent="0" algn="r" rtl="0">
               <a:spcBef>
                 <a:spcPts val="0"/>
               </a:spcBef>
@@ -10266,44 +10381,43 @@
             </a:pPr>
             <a:fld id="{00000000-1234-1234-1234-123412341234}" type="slidenum">
               <a:rPr lang="en-US"/>
-              <a:t>‹#›</a:t>
             </a:fld>
-            <a:endParaRPr/>
+            <a:endParaRPr lang="en-US"/>
           </a:p>
         </p:txBody>
       </p:sp>
     </p:spTree>
   </p:cSld>
-  <p:clrMap accent1="accent1" accent2="accent2" accent3="accent3" accent4="accent4" accent5="accent5" accent6="accent6" bg1="lt1" bg2="dk2" tx1="dk1" tx2="lt2" folHlink="folHlink" hlink="hlink"/>
+  <p:clrMap bg1="lt1" tx1="dk1" bg2="dk2" tx2="lt2" accent1="accent1" accent2="accent2" accent3="accent3" accent4="accent4" accent5="accent5" accent6="accent6" hlink="hlink" folHlink="folHlink"/>
   <p:sldLayoutIdLst>
-    <p:sldLayoutId id="2147483648" r:id="rId1"/>
-    <p:sldLayoutId id="2147483649" r:id="rId2"/>
-    <p:sldLayoutId id="2147483650" r:id="rId3"/>
-    <p:sldLayoutId id="2147483651" r:id="rId4"/>
-    <p:sldLayoutId id="2147483652" r:id="rId5"/>
-    <p:sldLayoutId id="2147483653" r:id="rId6"/>
-    <p:sldLayoutId id="2147483654" r:id="rId7"/>
-    <p:sldLayoutId id="2147483655" r:id="rId8"/>
-    <p:sldLayoutId id="2147483656" r:id="rId9"/>
-    <p:sldLayoutId id="2147483657" r:id="rId10"/>
-    <p:sldLayoutId id="2147483658" r:id="rId11"/>
+    <p:sldLayoutId id="2147483649" r:id="rId1"/>
+    <p:sldLayoutId id="2147483650" r:id="rId2"/>
+    <p:sldLayoutId id="2147483651" r:id="rId3"/>
+    <p:sldLayoutId id="2147483652" r:id="rId4"/>
+    <p:sldLayoutId id="2147483653" r:id="rId5"/>
+    <p:sldLayoutId id="2147483654" r:id="rId6"/>
+    <p:sldLayoutId id="2147483655" r:id="rId7"/>
+    <p:sldLayoutId id="2147483656" r:id="rId8"/>
+    <p:sldLayoutId id="2147483657" r:id="rId9"/>
+    <p:sldLayoutId id="2147483658" r:id="rId10"/>
+    <p:sldLayoutId id="2147483659" r:id="rId11"/>
   </p:sldLayoutIdLst>
-  <mc:AlternateContent>
-    <mc:Choice Requires="p14">
+  <mc:AlternateContent xmlns:mc="http://schemas.openxmlformats.org/markup-compatibility/2006">
+    <mc:Choice xmlns:p14="http://schemas.microsoft.com/office/powerpoint/2010/main" Requires="p14">
       <p:transition spd="slow" p14:dur="700">
         <p:push/>
       </p:transition>
     </mc:Choice>
     <mc:Fallback>
       <p:transition spd="slow">
-        <p:fade/>
+        <p:push/>
       </p:transition>
     </mc:Fallback>
   </mc:AlternateContent>
-  <p:hf dt="0" ftr="0" hdr="0" sldNum="0"/>
+  <p:hf sldNum="0" hdr="0" ftr="0" dt="0"/>
   <p:txStyles>
     <p:titleStyle>
-      <a:defPPr lvl="0" marR="0" rtl="0" algn="l">
+      <a:defPPr marR="0" lvl="0" algn="l" rtl="0">
         <a:lnSpc>
           <a:spcPct val="100000"/>
         </a:lnSpc>
@@ -10314,7 +10428,7 @@
           <a:spcPts val="0"/>
         </a:spcAft>
       </a:defPPr>
-      <a:lvl1pPr lvl="0" marR="0" rtl="0" algn="l">
+      <a:lvl1pPr marR="0" lvl="0" algn="l" rtl="0">
         <a:lnSpc>
           <a:spcPct val="100000"/>
         </a:lnSpc>
@@ -10327,18 +10441,18 @@
         <a:buClr>
           <a:srgbClr val="000000"/>
         </a:buClr>
-        <a:buFont typeface="Arial"/>
-        <a:defRPr b="0" i="0" sz="1400" u="none" cap="none" strike="noStrike">
+        <a:buFont typeface="Arial" panose="020B0604020202020204"/>
+        <a:defRPr sz="1400" b="0" i="0" u="none" strike="noStrike" cap="none">
           <a:solidFill>
             <a:srgbClr val="000000"/>
           </a:solidFill>
-          <a:latin typeface="Arial"/>
-          <a:ea typeface="Arial"/>
-          <a:cs typeface="Arial"/>
-          <a:sym typeface="Arial"/>
+          <a:latin typeface="Arial" panose="020B0604020202020204"/>
+          <a:ea typeface="Arial" panose="020B0604020202020204"/>
+          <a:cs typeface="Arial" panose="020B0604020202020204"/>
+          <a:sym typeface="Arial" panose="020B0604020202020204"/>
         </a:defRPr>
       </a:lvl1pPr>
-      <a:lvl2pPr lvl="1" marR="0" rtl="0" algn="l">
+      <a:lvl2pPr marR="0" lvl="1" algn="l" rtl="0">
         <a:lnSpc>
           <a:spcPct val="100000"/>
         </a:lnSpc>
@@ -10351,18 +10465,18 @@
         <a:buClr>
           <a:srgbClr val="000000"/>
         </a:buClr>
-        <a:buFont typeface="Arial"/>
-        <a:defRPr b="0" i="0" sz="1400" u="none" cap="none" strike="noStrike">
+        <a:buFont typeface="Arial" panose="020B0604020202020204"/>
+        <a:defRPr sz="1400" b="0" i="0" u="none" strike="noStrike" cap="none">
           <a:solidFill>
             <a:srgbClr val="000000"/>
           </a:solidFill>
-          <a:latin typeface="Arial"/>
-          <a:ea typeface="Arial"/>
-          <a:cs typeface="Arial"/>
-          <a:sym typeface="Arial"/>
+          <a:latin typeface="Arial" panose="020B0604020202020204"/>
+          <a:ea typeface="Arial" panose="020B0604020202020204"/>
+          <a:cs typeface="Arial" panose="020B0604020202020204"/>
+          <a:sym typeface="Arial" panose="020B0604020202020204"/>
         </a:defRPr>
       </a:lvl2pPr>
-      <a:lvl3pPr lvl="2" marR="0" rtl="0" algn="l">
+      <a:lvl3pPr marR="0" lvl="2" algn="l" rtl="0">
         <a:lnSpc>
           <a:spcPct val="100000"/>
         </a:lnSpc>
@@ -10375,18 +10489,18 @@
         <a:buClr>
           <a:srgbClr val="000000"/>
         </a:buClr>
-        <a:buFont typeface="Arial"/>
-        <a:defRPr b="0" i="0" sz="1400" u="none" cap="none" strike="noStrike">
+        <a:buFont typeface="Arial" panose="020B0604020202020204"/>
+        <a:defRPr sz="1400" b="0" i="0" u="none" strike="noStrike" cap="none">
           <a:solidFill>
             <a:srgbClr val="000000"/>
           </a:solidFill>
-          <a:latin typeface="Arial"/>
-          <a:ea typeface="Arial"/>
-          <a:cs typeface="Arial"/>
-          <a:sym typeface="Arial"/>
+          <a:latin typeface="Arial" panose="020B0604020202020204"/>
+          <a:ea typeface="Arial" panose="020B0604020202020204"/>
+          <a:cs typeface="Arial" panose="020B0604020202020204"/>
+          <a:sym typeface="Arial" panose="020B0604020202020204"/>
         </a:defRPr>
       </a:lvl3pPr>
-      <a:lvl4pPr lvl="3" marR="0" rtl="0" algn="l">
+      <a:lvl4pPr marR="0" lvl="3" algn="l" rtl="0">
         <a:lnSpc>
           <a:spcPct val="100000"/>
         </a:lnSpc>
@@ -10399,18 +10513,18 @@
         <a:buClr>
           <a:srgbClr val="000000"/>
         </a:buClr>
-        <a:buFont typeface="Arial"/>
-        <a:defRPr b="0" i="0" sz="1400" u="none" cap="none" strike="noStrike">
+        <a:buFont typeface="Arial" panose="020B0604020202020204"/>
+        <a:defRPr sz="1400" b="0" i="0" u="none" strike="noStrike" cap="none">
           <a:solidFill>
             <a:srgbClr val="000000"/>
           </a:solidFill>
-          <a:latin typeface="Arial"/>
-          <a:ea typeface="Arial"/>
-          <a:cs typeface="Arial"/>
-          <a:sym typeface="Arial"/>
+          <a:latin typeface="Arial" panose="020B0604020202020204"/>
+          <a:ea typeface="Arial" panose="020B0604020202020204"/>
+          <a:cs typeface="Arial" panose="020B0604020202020204"/>
+          <a:sym typeface="Arial" panose="020B0604020202020204"/>
         </a:defRPr>
       </a:lvl4pPr>
-      <a:lvl5pPr lvl="4" marR="0" rtl="0" algn="l">
+      <a:lvl5pPr marR="0" lvl="4" algn="l" rtl="0">
         <a:lnSpc>
           <a:spcPct val="100000"/>
         </a:lnSpc>
@@ -10423,18 +10537,18 @@
         <a:buClr>
           <a:srgbClr val="000000"/>
         </a:buClr>
-        <a:buFont typeface="Arial"/>
-        <a:defRPr b="0" i="0" sz="1400" u="none" cap="none" strike="noStrike">
+        <a:buFont typeface="Arial" panose="020B0604020202020204"/>
+        <a:defRPr sz="1400" b="0" i="0" u="none" strike="noStrike" cap="none">
           <a:solidFill>
             <a:srgbClr val="000000"/>
           </a:solidFill>
-          <a:latin typeface="Arial"/>
-          <a:ea typeface="Arial"/>
-          <a:cs typeface="Arial"/>
-          <a:sym typeface="Arial"/>
+          <a:latin typeface="Arial" panose="020B0604020202020204"/>
+          <a:ea typeface="Arial" panose="020B0604020202020204"/>
+          <a:cs typeface="Arial" panose="020B0604020202020204"/>
+          <a:sym typeface="Arial" panose="020B0604020202020204"/>
         </a:defRPr>
       </a:lvl5pPr>
-      <a:lvl6pPr lvl="5" marR="0" rtl="0" algn="l">
+      <a:lvl6pPr marR="0" lvl="5" algn="l" rtl="0">
         <a:lnSpc>
           <a:spcPct val="100000"/>
         </a:lnSpc>
@@ -10447,18 +10561,18 @@
         <a:buClr>
           <a:srgbClr val="000000"/>
         </a:buClr>
-        <a:buFont typeface="Arial"/>
-        <a:defRPr b="0" i="0" sz="1400" u="none" cap="none" strike="noStrike">
+        <a:buFont typeface="Arial" panose="020B0604020202020204"/>
+        <a:defRPr sz="1400" b="0" i="0" u="none" strike="noStrike" cap="none">
           <a:solidFill>
             <a:srgbClr val="000000"/>
           </a:solidFill>
-          <a:latin typeface="Arial"/>
-          <a:ea typeface="Arial"/>
-          <a:cs typeface="Arial"/>
-          <a:sym typeface="Arial"/>
+          <a:latin typeface="Arial" panose="020B0604020202020204"/>
+          <a:ea typeface="Arial" panose="020B0604020202020204"/>
+          <a:cs typeface="Arial" panose="020B0604020202020204"/>
+          <a:sym typeface="Arial" panose="020B0604020202020204"/>
         </a:defRPr>
       </a:lvl6pPr>
-      <a:lvl7pPr lvl="6" marR="0" rtl="0" algn="l">
+      <a:lvl7pPr marR="0" lvl="6" algn="l" rtl="0">
         <a:lnSpc>
           <a:spcPct val="100000"/>
         </a:lnSpc>
@@ -10471,18 +10585,18 @@
         <a:buClr>
           <a:srgbClr val="000000"/>
         </a:buClr>
-        <a:buFont typeface="Arial"/>
-        <a:defRPr b="0" i="0" sz="1400" u="none" cap="none" strike="noStrike">
+        <a:buFont typeface="Arial" panose="020B0604020202020204"/>
+        <a:defRPr sz="1400" b="0" i="0" u="none" strike="noStrike" cap="none">
           <a:solidFill>
             <a:srgbClr val="000000"/>
           </a:solidFill>
-          <a:latin typeface="Arial"/>
-          <a:ea typeface="Arial"/>
-          <a:cs typeface="Arial"/>
-          <a:sym typeface="Arial"/>
+          <a:latin typeface="Arial" panose="020B0604020202020204"/>
+          <a:ea typeface="Arial" panose="020B0604020202020204"/>
+          <a:cs typeface="Arial" panose="020B0604020202020204"/>
+          <a:sym typeface="Arial" panose="020B0604020202020204"/>
         </a:defRPr>
       </a:lvl7pPr>
-      <a:lvl8pPr lvl="7" marR="0" rtl="0" algn="l">
+      <a:lvl8pPr marR="0" lvl="7" algn="l" rtl="0">
         <a:lnSpc>
           <a:spcPct val="100000"/>
         </a:lnSpc>
@@ -10495,18 +10609,18 @@
         <a:buClr>
           <a:srgbClr val="000000"/>
         </a:buClr>
-        <a:buFont typeface="Arial"/>
-        <a:defRPr b="0" i="0" sz="1400" u="none" cap="none" strike="noStrike">
+        <a:buFont typeface="Arial" panose="020B0604020202020204"/>
+        <a:defRPr sz="1400" b="0" i="0" u="none" strike="noStrike" cap="none">
           <a:solidFill>
             <a:srgbClr val="000000"/>
           </a:solidFill>
-          <a:latin typeface="Arial"/>
-          <a:ea typeface="Arial"/>
-          <a:cs typeface="Arial"/>
-          <a:sym typeface="Arial"/>
+          <a:latin typeface="Arial" panose="020B0604020202020204"/>
+          <a:ea typeface="Arial" panose="020B0604020202020204"/>
+          <a:cs typeface="Arial" panose="020B0604020202020204"/>
+          <a:sym typeface="Arial" panose="020B0604020202020204"/>
         </a:defRPr>
       </a:lvl8pPr>
-      <a:lvl9pPr lvl="8" marR="0" rtl="0" algn="l">
+      <a:lvl9pPr marR="0" lvl="8" algn="l" rtl="0">
         <a:lnSpc>
           <a:spcPct val="100000"/>
         </a:lnSpc>
@@ -10519,20 +10633,20 @@
         <a:buClr>
           <a:srgbClr val="000000"/>
         </a:buClr>
-        <a:buFont typeface="Arial"/>
-        <a:defRPr b="0" i="0" sz="1400" u="none" cap="none" strike="noStrike">
+        <a:buFont typeface="Arial" panose="020B0604020202020204"/>
+        <a:defRPr sz="1400" b="0" i="0" u="none" strike="noStrike" cap="none">
           <a:solidFill>
             <a:srgbClr val="000000"/>
           </a:solidFill>
-          <a:latin typeface="Arial"/>
-          <a:ea typeface="Arial"/>
-          <a:cs typeface="Arial"/>
-          <a:sym typeface="Arial"/>
+          <a:latin typeface="Arial" panose="020B0604020202020204"/>
+          <a:ea typeface="Arial" panose="020B0604020202020204"/>
+          <a:cs typeface="Arial" panose="020B0604020202020204"/>
+          <a:sym typeface="Arial" panose="020B0604020202020204"/>
         </a:defRPr>
       </a:lvl9pPr>
     </p:titleStyle>
     <p:bodyStyle>
-      <a:defPPr lvl="0" marR="0" rtl="0" algn="l">
+      <a:defPPr marR="0" lvl="0" algn="l" rtl="0">
         <a:lnSpc>
           <a:spcPct val="100000"/>
         </a:lnSpc>
@@ -10543,7 +10657,7 @@
           <a:spcPts val="0"/>
         </a:spcAft>
       </a:defPPr>
-      <a:lvl1pPr lvl="0" marR="0" rtl="0" algn="l">
+      <a:lvl1pPr marR="0" lvl="0" algn="l" rtl="0">
         <a:lnSpc>
           <a:spcPct val="100000"/>
         </a:lnSpc>
@@ -10556,18 +10670,18 @@
         <a:buClr>
           <a:srgbClr val="000000"/>
         </a:buClr>
-        <a:buFont typeface="Arial"/>
-        <a:defRPr b="0" i="0" sz="1400" u="none" cap="none" strike="noStrike">
+        <a:buFont typeface="Arial" panose="020B0604020202020204"/>
+        <a:defRPr sz="1400" b="0" i="0" u="none" strike="noStrike" cap="none">
           <a:solidFill>
             <a:srgbClr val="000000"/>
           </a:solidFill>
-          <a:latin typeface="Arial"/>
-          <a:ea typeface="Arial"/>
-          <a:cs typeface="Arial"/>
-          <a:sym typeface="Arial"/>
+          <a:latin typeface="Arial" panose="020B0604020202020204"/>
+          <a:ea typeface="Arial" panose="020B0604020202020204"/>
+          <a:cs typeface="Arial" panose="020B0604020202020204"/>
+          <a:sym typeface="Arial" panose="020B0604020202020204"/>
         </a:defRPr>
       </a:lvl1pPr>
-      <a:lvl2pPr lvl="1" marR="0" rtl="0" algn="l">
+      <a:lvl2pPr marR="0" lvl="1" algn="l" rtl="0">
         <a:lnSpc>
           <a:spcPct val="100000"/>
         </a:lnSpc>
@@ -10580,18 +10694,18 @@
         <a:buClr>
           <a:srgbClr val="000000"/>
         </a:buClr>
-        <a:buFont typeface="Arial"/>
-        <a:defRPr b="0" i="0" sz="1400" u="none" cap="none" strike="noStrike">
+        <a:buFont typeface="Arial" panose="020B0604020202020204"/>
+        <a:defRPr sz="1400" b="0" i="0" u="none" strike="noStrike" cap="none">
           <a:solidFill>
             <a:srgbClr val="000000"/>
           </a:solidFill>
-          <a:latin typeface="Arial"/>
-          <a:ea typeface="Arial"/>
-          <a:cs typeface="Arial"/>
-          <a:sym typeface="Arial"/>
+          <a:latin typeface="Arial" panose="020B0604020202020204"/>
+          <a:ea typeface="Arial" panose="020B0604020202020204"/>
+          <a:cs typeface="Arial" panose="020B0604020202020204"/>
+          <a:sym typeface="Arial" panose="020B0604020202020204"/>
         </a:defRPr>
       </a:lvl2pPr>
-      <a:lvl3pPr lvl="2" marR="0" rtl="0" algn="l">
+      <a:lvl3pPr marR="0" lvl="2" algn="l" rtl="0">
         <a:lnSpc>
           <a:spcPct val="100000"/>
         </a:lnSpc>
@@ -10604,18 +10718,18 @@
         <a:buClr>
           <a:srgbClr val="000000"/>
         </a:buClr>
-        <a:buFont typeface="Arial"/>
-        <a:defRPr b="0" i="0" sz="1400" u="none" cap="none" strike="noStrike">
+        <a:buFont typeface="Arial" panose="020B0604020202020204"/>
+        <a:defRPr sz="1400" b="0" i="0" u="none" strike="noStrike" cap="none">
           <a:solidFill>
             <a:srgbClr val="000000"/>
           </a:solidFill>
-          <a:latin typeface="Arial"/>
-          <a:ea typeface="Arial"/>
-          <a:cs typeface="Arial"/>
-          <a:sym typeface="Arial"/>
+          <a:latin typeface="Arial" panose="020B0604020202020204"/>
+          <a:ea typeface="Arial" panose="020B0604020202020204"/>
+          <a:cs typeface="Arial" panose="020B0604020202020204"/>
+          <a:sym typeface="Arial" panose="020B0604020202020204"/>
         </a:defRPr>
       </a:lvl3pPr>
-      <a:lvl4pPr lvl="3" marR="0" rtl="0" algn="l">
+      <a:lvl4pPr marR="0" lvl="3" algn="l" rtl="0">
         <a:lnSpc>
           <a:spcPct val="100000"/>
         </a:lnSpc>
@@ -10628,18 +10742,18 @@
         <a:buClr>
           <a:srgbClr val="000000"/>
         </a:buClr>
-        <a:buFont typeface="Arial"/>
-        <a:defRPr b="0" i="0" sz="1400" u="none" cap="none" strike="noStrike">
+        <a:buFont typeface="Arial" panose="020B0604020202020204"/>
+        <a:defRPr sz="1400" b="0" i="0" u="none" strike="noStrike" cap="none">
           <a:solidFill>
             <a:srgbClr val="000000"/>
           </a:solidFill>
-          <a:latin typeface="Arial"/>
-          <a:ea typeface="Arial"/>
-          <a:cs typeface="Arial"/>
-          <a:sym typeface="Arial"/>
+          <a:latin typeface="Arial" panose="020B0604020202020204"/>
+          <a:ea typeface="Arial" panose="020B0604020202020204"/>
+          <a:cs typeface="Arial" panose="020B0604020202020204"/>
+          <a:sym typeface="Arial" panose="020B0604020202020204"/>
         </a:defRPr>
       </a:lvl4pPr>
-      <a:lvl5pPr lvl="4" marR="0" rtl="0" algn="l">
+      <a:lvl5pPr marR="0" lvl="4" algn="l" rtl="0">
         <a:lnSpc>
           <a:spcPct val="100000"/>
         </a:lnSpc>
@@ -10652,18 +10766,18 @@
         <a:buClr>
           <a:srgbClr val="000000"/>
         </a:buClr>
-        <a:buFont typeface="Arial"/>
-        <a:defRPr b="0" i="0" sz="1400" u="none" cap="none" strike="noStrike">
+        <a:buFont typeface="Arial" panose="020B0604020202020204"/>
+        <a:defRPr sz="1400" b="0" i="0" u="none" strike="noStrike" cap="none">
           <a:solidFill>
             <a:srgbClr val="000000"/>
           </a:solidFill>
-          <a:latin typeface="Arial"/>
-          <a:ea typeface="Arial"/>
-          <a:cs typeface="Arial"/>
-          <a:sym typeface="Arial"/>
+          <a:latin typeface="Arial" panose="020B0604020202020204"/>
+          <a:ea typeface="Arial" panose="020B0604020202020204"/>
+          <a:cs typeface="Arial" panose="020B0604020202020204"/>
+          <a:sym typeface="Arial" panose="020B0604020202020204"/>
         </a:defRPr>
       </a:lvl5pPr>
-      <a:lvl6pPr lvl="5" marR="0" rtl="0" algn="l">
+      <a:lvl6pPr marR="0" lvl="5" algn="l" rtl="0">
         <a:lnSpc>
           <a:spcPct val="100000"/>
         </a:lnSpc>
@@ -10676,18 +10790,18 @@
         <a:buClr>
           <a:srgbClr val="000000"/>
         </a:buClr>
-        <a:buFont typeface="Arial"/>
-        <a:defRPr b="0" i="0" sz="1400" u="none" cap="none" strike="noStrike">
+        <a:buFont typeface="Arial" panose="020B0604020202020204"/>
+        <a:defRPr sz="1400" b="0" i="0" u="none" strike="noStrike" cap="none">
           <a:solidFill>
             <a:srgbClr val="000000"/>
           </a:solidFill>
-          <a:latin typeface="Arial"/>
-          <a:ea typeface="Arial"/>
-          <a:cs typeface="Arial"/>
-          <a:sym typeface="Arial"/>
+          <a:latin typeface="Arial" panose="020B0604020202020204"/>
+          <a:ea typeface="Arial" panose="020B0604020202020204"/>
+          <a:cs typeface="Arial" panose="020B0604020202020204"/>
+          <a:sym typeface="Arial" panose="020B0604020202020204"/>
         </a:defRPr>
       </a:lvl6pPr>
-      <a:lvl7pPr lvl="6" marR="0" rtl="0" algn="l">
+      <a:lvl7pPr marR="0" lvl="6" algn="l" rtl="0">
         <a:lnSpc>
           <a:spcPct val="100000"/>
         </a:lnSpc>
@@ -10700,18 +10814,18 @@
         <a:buClr>
           <a:srgbClr val="000000"/>
         </a:buClr>
-        <a:buFont typeface="Arial"/>
-        <a:defRPr b="0" i="0" sz="1400" u="none" cap="none" strike="noStrike">
+        <a:buFont typeface="Arial" panose="020B0604020202020204"/>
+        <a:defRPr sz="1400" b="0" i="0" u="none" strike="noStrike" cap="none">
           <a:solidFill>
             <a:srgbClr val="000000"/>
           </a:solidFill>
-          <a:latin typeface="Arial"/>
-          <a:ea typeface="Arial"/>
-          <a:cs typeface="Arial"/>
-          <a:sym typeface="Arial"/>
+          <a:latin typeface="Arial" panose="020B0604020202020204"/>
+          <a:ea typeface="Arial" panose="020B0604020202020204"/>
+          <a:cs typeface="Arial" panose="020B0604020202020204"/>
+          <a:sym typeface="Arial" panose="020B0604020202020204"/>
         </a:defRPr>
       </a:lvl7pPr>
-      <a:lvl8pPr lvl="7" marR="0" rtl="0" algn="l">
+      <a:lvl8pPr marR="0" lvl="7" algn="l" rtl="0">
         <a:lnSpc>
           <a:spcPct val="100000"/>
         </a:lnSpc>
@@ -10724,18 +10838,18 @@
         <a:buClr>
           <a:srgbClr val="000000"/>
         </a:buClr>
-        <a:buFont typeface="Arial"/>
-        <a:defRPr b="0" i="0" sz="1400" u="none" cap="none" strike="noStrike">
+        <a:buFont typeface="Arial" panose="020B0604020202020204"/>
+        <a:defRPr sz="1400" b="0" i="0" u="none" strike="noStrike" cap="none">
           <a:solidFill>
             <a:srgbClr val="000000"/>
           </a:solidFill>
-          <a:latin typeface="Arial"/>
-          <a:ea typeface="Arial"/>
-          <a:cs typeface="Arial"/>
-          <a:sym typeface="Arial"/>
+          <a:latin typeface="Arial" panose="020B0604020202020204"/>
+          <a:ea typeface="Arial" panose="020B0604020202020204"/>
+          <a:cs typeface="Arial" panose="020B0604020202020204"/>
+          <a:sym typeface="Arial" panose="020B0604020202020204"/>
         </a:defRPr>
       </a:lvl8pPr>
-      <a:lvl9pPr lvl="8" marR="0" rtl="0" algn="l">
+      <a:lvl9pPr marR="0" lvl="8" algn="l" rtl="0">
         <a:lnSpc>
           <a:spcPct val="100000"/>
         </a:lnSpc>
@@ -10748,20 +10862,20 @@
         <a:buClr>
           <a:srgbClr val="000000"/>
         </a:buClr>
-        <a:buFont typeface="Arial"/>
-        <a:defRPr b="0" i="0" sz="1400" u="none" cap="none" strike="noStrike">
+        <a:buFont typeface="Arial" panose="020B0604020202020204"/>
+        <a:defRPr sz="1400" b="0" i="0" u="none" strike="noStrike" cap="none">
           <a:solidFill>
             <a:srgbClr val="000000"/>
           </a:solidFill>
-          <a:latin typeface="Arial"/>
-          <a:ea typeface="Arial"/>
-          <a:cs typeface="Arial"/>
-          <a:sym typeface="Arial"/>
+          <a:latin typeface="Arial" panose="020B0604020202020204"/>
+          <a:ea typeface="Arial" panose="020B0604020202020204"/>
+          <a:cs typeface="Arial" panose="020B0604020202020204"/>
+          <a:sym typeface="Arial" panose="020B0604020202020204"/>
         </a:defRPr>
       </a:lvl9pPr>
     </p:bodyStyle>
     <p:otherStyle>
-      <a:defPPr lvl="0" marR="0" rtl="0" algn="l">
+      <a:defPPr marR="0" lvl="0" algn="l" rtl="0">
         <a:lnSpc>
           <a:spcPct val="100000"/>
         </a:lnSpc>
@@ -10772,7 +10886,7 @@
           <a:spcPts val="0"/>
         </a:spcAft>
       </a:defPPr>
-      <a:lvl1pPr lvl="0" marR="0" rtl="0" algn="l">
+      <a:lvl1pPr marR="0" lvl="0" algn="l" rtl="0">
         <a:lnSpc>
           <a:spcPct val="100000"/>
         </a:lnSpc>
@@ -10785,18 +10899,18 @@
         <a:buClr>
           <a:srgbClr val="000000"/>
         </a:buClr>
-        <a:buFont typeface="Arial"/>
-        <a:defRPr b="0" i="0" sz="1400" u="none" cap="none" strike="noStrike">
+        <a:buFont typeface="Arial" panose="020B0604020202020204"/>
+        <a:defRPr sz="1400" b="0" i="0" u="none" strike="noStrike" cap="none">
           <a:solidFill>
             <a:srgbClr val="000000"/>
           </a:solidFill>
-          <a:latin typeface="Arial"/>
-          <a:ea typeface="Arial"/>
-          <a:cs typeface="Arial"/>
-          <a:sym typeface="Arial"/>
+          <a:latin typeface="Arial" panose="020B0604020202020204"/>
+          <a:ea typeface="Arial" panose="020B0604020202020204"/>
+          <a:cs typeface="Arial" panose="020B0604020202020204"/>
+          <a:sym typeface="Arial" panose="020B0604020202020204"/>
         </a:defRPr>
       </a:lvl1pPr>
-      <a:lvl2pPr lvl="1" marR="0" rtl="0" algn="l">
+      <a:lvl2pPr marR="0" lvl="1" algn="l" rtl="0">
         <a:lnSpc>
           <a:spcPct val="100000"/>
         </a:lnSpc>
@@ -10809,18 +10923,18 @@
         <a:buClr>
           <a:srgbClr val="000000"/>
         </a:buClr>
-        <a:buFont typeface="Arial"/>
-        <a:defRPr b="0" i="0" sz="1400" u="none" cap="none" strike="noStrike">
+        <a:buFont typeface="Arial" panose="020B0604020202020204"/>
+        <a:defRPr sz="1400" b="0" i="0" u="none" strike="noStrike" cap="none">
           <a:solidFill>
             <a:srgbClr val="000000"/>
           </a:solidFill>
-          <a:latin typeface="Arial"/>
-          <a:ea typeface="Arial"/>
-          <a:cs typeface="Arial"/>
-          <a:sym typeface="Arial"/>
+          <a:latin typeface="Arial" panose="020B0604020202020204"/>
+          <a:ea typeface="Arial" panose="020B0604020202020204"/>
+          <a:cs typeface="Arial" panose="020B0604020202020204"/>
+          <a:sym typeface="Arial" panose="020B0604020202020204"/>
         </a:defRPr>
       </a:lvl2pPr>
-      <a:lvl3pPr lvl="2" marR="0" rtl="0" algn="l">
+      <a:lvl3pPr marR="0" lvl="2" algn="l" rtl="0">
         <a:lnSpc>
           <a:spcPct val="100000"/>
         </a:lnSpc>
@@ -10833,18 +10947,18 @@
         <a:buClr>
           <a:srgbClr val="000000"/>
         </a:buClr>
-        <a:buFont typeface="Arial"/>
-        <a:defRPr b="0" i="0" sz="1400" u="none" cap="none" strike="noStrike">
+        <a:buFont typeface="Arial" panose="020B0604020202020204"/>
+        <a:defRPr sz="1400" b="0" i="0" u="none" strike="noStrike" cap="none">
           <a:solidFill>
             <a:srgbClr val="000000"/>
           </a:solidFill>
-          <a:latin typeface="Arial"/>
-          <a:ea typeface="Arial"/>
-          <a:cs typeface="Arial"/>
-          <a:sym typeface="Arial"/>
+          <a:latin typeface="Arial" panose="020B0604020202020204"/>
+          <a:ea typeface="Arial" panose="020B0604020202020204"/>
+          <a:cs typeface="Arial" panose="020B0604020202020204"/>
+          <a:sym typeface="Arial" panose="020B0604020202020204"/>
         </a:defRPr>
       </a:lvl3pPr>
-      <a:lvl4pPr lvl="3" marR="0" rtl="0" algn="l">
+      <a:lvl4pPr marR="0" lvl="3" algn="l" rtl="0">
         <a:lnSpc>
           <a:spcPct val="100000"/>
         </a:lnSpc>
@@ -10857,18 +10971,18 @@
         <a:buClr>
           <a:srgbClr val="000000"/>
         </a:buClr>
-        <a:buFont typeface="Arial"/>
-        <a:defRPr b="0" i="0" sz="1400" u="none" cap="none" strike="noStrike">
+        <a:buFont typeface="Arial" panose="020B0604020202020204"/>
+        <a:defRPr sz="1400" b="0" i="0" u="none" strike="noStrike" cap="none">
           <a:solidFill>
             <a:srgbClr val="000000"/>
           </a:solidFill>
-          <a:latin typeface="Arial"/>
-          <a:ea typeface="Arial"/>
-          <a:cs typeface="Arial"/>
-          <a:sym typeface="Arial"/>
+          <a:latin typeface="Arial" panose="020B0604020202020204"/>
+          <a:ea typeface="Arial" panose="020B0604020202020204"/>
+          <a:cs typeface="Arial" panose="020B0604020202020204"/>
+          <a:sym typeface="Arial" panose="020B0604020202020204"/>
         </a:defRPr>
       </a:lvl4pPr>
-      <a:lvl5pPr lvl="4" marR="0" rtl="0" algn="l">
+      <a:lvl5pPr marR="0" lvl="4" algn="l" rtl="0">
         <a:lnSpc>
           <a:spcPct val="100000"/>
         </a:lnSpc>
@@ -10881,18 +10995,18 @@
         <a:buClr>
           <a:srgbClr val="000000"/>
         </a:buClr>
-        <a:buFont typeface="Arial"/>
-        <a:defRPr b="0" i="0" sz="1400" u="none" cap="none" strike="noStrike">
+        <a:buFont typeface="Arial" panose="020B0604020202020204"/>
+        <a:defRPr sz="1400" b="0" i="0" u="none" strike="noStrike" cap="none">
           <a:solidFill>
             <a:srgbClr val="000000"/>
           </a:solidFill>
-          <a:latin typeface="Arial"/>
-          <a:ea typeface="Arial"/>
-          <a:cs typeface="Arial"/>
-          <a:sym typeface="Arial"/>
+          <a:latin typeface="Arial" panose="020B0604020202020204"/>
+          <a:ea typeface="Arial" panose="020B0604020202020204"/>
+          <a:cs typeface="Arial" panose="020B0604020202020204"/>
+          <a:sym typeface="Arial" panose="020B0604020202020204"/>
         </a:defRPr>
       </a:lvl5pPr>
-      <a:lvl6pPr lvl="5" marR="0" rtl="0" algn="l">
+      <a:lvl6pPr marR="0" lvl="5" algn="l" rtl="0">
         <a:lnSpc>
           <a:spcPct val="100000"/>
         </a:lnSpc>
@@ -10905,18 +11019,18 @@
         <a:buClr>
           <a:srgbClr val="000000"/>
         </a:buClr>
-        <a:buFont typeface="Arial"/>
-        <a:defRPr b="0" i="0" sz="1400" u="none" cap="none" strike="noStrike">
+        <a:buFont typeface="Arial" panose="020B0604020202020204"/>
+        <a:defRPr sz="1400" b="0" i="0" u="none" strike="noStrike" cap="none">
           <a:solidFill>
             <a:srgbClr val="000000"/>
           </a:solidFill>
-          <a:latin typeface="Arial"/>
-          <a:ea typeface="Arial"/>
-          <a:cs typeface="Arial"/>
-          <a:sym typeface="Arial"/>
+          <a:latin typeface="Arial" panose="020B0604020202020204"/>
+          <a:ea typeface="Arial" panose="020B0604020202020204"/>
+          <a:cs typeface="Arial" panose="020B0604020202020204"/>
+          <a:sym typeface="Arial" panose="020B0604020202020204"/>
         </a:defRPr>
       </a:lvl6pPr>
-      <a:lvl7pPr lvl="6" marR="0" rtl="0" algn="l">
+      <a:lvl7pPr marR="0" lvl="6" algn="l" rtl="0">
         <a:lnSpc>
           <a:spcPct val="100000"/>
         </a:lnSpc>
@@ -10929,18 +11043,18 @@
         <a:buClr>
           <a:srgbClr val="000000"/>
         </a:buClr>
-        <a:buFont typeface="Arial"/>
-        <a:defRPr b="0" i="0" sz="1400" u="none" cap="none" strike="noStrike">
+        <a:buFont typeface="Arial" panose="020B0604020202020204"/>
+        <a:defRPr sz="1400" b="0" i="0" u="none" strike="noStrike" cap="none">
           <a:solidFill>
             <a:srgbClr val="000000"/>
           </a:solidFill>
-          <a:latin typeface="Arial"/>
-          <a:ea typeface="Arial"/>
-          <a:cs typeface="Arial"/>
-          <a:sym typeface="Arial"/>
+          <a:latin typeface="Arial" panose="020B0604020202020204"/>
+          <a:ea typeface="Arial" panose="020B0604020202020204"/>
+          <a:cs typeface="Arial" panose="020B0604020202020204"/>
+          <a:sym typeface="Arial" panose="020B0604020202020204"/>
         </a:defRPr>
       </a:lvl7pPr>
-      <a:lvl8pPr lvl="7" marR="0" rtl="0" algn="l">
+      <a:lvl8pPr marR="0" lvl="7" algn="l" rtl="0">
         <a:lnSpc>
           <a:spcPct val="100000"/>
         </a:lnSpc>
@@ -10953,18 +11067,18 @@
         <a:buClr>
           <a:srgbClr val="000000"/>
         </a:buClr>
-        <a:buFont typeface="Arial"/>
-        <a:defRPr b="0" i="0" sz="1400" u="none" cap="none" strike="noStrike">
+        <a:buFont typeface="Arial" panose="020B0604020202020204"/>
+        <a:defRPr sz="1400" b="0" i="0" u="none" strike="noStrike" cap="none">
           <a:solidFill>
             <a:srgbClr val="000000"/>
           </a:solidFill>
-          <a:latin typeface="Arial"/>
-          <a:ea typeface="Arial"/>
-          <a:cs typeface="Arial"/>
-          <a:sym typeface="Arial"/>
+          <a:latin typeface="Arial" panose="020B0604020202020204"/>
+          <a:ea typeface="Arial" panose="020B0604020202020204"/>
+          <a:cs typeface="Arial" panose="020B0604020202020204"/>
+          <a:sym typeface="Arial" panose="020B0604020202020204"/>
         </a:defRPr>
       </a:lvl8pPr>
-      <a:lvl9pPr lvl="8" marR="0" rtl="0" algn="l">
+      <a:lvl9pPr marR="0" lvl="8" algn="l" rtl="0">
         <a:lnSpc>
           <a:spcPct val="100000"/>
         </a:lnSpc>
@@ -10977,15 +11091,15 @@
         <a:buClr>
           <a:srgbClr val="000000"/>
         </a:buClr>
-        <a:buFont typeface="Arial"/>
-        <a:defRPr b="0" i="0" sz="1400" u="none" cap="none" strike="noStrike">
+        <a:buFont typeface="Arial" panose="020B0604020202020204"/>
+        <a:defRPr sz="1400" b="0" i="0" u="none" strike="noStrike" cap="none">
           <a:solidFill>
             <a:srgbClr val="000000"/>
           </a:solidFill>
-          <a:latin typeface="Arial"/>
-          <a:ea typeface="Arial"/>
-          <a:cs typeface="Arial"/>
-          <a:sym typeface="Arial"/>
+          <a:latin typeface="Arial" panose="020B0604020202020204"/>
+          <a:ea typeface="Arial" panose="020B0604020202020204"/>
+          <a:cs typeface="Arial" panose="020B0604020202020204"/>
+          <a:sym typeface="Arial" panose="020B0604020202020204"/>
         </a:defRPr>
       </a:lvl9pPr>
     </p:otherStyle>
@@ -10994,7 +11108,7 @@
 </file>
 
 <file path=ppt/slides/slide1.xml><?xml version="1.0" encoding="utf-8"?>
-<p:sld xmlns:a="http://schemas.openxmlformats.org/drawingml/2006/main" xmlns:r="http://schemas.openxmlformats.org/officeDocument/2006/relationships" xmlns:mc="http://schemas.openxmlformats.org/markup-compatibility/2006" xmlns:mv="urn:schemas-microsoft-com:mac:vml" xmlns:p="http://schemas.openxmlformats.org/presentationml/2006/main" xmlns:c="http://schemas.openxmlformats.org/drawingml/2006/chart" xmlns:dgm="http://schemas.openxmlformats.org/drawingml/2006/diagram" xmlns:o="urn:schemas-microsoft-com:office:office" xmlns:v="urn:schemas-microsoft-com:vml" xmlns:pvml="urn:schemas-microsoft-com:office:powerpoint" xmlns:com="http://schemas.openxmlformats.org/drawingml/2006/compatibility" xmlns:p14="http://schemas.microsoft.com/office/powerpoint/2010/main" xmlns:p15="http://schemas.microsoft.com/office/powerpoint/2012/main" xmlns:ahyp="http://schemas.microsoft.com/office/drawing/2018/hyperlinkcolor">
+<p:sld xmlns:a="http://schemas.openxmlformats.org/drawingml/2006/main" xmlns:r="http://schemas.openxmlformats.org/officeDocument/2006/relationships" xmlns:p="http://schemas.openxmlformats.org/presentationml/2006/main">
   <p:cSld>
     <p:spTree>
       <p:nvGrpSpPr>
@@ -11015,7 +11129,7 @@
           <p:cNvPr id="84" name="Google Shape;84;p13"/>
           <p:cNvSpPr txBox="1"/>
           <p:nvPr>
-            <p:ph idx="1" type="subTitle"/>
+            <p:ph type="subTitle" idx="1"/>
           </p:nvPr>
         </p:nvSpPr>
         <p:spPr>
@@ -11027,23 +11141,23 @@
             <a:avLst/>
           </a:prstGeom>
           <a:noFill/>
-          <a:ln cap="flat" cmpd="sng" w="9525">
+          <a:ln w="9525" cap="flat" cmpd="sng">
             <a:solidFill>
               <a:schemeClr val="dk1"/>
             </a:solidFill>
             <a:prstDash val="solid"/>
             <a:round/>
-            <a:headEnd len="sm" w="sm" type="none"/>
-            <a:tailEnd len="sm" w="sm" type="none"/>
+            <a:headEnd type="none" w="sm" len="sm"/>
+            <a:tailEnd type="none" w="sm" len="sm"/>
           </a:ln>
         </p:spPr>
         <p:txBody>
-          <a:bodyPr anchorCtr="0" anchor="t" bIns="45700" lIns="91425" spcFirstLastPara="1" rIns="91425" wrap="square" tIns="45700">
+          <a:bodyPr spcFirstLastPara="1" wrap="square" lIns="91425" tIns="45700" rIns="91425" bIns="45700" anchor="t" anchorCtr="0">
             <a:normAutofit/>
           </a:bodyPr>
           <a:lstStyle/>
           <a:p>
-            <a:pPr indent="0" lvl="0" marL="0" rtl="0" algn="l">
+            <a:pPr marL="0" lvl="0" indent="0" algn="l" rtl="0">
               <a:spcBef>
                 <a:spcPts val="0"/>
               </a:spcBef>
@@ -11056,9 +11170,6 @@
               <a:buSzPts val="3200"/>
               <a:buNone/>
             </a:pPr>
-            <a:r>
-              <a:t/>
-            </a:r>
             <a:endParaRPr b="1">
               <a:solidFill>
                 <a:schemeClr val="dk1"/>
@@ -11070,7 +11181,7 @@
             </a:endParaRPr>
           </a:p>
           <a:p>
-            <a:pPr indent="0" lvl="0" marL="0" rtl="0" algn="l">
+            <a:pPr marL="0" lvl="0" indent="0" algn="l" rtl="0">
               <a:spcBef>
                 <a:spcPts val="0"/>
               </a:spcBef>
@@ -11084,14 +11195,14 @@
               <a:buNone/>
             </a:pPr>
             <a:r>
-              <a:rPr b="1" lang="en-US">
+              <a:rPr lang="en-US" b="1">
                 <a:solidFill>
                   <a:schemeClr val="dk1"/>
                 </a:solidFill>
-                <a:latin typeface="Times New Roman"/>
-                <a:ea typeface="Times New Roman"/>
-                <a:cs typeface="Times New Roman"/>
-                <a:sym typeface="Times New Roman"/>
+                <a:latin typeface="Times New Roman" panose="02020603050405020304"/>
+                <a:ea typeface="Times New Roman" panose="02020603050405020304"/>
+                <a:cs typeface="Times New Roman" panose="02020603050405020304"/>
+                <a:sym typeface="Times New Roman" panose="02020603050405020304"/>
               </a:rPr>
               <a:t>Problem Statement :</a:t>
             </a:r>
@@ -11099,14 +11210,14 @@
               <a:solidFill>
                 <a:schemeClr val="dk1"/>
               </a:solidFill>
-              <a:latin typeface="Times New Roman"/>
-              <a:ea typeface="Times New Roman"/>
-              <a:cs typeface="Times New Roman"/>
-              <a:sym typeface="Times New Roman"/>
+              <a:latin typeface="Times New Roman" panose="02020603050405020304"/>
+              <a:ea typeface="Times New Roman" panose="02020603050405020304"/>
+              <a:cs typeface="Times New Roman" panose="02020603050405020304"/>
+              <a:sym typeface="Times New Roman" panose="02020603050405020304"/>
             </a:endParaRPr>
           </a:p>
           <a:p>
-            <a:pPr indent="0" lvl="0" marL="0" rtl="0" algn="l">
+            <a:pPr marL="0" lvl="0" indent="0" algn="l" rtl="0">
               <a:spcBef>
                 <a:spcPts val="0"/>
               </a:spcBef>
@@ -11120,26 +11231,26 @@
               <a:buNone/>
             </a:pPr>
             <a:r>
-              <a:rPr b="1" lang="en-US">
+              <a:rPr lang="en-US" b="1">
                 <a:solidFill>
                   <a:schemeClr val="dk1"/>
                 </a:solidFill>
-                <a:latin typeface="Times New Roman"/>
-                <a:ea typeface="Times New Roman"/>
-                <a:cs typeface="Times New Roman"/>
-                <a:sym typeface="Times New Roman"/>
+                <a:latin typeface="Times New Roman" panose="02020603050405020304"/>
+                <a:ea typeface="Times New Roman" panose="02020603050405020304"/>
+                <a:cs typeface="Times New Roman" panose="02020603050405020304"/>
+                <a:sym typeface="Times New Roman" panose="02020603050405020304"/>
               </a:rPr>
               <a:t>“Commodity Price Forecasting using AI/ML.”</a:t>
             </a:r>
             <a:endParaRPr>
-              <a:latin typeface="Times New Roman"/>
-              <a:ea typeface="Times New Roman"/>
-              <a:cs typeface="Times New Roman"/>
-              <a:sym typeface="Times New Roman"/>
+              <a:latin typeface="Times New Roman" panose="02020603050405020304"/>
+              <a:ea typeface="Times New Roman" panose="02020603050405020304"/>
+              <a:cs typeface="Times New Roman" panose="02020603050405020304"/>
+              <a:sym typeface="Times New Roman" panose="02020603050405020304"/>
             </a:endParaRPr>
           </a:p>
           <a:p>
-            <a:pPr indent="0" lvl="0" marL="0" rtl="0" algn="l">
+            <a:pPr marL="0" lvl="0" indent="0" algn="l" rtl="0">
               <a:spcBef>
                 <a:spcPts val="640"/>
               </a:spcBef>
@@ -11153,84 +11264,84 @@
               <a:buNone/>
             </a:pPr>
             <a:r>
-              <a:rPr b="1" lang="en-US">
+              <a:rPr lang="en-US" b="1">
                 <a:solidFill>
                   <a:schemeClr val="dk1"/>
                 </a:solidFill>
-                <a:latin typeface="Times New Roman"/>
-                <a:ea typeface="Times New Roman"/>
-                <a:cs typeface="Times New Roman"/>
-                <a:sym typeface="Times New Roman"/>
+                <a:latin typeface="Times New Roman" panose="02020603050405020304"/>
+                <a:ea typeface="Times New Roman" panose="02020603050405020304"/>
+                <a:cs typeface="Times New Roman" panose="02020603050405020304"/>
+                <a:sym typeface="Times New Roman" panose="02020603050405020304"/>
               </a:rPr>
               <a:t>Problem Statement Number: 02</a:t>
             </a:r>
             <a:br>
-              <a:rPr b="1" lang="en-US">
+              <a:rPr lang="en-US" b="1">
                 <a:solidFill>
                   <a:schemeClr val="dk1"/>
                 </a:solidFill>
-                <a:latin typeface="Times New Roman"/>
-                <a:ea typeface="Times New Roman"/>
-                <a:cs typeface="Times New Roman"/>
-                <a:sym typeface="Times New Roman"/>
+                <a:latin typeface="Times New Roman" panose="02020603050405020304"/>
+                <a:ea typeface="Times New Roman" panose="02020603050405020304"/>
+                <a:cs typeface="Times New Roman" panose="02020603050405020304"/>
+                <a:sym typeface="Times New Roman" panose="02020603050405020304"/>
               </a:rPr>
             </a:br>
             <a:r>
-              <a:rPr b="1" lang="en-US">
+              <a:rPr lang="en-US" b="1">
                 <a:solidFill>
                   <a:schemeClr val="dk1"/>
                 </a:solidFill>
-                <a:latin typeface="Times New Roman"/>
-                <a:ea typeface="Times New Roman"/>
-                <a:cs typeface="Times New Roman"/>
-                <a:sym typeface="Times New Roman"/>
+                <a:latin typeface="Times New Roman" panose="02020603050405020304"/>
+                <a:ea typeface="Times New Roman" panose="02020603050405020304"/>
+                <a:cs typeface="Times New Roman" panose="02020603050405020304"/>
+                <a:sym typeface="Times New Roman" panose="02020603050405020304"/>
               </a:rPr>
               <a:t>Team Name : The Titans</a:t>
             </a:r>
             <a:br>
-              <a:rPr b="1" lang="en-US">
+              <a:rPr lang="en-US" b="1">
                 <a:solidFill>
                   <a:schemeClr val="dk1"/>
                 </a:solidFill>
-                <a:latin typeface="Times New Roman"/>
-                <a:ea typeface="Times New Roman"/>
-                <a:cs typeface="Times New Roman"/>
-                <a:sym typeface="Times New Roman"/>
+                <a:latin typeface="Times New Roman" panose="02020603050405020304"/>
+                <a:ea typeface="Times New Roman" panose="02020603050405020304"/>
+                <a:cs typeface="Times New Roman" panose="02020603050405020304"/>
+                <a:sym typeface="Times New Roman" panose="02020603050405020304"/>
               </a:rPr>
             </a:br>
             <a:r>
-              <a:rPr b="1" lang="en-US">
+              <a:rPr lang="en-US" b="1">
                 <a:solidFill>
                   <a:schemeClr val="dk1"/>
                 </a:solidFill>
-                <a:latin typeface="Times New Roman"/>
-                <a:ea typeface="Times New Roman"/>
-                <a:cs typeface="Times New Roman"/>
-                <a:sym typeface="Times New Roman"/>
+                <a:latin typeface="Times New Roman" panose="02020603050405020304"/>
+                <a:ea typeface="Times New Roman" panose="02020603050405020304"/>
+                <a:cs typeface="Times New Roman" panose="02020603050405020304"/>
+                <a:sym typeface="Times New Roman" panose="02020603050405020304"/>
               </a:rPr>
               <a:t>Team Number: </a:t>
             </a:r>
             <a:r>
-              <a:rPr b="1" lang="en-US">
+              <a:rPr lang="en-US" b="1">
                 <a:solidFill>
                   <a:schemeClr val="dk1"/>
                 </a:solidFill>
-                <a:latin typeface="Times New Roman"/>
-                <a:ea typeface="Times New Roman"/>
-                <a:cs typeface="Times New Roman"/>
-                <a:sym typeface="Times New Roman"/>
+                <a:latin typeface="Times New Roman" panose="02020603050405020304"/>
+                <a:ea typeface="Times New Roman" panose="02020603050405020304"/>
+                <a:cs typeface="Times New Roman" panose="02020603050405020304"/>
+                <a:sym typeface="Times New Roman" panose="02020603050405020304"/>
               </a:rPr>
               <a:t>HS109_PS2  </a:t>
             </a:r>
             <a:endParaRPr>
-              <a:latin typeface="Times New Roman"/>
-              <a:ea typeface="Times New Roman"/>
-              <a:cs typeface="Times New Roman"/>
-              <a:sym typeface="Times New Roman"/>
+              <a:latin typeface="Times New Roman" panose="02020603050405020304"/>
+              <a:ea typeface="Times New Roman" panose="02020603050405020304"/>
+              <a:cs typeface="Times New Roman" panose="02020603050405020304"/>
+              <a:sym typeface="Times New Roman" panose="02020603050405020304"/>
             </a:endParaRPr>
           </a:p>
           <a:p>
-            <a:pPr indent="0" lvl="0" marL="0" rtl="0" algn="l">
+            <a:pPr marL="0" lvl="0" indent="0" algn="l" rtl="0">
               <a:spcBef>
                 <a:spcPts val="640"/>
               </a:spcBef>
@@ -11244,22 +11355,22 @@
               <a:buNone/>
             </a:pPr>
             <a:r>
-              <a:rPr b="1" lang="en-US">
+              <a:rPr lang="en-US" b="1">
                 <a:solidFill>
                   <a:schemeClr val="dk1"/>
                 </a:solidFill>
-                <a:latin typeface="Times New Roman"/>
-                <a:ea typeface="Times New Roman"/>
-                <a:cs typeface="Times New Roman"/>
-                <a:sym typeface="Times New Roman"/>
+                <a:latin typeface="Times New Roman" panose="02020603050405020304"/>
+                <a:ea typeface="Times New Roman" panose="02020603050405020304"/>
+                <a:cs typeface="Times New Roman" panose="02020603050405020304"/>
+                <a:sym typeface="Times New Roman" panose="02020603050405020304"/>
               </a:rPr>
               <a:t>College Name: PES Modern College of Engineering, Pune-05.</a:t>
             </a:r>
             <a:endParaRPr>
-              <a:latin typeface="Times New Roman"/>
-              <a:ea typeface="Times New Roman"/>
-              <a:cs typeface="Times New Roman"/>
-              <a:sym typeface="Times New Roman"/>
+              <a:latin typeface="Times New Roman" panose="02020603050405020304"/>
+              <a:ea typeface="Times New Roman" panose="02020603050405020304"/>
+              <a:cs typeface="Times New Roman" panose="02020603050405020304"/>
+              <a:sym typeface="Times New Roman" panose="02020603050405020304"/>
             </a:endParaRPr>
           </a:p>
         </p:txBody>
@@ -11269,11 +11380,23 @@
   <p:clrMapOvr>
     <a:masterClrMapping/>
   </p:clrMapOvr>
+  <mc:AlternateContent xmlns:mc="http://schemas.openxmlformats.org/markup-compatibility/2006">
+    <mc:Choice xmlns:p14="http://schemas.microsoft.com/office/powerpoint/2010/main" Requires="p14">
+      <p:transition spd="slow" p14:dur="700">
+        <p:push/>
+      </p:transition>
+    </mc:Choice>
+    <mc:Fallback>
+      <p:transition spd="slow">
+        <p:push/>
+      </p:transition>
+    </mc:Fallback>
+  </mc:AlternateContent>
 </p:sld>
 </file>
 
 <file path=ppt/slides/slide2.xml><?xml version="1.0" encoding="utf-8"?>
-<p:sld xmlns:a="http://schemas.openxmlformats.org/drawingml/2006/main" xmlns:r="http://schemas.openxmlformats.org/officeDocument/2006/relationships" xmlns:mc="http://schemas.openxmlformats.org/markup-compatibility/2006" xmlns:mv="urn:schemas-microsoft-com:mac:vml" xmlns:p="http://schemas.openxmlformats.org/presentationml/2006/main" xmlns:c="http://schemas.openxmlformats.org/drawingml/2006/chart" xmlns:dgm="http://schemas.openxmlformats.org/drawingml/2006/diagram" xmlns:o="urn:schemas-microsoft-com:office:office" xmlns:v="urn:schemas-microsoft-com:vml" xmlns:pvml="urn:schemas-microsoft-com:office:powerpoint" xmlns:com="http://schemas.openxmlformats.org/drawingml/2006/compatibility" xmlns:p14="http://schemas.microsoft.com/office/powerpoint/2010/main" xmlns:p15="http://schemas.microsoft.com/office/powerpoint/2012/main" xmlns:ahyp="http://schemas.microsoft.com/office/drawing/2018/hyperlinkcolor">
+<p:sld xmlns:a="http://schemas.openxmlformats.org/drawingml/2006/main" xmlns:r="http://schemas.openxmlformats.org/officeDocument/2006/relationships" xmlns:p="http://schemas.openxmlformats.org/presentationml/2006/main">
   <p:cSld>
     <p:spTree>
       <p:nvGrpSpPr>
@@ -11294,7 +11417,7 @@
           <p:cNvPr id="89" name="Google Shape;89;p14"/>
           <p:cNvSpPr txBox="1"/>
           <p:nvPr>
-            <p:ph idx="1" type="body"/>
+            <p:ph type="body" idx="1"/>
           </p:nvPr>
         </p:nvSpPr>
         <p:spPr>
@@ -11311,12 +11434,12 @@
           </a:ln>
         </p:spPr>
         <p:txBody>
-          <a:bodyPr anchorCtr="0" anchor="t" bIns="45700" lIns="91425" spcFirstLastPara="1" rIns="91425" wrap="square" tIns="45700">
+          <a:bodyPr spcFirstLastPara="1" wrap="square" lIns="91425" tIns="45700" rIns="91425" bIns="45700" anchor="t" anchorCtr="0">
             <a:normAutofit fontScale="92500" lnSpcReduction="20000"/>
           </a:bodyPr>
           <a:lstStyle/>
           <a:p>
-            <a:pPr indent="-327660" lvl="0" marL="342900" rtl="0" algn="l">
+            <a:pPr marL="342900" lvl="0" indent="-327660" algn="l" rtl="0">
               <a:spcBef>
                 <a:spcPts val="0"/>
               </a:spcBef>
@@ -11327,18 +11450,18 @@
                 <a:srgbClr val="000000"/>
               </a:buClr>
               <a:buSzPct val="100000"/>
-              <a:buFont typeface="Times New Roman"/>
+              <a:buFont typeface="Times New Roman" panose="02020603050405020304"/>
               <a:buChar char="●"/>
             </a:pPr>
             <a:r>
-              <a:rPr b="1" lang="en-US">
+              <a:rPr lang="en-US" b="1">
                 <a:solidFill>
                   <a:srgbClr val="000000"/>
                 </a:solidFill>
-                <a:latin typeface="Times New Roman"/>
-                <a:ea typeface="Times New Roman"/>
-                <a:cs typeface="Times New Roman"/>
-                <a:sym typeface="Times New Roman"/>
+                <a:latin typeface="Times New Roman" panose="02020603050405020304"/>
+                <a:ea typeface="Times New Roman" panose="02020603050405020304"/>
+                <a:cs typeface="Times New Roman" panose="02020603050405020304"/>
+                <a:sym typeface="Times New Roman" panose="02020603050405020304"/>
               </a:rPr>
               <a:t>Problem Statement:</a:t>
             </a:r>
@@ -11346,14 +11469,14 @@
               <a:solidFill>
                 <a:srgbClr val="000000"/>
               </a:solidFill>
-              <a:latin typeface="Times New Roman"/>
-              <a:ea typeface="Times New Roman"/>
-              <a:cs typeface="Times New Roman"/>
-              <a:sym typeface="Times New Roman"/>
+              <a:latin typeface="Times New Roman" panose="02020603050405020304"/>
+              <a:ea typeface="Times New Roman" panose="02020603050405020304"/>
+              <a:cs typeface="Times New Roman" panose="02020603050405020304"/>
+              <a:sym typeface="Times New Roman" panose="02020603050405020304"/>
             </a:endParaRPr>
           </a:p>
           <a:p>
-            <a:pPr indent="0" lvl="0" marL="342900" rtl="0" algn="l">
+            <a:pPr marL="342900" lvl="0" indent="0" algn="l" rtl="0">
               <a:spcBef>
                 <a:spcPts val="0"/>
               </a:spcBef>
@@ -11367,10 +11490,10 @@
                 <a:solidFill>
                   <a:srgbClr val="000000"/>
                 </a:solidFill>
-                <a:latin typeface="Times New Roman"/>
-                <a:ea typeface="Times New Roman"/>
-                <a:cs typeface="Times New Roman"/>
-                <a:sym typeface="Times New Roman"/>
+                <a:latin typeface="Times New Roman" panose="02020603050405020304"/>
+                <a:ea typeface="Times New Roman" panose="02020603050405020304"/>
+                <a:cs typeface="Times New Roman" panose="02020603050405020304"/>
+                <a:sym typeface="Times New Roman" panose="02020603050405020304"/>
               </a:rPr>
               <a:t>“Our idea is to build </a:t>
             </a:r>
@@ -11379,22 +11502,22 @@
                 <a:solidFill>
                   <a:srgbClr val="000000"/>
                 </a:solidFill>
-                <a:latin typeface="Times New Roman"/>
-                <a:ea typeface="Times New Roman"/>
-                <a:cs typeface="Times New Roman"/>
-                <a:sym typeface="Times New Roman"/>
+                <a:latin typeface="Times New Roman" panose="02020603050405020304"/>
+                <a:ea typeface="Times New Roman" panose="02020603050405020304"/>
+                <a:cs typeface="Times New Roman" panose="02020603050405020304"/>
+                <a:sym typeface="Times New Roman" panose="02020603050405020304"/>
               </a:rPr>
               <a:t>a model using kalman filter/LSTM to forecast the future prices of a commodity.”</a:t>
             </a:r>
             <a:endParaRPr>
-              <a:latin typeface="Times New Roman"/>
-              <a:ea typeface="Times New Roman"/>
-              <a:cs typeface="Times New Roman"/>
-              <a:sym typeface="Times New Roman"/>
+              <a:latin typeface="Times New Roman" panose="02020603050405020304"/>
+              <a:ea typeface="Times New Roman" panose="02020603050405020304"/>
+              <a:cs typeface="Times New Roman" panose="02020603050405020304"/>
+              <a:sym typeface="Times New Roman" panose="02020603050405020304"/>
             </a:endParaRPr>
           </a:p>
           <a:p>
-            <a:pPr indent="-327660" lvl="0" marL="342900" rtl="0" algn="l">
+            <a:pPr marL="342900" lvl="0" indent="-327660" algn="l" rtl="0">
               <a:spcBef>
                 <a:spcPts val="640"/>
               </a:spcBef>
@@ -11405,18 +11528,18 @@
                 <a:srgbClr val="000000"/>
               </a:buClr>
               <a:buSzPct val="100000"/>
-              <a:buFont typeface="Times New Roman"/>
+              <a:buFont typeface="Times New Roman" panose="02020603050405020304"/>
               <a:buChar char="●"/>
             </a:pPr>
             <a:r>
-              <a:rPr b="1" lang="en-US">
+              <a:rPr lang="en-US" b="1">
                 <a:solidFill>
                   <a:srgbClr val="000000"/>
                 </a:solidFill>
-                <a:latin typeface="Times New Roman"/>
-                <a:ea typeface="Times New Roman"/>
-                <a:cs typeface="Times New Roman"/>
-                <a:sym typeface="Times New Roman"/>
+                <a:latin typeface="Times New Roman" panose="02020603050405020304"/>
+                <a:ea typeface="Times New Roman" panose="02020603050405020304"/>
+                <a:cs typeface="Times New Roman" panose="02020603050405020304"/>
+                <a:sym typeface="Times New Roman" panose="02020603050405020304"/>
               </a:rPr>
               <a:t>Technology stack used:</a:t>
             </a:r>
@@ -11424,107 +11547,107 @@
               <a:solidFill>
                 <a:srgbClr val="000000"/>
               </a:solidFill>
-              <a:latin typeface="Times New Roman"/>
-              <a:ea typeface="Times New Roman"/>
-              <a:cs typeface="Times New Roman"/>
-              <a:sym typeface="Times New Roman"/>
+              <a:latin typeface="Times New Roman" panose="02020603050405020304"/>
+              <a:ea typeface="Times New Roman" panose="02020603050405020304"/>
+              <a:cs typeface="Times New Roman" panose="02020603050405020304"/>
+              <a:sym typeface="Times New Roman" panose="02020603050405020304"/>
             </a:endParaRPr>
           </a:p>
           <a:p>
-            <a:pPr indent="-334327" lvl="0" marL="914400" rtl="0" algn="l">
-              <a:spcBef>
-                <a:spcPts val="0"/>
-              </a:spcBef>
-              <a:spcAft>
-                <a:spcPts val="0"/>
-              </a:spcAft>
-              <a:buSzPct val="56250"/>
-              <a:buFont typeface="Times New Roman"/>
+            <a:pPr marL="914400" lvl="0" indent="-334010" algn="l" rtl="0">
+              <a:spcBef>
+                <a:spcPts val="0"/>
+              </a:spcBef>
+              <a:spcAft>
+                <a:spcPts val="0"/>
+              </a:spcAft>
+              <a:buSzPct val="56000"/>
+              <a:buFont typeface="Times New Roman" panose="02020603050405020304"/>
               <a:buChar char="●"/>
             </a:pPr>
             <a:r>
               <a:rPr lang="en-US">
-                <a:latin typeface="Times New Roman"/>
-                <a:ea typeface="Times New Roman"/>
-                <a:cs typeface="Times New Roman"/>
-                <a:sym typeface="Times New Roman"/>
+                <a:latin typeface="Times New Roman" panose="02020603050405020304"/>
+                <a:ea typeface="Times New Roman" panose="02020603050405020304"/>
+                <a:cs typeface="Times New Roman" panose="02020603050405020304"/>
+                <a:sym typeface="Times New Roman" panose="02020603050405020304"/>
               </a:rPr>
               <a:t>Python</a:t>
             </a:r>
             <a:endParaRPr>
-              <a:latin typeface="Times New Roman"/>
-              <a:ea typeface="Times New Roman"/>
-              <a:cs typeface="Times New Roman"/>
-              <a:sym typeface="Times New Roman"/>
+              <a:latin typeface="Times New Roman" panose="02020603050405020304"/>
+              <a:ea typeface="Times New Roman" panose="02020603050405020304"/>
+              <a:cs typeface="Times New Roman" panose="02020603050405020304"/>
+              <a:sym typeface="Times New Roman" panose="02020603050405020304"/>
             </a:endParaRPr>
           </a:p>
           <a:p>
-            <a:pPr indent="-334327" lvl="0" marL="1828800" rtl="0" algn="l">
-              <a:spcBef>
-                <a:spcPts val="0"/>
-              </a:spcBef>
-              <a:spcAft>
-                <a:spcPts val="0"/>
-              </a:spcAft>
-              <a:buSzPct val="56250"/>
-              <a:buFont typeface="Times New Roman"/>
+            <a:pPr marL="1828800" lvl="0" indent="-334010" algn="l" rtl="0">
+              <a:spcBef>
+                <a:spcPts val="0"/>
+              </a:spcBef>
+              <a:spcAft>
+                <a:spcPts val="0"/>
+              </a:spcAft>
+              <a:buSzPct val="56000"/>
+              <a:buFont typeface="Times New Roman" panose="02020603050405020304"/>
               <a:buChar char="●"/>
             </a:pPr>
             <a:r>
               <a:rPr lang="en-US">
-                <a:latin typeface="Times New Roman"/>
-                <a:ea typeface="Times New Roman"/>
-                <a:cs typeface="Times New Roman"/>
-                <a:sym typeface="Times New Roman"/>
+                <a:latin typeface="Times New Roman" panose="02020603050405020304"/>
+                <a:ea typeface="Times New Roman" panose="02020603050405020304"/>
+                <a:cs typeface="Times New Roman" panose="02020603050405020304"/>
+                <a:sym typeface="Times New Roman" panose="02020603050405020304"/>
               </a:rPr>
               <a:t> Keras,</a:t>
             </a:r>
             <a:r>
               <a:rPr lang="en-US">
-                <a:latin typeface="Times New Roman"/>
-                <a:ea typeface="Times New Roman"/>
-                <a:cs typeface="Times New Roman"/>
-                <a:sym typeface="Times New Roman"/>
+                <a:latin typeface="Times New Roman" panose="02020603050405020304"/>
+                <a:ea typeface="Times New Roman" panose="02020603050405020304"/>
+                <a:cs typeface="Times New Roman" panose="02020603050405020304"/>
+                <a:sym typeface="Times New Roman" panose="02020603050405020304"/>
               </a:rPr>
               <a:t>Numpy, pandas, matplotlib, sklearn, pykalman,seaborn.</a:t>
             </a:r>
             <a:endParaRPr>
-              <a:latin typeface="Times New Roman"/>
-              <a:ea typeface="Times New Roman"/>
-              <a:cs typeface="Times New Roman"/>
-              <a:sym typeface="Times New Roman"/>
+              <a:latin typeface="Times New Roman" panose="02020603050405020304"/>
+              <a:ea typeface="Times New Roman" panose="02020603050405020304"/>
+              <a:cs typeface="Times New Roman" panose="02020603050405020304"/>
+              <a:sym typeface="Times New Roman" panose="02020603050405020304"/>
             </a:endParaRPr>
           </a:p>
           <a:p>
-            <a:pPr indent="-334327" lvl="0" marL="914400" rtl="0" algn="l">
-              <a:spcBef>
-                <a:spcPts val="0"/>
-              </a:spcBef>
-              <a:spcAft>
-                <a:spcPts val="0"/>
-              </a:spcAft>
-              <a:buSzPct val="56250"/>
-              <a:buFont typeface="Times New Roman"/>
+            <a:pPr marL="914400" lvl="0" indent="-334010" algn="l" rtl="0">
+              <a:spcBef>
+                <a:spcPts val="0"/>
+              </a:spcBef>
+              <a:spcAft>
+                <a:spcPts val="0"/>
+              </a:spcAft>
+              <a:buSzPct val="56000"/>
+              <a:buFont typeface="Times New Roman" panose="02020603050405020304"/>
               <a:buChar char="●"/>
             </a:pPr>
             <a:r>
               <a:rPr lang="en-US">
-                <a:latin typeface="Times New Roman"/>
-                <a:ea typeface="Times New Roman"/>
-                <a:cs typeface="Times New Roman"/>
-                <a:sym typeface="Times New Roman"/>
+                <a:latin typeface="Times New Roman" panose="02020603050405020304"/>
+                <a:ea typeface="Times New Roman" panose="02020603050405020304"/>
+                <a:cs typeface="Times New Roman" panose="02020603050405020304"/>
+                <a:sym typeface="Times New Roman" panose="02020603050405020304"/>
               </a:rPr>
               <a:t>Jupyter Notebook</a:t>
             </a:r>
             <a:endParaRPr>
-              <a:latin typeface="Times New Roman"/>
-              <a:ea typeface="Times New Roman"/>
-              <a:cs typeface="Times New Roman"/>
-              <a:sym typeface="Times New Roman"/>
+              <a:latin typeface="Times New Roman" panose="02020603050405020304"/>
+              <a:ea typeface="Times New Roman" panose="02020603050405020304"/>
+              <a:cs typeface="Times New Roman" panose="02020603050405020304"/>
+              <a:sym typeface="Times New Roman" panose="02020603050405020304"/>
             </a:endParaRPr>
           </a:p>
           <a:p>
-            <a:pPr indent="0" lvl="0" marL="0" rtl="0" algn="l">
+            <a:pPr marL="0" lvl="0" indent="0" algn="l" rtl="0">
               <a:spcBef>
                 <a:spcPts val="640"/>
               </a:spcBef>
@@ -11533,18 +11656,15 @@
               </a:spcAft>
               <a:buNone/>
             </a:pPr>
-            <a:r>
-              <a:t/>
-            </a:r>
             <a:endParaRPr>
-              <a:latin typeface="Times New Roman"/>
-              <a:ea typeface="Times New Roman"/>
-              <a:cs typeface="Times New Roman"/>
-              <a:sym typeface="Times New Roman"/>
+              <a:latin typeface="Times New Roman" panose="02020603050405020304"/>
+              <a:ea typeface="Times New Roman" panose="02020603050405020304"/>
+              <a:cs typeface="Times New Roman" panose="02020603050405020304"/>
+              <a:sym typeface="Times New Roman" panose="02020603050405020304"/>
             </a:endParaRPr>
           </a:p>
           <a:p>
-            <a:pPr indent="0" lvl="0" marL="0" rtl="0" algn="l">
+            <a:pPr marL="0" lvl="0" indent="0" algn="l" rtl="0">
               <a:spcBef>
                 <a:spcPts val="640"/>
               </a:spcBef>
@@ -11553,14 +11673,11 @@
               </a:spcAft>
               <a:buNone/>
             </a:pPr>
-            <a:r>
-              <a:t/>
-            </a:r>
             <a:endParaRPr>
-              <a:latin typeface="Times New Roman"/>
-              <a:ea typeface="Times New Roman"/>
-              <a:cs typeface="Times New Roman"/>
-              <a:sym typeface="Times New Roman"/>
+              <a:latin typeface="Times New Roman" panose="02020603050405020304"/>
+              <a:ea typeface="Times New Roman" panose="02020603050405020304"/>
+              <a:cs typeface="Times New Roman" panose="02020603050405020304"/>
+              <a:sym typeface="Times New Roman" panose="02020603050405020304"/>
             </a:endParaRPr>
           </a:p>
         </p:txBody>
@@ -11587,12 +11704,12 @@
           </a:ln>
         </p:spPr>
         <p:txBody>
-          <a:bodyPr anchorCtr="0" anchor="ctr" bIns="45700" lIns="91425" spcFirstLastPara="1" rIns="91425" wrap="square" tIns="45700">
+          <a:bodyPr spcFirstLastPara="1" wrap="square" lIns="91425" tIns="45700" rIns="91425" bIns="45700" anchor="ctr" anchorCtr="0">
             <a:normAutofit/>
           </a:bodyPr>
           <a:lstStyle/>
           <a:p>
-            <a:pPr indent="0" lvl="0" marL="0" rtl="0" algn="ctr">
+            <a:pPr marL="0" lvl="0" indent="0" algn="ctr" rtl="0">
               <a:spcBef>
                 <a:spcPts val="0"/>
               </a:spcBef>
@@ -11603,23 +11720,23 @@
                 <a:schemeClr val="dk1"/>
               </a:buClr>
               <a:buSzPts val="4400"/>
-              <a:buFont typeface="Calibri"/>
+              <a:buFont typeface="Calibri" panose="020F0502020204030204"/>
               <a:buNone/>
             </a:pPr>
             <a:r>
-              <a:rPr b="1" lang="en-US">
-                <a:latin typeface="Times New Roman"/>
-                <a:ea typeface="Times New Roman"/>
-                <a:cs typeface="Times New Roman"/>
-                <a:sym typeface="Times New Roman"/>
+              <a:rPr lang="en-US" b="1">
+                <a:latin typeface="Times New Roman" panose="02020603050405020304"/>
+                <a:ea typeface="Times New Roman" panose="02020603050405020304"/>
+                <a:cs typeface="Times New Roman" panose="02020603050405020304"/>
+                <a:sym typeface="Times New Roman" panose="02020603050405020304"/>
               </a:rPr>
               <a:t>Idea / Approach details</a:t>
             </a:r>
             <a:endParaRPr>
-              <a:latin typeface="Times New Roman"/>
-              <a:ea typeface="Times New Roman"/>
-              <a:cs typeface="Times New Roman"/>
-              <a:sym typeface="Times New Roman"/>
+              <a:latin typeface="Times New Roman" panose="02020603050405020304"/>
+              <a:ea typeface="Times New Roman" panose="02020603050405020304"/>
+              <a:cs typeface="Times New Roman" panose="02020603050405020304"/>
+              <a:sym typeface="Times New Roman" panose="02020603050405020304"/>
             </a:endParaRPr>
           </a:p>
         </p:txBody>
@@ -11629,11 +11746,23 @@
   <p:clrMapOvr>
     <a:masterClrMapping/>
   </p:clrMapOvr>
+  <mc:AlternateContent xmlns:mc="http://schemas.openxmlformats.org/markup-compatibility/2006">
+    <mc:Choice xmlns:p14="http://schemas.microsoft.com/office/powerpoint/2010/main" Requires="p14">
+      <p:transition spd="slow" p14:dur="700">
+        <p:push/>
+      </p:transition>
+    </mc:Choice>
+    <mc:Fallback>
+      <p:transition spd="slow">
+        <p:push/>
+      </p:transition>
+    </mc:Fallback>
+  </mc:AlternateContent>
 </p:sld>
 </file>
 
 <file path=ppt/slides/slide3.xml><?xml version="1.0" encoding="utf-8"?>
-<p:sld xmlns:a="http://schemas.openxmlformats.org/drawingml/2006/main" xmlns:r="http://schemas.openxmlformats.org/officeDocument/2006/relationships" xmlns:mc="http://schemas.openxmlformats.org/markup-compatibility/2006" xmlns:mv="urn:schemas-microsoft-com:mac:vml" xmlns:p="http://schemas.openxmlformats.org/presentationml/2006/main" xmlns:c="http://schemas.openxmlformats.org/drawingml/2006/chart" xmlns:dgm="http://schemas.openxmlformats.org/drawingml/2006/diagram" xmlns:o="urn:schemas-microsoft-com:office:office" xmlns:v="urn:schemas-microsoft-com:vml" xmlns:pvml="urn:schemas-microsoft-com:office:powerpoint" xmlns:com="http://schemas.openxmlformats.org/drawingml/2006/compatibility" xmlns:p14="http://schemas.microsoft.com/office/powerpoint/2010/main" xmlns:p15="http://schemas.microsoft.com/office/powerpoint/2012/main" xmlns:ahyp="http://schemas.microsoft.com/office/drawing/2018/hyperlinkcolor">
+<p:sld xmlns:a="http://schemas.openxmlformats.org/drawingml/2006/main" xmlns:r="http://schemas.openxmlformats.org/officeDocument/2006/relationships" xmlns:p="http://schemas.openxmlformats.org/presentationml/2006/main">
   <p:cSld>
     <p:spTree>
       <p:nvGrpSpPr>
@@ -11671,12 +11800,12 @@
           </a:ln>
         </p:spPr>
         <p:txBody>
-          <a:bodyPr anchorCtr="0" anchor="ctr" bIns="45700" lIns="91425" spcFirstLastPara="1" rIns="91425" wrap="square" tIns="45700">
+          <a:bodyPr spcFirstLastPara="1" wrap="square" lIns="91425" tIns="45700" rIns="91425" bIns="45700" anchor="ctr" anchorCtr="0">
             <a:normAutofit/>
           </a:bodyPr>
           <a:lstStyle/>
           <a:p>
-            <a:pPr indent="0" lvl="0" marL="0" rtl="0" algn="ctr">
+            <a:pPr marL="0" lvl="0" indent="0" algn="ctr" rtl="0">
               <a:spcBef>
                 <a:spcPts val="0"/>
               </a:spcBef>
@@ -11687,23 +11816,23 @@
                 <a:schemeClr val="dk1"/>
               </a:buClr>
               <a:buSzPts val="4400"/>
-              <a:buFont typeface="Calibri"/>
+              <a:buFont typeface="Calibri" panose="020F0502020204030204"/>
               <a:buNone/>
             </a:pPr>
             <a:r>
-              <a:rPr b="1" lang="en-US">
-                <a:latin typeface="Times New Roman"/>
-                <a:ea typeface="Times New Roman"/>
-                <a:cs typeface="Times New Roman"/>
-                <a:sym typeface="Times New Roman"/>
+              <a:rPr lang="en-US" b="1">
+                <a:latin typeface="Times New Roman" panose="02020603050405020304"/>
+                <a:ea typeface="Times New Roman" panose="02020603050405020304"/>
+                <a:cs typeface="Times New Roman" panose="02020603050405020304"/>
+                <a:sym typeface="Times New Roman" panose="02020603050405020304"/>
               </a:rPr>
               <a:t>Application </a:t>
             </a:r>
             <a:endParaRPr>
-              <a:latin typeface="Times New Roman"/>
-              <a:ea typeface="Times New Roman"/>
-              <a:cs typeface="Times New Roman"/>
-              <a:sym typeface="Times New Roman"/>
+              <a:latin typeface="Times New Roman" panose="02020603050405020304"/>
+              <a:ea typeface="Times New Roman" panose="02020603050405020304"/>
+              <a:cs typeface="Times New Roman" panose="02020603050405020304"/>
+              <a:sym typeface="Times New Roman" panose="02020603050405020304"/>
             </a:endParaRPr>
           </a:p>
         </p:txBody>
@@ -11713,7 +11842,7 @@
           <p:cNvPr id="96" name="Google Shape;96;p15"/>
           <p:cNvSpPr txBox="1"/>
           <p:nvPr>
-            <p:ph idx="1" type="body"/>
+            <p:ph type="body" idx="1"/>
           </p:nvPr>
         </p:nvSpPr>
         <p:spPr>
@@ -11730,12 +11859,12 @@
           </a:ln>
         </p:spPr>
         <p:txBody>
-          <a:bodyPr anchorCtr="0" anchor="t" bIns="45700" lIns="91425" spcFirstLastPara="1" rIns="91425" wrap="square" tIns="45700">
+          <a:bodyPr spcFirstLastPara="1" wrap="square" lIns="91425" tIns="45700" rIns="91425" bIns="45700" anchor="t" anchorCtr="0">
             <a:normAutofit lnSpcReduction="20000"/>
           </a:bodyPr>
           <a:lstStyle/>
           <a:p>
-            <a:pPr indent="-342900" lvl="0" marL="342900" rtl="0" algn="l">
+            <a:pPr marL="342900" lvl="0" indent="-342900" algn="l" rtl="0">
               <a:spcBef>
                 <a:spcPts val="0"/>
               </a:spcBef>
@@ -11746,27 +11875,27 @@
                 <a:srgbClr val="000000"/>
               </a:buClr>
               <a:buSzPts val="3200"/>
-              <a:buFont typeface="Times New Roman"/>
+              <a:buFont typeface="Times New Roman" panose="02020603050405020304"/>
               <a:buChar char="•"/>
             </a:pPr>
             <a:r>
               <a:rPr lang="en-US" sz="2200">
-                <a:latin typeface="Times New Roman"/>
-                <a:ea typeface="Times New Roman"/>
-                <a:cs typeface="Times New Roman"/>
-                <a:sym typeface="Times New Roman"/>
+                <a:latin typeface="Times New Roman" panose="02020603050405020304"/>
+                <a:ea typeface="Times New Roman" panose="02020603050405020304"/>
+                <a:cs typeface="Times New Roman" panose="02020603050405020304"/>
+                <a:sym typeface="Times New Roman" panose="02020603050405020304"/>
               </a:rPr>
               <a:t>We will be building Two models based on Kalman Filter and LSTM.</a:t>
             </a:r>
             <a:endParaRPr sz="2200">
-              <a:latin typeface="Times New Roman"/>
-              <a:ea typeface="Times New Roman"/>
-              <a:cs typeface="Times New Roman"/>
-              <a:sym typeface="Times New Roman"/>
+              <a:latin typeface="Times New Roman" panose="02020603050405020304"/>
+              <a:ea typeface="Times New Roman" panose="02020603050405020304"/>
+              <a:cs typeface="Times New Roman" panose="02020603050405020304"/>
+              <a:sym typeface="Times New Roman" panose="02020603050405020304"/>
             </a:endParaRPr>
           </a:p>
           <a:p>
-            <a:pPr indent="-342900" lvl="0" marL="342900" rtl="0" algn="l">
+            <a:pPr marL="342900" lvl="0" indent="-342900" algn="l" rtl="0">
               <a:spcBef>
                 <a:spcPts val="0"/>
               </a:spcBef>
@@ -11777,27 +11906,27 @@
                 <a:srgbClr val="000000"/>
               </a:buClr>
               <a:buSzPts val="3200"/>
-              <a:buFont typeface="Times New Roman"/>
+              <a:buFont typeface="Times New Roman" panose="02020603050405020304"/>
               <a:buChar char="•"/>
             </a:pPr>
             <a:r>
               <a:rPr lang="en-US" sz="2200">
-                <a:latin typeface="Times New Roman"/>
-                <a:ea typeface="Times New Roman"/>
-                <a:cs typeface="Times New Roman"/>
-                <a:sym typeface="Times New Roman"/>
+                <a:latin typeface="Times New Roman" panose="02020603050405020304"/>
+                <a:ea typeface="Times New Roman" panose="02020603050405020304"/>
+                <a:cs typeface="Times New Roman" panose="02020603050405020304"/>
+                <a:sym typeface="Times New Roman" panose="02020603050405020304"/>
               </a:rPr>
               <a:t>The Idea is to predict Commodity Price (such as Coffee, stainless steel.etc) with advanced deep learning algorithms with accuracy and precision.</a:t>
             </a:r>
             <a:endParaRPr sz="2200">
-              <a:latin typeface="Times New Roman"/>
-              <a:ea typeface="Times New Roman"/>
-              <a:cs typeface="Times New Roman"/>
-              <a:sym typeface="Times New Roman"/>
+              <a:latin typeface="Times New Roman" panose="02020603050405020304"/>
+              <a:ea typeface="Times New Roman" panose="02020603050405020304"/>
+              <a:cs typeface="Times New Roman" panose="02020603050405020304"/>
+              <a:sym typeface="Times New Roman" panose="02020603050405020304"/>
             </a:endParaRPr>
           </a:p>
           <a:p>
-            <a:pPr indent="-342900" lvl="0" marL="342900" rtl="0" algn="l">
+            <a:pPr marL="342900" lvl="0" indent="-342900" algn="l" rtl="0">
               <a:spcBef>
                 <a:spcPts val="0"/>
               </a:spcBef>
@@ -11808,27 +11937,27 @@
                 <a:srgbClr val="000000"/>
               </a:buClr>
               <a:buSzPts val="3200"/>
-              <a:buFont typeface="Times New Roman"/>
+              <a:buFont typeface="Times New Roman" panose="02020603050405020304"/>
               <a:buChar char="•"/>
             </a:pPr>
             <a:r>
               <a:rPr lang="en-US" sz="2200">
-                <a:latin typeface="Times New Roman"/>
-                <a:ea typeface="Times New Roman"/>
-                <a:cs typeface="Times New Roman"/>
-                <a:sym typeface="Times New Roman"/>
+                <a:latin typeface="Times New Roman" panose="02020603050405020304"/>
+                <a:ea typeface="Times New Roman" panose="02020603050405020304"/>
+                <a:cs typeface="Times New Roman" panose="02020603050405020304"/>
+                <a:sym typeface="Times New Roman" panose="02020603050405020304"/>
               </a:rPr>
               <a:t>Let us understand what are Kalman Filter and LSTM.</a:t>
             </a:r>
             <a:endParaRPr sz="2200">
-              <a:latin typeface="Times New Roman"/>
-              <a:ea typeface="Times New Roman"/>
-              <a:cs typeface="Times New Roman"/>
-              <a:sym typeface="Times New Roman"/>
+              <a:latin typeface="Times New Roman" panose="02020603050405020304"/>
+              <a:ea typeface="Times New Roman" panose="02020603050405020304"/>
+              <a:cs typeface="Times New Roman" panose="02020603050405020304"/>
+              <a:sym typeface="Times New Roman" panose="02020603050405020304"/>
             </a:endParaRPr>
           </a:p>
           <a:p>
-            <a:pPr indent="-342900" lvl="0" marL="342900" rtl="0" algn="l">
+            <a:pPr marL="342900" lvl="0" indent="-342900" algn="l" rtl="0">
               <a:spcBef>
                 <a:spcPts val="0"/>
               </a:spcBef>
@@ -11839,27 +11968,27 @@
                 <a:srgbClr val="000000"/>
               </a:buClr>
               <a:buSzPts val="3200"/>
-              <a:buFont typeface="Times New Roman"/>
+              <a:buFont typeface="Times New Roman" panose="02020603050405020304"/>
               <a:buChar char="•"/>
             </a:pPr>
             <a:r>
               <a:rPr lang="en-US" sz="2200">
-                <a:latin typeface="Times New Roman"/>
-                <a:ea typeface="Times New Roman"/>
-                <a:cs typeface="Times New Roman"/>
-                <a:sym typeface="Times New Roman"/>
+                <a:latin typeface="Times New Roman" panose="02020603050405020304"/>
+                <a:ea typeface="Times New Roman" panose="02020603050405020304"/>
+                <a:cs typeface="Times New Roman" panose="02020603050405020304"/>
+                <a:sym typeface="Times New Roman" panose="02020603050405020304"/>
               </a:rPr>
               <a:t>Long Short-Term Memory (LSTM) networks are a type of recurrent neural network capable of learning order dependence in sequence prediction problems.This is a behavior required in complex problem domains like machine translation, speech recognition, and more.</a:t>
             </a:r>
             <a:endParaRPr sz="2200">
-              <a:latin typeface="Times New Roman"/>
-              <a:ea typeface="Times New Roman"/>
-              <a:cs typeface="Times New Roman"/>
-              <a:sym typeface="Times New Roman"/>
+              <a:latin typeface="Times New Roman" panose="02020603050405020304"/>
+              <a:ea typeface="Times New Roman" panose="02020603050405020304"/>
+              <a:cs typeface="Times New Roman" panose="02020603050405020304"/>
+              <a:sym typeface="Times New Roman" panose="02020603050405020304"/>
             </a:endParaRPr>
           </a:p>
           <a:p>
-            <a:pPr indent="-342900" lvl="0" marL="342900" rtl="0" algn="l">
+            <a:pPr marL="342900" lvl="0" indent="-342900" algn="l" rtl="0">
               <a:spcBef>
                 <a:spcPts val="0"/>
               </a:spcBef>
@@ -11870,27 +11999,27 @@
                 <a:srgbClr val="000000"/>
               </a:buClr>
               <a:buSzPts val="3200"/>
-              <a:buFont typeface="Times New Roman"/>
+              <a:buFont typeface="Times New Roman" panose="02020603050405020304"/>
               <a:buChar char="•"/>
             </a:pPr>
             <a:r>
               <a:rPr lang="en-US" sz="2200">
-                <a:latin typeface="Times New Roman"/>
-                <a:ea typeface="Times New Roman"/>
-                <a:cs typeface="Times New Roman"/>
-                <a:sym typeface="Times New Roman"/>
+                <a:latin typeface="Times New Roman" panose="02020603050405020304"/>
+                <a:ea typeface="Times New Roman" panose="02020603050405020304"/>
+                <a:cs typeface="Times New Roman" panose="02020603050405020304"/>
+                <a:sym typeface="Times New Roman" panose="02020603050405020304"/>
               </a:rPr>
               <a:t>The Kalman filter is an optimized algorithm that uses noisy observations of a system over time to estimate the parameters of the system and predict future observations. Note that some of systems are unobservable. At each time step, it makes a prediction, takes in a measurement, and updates itself based on how the prediction and measurement compare.</a:t>
             </a:r>
             <a:endParaRPr sz="2200">
-              <a:latin typeface="Times New Roman"/>
-              <a:ea typeface="Times New Roman"/>
-              <a:cs typeface="Times New Roman"/>
-              <a:sym typeface="Times New Roman"/>
+              <a:latin typeface="Times New Roman" panose="02020603050405020304"/>
+              <a:ea typeface="Times New Roman" panose="02020603050405020304"/>
+              <a:cs typeface="Times New Roman" panose="02020603050405020304"/>
+              <a:sym typeface="Times New Roman" panose="02020603050405020304"/>
             </a:endParaRPr>
           </a:p>
           <a:p>
-            <a:pPr indent="0" lvl="0" marL="342900" rtl="0" algn="l">
+            <a:pPr marL="342900" lvl="0" indent="0" algn="l" rtl="0">
               <a:spcBef>
                 <a:spcPts val="0"/>
               </a:spcBef>
@@ -11899,14 +12028,11 @@
               </a:spcAft>
               <a:buNone/>
             </a:pPr>
-            <a:r>
-              <a:t/>
-            </a:r>
             <a:endParaRPr sz="2200">
-              <a:latin typeface="Times New Roman"/>
-              <a:ea typeface="Times New Roman"/>
-              <a:cs typeface="Times New Roman"/>
-              <a:sym typeface="Times New Roman"/>
+              <a:latin typeface="Times New Roman" panose="02020603050405020304"/>
+              <a:ea typeface="Times New Roman" panose="02020603050405020304"/>
+              <a:cs typeface="Times New Roman" panose="02020603050405020304"/>
+              <a:sym typeface="Times New Roman" panose="02020603050405020304"/>
             </a:endParaRPr>
           </a:p>
         </p:txBody>
@@ -11916,11 +12042,23 @@
   <p:clrMapOvr>
     <a:masterClrMapping/>
   </p:clrMapOvr>
+  <mc:AlternateContent xmlns:mc="http://schemas.openxmlformats.org/markup-compatibility/2006">
+    <mc:Choice xmlns:p14="http://schemas.microsoft.com/office/powerpoint/2010/main" Requires="p14">
+      <p:transition spd="slow" p14:dur="700">
+        <p:push/>
+      </p:transition>
+    </mc:Choice>
+    <mc:Fallback>
+      <p:transition spd="slow">
+        <p:push/>
+      </p:transition>
+    </mc:Fallback>
+  </mc:AlternateContent>
 </p:sld>
 </file>
 
 <file path=ppt/slides/slide4.xml><?xml version="1.0" encoding="utf-8"?>
-<p:sld xmlns:a="http://schemas.openxmlformats.org/drawingml/2006/main" xmlns:r="http://schemas.openxmlformats.org/officeDocument/2006/relationships" xmlns:mc="http://schemas.openxmlformats.org/markup-compatibility/2006" xmlns:mv="urn:schemas-microsoft-com:mac:vml" xmlns:p="http://schemas.openxmlformats.org/presentationml/2006/main" xmlns:c="http://schemas.openxmlformats.org/drawingml/2006/chart" xmlns:dgm="http://schemas.openxmlformats.org/drawingml/2006/diagram" xmlns:o="urn:schemas-microsoft-com:office:office" xmlns:v="urn:schemas-microsoft-com:vml" xmlns:pvml="urn:schemas-microsoft-com:office:powerpoint" xmlns:com="http://schemas.openxmlformats.org/drawingml/2006/compatibility" xmlns:p14="http://schemas.microsoft.com/office/powerpoint/2010/main" xmlns:p15="http://schemas.microsoft.com/office/powerpoint/2012/main" xmlns:ahyp="http://schemas.microsoft.com/office/drawing/2018/hyperlinkcolor">
+<p:sld xmlns:a="http://schemas.openxmlformats.org/drawingml/2006/main" xmlns:r="http://schemas.openxmlformats.org/officeDocument/2006/relationships" xmlns:p="http://schemas.openxmlformats.org/presentationml/2006/main">
   <p:cSld>
     <p:spTree>
       <p:nvGrpSpPr>
@@ -11943,9 +12081,7 @@
           <p:nvPr/>
         </p:nvPicPr>
         <p:blipFill>
-          <a:blip r:embed="rId3">
-            <a:alphaModFix/>
-          </a:blip>
+          <a:blip r:embed="rId1"/>
           <a:stretch>
             <a:fillRect/>
           </a:stretch>
@@ -11969,11 +12105,23 @@
   <p:clrMapOvr>
     <a:masterClrMapping/>
   </p:clrMapOvr>
+  <mc:AlternateContent xmlns:mc="http://schemas.openxmlformats.org/markup-compatibility/2006">
+    <mc:Choice xmlns:p14="http://schemas.microsoft.com/office/powerpoint/2010/main" Requires="p14">
+      <p:transition spd="slow" p14:dur="700">
+        <p:push/>
+      </p:transition>
+    </mc:Choice>
+    <mc:Fallback>
+      <p:transition spd="slow">
+        <p:push/>
+      </p:transition>
+    </mc:Fallback>
+  </mc:AlternateContent>
 </p:sld>
 </file>
 
 <file path=ppt/slides/slide5.xml><?xml version="1.0" encoding="utf-8"?>
-<p:sld xmlns:a="http://schemas.openxmlformats.org/drawingml/2006/main" xmlns:r="http://schemas.openxmlformats.org/officeDocument/2006/relationships" xmlns:mc="http://schemas.openxmlformats.org/markup-compatibility/2006" xmlns:mv="urn:schemas-microsoft-com:mac:vml" xmlns:p="http://schemas.openxmlformats.org/presentationml/2006/main" xmlns:c="http://schemas.openxmlformats.org/drawingml/2006/chart" xmlns:dgm="http://schemas.openxmlformats.org/drawingml/2006/diagram" xmlns:o="urn:schemas-microsoft-com:office:office" xmlns:v="urn:schemas-microsoft-com:vml" xmlns:pvml="urn:schemas-microsoft-com:office:powerpoint" xmlns:com="http://schemas.openxmlformats.org/drawingml/2006/compatibility" xmlns:p14="http://schemas.microsoft.com/office/powerpoint/2010/main" xmlns:p15="http://schemas.microsoft.com/office/powerpoint/2012/main" xmlns:ahyp="http://schemas.microsoft.com/office/drawing/2018/hyperlinkcolor">
+<p:sld xmlns:a="http://schemas.openxmlformats.org/drawingml/2006/main" xmlns:r="http://schemas.openxmlformats.org/officeDocument/2006/relationships" xmlns:p="http://schemas.openxmlformats.org/presentationml/2006/main">
   <p:cSld>
     <p:spTree>
       <p:nvGrpSpPr>
@@ -11996,11 +12144,11 @@
           <p:nvPr/>
         </p:nvPicPr>
         <p:blipFill rotWithShape="1">
-          <a:blip r:embed="rId3">
-            <a:alphaModFix/>
-          </a:blip>
-          <a:srcRect b="3697" l="8753" r="8901" t="2449"/>
-          <a:stretch/>
+          <a:blip r:embed="rId1"/>
+          <a:srcRect l="8753" t="2449" r="8901" b="3697"/>
+          <a:stretch>
+            <a:fillRect/>
+          </a:stretch>
         </p:blipFill>
         <p:spPr>
           <a:xfrm>
@@ -12021,11 +12169,23 @@
   <p:clrMapOvr>
     <a:masterClrMapping/>
   </p:clrMapOvr>
+  <mc:AlternateContent xmlns:mc="http://schemas.openxmlformats.org/markup-compatibility/2006">
+    <mc:Choice xmlns:p14="http://schemas.microsoft.com/office/powerpoint/2010/main" Requires="p14">
+      <p:transition spd="slow" p14:dur="700">
+        <p:push/>
+      </p:transition>
+    </mc:Choice>
+    <mc:Fallback>
+      <p:transition spd="slow">
+        <p:push/>
+      </p:transition>
+    </mc:Fallback>
+  </mc:AlternateContent>
 </p:sld>
 </file>
 
 <file path=ppt/slides/slide6.xml><?xml version="1.0" encoding="utf-8"?>
-<p:sld xmlns:a="http://schemas.openxmlformats.org/drawingml/2006/main" xmlns:r="http://schemas.openxmlformats.org/officeDocument/2006/relationships" xmlns:mc="http://schemas.openxmlformats.org/markup-compatibility/2006" xmlns:mv="urn:schemas-microsoft-com:mac:vml" xmlns:p="http://schemas.openxmlformats.org/presentationml/2006/main" xmlns:c="http://schemas.openxmlformats.org/drawingml/2006/chart" xmlns:dgm="http://schemas.openxmlformats.org/drawingml/2006/diagram" xmlns:o="urn:schemas-microsoft-com:office:office" xmlns:v="urn:schemas-microsoft-com:vml" xmlns:pvml="urn:schemas-microsoft-com:office:powerpoint" xmlns:com="http://schemas.openxmlformats.org/drawingml/2006/compatibility" xmlns:p14="http://schemas.microsoft.com/office/powerpoint/2010/main" xmlns:p15="http://schemas.microsoft.com/office/powerpoint/2012/main" xmlns:ahyp="http://schemas.microsoft.com/office/drawing/2018/hyperlinkcolor">
+<p:sld xmlns:a="http://schemas.openxmlformats.org/drawingml/2006/main" xmlns:r="http://schemas.openxmlformats.org/officeDocument/2006/relationships" xmlns:p="http://schemas.openxmlformats.org/presentationml/2006/main">
   <p:cSld>
     <p:spTree>
       <p:nvGrpSpPr>
@@ -12063,12 +12223,12 @@
           </a:ln>
         </p:spPr>
         <p:txBody>
-          <a:bodyPr anchorCtr="0" anchor="ctr" bIns="45700" lIns="91425" spcFirstLastPara="1" rIns="91425" wrap="square" tIns="45700">
+          <a:bodyPr spcFirstLastPara="1" wrap="square" lIns="91425" tIns="45700" rIns="91425" bIns="45700" anchor="ctr" anchorCtr="0">
             <a:normAutofit/>
           </a:bodyPr>
           <a:lstStyle/>
           <a:p>
-            <a:pPr indent="0" lvl="0" marL="0" rtl="0" algn="ctr">
+            <a:pPr marL="0" lvl="0" indent="0" algn="ctr" rtl="0">
               <a:spcBef>
                 <a:spcPts val="0"/>
               </a:spcBef>
@@ -12079,14 +12239,14 @@
                 <a:schemeClr val="dk1"/>
               </a:buClr>
               <a:buSzPts val="4400"/>
-              <a:buFont typeface="Calibri"/>
+              <a:buFont typeface="Calibri" panose="020F0502020204030204"/>
               <a:buNone/>
             </a:pPr>
             <a:r>
-              <a:rPr b="1" lang="en-US"/>
+              <a:rPr lang="en-US" b="1"/>
               <a:t>Day 2 additions</a:t>
             </a:r>
-            <a:endParaRPr/>
+            <a:endParaRPr lang="en-US" b="1"/>
           </a:p>
         </p:txBody>
       </p:sp>
@@ -12095,13 +12255,13 @@
           <p:cNvPr id="112" name="Google Shape;112;p18"/>
           <p:cNvSpPr txBox="1"/>
           <p:nvPr>
-            <p:ph idx="1" type="body"/>
+            <p:ph type="body" idx="1"/>
           </p:nvPr>
         </p:nvSpPr>
         <p:spPr>
           <a:xfrm>
-            <a:off x="457200" y="1600200"/>
-            <a:ext cx="8229600" cy="4525963"/>
+            <a:off x="570865" y="1600200"/>
+            <a:ext cx="8115935" cy="4526280"/>
           </a:xfrm>
           <a:prstGeom prst="rect">
             <a:avLst/>
@@ -12112,12 +12272,12 @@
           </a:ln>
         </p:spPr>
         <p:txBody>
-          <a:bodyPr anchorCtr="0" anchor="t" bIns="45700" lIns="91425" spcFirstLastPara="1" rIns="91425" wrap="square" tIns="45700">
+          <a:bodyPr spcFirstLastPara="1" wrap="square" lIns="91425" tIns="45700" rIns="91425" bIns="45700" anchor="t" anchorCtr="0">
             <a:normAutofit/>
           </a:bodyPr>
           <a:lstStyle/>
           <a:p>
-            <a:pPr indent="-342900" lvl="0" marL="342900" rtl="0" algn="l">
+            <a:pPr marL="0" lvl="0" indent="0" algn="l" rtl="0">
               <a:spcBef>
                 <a:spcPts val="0"/>
               </a:spcBef>
@@ -12128,13 +12288,33 @@
                 <a:schemeClr val="dk1"/>
               </a:buClr>
               <a:buSzPts val="3200"/>
-              <a:buChar char="•"/>
+              <a:buNone/>
             </a:pPr>
             <a:r>
               <a:rPr lang="en-US"/>
-              <a:t>Add suggestions given by the mentors and how much the team has implemented it.</a:t>
+              <a:t>Suggestions given by the mentor : </a:t>
             </a:r>
-            <a:endParaRPr/>
+            <a:endParaRPr lang="en-US"/>
+          </a:p>
+          <a:p>
+            <a:pPr marL="0" lvl="0" indent="0" algn="l" rtl="0">
+              <a:spcBef>
+                <a:spcPts val="0"/>
+              </a:spcBef>
+              <a:spcAft>
+                <a:spcPts val="0"/>
+              </a:spcAft>
+              <a:buClr>
+                <a:schemeClr val="dk1"/>
+              </a:buClr>
+              <a:buSzPts val="3200"/>
+              <a:buNone/>
+            </a:pPr>
+            <a:r>
+              <a:rPr lang="en-US" sz="2800"/>
+              <a:t>Mentor suggested to Checkout different Tensorflow Add-ons and also recommendted to deploy the Build Model using Streamlit Library</a:t>
+            </a:r>
+            <a:endParaRPr lang="en-US" sz="2800"/>
           </a:p>
         </p:txBody>
       </p:sp>
@@ -12143,11 +12323,23 @@
   <p:clrMapOvr>
     <a:masterClrMapping/>
   </p:clrMapOvr>
+  <mc:AlternateContent xmlns:mc="http://schemas.openxmlformats.org/markup-compatibility/2006">
+    <mc:Choice xmlns:p14="http://schemas.microsoft.com/office/powerpoint/2010/main" Requires="p14">
+      <p:transition spd="slow" p14:dur="700">
+        <p:push/>
+      </p:transition>
+    </mc:Choice>
+    <mc:Fallback>
+      <p:transition spd="slow">
+        <p:push/>
+      </p:transition>
+    </mc:Fallback>
+  </mc:AlternateContent>
 </p:sld>
 </file>
 
 <file path=ppt/slides/slide7.xml><?xml version="1.0" encoding="utf-8"?>
-<p:sld xmlns:a="http://schemas.openxmlformats.org/drawingml/2006/main" xmlns:r="http://schemas.openxmlformats.org/officeDocument/2006/relationships" xmlns:mc="http://schemas.openxmlformats.org/markup-compatibility/2006" xmlns:mv="urn:schemas-microsoft-com:mac:vml" xmlns:p="http://schemas.openxmlformats.org/presentationml/2006/main" xmlns:c="http://schemas.openxmlformats.org/drawingml/2006/chart" xmlns:dgm="http://schemas.openxmlformats.org/drawingml/2006/diagram" xmlns:o="urn:schemas-microsoft-com:office:office" xmlns:v="urn:schemas-microsoft-com:vml" xmlns:pvml="urn:schemas-microsoft-com:office:powerpoint" xmlns:com="http://schemas.openxmlformats.org/drawingml/2006/compatibility" xmlns:p14="http://schemas.microsoft.com/office/powerpoint/2010/main" xmlns:p15="http://schemas.microsoft.com/office/powerpoint/2012/main" xmlns:ahyp="http://schemas.microsoft.com/office/drawing/2018/hyperlinkcolor">
+<p:sld xmlns:a="http://schemas.openxmlformats.org/drawingml/2006/main" xmlns:r="http://schemas.openxmlformats.org/officeDocument/2006/relationships" xmlns:p="http://schemas.openxmlformats.org/presentationml/2006/main">
   <p:cSld>
     <p:spTree>
       <p:nvGrpSpPr>
@@ -12185,12 +12377,12 @@
           </a:ln>
         </p:spPr>
         <p:txBody>
-          <a:bodyPr anchorCtr="0" anchor="ctr" bIns="45700" lIns="91425" spcFirstLastPara="1" rIns="91425" wrap="square" tIns="45700">
+          <a:bodyPr spcFirstLastPara="1" wrap="square" lIns="91425" tIns="45700" rIns="91425" bIns="45700" anchor="ctr" anchorCtr="0">
             <a:normAutofit/>
           </a:bodyPr>
           <a:lstStyle/>
           <a:p>
-            <a:pPr indent="0" lvl="0" marL="0" rtl="0" algn="ctr">
+            <a:pPr marL="0" lvl="0" indent="0" algn="ctr" rtl="0">
               <a:spcBef>
                 <a:spcPts val="0"/>
               </a:spcBef>
@@ -12201,14 +12393,14 @@
                 <a:schemeClr val="dk1"/>
               </a:buClr>
               <a:buSzPts val="4400"/>
-              <a:buFont typeface="Calibri"/>
+              <a:buFont typeface="Calibri" panose="020F0502020204030204"/>
               <a:buNone/>
             </a:pPr>
             <a:r>
-              <a:rPr b="1" lang="en-US"/>
+              <a:rPr lang="en-US" b="1"/>
               <a:t>Day 3 additions</a:t>
             </a:r>
-            <a:endParaRPr/>
+            <a:endParaRPr lang="en-US" b="1"/>
           </a:p>
         </p:txBody>
       </p:sp>
@@ -12217,13 +12409,13 @@
           <p:cNvPr id="118" name="Google Shape;118;p19"/>
           <p:cNvSpPr txBox="1"/>
           <p:nvPr>
-            <p:ph idx="1" type="body"/>
+            <p:ph type="body" idx="1"/>
           </p:nvPr>
         </p:nvSpPr>
         <p:spPr>
           <a:xfrm>
-            <a:off x="457200" y="1600200"/>
-            <a:ext cx="8229600" cy="4525963"/>
+            <a:off x="457200" y="1417955"/>
+            <a:ext cx="8229600" cy="4708525"/>
           </a:xfrm>
           <a:prstGeom prst="rect">
             <a:avLst/>
@@ -12234,12 +12426,12 @@
           </a:ln>
         </p:spPr>
         <p:txBody>
-          <a:bodyPr anchorCtr="0" anchor="t" bIns="45700" lIns="91425" spcFirstLastPara="1" rIns="91425" wrap="square" tIns="45700">
-            <a:normAutofit/>
+          <a:bodyPr spcFirstLastPara="1" wrap="square" lIns="91425" tIns="45700" rIns="91425" bIns="45700" anchor="t" anchorCtr="0">
+            <a:normAutofit lnSpcReduction="20000"/>
           </a:bodyPr>
           <a:lstStyle/>
           <a:p>
-            <a:pPr indent="-342900" lvl="0" marL="342900" rtl="0" algn="l">
+            <a:pPr marL="0" lvl="0" indent="0" algn="l" rtl="0">
               <a:spcBef>
                 <a:spcPts val="0"/>
               </a:spcBef>
@@ -12250,13 +12442,73 @@
                 <a:schemeClr val="dk1"/>
               </a:buClr>
               <a:buSzPts val="3200"/>
-              <a:buChar char="•"/>
+              <a:buNone/>
             </a:pPr>
             <a:r>
               <a:rPr lang="en-US"/>
-              <a:t>Summarize the team’s journey throughout the competition with regards to the hurdles faced, improvements and changes made in the solution, etc.</a:t>
+              <a:t>To be Honest we have learnt more about respected domain (ML) more in depth than have learnt in College during past two days.</a:t>
             </a:r>
-            <a:endParaRPr/>
+            <a:endParaRPr lang="en-US"/>
+          </a:p>
+          <a:p>
+            <a:pPr marL="0" lvl="0" indent="0" algn="l" rtl="0">
+              <a:spcBef>
+                <a:spcPts val="0"/>
+              </a:spcBef>
+              <a:spcAft>
+                <a:spcPts val="0"/>
+              </a:spcAft>
+              <a:buClr>
+                <a:schemeClr val="dk1"/>
+              </a:buClr>
+              <a:buSzPts val="3200"/>
+              <a:buNone/>
+            </a:pPr>
+            <a:r>
+              <a:rPr lang="en-US"/>
+              <a:t>Enjoyed those Late Night Coding with Coffee to keep us Awake and Energetic.</a:t>
+            </a:r>
+            <a:endParaRPr lang="en-US"/>
+          </a:p>
+          <a:p>
+            <a:pPr marL="0" lvl="0" indent="0" algn="l" rtl="0">
+              <a:spcBef>
+                <a:spcPts val="0"/>
+              </a:spcBef>
+              <a:spcAft>
+                <a:spcPts val="0"/>
+              </a:spcAft>
+              <a:buClr>
+                <a:schemeClr val="dk1"/>
+              </a:buClr>
+              <a:buSzPts val="3200"/>
+              <a:buNone/>
+            </a:pPr>
+            <a:r>
+              <a:rPr lang="en-US"/>
+              <a:t>Faced Many Hudles while Building Model, many syntax error,parsing error,token errors but Stackoverflow and Our Mentors helps us overcome those .</a:t>
+            </a:r>
+            <a:endParaRPr lang="en-US"/>
+          </a:p>
+          <a:p>
+            <a:pPr marL="0" lvl="0" indent="0" algn="l" rtl="0">
+              <a:spcBef>
+                <a:spcPts val="0"/>
+              </a:spcBef>
+              <a:spcAft>
+                <a:spcPts val="0"/>
+              </a:spcAft>
+              <a:buClr>
+                <a:schemeClr val="dk1"/>
+              </a:buClr>
+              <a:buSzPts val="3200"/>
+              <a:buNone/>
+            </a:pPr>
+            <a:r>
+              <a:rPr lang="en-US"/>
+              <a:t>Special thanks to our Mentors and the core team for conducting such an amazing event.</a:t>
+            </a:r>
+            <a:endParaRPr lang="en-US"/>
           </a:p>
         </p:txBody>
       </p:sp>
@@ -12265,11 +12517,307 @@
   <p:clrMapOvr>
     <a:masterClrMapping/>
   </p:clrMapOvr>
+  <mc:AlternateContent xmlns:mc="http://schemas.openxmlformats.org/markup-compatibility/2006">
+    <mc:Choice xmlns:p14="http://schemas.microsoft.com/office/powerpoint/2010/main" Requires="p14">
+      <p:transition spd="slow" p14:dur="700">
+        <p:push/>
+      </p:transition>
+    </mc:Choice>
+    <mc:Fallback>
+      <p:transition spd="slow">
+        <p:push/>
+      </p:transition>
+    </mc:Fallback>
+  </mc:AlternateContent>
 </p:sld>
 </file>
 
 <file path=ppt/theme/theme1.xml><?xml version="1.0" encoding="utf-8"?>
-<a:theme xmlns:a="http://schemas.openxmlformats.org/drawingml/2006/main" xmlns:r="http://schemas.openxmlformats.org/officeDocument/2006/relationships">
+<a:theme xmlns:a="http://schemas.openxmlformats.org/drawingml/2006/main" name="Office Theme">
+  <a:themeElements>
+    <a:clrScheme name="Office">
+      <a:dk1>
+        <a:srgbClr val="000000"/>
+      </a:dk1>
+      <a:lt1>
+        <a:srgbClr val="FFFFFF"/>
+      </a:lt1>
+      <a:dk2>
+        <a:srgbClr val="1F497D"/>
+      </a:dk2>
+      <a:lt2>
+        <a:srgbClr val="EEECE1"/>
+      </a:lt2>
+      <a:accent1>
+        <a:srgbClr val="4F81BD"/>
+      </a:accent1>
+      <a:accent2>
+        <a:srgbClr val="C0504D"/>
+      </a:accent2>
+      <a:accent3>
+        <a:srgbClr val="9BBB59"/>
+      </a:accent3>
+      <a:accent4>
+        <a:srgbClr val="8064A2"/>
+      </a:accent4>
+      <a:accent5>
+        <a:srgbClr val="4BACC6"/>
+      </a:accent5>
+      <a:accent6>
+        <a:srgbClr val="F79646"/>
+      </a:accent6>
+      <a:hlink>
+        <a:srgbClr val="0000FF"/>
+      </a:hlink>
+      <a:folHlink>
+        <a:srgbClr val="800080"/>
+      </a:folHlink>
+    </a:clrScheme>
+    <a:fontScheme name="Office">
+      <a:majorFont>
+        <a:latin typeface="Arial"/>
+        <a:ea typeface=""/>
+        <a:cs typeface=""/>
+        <a:font script="Jpan" typeface="ＭＳ Ｐゴシック"/>
+        <a:font script="Hang" typeface="맑은 고딕"/>
+        <a:font script="Hans" typeface="宋体"/>
+        <a:font script="Hant" typeface="新細明體"/>
+        <a:font script="Arab" typeface="Times New Roman"/>
+        <a:font script="Hebr" typeface="Times New Roman"/>
+        <a:font script="Thai" typeface="Angsana New"/>
+        <a:font script="Ethi" typeface="Nyala"/>
+        <a:font script="Beng" typeface="Vrinda"/>
+        <a:font script="Gujr" typeface="Shruti"/>
+        <a:font script="Khmr" typeface="MoolBoran"/>
+        <a:font script="Knda" typeface="Tunga"/>
+        <a:font script="Guru" typeface="Raavi"/>
+        <a:font script="Cans" typeface="Euphemia"/>
+        <a:font script="Cher" typeface="Plantagenet Cherokee"/>
+        <a:font script="Yiii" typeface="Microsoft Yi Baiti"/>
+        <a:font script="Tibt" typeface="Microsoft Himalaya"/>
+        <a:font script="Thaa" typeface="MV Boli"/>
+        <a:font script="Deva" typeface="Mangal"/>
+        <a:font script="Telu" typeface="Gautami"/>
+        <a:font script="Taml" typeface="Latha"/>
+        <a:font script="Syrc" typeface="Estrangelo Edessa"/>
+        <a:font script="Orya" typeface="Kalinga"/>
+        <a:font script="Mlym" typeface="Kartika"/>
+        <a:font script="Laoo" typeface="DokChampa"/>
+        <a:font script="Sinh" typeface="Iskoola Pota"/>
+        <a:font script="Mong" typeface="Mongolian Baiti"/>
+        <a:font script="Viet" typeface="Times New Roman"/>
+        <a:font script="Uigh" typeface="Microsoft Uighur"/>
+        <a:font script="Geor" typeface="Sylfaen"/>
+      </a:majorFont>
+      <a:minorFont>
+        <a:latin typeface="Arial"/>
+        <a:ea typeface=""/>
+        <a:cs typeface=""/>
+        <a:font script="Jpan" typeface="ＭＳ Ｐゴシック"/>
+        <a:font script="Hang" typeface="맑은 고딕"/>
+        <a:font script="Hans" typeface="宋体"/>
+        <a:font script="Hant" typeface="新細明體"/>
+        <a:font script="Arab" typeface="Arial"/>
+        <a:font script="Hebr" typeface="Arial"/>
+        <a:font script="Thai" typeface="Cordia New"/>
+        <a:font script="Ethi" typeface="Nyala"/>
+        <a:font script="Beng" typeface="Vrinda"/>
+        <a:font script="Gujr" typeface="Shruti"/>
+        <a:font script="Khmr" typeface="DaunPenh"/>
+        <a:font script="Knda" typeface="Tunga"/>
+        <a:font script="Guru" typeface="Raavi"/>
+        <a:font script="Cans" typeface="Euphemia"/>
+        <a:font script="Cher" typeface="Plantagenet Cherokee"/>
+        <a:font script="Yiii" typeface="Microsoft Yi Baiti"/>
+        <a:font script="Tibt" typeface="Microsoft Himalaya"/>
+        <a:font script="Thaa" typeface="MV Boli"/>
+        <a:font script="Deva" typeface="Mangal"/>
+        <a:font script="Telu" typeface="Gautami"/>
+        <a:font script="Taml" typeface="Latha"/>
+        <a:font script="Syrc" typeface="Estrangelo Edessa"/>
+        <a:font script="Orya" typeface="Kalinga"/>
+        <a:font script="Mlym" typeface="Kartika"/>
+        <a:font script="Laoo" typeface="DokChampa"/>
+        <a:font script="Sinh" typeface="Iskoola Pota"/>
+        <a:font script="Mong" typeface="Mongolian Baiti"/>
+        <a:font script="Viet" typeface="Arial"/>
+        <a:font script="Uigh" typeface="Microsoft Uighur"/>
+        <a:font script="Geor" typeface="Sylfaen"/>
+      </a:minorFont>
+    </a:fontScheme>
+    <a:fmtScheme name="Office">
+      <a:fillStyleLst>
+        <a:solidFill>
+          <a:schemeClr val="phClr"/>
+        </a:solidFill>
+        <a:gradFill rotWithShape="1">
+          <a:gsLst>
+            <a:gs pos="0">
+              <a:schemeClr val="phClr">
+                <a:tint val="50000"/>
+                <a:satMod val="300000"/>
+              </a:schemeClr>
+            </a:gs>
+            <a:gs pos="35000">
+              <a:schemeClr val="phClr">
+                <a:tint val="37000"/>
+                <a:satMod val="300000"/>
+              </a:schemeClr>
+            </a:gs>
+            <a:gs pos="100000">
+              <a:schemeClr val="phClr">
+                <a:tint val="15000"/>
+                <a:satMod val="350000"/>
+              </a:schemeClr>
+            </a:gs>
+          </a:gsLst>
+          <a:lin ang="16200000" scaled="1"/>
+        </a:gradFill>
+        <a:gradFill rotWithShape="1">
+          <a:gsLst>
+            <a:gs pos="0">
+              <a:schemeClr val="phClr">
+                <a:tint val="100000"/>
+                <a:shade val="100000"/>
+                <a:satMod val="130000"/>
+              </a:schemeClr>
+            </a:gs>
+            <a:gs pos="100000">
+              <a:schemeClr val="phClr">
+                <a:tint val="50000"/>
+                <a:shade val="100000"/>
+                <a:satMod val="350000"/>
+              </a:schemeClr>
+            </a:gs>
+          </a:gsLst>
+          <a:lin ang="16200000" scaled="0"/>
+        </a:gradFill>
+      </a:fillStyleLst>
+      <a:lnStyleLst>
+        <a:ln w="9525" cap="flat" cmpd="sng" algn="ctr">
+          <a:solidFill>
+            <a:schemeClr val="phClr">
+              <a:shade val="95000"/>
+              <a:satMod val="105000"/>
+            </a:schemeClr>
+          </a:solidFill>
+          <a:prstDash val="solid"/>
+        </a:ln>
+        <a:ln w="25400" cap="flat" cmpd="sng" algn="ctr">
+          <a:solidFill>
+            <a:schemeClr val="phClr"/>
+          </a:solidFill>
+          <a:prstDash val="solid"/>
+        </a:ln>
+        <a:ln w="38100" cap="flat" cmpd="sng" algn="ctr">
+          <a:solidFill>
+            <a:schemeClr val="phClr"/>
+          </a:solidFill>
+          <a:prstDash val="solid"/>
+        </a:ln>
+      </a:lnStyleLst>
+      <a:effectStyleLst>
+        <a:effectStyle>
+          <a:effectLst>
+            <a:outerShdw blurRad="40000" dist="20000" dir="5400000" rotWithShape="0">
+              <a:srgbClr val="000000">
+                <a:alpha val="38000"/>
+              </a:srgbClr>
+            </a:outerShdw>
+          </a:effectLst>
+        </a:effectStyle>
+        <a:effectStyle>
+          <a:effectLst>
+            <a:outerShdw blurRad="40000" dist="23000" dir="5400000" rotWithShape="0">
+              <a:srgbClr val="000000">
+                <a:alpha val="35000"/>
+              </a:srgbClr>
+            </a:outerShdw>
+          </a:effectLst>
+        </a:effectStyle>
+        <a:effectStyle>
+          <a:effectLst>
+            <a:outerShdw blurRad="40000" dist="23000" dir="5400000" rotWithShape="0">
+              <a:srgbClr val="000000">
+                <a:alpha val="35000"/>
+              </a:srgbClr>
+            </a:outerShdw>
+          </a:effectLst>
+          <a:scene3d>
+            <a:camera prst="orthographicFront">
+              <a:rot lat="0" lon="0" rev="0"/>
+            </a:camera>
+            <a:lightRig rig="threePt" dir="t">
+              <a:rot lat="0" lon="0" rev="1200000"/>
+            </a:lightRig>
+          </a:scene3d>
+          <a:sp3d>
+            <a:bevelT w="63500" h="25400"/>
+          </a:sp3d>
+        </a:effectStyle>
+      </a:effectStyleLst>
+      <a:bgFillStyleLst>
+        <a:solidFill>
+          <a:schemeClr val="phClr"/>
+        </a:solidFill>
+        <a:gradFill rotWithShape="1">
+          <a:gsLst>
+            <a:gs pos="0">
+              <a:schemeClr val="phClr">
+                <a:tint val="40000"/>
+                <a:satMod val="350000"/>
+              </a:schemeClr>
+            </a:gs>
+            <a:gs pos="40000">
+              <a:schemeClr val="phClr">
+                <a:tint val="45000"/>
+                <a:shade val="99000"/>
+                <a:satMod val="350000"/>
+              </a:schemeClr>
+            </a:gs>
+            <a:gs pos="100000">
+              <a:schemeClr val="phClr">
+                <a:shade val="20000"/>
+                <a:satMod val="255000"/>
+              </a:schemeClr>
+            </a:gs>
+          </a:gsLst>
+          <a:path path="circle">
+            <a:fillToRect l="50000" t="-80000" r="50000" b="180000"/>
+          </a:path>
+        </a:gradFill>
+        <a:gradFill rotWithShape="1">
+          <a:gsLst>
+            <a:gs pos="0">
+              <a:schemeClr val="phClr">
+                <a:tint val="80000"/>
+                <a:satMod val="300000"/>
+              </a:schemeClr>
+            </a:gs>
+            <a:gs pos="100000">
+              <a:schemeClr val="phClr">
+                <a:shade val="30000"/>
+                <a:satMod val="200000"/>
+              </a:schemeClr>
+            </a:gs>
+          </a:gsLst>
+          <a:path path="circle">
+            <a:fillToRect l="50000" t="50000" r="50000" b="50000"/>
+          </a:path>
+        </a:gradFill>
+      </a:bgFillStyleLst>
+    </a:fmtScheme>
+  </a:themeElements>
+  <a:extLst>
+    <a:ext uri="{05A4C25C-085E-4340-85A3-A5531E510DB2}">
+      <thm15:themeFamily xmlns:thm15="http://schemas.microsoft.com/office/thememl/2012/main" name="Office Theme" id="{62F939B6-93AF-4DB8-9C6B-D6C7DFDC589F}" vid="{4A3C46E8-61CC-4603-A589-7422A47A8E4A}"/>
+    </a:ext>
+  </a:extLst>
+</a:theme>
+</file>
+
+<file path=ppt/theme/theme2.xml><?xml version="1.0" encoding="utf-8"?>
+<a:theme xmlns:a="http://schemas.openxmlformats.org/drawingml/2006/main">
   <a:themeElements>
     <a:clrScheme name="Default">
       <a:dk1>
@@ -12544,284 +13092,10 @@
       </a:bgFillStyleLst>
     </a:fmtScheme>
   </a:themeElements>
-</a:theme>
-</file>
-
-<file path=ppt/theme/theme2.xml><?xml version="1.0" encoding="utf-8"?>
-<a:theme xmlns:a="http://schemas.openxmlformats.org/drawingml/2006/main" xmlns:r="http://schemas.openxmlformats.org/officeDocument/2006/relationships" name="Office Theme">
-  <a:themeElements>
-    <a:clrScheme name="Office">
-      <a:dk1>
-        <a:srgbClr val="000000"/>
-      </a:dk1>
-      <a:lt1>
-        <a:srgbClr val="FFFFFF"/>
-      </a:lt1>
-      <a:dk2>
-        <a:srgbClr val="1F497D"/>
-      </a:dk2>
-      <a:lt2>
-        <a:srgbClr val="EEECE1"/>
-      </a:lt2>
-      <a:accent1>
-        <a:srgbClr val="4F81BD"/>
-      </a:accent1>
-      <a:accent2>
-        <a:srgbClr val="C0504D"/>
-      </a:accent2>
-      <a:accent3>
-        <a:srgbClr val="9BBB59"/>
-      </a:accent3>
-      <a:accent4>
-        <a:srgbClr val="8064A2"/>
-      </a:accent4>
-      <a:accent5>
-        <a:srgbClr val="4BACC6"/>
-      </a:accent5>
-      <a:accent6>
-        <a:srgbClr val="F79646"/>
-      </a:accent6>
-      <a:hlink>
-        <a:srgbClr val="0000FF"/>
-      </a:hlink>
-      <a:folHlink>
-        <a:srgbClr val="800080"/>
-      </a:folHlink>
-    </a:clrScheme>
-    <a:fontScheme name="Office">
-      <a:majorFont>
-        <a:latin typeface="Arial"/>
-        <a:ea typeface=""/>
-        <a:cs typeface=""/>
-        <a:font script="Jpan" typeface="ＭＳ Ｐゴシック"/>
-        <a:font script="Hang" typeface="맑은 고딕"/>
-        <a:font script="Hans" typeface="宋体"/>
-        <a:font script="Hant" typeface="新細明體"/>
-        <a:font script="Arab" typeface="Times New Roman"/>
-        <a:font script="Hebr" typeface="Times New Roman"/>
-        <a:font script="Thai" typeface="Angsana New"/>
-        <a:font script="Ethi" typeface="Nyala"/>
-        <a:font script="Beng" typeface="Vrinda"/>
-        <a:font script="Gujr" typeface="Shruti"/>
-        <a:font script="Khmr" typeface="MoolBoran"/>
-        <a:font script="Knda" typeface="Tunga"/>
-        <a:font script="Guru" typeface="Raavi"/>
-        <a:font script="Cans" typeface="Euphemia"/>
-        <a:font script="Cher" typeface="Plantagenet Cherokee"/>
-        <a:font script="Yiii" typeface="Microsoft Yi Baiti"/>
-        <a:font script="Tibt" typeface="Microsoft Himalaya"/>
-        <a:font script="Thaa" typeface="MV Boli"/>
-        <a:font script="Deva" typeface="Mangal"/>
-        <a:font script="Telu" typeface="Gautami"/>
-        <a:font script="Taml" typeface="Latha"/>
-        <a:font script="Syrc" typeface="Estrangelo Edessa"/>
-        <a:font script="Orya" typeface="Kalinga"/>
-        <a:font script="Mlym" typeface="Kartika"/>
-        <a:font script="Laoo" typeface="DokChampa"/>
-        <a:font script="Sinh" typeface="Iskoola Pota"/>
-        <a:font script="Mong" typeface="Mongolian Baiti"/>
-        <a:font script="Viet" typeface="Times New Roman"/>
-        <a:font script="Uigh" typeface="Microsoft Uighur"/>
-        <a:font script="Geor" typeface="Sylfaen"/>
-      </a:majorFont>
-      <a:minorFont>
-        <a:latin typeface="Arial"/>
-        <a:ea typeface=""/>
-        <a:cs typeface=""/>
-        <a:font script="Jpan" typeface="ＭＳ Ｐゴシック"/>
-        <a:font script="Hang" typeface="맑은 고딕"/>
-        <a:font script="Hans" typeface="宋体"/>
-        <a:font script="Hant" typeface="新細明體"/>
-        <a:font script="Arab" typeface="Arial"/>
-        <a:font script="Hebr" typeface="Arial"/>
-        <a:font script="Thai" typeface="Cordia New"/>
-        <a:font script="Ethi" typeface="Nyala"/>
-        <a:font script="Beng" typeface="Vrinda"/>
-        <a:font script="Gujr" typeface="Shruti"/>
-        <a:font script="Khmr" typeface="DaunPenh"/>
-        <a:font script="Knda" typeface="Tunga"/>
-        <a:font script="Guru" typeface="Raavi"/>
-        <a:font script="Cans" typeface="Euphemia"/>
-        <a:font script="Cher" typeface="Plantagenet Cherokee"/>
-        <a:font script="Yiii" typeface="Microsoft Yi Baiti"/>
-        <a:font script="Tibt" typeface="Microsoft Himalaya"/>
-        <a:font script="Thaa" typeface="MV Boli"/>
-        <a:font script="Deva" typeface="Mangal"/>
-        <a:font script="Telu" typeface="Gautami"/>
-        <a:font script="Taml" typeface="Latha"/>
-        <a:font script="Syrc" typeface="Estrangelo Edessa"/>
-        <a:font script="Orya" typeface="Kalinga"/>
-        <a:font script="Mlym" typeface="Kartika"/>
-        <a:font script="Laoo" typeface="DokChampa"/>
-        <a:font script="Sinh" typeface="Iskoola Pota"/>
-        <a:font script="Mong" typeface="Mongolian Baiti"/>
-        <a:font script="Viet" typeface="Arial"/>
-        <a:font script="Uigh" typeface="Microsoft Uighur"/>
-        <a:font script="Geor" typeface="Sylfaen"/>
-      </a:minorFont>
-    </a:fontScheme>
-    <a:fmtScheme name="Office">
-      <a:fillStyleLst>
-        <a:solidFill>
-          <a:schemeClr val="phClr"/>
-        </a:solidFill>
-        <a:gradFill rotWithShape="1">
-          <a:gsLst>
-            <a:gs pos="0">
-              <a:schemeClr val="phClr">
-                <a:tint val="50000"/>
-                <a:satMod val="300000"/>
-              </a:schemeClr>
-            </a:gs>
-            <a:gs pos="35000">
-              <a:schemeClr val="phClr">
-                <a:tint val="37000"/>
-                <a:satMod val="300000"/>
-              </a:schemeClr>
-            </a:gs>
-            <a:gs pos="100000">
-              <a:schemeClr val="phClr">
-                <a:tint val="15000"/>
-                <a:satMod val="350000"/>
-              </a:schemeClr>
-            </a:gs>
-          </a:gsLst>
-          <a:lin ang="16200000" scaled="1"/>
-        </a:gradFill>
-        <a:gradFill rotWithShape="1">
-          <a:gsLst>
-            <a:gs pos="0">
-              <a:schemeClr val="phClr">
-                <a:tint val="100000"/>
-                <a:shade val="100000"/>
-                <a:satMod val="130000"/>
-              </a:schemeClr>
-            </a:gs>
-            <a:gs pos="100000">
-              <a:schemeClr val="phClr">
-                <a:tint val="50000"/>
-                <a:shade val="100000"/>
-                <a:satMod val="350000"/>
-              </a:schemeClr>
-            </a:gs>
-          </a:gsLst>
-          <a:lin ang="16200000" scaled="0"/>
-        </a:gradFill>
-      </a:fillStyleLst>
-      <a:lnStyleLst>
-        <a:ln w="9525" cap="flat" cmpd="sng" algn="ctr">
-          <a:solidFill>
-            <a:schemeClr val="phClr">
-              <a:shade val="95000"/>
-              <a:satMod val="105000"/>
-            </a:schemeClr>
-          </a:solidFill>
-          <a:prstDash val="solid"/>
-        </a:ln>
-        <a:ln w="25400" cap="flat" cmpd="sng" algn="ctr">
-          <a:solidFill>
-            <a:schemeClr val="phClr"/>
-          </a:solidFill>
-          <a:prstDash val="solid"/>
-        </a:ln>
-        <a:ln w="38100" cap="flat" cmpd="sng" algn="ctr">
-          <a:solidFill>
-            <a:schemeClr val="phClr"/>
-          </a:solidFill>
-          <a:prstDash val="solid"/>
-        </a:ln>
-      </a:lnStyleLst>
-      <a:effectStyleLst>
-        <a:effectStyle>
-          <a:effectLst>
-            <a:outerShdw blurRad="40000" dist="20000" dir="5400000" rotWithShape="0">
-              <a:srgbClr val="000000">
-                <a:alpha val="38000"/>
-              </a:srgbClr>
-            </a:outerShdw>
-          </a:effectLst>
-        </a:effectStyle>
-        <a:effectStyle>
-          <a:effectLst>
-            <a:outerShdw blurRad="40000" dist="23000" dir="5400000" rotWithShape="0">
-              <a:srgbClr val="000000">
-                <a:alpha val="35000"/>
-              </a:srgbClr>
-            </a:outerShdw>
-          </a:effectLst>
-        </a:effectStyle>
-        <a:effectStyle>
-          <a:effectLst>
-            <a:outerShdw blurRad="40000" dist="23000" dir="5400000" rotWithShape="0">
-              <a:srgbClr val="000000">
-                <a:alpha val="35000"/>
-              </a:srgbClr>
-            </a:outerShdw>
-          </a:effectLst>
-          <a:scene3d>
-            <a:camera prst="orthographicFront">
-              <a:rot lat="0" lon="0" rev="0"/>
-            </a:camera>
-            <a:lightRig rig="threePt" dir="t">
-              <a:rot lat="0" lon="0" rev="1200000"/>
-            </a:lightRig>
-          </a:scene3d>
-          <a:sp3d>
-            <a:bevelT w="63500" h="25400"/>
-          </a:sp3d>
-        </a:effectStyle>
-      </a:effectStyleLst>
-      <a:bgFillStyleLst>
-        <a:solidFill>
-          <a:schemeClr val="phClr"/>
-        </a:solidFill>
-        <a:gradFill rotWithShape="1">
-          <a:gsLst>
-            <a:gs pos="0">
-              <a:schemeClr val="phClr">
-                <a:tint val="40000"/>
-                <a:satMod val="350000"/>
-              </a:schemeClr>
-            </a:gs>
-            <a:gs pos="40000">
-              <a:schemeClr val="phClr">
-                <a:tint val="45000"/>
-                <a:shade val="99000"/>
-                <a:satMod val="350000"/>
-              </a:schemeClr>
-            </a:gs>
-            <a:gs pos="100000">
-              <a:schemeClr val="phClr">
-                <a:shade val="20000"/>
-                <a:satMod val="255000"/>
-              </a:schemeClr>
-            </a:gs>
-          </a:gsLst>
-          <a:path path="circle">
-            <a:fillToRect l="50000" t="-80000" r="50000" b="180000"/>
-          </a:path>
-        </a:gradFill>
-        <a:gradFill rotWithShape="1">
-          <a:gsLst>
-            <a:gs pos="0">
-              <a:schemeClr val="phClr">
-                <a:tint val="80000"/>
-                <a:satMod val="300000"/>
-              </a:schemeClr>
-            </a:gs>
-            <a:gs pos="100000">
-              <a:schemeClr val="phClr">
-                <a:shade val="30000"/>
-                <a:satMod val="200000"/>
-              </a:schemeClr>
-            </a:gs>
-          </a:gsLst>
-          <a:path path="circle">
-            <a:fillToRect l="50000" t="50000" r="50000" b="50000"/>
-          </a:path>
-        </a:gradFill>
-      </a:bgFillStyleLst>
-    </a:fmtScheme>
-  </a:themeElements>
+  <a:extLst>
+    <a:ext uri="{05A4C25C-085E-4340-85A3-A5531E510DB2}">
+      <thm15:themeFamily xmlns:thm15="http://schemas.microsoft.com/office/thememl/2012/main" name="Office Theme" id="{62F939B6-93AF-4DB8-9C6B-D6C7DFDC589F}" vid="{4A3C46E8-61CC-4603-A589-7422A47A8E4A}"/>
+    </a:ext>
+  </a:extLst>
 </a:theme>
 </file>